--- a/Image_segmentation_NM.pptx
+++ b/Image_segmentation_NM.pptx
@@ -1587,7 +1587,7 @@
   <p:cSld>
     <p:spTree>
       <p:nvGrpSpPr>
-        <p:cNvPr id="156" name="Shape 156"/>
+        <p:cNvPr id="152" name="Shape 152"/>
         <p:cNvGrpSpPr/>
         <p:nvPr/>
       </p:nvGrpSpPr>
@@ -1601,7 +1601,7 @@
       </p:grpSpPr>
       <p:sp>
         <p:nvSpPr>
-          <p:cNvPr id="157" name="Google Shape;157;gfa271b51259323d_10:notes"/>
+          <p:cNvPr id="153" name="Google Shape;153;gfa271b51259323d_10:notes"/>
           <p:cNvSpPr/>
           <p:nvPr>
             <p:ph idx="2" type="sldImg"/>
@@ -1636,7 +1636,7 @@
       </p:sp>
       <p:sp>
         <p:nvSpPr>
-          <p:cNvPr id="158" name="Google Shape;158;gfa271b51259323d_10:notes"/>
+          <p:cNvPr id="154" name="Google Shape;154;gfa271b51259323d_10:notes"/>
           <p:cNvSpPr txBox="1"/>
           <p:nvPr>
             <p:ph idx="1" type="body"/>
@@ -1675,7 +1675,7 @@
       </p:sp>
       <p:sp>
         <p:nvSpPr>
-          <p:cNvPr id="159" name="Google Shape;159;gfa271b51259323d_10:notes"/>
+          <p:cNvPr id="155" name="Google Shape;155;gfa271b51259323d_10:notes"/>
           <p:cNvSpPr txBox="1"/>
           <p:nvPr>
             <p:ph idx="12" type="sldNum"/>
@@ -1730,7 +1730,7 @@
   <p:cSld>
     <p:spTree>
       <p:nvGrpSpPr>
-        <p:cNvPr id="164" name="Shape 164"/>
+        <p:cNvPr id="160" name="Shape 160"/>
         <p:cNvGrpSpPr/>
         <p:nvPr/>
       </p:nvGrpSpPr>
@@ -1744,7 +1744,7 @@
       </p:grpSpPr>
       <p:sp>
         <p:nvSpPr>
-          <p:cNvPr id="165" name="Google Shape;165;gfa271b51259323d_17:notes"/>
+          <p:cNvPr id="161" name="Google Shape;161;gfa271b51259323d_17:notes"/>
           <p:cNvSpPr/>
           <p:nvPr>
             <p:ph idx="2" type="sldImg"/>
@@ -1779,7 +1779,7 @@
       </p:sp>
       <p:sp>
         <p:nvSpPr>
-          <p:cNvPr id="166" name="Google Shape;166;gfa271b51259323d_17:notes"/>
+          <p:cNvPr id="162" name="Google Shape;162;gfa271b51259323d_17:notes"/>
           <p:cNvSpPr txBox="1"/>
           <p:nvPr>
             <p:ph idx="1" type="body"/>
@@ -1818,7 +1818,7 @@
       </p:sp>
       <p:sp>
         <p:nvSpPr>
-          <p:cNvPr id="167" name="Google Shape;167;gfa271b51259323d_17:notes"/>
+          <p:cNvPr id="163" name="Google Shape;163;gfa271b51259323d_17:notes"/>
           <p:cNvSpPr txBox="1"/>
           <p:nvPr>
             <p:ph idx="12" type="sldNum"/>
@@ -1869,7 +1869,7 @@
   <p:cSld>
     <p:spTree>
       <p:nvGrpSpPr>
-        <p:cNvPr id="172" name="Shape 172"/>
+        <p:cNvPr id="168" name="Shape 168"/>
         <p:cNvGrpSpPr/>
         <p:nvPr/>
       </p:nvGrpSpPr>
@@ -1883,7 +1883,7 @@
       </p:grpSpPr>
       <p:sp>
         <p:nvSpPr>
-          <p:cNvPr id="173" name="Google Shape;173;gfa271b51259323d_47:notes"/>
+          <p:cNvPr id="169" name="Google Shape;169;gfa271b51259323d_47:notes"/>
           <p:cNvSpPr/>
           <p:nvPr>
             <p:ph idx="2" type="sldImg"/>
@@ -1918,7 +1918,7 @@
       </p:sp>
       <p:sp>
         <p:nvSpPr>
-          <p:cNvPr id="174" name="Google Shape;174;gfa271b51259323d_47:notes"/>
+          <p:cNvPr id="170" name="Google Shape;170;gfa271b51259323d_47:notes"/>
           <p:cNvSpPr txBox="1"/>
           <p:nvPr>
             <p:ph idx="1" type="body"/>
@@ -1957,7 +1957,7 @@
       </p:sp>
       <p:sp>
         <p:nvSpPr>
-          <p:cNvPr id="175" name="Google Shape;175;gfa271b51259323d_47:notes"/>
+          <p:cNvPr id="171" name="Google Shape;171;gfa271b51259323d_47:notes"/>
           <p:cNvSpPr txBox="1"/>
           <p:nvPr>
             <p:ph idx="12" type="sldNum"/>
@@ -2008,7 +2008,7 @@
   <p:cSld>
     <p:spTree>
       <p:nvGrpSpPr>
-        <p:cNvPr id="179" name="Shape 179"/>
+        <p:cNvPr id="175" name="Shape 175"/>
         <p:cNvGrpSpPr/>
         <p:nvPr/>
       </p:nvGrpSpPr>
@@ -2022,7 +2022,7 @@
       </p:grpSpPr>
       <p:sp>
         <p:nvSpPr>
-          <p:cNvPr id="180" name="Google Shape;180;gfa271b51259323d_55:notes"/>
+          <p:cNvPr id="176" name="Google Shape;176;gfa271b51259323d_55:notes"/>
           <p:cNvSpPr/>
           <p:nvPr>
             <p:ph idx="2" type="sldImg"/>
@@ -2057,7 +2057,7 @@
       </p:sp>
       <p:sp>
         <p:nvSpPr>
-          <p:cNvPr id="181" name="Google Shape;181;gfa271b51259323d_55:notes"/>
+          <p:cNvPr id="177" name="Google Shape;177;gfa271b51259323d_55:notes"/>
           <p:cNvSpPr txBox="1"/>
           <p:nvPr>
             <p:ph idx="1" type="body"/>
@@ -2096,7 +2096,7 @@
       </p:sp>
       <p:sp>
         <p:nvSpPr>
-          <p:cNvPr id="182" name="Google Shape;182;gfa271b51259323d_55:notes"/>
+          <p:cNvPr id="178" name="Google Shape;178;gfa271b51259323d_55:notes"/>
           <p:cNvSpPr txBox="1"/>
           <p:nvPr>
             <p:ph idx="12" type="sldNum"/>
@@ -2147,7 +2147,7 @@
   <p:cSld>
     <p:spTree>
       <p:nvGrpSpPr>
-        <p:cNvPr id="186" name="Shape 186"/>
+        <p:cNvPr id="182" name="Shape 182"/>
         <p:cNvGrpSpPr/>
         <p:nvPr/>
       </p:nvGrpSpPr>
@@ -2161,7 +2161,7 @@
       </p:grpSpPr>
       <p:sp>
         <p:nvSpPr>
-          <p:cNvPr id="187" name="Google Shape;187;p8:notes"/>
+          <p:cNvPr id="183" name="Google Shape;183;p8:notes"/>
           <p:cNvSpPr/>
           <p:nvPr>
             <p:ph idx="2" type="sldImg"/>
@@ -2206,7 +2206,7 @@
       </p:sp>
       <p:sp>
         <p:nvSpPr>
-          <p:cNvPr id="188" name="Google Shape;188;p8:notes"/>
+          <p:cNvPr id="184" name="Google Shape;184;p8:notes"/>
           <p:cNvSpPr txBox="1"/>
           <p:nvPr>
             <p:ph idx="1" type="body"/>
@@ -2249,7 +2249,7 @@
       </p:sp>
       <p:sp>
         <p:nvSpPr>
-          <p:cNvPr id="189" name="Google Shape;189;p8:notes"/>
+          <p:cNvPr id="185" name="Google Shape;185;p8:notes"/>
           <p:cNvSpPr txBox="1"/>
           <p:nvPr>
             <p:ph idx="12" type="sldNum"/>
@@ -2775,7 +2775,7 @@
   <p:cSld>
     <p:spTree>
       <p:nvGrpSpPr>
-        <p:cNvPr id="67" name="Shape 67"/>
+        <p:cNvPr id="63" name="Shape 63"/>
         <p:cNvGrpSpPr/>
         <p:nvPr/>
       </p:nvGrpSpPr>
@@ -2789,7 +2789,7 @@
       </p:grpSpPr>
       <p:sp>
         <p:nvSpPr>
-          <p:cNvPr id="68" name="Google Shape;68;p4:notes"/>
+          <p:cNvPr id="64" name="Google Shape;64;p4:notes"/>
           <p:cNvSpPr/>
           <p:nvPr>
             <p:ph idx="2" type="sldImg"/>
@@ -2834,7 +2834,7 @@
       </p:sp>
       <p:sp>
         <p:nvSpPr>
-          <p:cNvPr id="69" name="Google Shape;69;p4:notes"/>
+          <p:cNvPr id="65" name="Google Shape;65;p4:notes"/>
           <p:cNvSpPr txBox="1"/>
           <p:nvPr>
             <p:ph idx="1" type="body"/>
@@ -2877,7 +2877,7 @@
       </p:sp>
       <p:sp>
         <p:nvSpPr>
-          <p:cNvPr id="70" name="Google Shape;70;p4:notes"/>
+          <p:cNvPr id="66" name="Google Shape;66;p4:notes"/>
           <p:cNvSpPr txBox="1"/>
           <p:nvPr>
             <p:ph idx="12" type="sldNum"/>
@@ -2932,7 +2932,7 @@
   <p:cSld>
     <p:spTree>
       <p:nvGrpSpPr>
-        <p:cNvPr id="92" name="Shape 92"/>
+        <p:cNvPr id="88" name="Shape 88"/>
         <p:cNvGrpSpPr/>
         <p:nvPr/>
       </p:nvGrpSpPr>
@@ -2946,7 +2946,7 @@
       </p:grpSpPr>
       <p:sp>
         <p:nvSpPr>
-          <p:cNvPr id="93" name="Google Shape;93;p5:notes"/>
+          <p:cNvPr id="89" name="Google Shape;89;p5:notes"/>
           <p:cNvSpPr/>
           <p:nvPr>
             <p:ph idx="2" type="sldImg"/>
@@ -2991,7 +2991,7 @@
       </p:sp>
       <p:sp>
         <p:nvSpPr>
-          <p:cNvPr id="94" name="Google Shape;94;p5:notes"/>
+          <p:cNvPr id="90" name="Google Shape;90;p5:notes"/>
           <p:cNvSpPr txBox="1"/>
           <p:nvPr>
             <p:ph idx="1" type="body"/>
@@ -3034,7 +3034,7 @@
       </p:sp>
       <p:sp>
         <p:nvSpPr>
-          <p:cNvPr id="95" name="Google Shape;95;p5:notes"/>
+          <p:cNvPr id="91" name="Google Shape;91;p5:notes"/>
           <p:cNvSpPr txBox="1"/>
           <p:nvPr>
             <p:ph idx="12" type="sldNum"/>
@@ -3089,7 +3089,7 @@
   <p:cSld>
     <p:spTree>
       <p:nvGrpSpPr>
-        <p:cNvPr id="110" name="Shape 110"/>
+        <p:cNvPr id="106" name="Shape 106"/>
         <p:cNvGrpSpPr/>
         <p:nvPr/>
       </p:nvGrpSpPr>
@@ -3103,7 +3103,7 @@
       </p:grpSpPr>
       <p:sp>
         <p:nvSpPr>
-          <p:cNvPr id="111" name="Google Shape;111;p6:notes"/>
+          <p:cNvPr id="107" name="Google Shape;107;p6:notes"/>
           <p:cNvSpPr/>
           <p:nvPr>
             <p:ph idx="2" type="sldImg"/>
@@ -3148,7 +3148,7 @@
       </p:sp>
       <p:sp>
         <p:nvSpPr>
-          <p:cNvPr id="112" name="Google Shape;112;p6:notes"/>
+          <p:cNvPr id="108" name="Google Shape;108;p6:notes"/>
           <p:cNvSpPr txBox="1"/>
           <p:nvPr>
             <p:ph idx="1" type="body"/>
@@ -3191,7 +3191,7 @@
       </p:sp>
       <p:sp>
         <p:nvSpPr>
-          <p:cNvPr id="113" name="Google Shape;113;p6:notes"/>
+          <p:cNvPr id="109" name="Google Shape;109;p6:notes"/>
           <p:cNvSpPr txBox="1"/>
           <p:nvPr>
             <p:ph idx="12" type="sldNum"/>
@@ -3246,7 +3246,7 @@
   <p:cSld>
     <p:spTree>
       <p:nvGrpSpPr>
-        <p:cNvPr id="127" name="Shape 127"/>
+        <p:cNvPr id="123" name="Shape 123"/>
         <p:cNvGrpSpPr/>
         <p:nvPr/>
       </p:nvGrpSpPr>
@@ -3260,7 +3260,7 @@
       </p:grpSpPr>
       <p:sp>
         <p:nvSpPr>
-          <p:cNvPr id="128" name="Google Shape;128;p7:notes"/>
+          <p:cNvPr id="124" name="Google Shape;124;p7:notes"/>
           <p:cNvSpPr/>
           <p:nvPr>
             <p:ph idx="2" type="sldImg"/>
@@ -3305,7 +3305,7 @@
       </p:sp>
       <p:sp>
         <p:nvSpPr>
-          <p:cNvPr id="129" name="Google Shape;129;p7:notes"/>
+          <p:cNvPr id="125" name="Google Shape;125;p7:notes"/>
           <p:cNvSpPr txBox="1"/>
           <p:nvPr>
             <p:ph idx="1" type="body"/>
@@ -3348,7 +3348,7 @@
       </p:sp>
       <p:sp>
         <p:nvSpPr>
-          <p:cNvPr id="130" name="Google Shape;130;p7:notes"/>
+          <p:cNvPr id="126" name="Google Shape;126;p7:notes"/>
           <p:cNvSpPr txBox="1"/>
           <p:nvPr>
             <p:ph idx="12" type="sldNum"/>
@@ -3403,7 +3403,7 @@
   <p:cSld>
     <p:spTree>
       <p:nvGrpSpPr>
-        <p:cNvPr id="147" name="Shape 147"/>
+        <p:cNvPr id="143" name="Shape 143"/>
         <p:cNvGrpSpPr/>
         <p:nvPr/>
       </p:nvGrpSpPr>
@@ -3417,7 +3417,7 @@
       </p:grpSpPr>
       <p:sp>
         <p:nvSpPr>
-          <p:cNvPr id="148" name="Google Shape;148;gfa271b51259323d_26:notes"/>
+          <p:cNvPr id="144" name="Google Shape;144;gfa271b51259323d_26:notes"/>
           <p:cNvSpPr/>
           <p:nvPr>
             <p:ph idx="2" type="sldImg"/>
@@ -3462,7 +3462,7 @@
       </p:sp>
       <p:sp>
         <p:nvSpPr>
-          <p:cNvPr id="149" name="Google Shape;149;gfa271b51259323d_26:notes"/>
+          <p:cNvPr id="145" name="Google Shape;145;gfa271b51259323d_26:notes"/>
           <p:cNvSpPr txBox="1"/>
           <p:nvPr>
             <p:ph idx="1" type="body"/>
@@ -3505,7 +3505,7 @@
       </p:sp>
       <p:sp>
         <p:nvSpPr>
-          <p:cNvPr id="150" name="Google Shape;150;gfa271b51259323d_26:notes"/>
+          <p:cNvPr id="146" name="Google Shape;146;gfa271b51259323d_26:notes"/>
           <p:cNvSpPr txBox="1"/>
           <p:nvPr>
             <p:ph idx="12" type="sldNum"/>
@@ -4488,7 +4488,7 @@
   <p:cSld>
     <p:spTree>
       <p:nvGrpSpPr>
-        <p:cNvPr id="160" name="Shape 160"/>
+        <p:cNvPr id="156" name="Shape 156"/>
         <p:cNvGrpSpPr/>
         <p:nvPr/>
       </p:nvGrpSpPr>
@@ -4502,7 +4502,7 @@
       </p:grpSpPr>
       <p:sp>
         <p:nvSpPr>
-          <p:cNvPr id="161" name="Google Shape;161;p12"/>
+          <p:cNvPr id="157" name="Google Shape;157;p12"/>
           <p:cNvSpPr/>
           <p:nvPr/>
         </p:nvSpPr>
@@ -4568,7 +4568,7 @@
       </p:sp>
       <p:pic>
         <p:nvPicPr>
-          <p:cNvPr id="162" name="Google Shape;162;p12"/>
+          <p:cNvPr id="158" name="Google Shape;158;p12"/>
           <p:cNvPicPr preferRelativeResize="0"/>
           <p:nvPr/>
         </p:nvPicPr>
@@ -4595,7 +4595,7 @@
       </p:pic>
       <p:pic>
         <p:nvPicPr>
-          <p:cNvPr id="163" name="Google Shape;163;p12"/>
+          <p:cNvPr id="159" name="Google Shape;159;p12"/>
           <p:cNvPicPr preferRelativeResize="0"/>
           <p:nvPr/>
         </p:nvPicPr>
@@ -4634,7 +4634,7 @@
   <p:cSld>
     <p:spTree>
       <p:nvGrpSpPr>
-        <p:cNvPr id="168" name="Shape 168"/>
+        <p:cNvPr id="164" name="Shape 164"/>
         <p:cNvGrpSpPr/>
         <p:nvPr/>
       </p:nvGrpSpPr>
@@ -4648,7 +4648,7 @@
       </p:grpSpPr>
       <p:sp>
         <p:nvSpPr>
-          <p:cNvPr id="169" name="Google Shape;169;p13"/>
+          <p:cNvPr id="165" name="Google Shape;165;p13"/>
           <p:cNvSpPr/>
           <p:nvPr/>
         </p:nvSpPr>
@@ -4714,7 +4714,7 @@
       </p:sp>
       <p:pic>
         <p:nvPicPr>
-          <p:cNvPr id="170" name="Google Shape;170;p13"/>
+          <p:cNvPr id="166" name="Google Shape;166;p13"/>
           <p:cNvPicPr preferRelativeResize="0"/>
           <p:nvPr/>
         </p:nvPicPr>
@@ -4742,7 +4742,7 @@
       </p:pic>
       <p:pic>
         <p:nvPicPr>
-          <p:cNvPr id="171" name="Google Shape;171;p13"/>
+          <p:cNvPr id="167" name="Google Shape;167;p13"/>
           <p:cNvPicPr preferRelativeResize="0"/>
           <p:nvPr/>
         </p:nvPicPr>
@@ -4781,7 +4781,7 @@
   <p:cSld>
     <p:spTree>
       <p:nvGrpSpPr>
-        <p:cNvPr id="176" name="Shape 176"/>
+        <p:cNvPr id="172" name="Shape 172"/>
         <p:cNvGrpSpPr/>
         <p:nvPr/>
       </p:nvGrpSpPr>
@@ -4795,7 +4795,7 @@
       </p:grpSpPr>
       <p:sp>
         <p:nvSpPr>
-          <p:cNvPr id="177" name="Google Shape;177;p14"/>
+          <p:cNvPr id="173" name="Google Shape;173;p14"/>
           <p:cNvSpPr/>
           <p:nvPr/>
         </p:nvSpPr>
@@ -4861,7 +4861,7 @@
       </p:sp>
       <p:pic>
         <p:nvPicPr>
-          <p:cNvPr id="178" name="Google Shape;178;p14"/>
+          <p:cNvPr id="174" name="Google Shape;174;p14"/>
           <p:cNvPicPr preferRelativeResize="0"/>
           <p:nvPr/>
         </p:nvPicPr>
@@ -4900,7 +4900,7 @@
   <p:cSld>
     <p:spTree>
       <p:nvGrpSpPr>
-        <p:cNvPr id="183" name="Shape 183"/>
+        <p:cNvPr id="179" name="Shape 179"/>
         <p:cNvGrpSpPr/>
         <p:nvPr/>
       </p:nvGrpSpPr>
@@ -4914,7 +4914,7 @@
       </p:grpSpPr>
       <p:sp>
         <p:nvSpPr>
-          <p:cNvPr id="184" name="Google Shape;184;p15"/>
+          <p:cNvPr id="180" name="Google Shape;180;p15"/>
           <p:cNvSpPr/>
           <p:nvPr/>
         </p:nvSpPr>
@@ -4980,7 +4980,7 @@
       </p:sp>
       <p:pic>
         <p:nvPicPr>
-          <p:cNvPr id="185" name="Google Shape;185;p15"/>
+          <p:cNvPr id="181" name="Google Shape;181;p15"/>
           <p:cNvPicPr preferRelativeResize="0"/>
           <p:nvPr/>
         </p:nvPicPr>
@@ -5019,7 +5019,7 @@
   <p:cSld>
     <p:spTree>
       <p:nvGrpSpPr>
-        <p:cNvPr id="190" name="Shape 190"/>
+        <p:cNvPr id="186" name="Shape 186"/>
         <p:cNvGrpSpPr/>
         <p:nvPr/>
       </p:nvGrpSpPr>
@@ -5033,7 +5033,7 @@
       </p:grpSpPr>
       <p:sp>
         <p:nvSpPr>
-          <p:cNvPr id="191" name="Google Shape;191;p16"/>
+          <p:cNvPr id="187" name="Google Shape;187;p16"/>
           <p:cNvSpPr/>
           <p:nvPr/>
         </p:nvSpPr>
@@ -5076,7 +5076,7 @@
       </p:sp>
       <p:sp>
         <p:nvSpPr>
-          <p:cNvPr id="192" name="Google Shape;192;p16"/>
+          <p:cNvPr id="188" name="Google Shape;188;p16"/>
           <p:cNvSpPr/>
           <p:nvPr/>
         </p:nvSpPr>
@@ -5119,7 +5119,7 @@
       </p:sp>
       <p:sp>
         <p:nvSpPr>
-          <p:cNvPr id="193" name="Google Shape;193;p16"/>
+          <p:cNvPr id="189" name="Google Shape;189;p16"/>
           <p:cNvSpPr/>
           <p:nvPr/>
         </p:nvSpPr>
@@ -5212,7 +5212,7 @@
       </p:sp>
       <p:sp>
         <p:nvSpPr>
-          <p:cNvPr id="194" name="Google Shape;194;p16"/>
+          <p:cNvPr id="190" name="Google Shape;190;p16"/>
           <p:cNvSpPr/>
           <p:nvPr/>
         </p:nvSpPr>
@@ -5278,7 +5278,7 @@
       </p:sp>
       <p:sp>
         <p:nvSpPr>
-          <p:cNvPr id="195" name="Google Shape;195;p16"/>
+          <p:cNvPr id="191" name="Google Shape;191;p16"/>
           <p:cNvSpPr/>
           <p:nvPr/>
         </p:nvSpPr>
@@ -5344,7 +5344,7 @@
       </p:sp>
       <p:sp>
         <p:nvSpPr>
-          <p:cNvPr id="196" name="Google Shape;196;p16"/>
+          <p:cNvPr id="192" name="Google Shape;192;p16"/>
           <p:cNvSpPr/>
           <p:nvPr/>
         </p:nvSpPr>
@@ -5410,7 +5410,7 @@
       </p:sp>
       <p:sp>
         <p:nvSpPr>
-          <p:cNvPr id="197" name="Google Shape;197;p16"/>
+          <p:cNvPr id="193" name="Google Shape;193;p16"/>
           <p:cNvSpPr/>
           <p:nvPr/>
         </p:nvSpPr>
@@ -5476,7 +5476,7 @@
       </p:sp>
       <p:sp>
         <p:nvSpPr>
-          <p:cNvPr id="198" name="Google Shape;198;p16"/>
+          <p:cNvPr id="194" name="Google Shape;194;p16"/>
           <p:cNvSpPr/>
           <p:nvPr/>
         </p:nvSpPr>
@@ -5542,7 +5542,7 @@
       </p:sp>
       <p:sp>
         <p:nvSpPr>
-          <p:cNvPr id="199" name="Google Shape;199;p16"/>
+          <p:cNvPr id="195" name="Google Shape;195;p16"/>
           <p:cNvSpPr/>
           <p:nvPr/>
         </p:nvSpPr>
@@ -5608,7 +5608,7 @@
       </p:sp>
       <p:sp>
         <p:nvSpPr>
-          <p:cNvPr id="200" name="Google Shape;200;p16"/>
+          <p:cNvPr id="196" name="Google Shape;196;p16"/>
           <p:cNvSpPr/>
           <p:nvPr/>
         </p:nvSpPr>
@@ -7324,74 +7324,8 @@
         </p:nvSpPr>
         <p:spPr>
           <a:xfrm>
-            <a:off x="2031118" y="2698580"/>
-            <a:ext cx="2777400" cy="347100"/>
-          </a:xfrm>
-          <a:prstGeom prst="rect">
-            <a:avLst/>
-          </a:prstGeom>
-          <a:noFill/>
-          <a:ln>
-            <a:noFill/>
-          </a:ln>
-        </p:spPr>
-        <p:txBody>
-          <a:bodyPr anchorCtr="0" anchor="t" bIns="45700" lIns="91425" spcFirstLastPara="1" rIns="91425" wrap="square" tIns="45700">
-            <a:noAutofit/>
-          </a:bodyPr>
-          <a:lstStyle/>
-          <a:p>
-            <a:pPr indent="0" lvl="0" marL="0" marR="0" rtl="0" algn="l">
-              <a:lnSpc>
-                <a:spcPct val="125011"/>
-              </a:lnSpc>
-              <a:spcBef>
-                <a:spcPts val="0"/>
-              </a:spcBef>
-              <a:spcAft>
-                <a:spcPts val="0"/>
-              </a:spcAft>
-              <a:buClr>
-                <a:srgbClr val="272D45"/>
-              </a:buClr>
-              <a:buSzPts val="2187"/>
-              <a:buFont typeface="Kanit"/>
-              <a:buNone/>
-            </a:pPr>
-            <a:r>
-              <a:rPr b="0" i="0" lang="en-US" sz="2187" u="none" cap="none" strike="noStrike">
-                <a:solidFill>
-                  <a:srgbClr val="272D45"/>
-                </a:solidFill>
-                <a:latin typeface="Kanit"/>
-                <a:ea typeface="Kanit"/>
-                <a:cs typeface="Kanit"/>
-                <a:sym typeface="Kanit"/>
-              </a:rPr>
-              <a:t>Accurate Classification</a:t>
-            </a:r>
-            <a:endParaRPr b="0" i="0" sz="2187" u="none" cap="none" strike="noStrike">
-              <a:solidFill>
-                <a:schemeClr val="dk1"/>
-              </a:solidFill>
-              <a:latin typeface="Calibri"/>
-              <a:ea typeface="Calibri"/>
-              <a:cs typeface="Calibri"/>
-              <a:sym typeface="Calibri"/>
-            </a:endParaRPr>
-          </a:p>
-        </p:txBody>
-      </p:sp>
-      <p:sp>
-        <p:nvSpPr>
-          <p:cNvPr id="62" name="Google Shape;62;p6"/>
-          <p:cNvSpPr/>
-          <p:nvPr/>
-        </p:nvSpPr>
-        <p:spPr>
-          <a:xfrm>
-            <a:off x="2031118" y="3760787"/>
-            <a:ext cx="3156300" cy="1776900"/>
+            <a:off x="2031125" y="3760775"/>
+            <a:ext cx="3195300" cy="1761000"/>
           </a:xfrm>
           <a:prstGeom prst="rect">
             <a:avLst/>
@@ -7425,16 +7359,7 @@
               <a:buNone/>
             </a:pPr>
             <a:r>
-              <a:rPr b="0" i="0" lang="en-US" sz="1750" u="none" cap="none" strike="noStrike">
-                <a:solidFill>
-                  <a:srgbClr val="2C3249"/>
-                </a:solidFill>
-                <a:latin typeface="Martel Sans"/>
-                <a:ea typeface="Martel Sans"/>
-                <a:cs typeface="Martel Sans"/>
-                <a:sym typeface="Martel Sans"/>
-              </a:rPr>
-              <a:t>Accurately distinguishing between different object classes, such as people and vehicles, in complex urban scenes is a challenging task.</a:t>
+              <a:t/>
             </a:r>
             <a:endParaRPr b="0" i="0" sz="1750" u="none" cap="none" strike="noStrike">
               <a:solidFill>
@@ -7450,14 +7375,14 @@
       </p:sp>
       <p:sp>
         <p:nvSpPr>
-          <p:cNvPr id="63" name="Google Shape;63;p6"/>
-          <p:cNvSpPr/>
+          <p:cNvPr id="62" name="Google Shape;62;p6"/>
+          <p:cNvSpPr txBox="1"/>
           <p:nvPr/>
         </p:nvSpPr>
         <p:spPr>
           <a:xfrm>
-            <a:off x="5737057" y="2691930"/>
-            <a:ext cx="2842500" cy="347100"/>
+            <a:off x="2175650" y="2086300"/>
+            <a:ext cx="11457600" cy="4245000"/>
           </a:xfrm>
           <a:prstGeom prst="rect">
             <a:avLst/>
@@ -7468,14 +7393,14 @@
           </a:ln>
         </p:spPr>
         <p:txBody>
-          <a:bodyPr anchorCtr="0" anchor="t" bIns="45700" lIns="91425" spcFirstLastPara="1" rIns="91425" wrap="square" tIns="45700">
-            <a:noAutofit/>
-          </a:bodyPr>
-          <a:lstStyle/>
-          <a:p>
-            <a:pPr indent="0" lvl="0" marL="0" marR="0" rtl="0" algn="l">
+          <a:bodyPr anchorCtr="0" anchor="t" bIns="91425" lIns="91425" spcFirstLastPara="1" rIns="91425" wrap="square" tIns="91425">
+            <a:noAutofit/>
+          </a:bodyPr>
+          <a:lstStyle/>
+          <a:p>
+            <a:pPr indent="457200" lvl="0" marL="0" rtl="0" algn="just">
               <a:lnSpc>
-                <a:spcPct val="125011"/>
+                <a:spcPct val="150000"/>
               </a:lnSpc>
               <a:spcBef>
                 <a:spcPts val="0"/>
@@ -7483,232 +7408,13 @@
               <a:spcAft>
                 <a:spcPts val="0"/>
               </a:spcAft>
-              <a:buClr>
-                <a:srgbClr val="272D45"/>
-              </a:buClr>
-              <a:buSzPts val="2187"/>
-              <a:buFont typeface="Kanit"/>
-              <a:buNone/>
-            </a:pPr>
-            <a:r>
-              <a:rPr b="0" i="0" lang="en-US" sz="2187" u="none" cap="none" strike="noStrike">
-                <a:solidFill>
-                  <a:srgbClr val="272D45"/>
-                </a:solidFill>
-                <a:latin typeface="Kanit"/>
-                <a:ea typeface="Kanit"/>
-                <a:cs typeface="Kanit"/>
-                <a:sym typeface="Kanit"/>
-              </a:rPr>
-              <a:t>Real-time Performance</a:t>
-            </a:r>
-            <a:endParaRPr b="0" i="0" sz="2187" u="none" cap="none" strike="noStrike">
-              <a:solidFill>
-                <a:schemeClr val="dk1"/>
-              </a:solidFill>
-              <a:latin typeface="Calibri"/>
-              <a:ea typeface="Calibri"/>
-              <a:cs typeface="Calibri"/>
-              <a:sym typeface="Calibri"/>
-            </a:endParaRPr>
-          </a:p>
-        </p:txBody>
-      </p:sp>
-      <p:sp>
-        <p:nvSpPr>
-          <p:cNvPr id="64" name="Google Shape;64;p6"/>
-          <p:cNvSpPr/>
-          <p:nvPr/>
-        </p:nvSpPr>
-        <p:spPr>
-          <a:xfrm>
-            <a:off x="5737057" y="3760787"/>
-            <a:ext cx="3156300" cy="1776900"/>
-          </a:xfrm>
-          <a:prstGeom prst="rect">
-            <a:avLst/>
-          </a:prstGeom>
-          <a:noFill/>
-          <a:ln>
-            <a:noFill/>
-          </a:ln>
-        </p:spPr>
-        <p:txBody>
-          <a:bodyPr anchorCtr="0" anchor="t" bIns="45700" lIns="91425" spcFirstLastPara="1" rIns="91425" wrap="square" tIns="45700">
-            <a:noAutofit/>
-          </a:bodyPr>
-          <a:lstStyle/>
-          <a:p>
-            <a:pPr indent="0" lvl="0" marL="0" marR="0" rtl="0" algn="l">
-              <a:lnSpc>
-                <a:spcPct val="159942"/>
-              </a:lnSpc>
-              <a:spcBef>
-                <a:spcPts val="0"/>
-              </a:spcBef>
-              <a:spcAft>
-                <a:spcPts val="0"/>
-              </a:spcAft>
-              <a:buClr>
-                <a:srgbClr val="2C3249"/>
-              </a:buClr>
-              <a:buSzPts val="1750"/>
-              <a:buFont typeface="Martel Sans"/>
-              <a:buNone/>
-            </a:pPr>
-            <a:r>
-              <a:rPr b="0" i="0" lang="en-US" sz="1750" u="none" cap="none" strike="noStrike">
-                <a:solidFill>
-                  <a:srgbClr val="2C3249"/>
-                </a:solidFill>
-                <a:latin typeface="Martel Sans"/>
-                <a:ea typeface="Martel Sans"/>
-                <a:cs typeface="Martel Sans"/>
-                <a:sym typeface="Martel Sans"/>
-              </a:rPr>
-              <a:t>The solution needs to operate in real-time to be useful for applications like autonomous driving and video surveillance.</a:t>
-            </a:r>
-            <a:endParaRPr b="0" i="0" sz="1750" u="none" cap="none" strike="noStrike">
-              <a:solidFill>
-                <a:schemeClr val="dk1"/>
-              </a:solidFill>
-              <a:latin typeface="Calibri"/>
-              <a:ea typeface="Calibri"/>
-              <a:cs typeface="Calibri"/>
-              <a:sym typeface="Calibri"/>
-            </a:endParaRPr>
-          </a:p>
-        </p:txBody>
-      </p:sp>
-      <p:sp>
-        <p:nvSpPr>
-          <p:cNvPr id="65" name="Google Shape;65;p6"/>
-          <p:cNvSpPr/>
-          <p:nvPr/>
-        </p:nvSpPr>
-        <p:spPr>
-          <a:xfrm>
-            <a:off x="9442997" y="2734230"/>
-            <a:ext cx="3041100" cy="347100"/>
-          </a:xfrm>
-          <a:prstGeom prst="rect">
-            <a:avLst/>
-          </a:prstGeom>
-          <a:noFill/>
-          <a:ln>
-            <a:noFill/>
-          </a:ln>
-        </p:spPr>
-        <p:txBody>
-          <a:bodyPr anchorCtr="0" anchor="t" bIns="45700" lIns="91425" spcFirstLastPara="1" rIns="91425" wrap="square" tIns="45700">
-            <a:noAutofit/>
-          </a:bodyPr>
-          <a:lstStyle/>
-          <a:p>
-            <a:pPr indent="0" lvl="0" marL="0" marR="0" rtl="0" algn="l">
-              <a:lnSpc>
-                <a:spcPct val="125011"/>
-              </a:lnSpc>
-              <a:spcBef>
-                <a:spcPts val="0"/>
-              </a:spcBef>
-              <a:spcAft>
-                <a:spcPts val="0"/>
-              </a:spcAft>
-              <a:buClr>
-                <a:srgbClr val="272D45"/>
-              </a:buClr>
-              <a:buSzPts val="2187"/>
-              <a:buFont typeface="Kanit"/>
-              <a:buNone/>
-            </a:pPr>
-            <a:r>
-              <a:rPr b="0" i="0" lang="en-US" sz="2187" u="none" cap="none" strike="noStrike">
-                <a:solidFill>
-                  <a:srgbClr val="272D45"/>
-                </a:solidFill>
-                <a:latin typeface="Kanit"/>
-                <a:ea typeface="Kanit"/>
-                <a:cs typeface="Kanit"/>
-                <a:sym typeface="Kanit"/>
-              </a:rPr>
-              <a:t>Robustness to Variations</a:t>
-            </a:r>
-            <a:endParaRPr b="0" i="0" sz="2187" u="none" cap="none" strike="noStrike">
-              <a:solidFill>
-                <a:schemeClr val="dk1"/>
-              </a:solidFill>
-              <a:latin typeface="Calibri"/>
-              <a:ea typeface="Calibri"/>
-              <a:cs typeface="Calibri"/>
-              <a:sym typeface="Calibri"/>
-            </a:endParaRPr>
-          </a:p>
-        </p:txBody>
-      </p:sp>
-      <p:sp>
-        <p:nvSpPr>
-          <p:cNvPr id="66" name="Google Shape;66;p6"/>
-          <p:cNvSpPr/>
-          <p:nvPr/>
-        </p:nvSpPr>
-        <p:spPr>
-          <a:xfrm>
-            <a:off x="9442997" y="3760787"/>
-            <a:ext cx="3156300" cy="1776900"/>
-          </a:xfrm>
-          <a:prstGeom prst="rect">
-            <a:avLst/>
-          </a:prstGeom>
-          <a:noFill/>
-          <a:ln>
-            <a:noFill/>
-          </a:ln>
-        </p:spPr>
-        <p:txBody>
-          <a:bodyPr anchorCtr="0" anchor="t" bIns="45700" lIns="91425" spcFirstLastPara="1" rIns="91425" wrap="square" tIns="45700">
-            <a:noAutofit/>
-          </a:bodyPr>
-          <a:lstStyle/>
-          <a:p>
-            <a:pPr indent="0" lvl="0" marL="0" marR="0" rtl="0" algn="l">
-              <a:lnSpc>
-                <a:spcPct val="159942"/>
-              </a:lnSpc>
-              <a:spcBef>
-                <a:spcPts val="0"/>
-              </a:spcBef>
-              <a:spcAft>
-                <a:spcPts val="0"/>
-              </a:spcAft>
-              <a:buClr>
-                <a:srgbClr val="2C3249"/>
-              </a:buClr>
-              <a:buSzPts val="1750"/>
-              <a:buFont typeface="Martel Sans"/>
-              <a:buNone/>
-            </a:pPr>
-            <a:r>
-              <a:rPr b="0" i="0" lang="en-US" sz="1750" u="none" cap="none" strike="noStrike">
-                <a:solidFill>
-                  <a:srgbClr val="2C3249"/>
-                </a:solidFill>
-                <a:latin typeface="Martel Sans"/>
-                <a:ea typeface="Martel Sans"/>
-                <a:cs typeface="Martel Sans"/>
-                <a:sym typeface="Martel Sans"/>
-              </a:rPr>
-              <a:t>The model should be able to handle variations in object size, orientation, occlusion, and environmental conditions.</a:t>
-            </a:r>
-            <a:endParaRPr b="0" i="0" sz="1750" u="none" cap="none" strike="noStrike">
-              <a:solidFill>
-                <a:schemeClr val="dk1"/>
-              </a:solidFill>
-              <a:latin typeface="Calibri"/>
-              <a:ea typeface="Calibri"/>
-              <a:cs typeface="Calibri"/>
-              <a:sym typeface="Calibri"/>
-            </a:endParaRPr>
+              <a:buNone/>
+            </a:pPr>
+            <a:r>
+              <a:rPr lang="en-US" sz="2300"/>
+              <a:t>Accurately classifying various object classes within complex urban environments presents a formidable challenge. This task demands precision in distinguishing between entities like people and vehicles amidst bustling city scenes. Moreover, for applications such as autonomous driving and video surveillance to be effective, real-time performance is imperative. Any solution must swiftly process information to make split-second decisions. Additionally, the model must exhibit robustness, capable of adapting to variations in object size, orientation, occlusion, and environmental conditions. Only with such adaptability can it reliably operate across diverse scenarios, ensuring its utility and effectiveness in practical settings.</a:t>
+            </a:r>
+            <a:endParaRPr sz="2300"/>
           </a:p>
         </p:txBody>
       </p:sp>
@@ -7725,7 +7431,7 @@
   <p:cSld>
     <p:spTree>
       <p:nvGrpSpPr>
-        <p:cNvPr id="71" name="Shape 71"/>
+        <p:cNvPr id="67" name="Shape 67"/>
         <p:cNvGrpSpPr/>
         <p:nvPr/>
       </p:nvGrpSpPr>
@@ -7739,7 +7445,7 @@
       </p:grpSpPr>
       <p:sp>
         <p:nvSpPr>
-          <p:cNvPr id="72" name="Google Shape;72;p7"/>
+          <p:cNvPr id="68" name="Google Shape;68;p7"/>
           <p:cNvSpPr/>
           <p:nvPr/>
         </p:nvSpPr>
@@ -7782,7 +7488,7 @@
       </p:sp>
       <p:sp>
         <p:nvSpPr>
-          <p:cNvPr id="73" name="Google Shape;73;p7"/>
+          <p:cNvPr id="69" name="Google Shape;69;p7"/>
           <p:cNvSpPr/>
           <p:nvPr/>
         </p:nvSpPr>
@@ -7825,7 +7531,7 @@
       </p:sp>
       <p:pic>
         <p:nvPicPr>
-          <p:cNvPr descr="preencoded.png" id="74" name="Google Shape;74;p7"/>
+          <p:cNvPr descr="preencoded.png" id="70" name="Google Shape;70;p7"/>
           <p:cNvPicPr preferRelativeResize="0"/>
           <p:nvPr/>
         </p:nvPicPr>
@@ -7858,7 +7564,7 @@
       </p:pic>
       <p:sp>
         <p:nvSpPr>
-          <p:cNvPr id="75" name="Google Shape;75;p7"/>
+          <p:cNvPr id="71" name="Google Shape;71;p7"/>
           <p:cNvSpPr/>
           <p:nvPr/>
         </p:nvSpPr>
@@ -7924,7 +7630,7 @@
       </p:sp>
       <p:sp>
         <p:nvSpPr>
-          <p:cNvPr id="76" name="Google Shape;76;p7"/>
+          <p:cNvPr id="72" name="Google Shape;72;p7"/>
           <p:cNvSpPr/>
           <p:nvPr/>
         </p:nvSpPr>
@@ -7969,7 +7675,7 @@
       </p:sp>
       <p:sp>
         <p:nvSpPr>
-          <p:cNvPr id="77" name="Google Shape;77;p7"/>
+          <p:cNvPr id="73" name="Google Shape;73;p7"/>
           <p:cNvSpPr/>
           <p:nvPr/>
         </p:nvSpPr>
@@ -8014,7 +7720,7 @@
       </p:sp>
       <p:sp>
         <p:nvSpPr>
-          <p:cNvPr id="78" name="Google Shape;78;p7"/>
+          <p:cNvPr id="74" name="Google Shape;74;p7"/>
           <p:cNvSpPr/>
           <p:nvPr/>
         </p:nvSpPr>
@@ -8065,7 +7771,7 @@
       </p:sp>
       <p:sp>
         <p:nvSpPr>
-          <p:cNvPr id="79" name="Google Shape;79;p7"/>
+          <p:cNvPr id="75" name="Google Shape;75;p7"/>
           <p:cNvSpPr/>
           <p:nvPr/>
         </p:nvSpPr>
@@ -8131,7 +7837,7 @@
       </p:sp>
       <p:sp>
         <p:nvSpPr>
-          <p:cNvPr id="80" name="Google Shape;80;p7"/>
+          <p:cNvPr id="76" name="Google Shape;76;p7"/>
           <p:cNvSpPr/>
           <p:nvPr/>
         </p:nvSpPr>
@@ -8197,7 +7903,7 @@
       </p:sp>
       <p:sp>
         <p:nvSpPr>
-          <p:cNvPr id="81" name="Google Shape;81;p7"/>
+          <p:cNvPr id="77" name="Google Shape;77;p7"/>
           <p:cNvSpPr/>
           <p:nvPr/>
         </p:nvSpPr>
@@ -8263,7 +7969,7 @@
       </p:sp>
       <p:sp>
         <p:nvSpPr>
-          <p:cNvPr id="82" name="Google Shape;82;p7"/>
+          <p:cNvPr id="78" name="Google Shape;78;p7"/>
           <p:cNvSpPr/>
           <p:nvPr/>
         </p:nvSpPr>
@@ -8308,7 +8014,7 @@
       </p:sp>
       <p:sp>
         <p:nvSpPr>
-          <p:cNvPr id="83" name="Google Shape;83;p7"/>
+          <p:cNvPr id="79" name="Google Shape;79;p7"/>
           <p:cNvSpPr/>
           <p:nvPr/>
         </p:nvSpPr>
@@ -8359,7 +8065,7 @@
       </p:sp>
       <p:sp>
         <p:nvSpPr>
-          <p:cNvPr id="84" name="Google Shape;84;p7"/>
+          <p:cNvPr id="80" name="Google Shape;80;p7"/>
           <p:cNvSpPr/>
           <p:nvPr/>
         </p:nvSpPr>
@@ -8425,7 +8131,7 @@
       </p:sp>
       <p:sp>
         <p:nvSpPr>
-          <p:cNvPr id="85" name="Google Shape;85;p7"/>
+          <p:cNvPr id="81" name="Google Shape;81;p7"/>
           <p:cNvSpPr/>
           <p:nvPr/>
         </p:nvSpPr>
@@ -8491,7 +8197,7 @@
       </p:sp>
       <p:sp>
         <p:nvSpPr>
-          <p:cNvPr id="86" name="Google Shape;86;p7"/>
+          <p:cNvPr id="82" name="Google Shape;82;p7"/>
           <p:cNvSpPr/>
           <p:nvPr/>
         </p:nvSpPr>
@@ -8557,7 +8263,7 @@
       </p:sp>
       <p:sp>
         <p:nvSpPr>
-          <p:cNvPr id="87" name="Google Shape;87;p7"/>
+          <p:cNvPr id="83" name="Google Shape;83;p7"/>
           <p:cNvSpPr/>
           <p:nvPr/>
         </p:nvSpPr>
@@ -8602,7 +8308,7 @@
       </p:sp>
       <p:sp>
         <p:nvSpPr>
-          <p:cNvPr id="88" name="Google Shape;88;p7"/>
+          <p:cNvPr id="84" name="Google Shape;84;p7"/>
           <p:cNvSpPr/>
           <p:nvPr/>
         </p:nvSpPr>
@@ -8653,7 +8359,7 @@
       </p:sp>
       <p:sp>
         <p:nvSpPr>
-          <p:cNvPr id="89" name="Google Shape;89;p7"/>
+          <p:cNvPr id="85" name="Google Shape;85;p7"/>
           <p:cNvSpPr/>
           <p:nvPr/>
         </p:nvSpPr>
@@ -8719,7 +8425,7 @@
       </p:sp>
       <p:sp>
         <p:nvSpPr>
-          <p:cNvPr id="90" name="Google Shape;90;p7"/>
+          <p:cNvPr id="86" name="Google Shape;86;p7"/>
           <p:cNvSpPr/>
           <p:nvPr/>
         </p:nvSpPr>
@@ -8785,7 +8491,7 @@
       </p:sp>
       <p:sp>
         <p:nvSpPr>
-          <p:cNvPr id="91" name="Google Shape;91;p7"/>
+          <p:cNvPr id="87" name="Google Shape;87;p7"/>
           <p:cNvSpPr/>
           <p:nvPr/>
         </p:nvSpPr>
@@ -8862,7 +8568,7 @@
   <p:cSld>
     <p:spTree>
       <p:nvGrpSpPr>
-        <p:cNvPr id="96" name="Shape 96"/>
+        <p:cNvPr id="92" name="Shape 92"/>
         <p:cNvGrpSpPr/>
         <p:nvPr/>
       </p:nvGrpSpPr>
@@ -8876,7 +8582,7 @@
       </p:grpSpPr>
       <p:sp>
         <p:nvSpPr>
-          <p:cNvPr id="97" name="Google Shape;97;p8"/>
+          <p:cNvPr id="93" name="Google Shape;93;p8"/>
           <p:cNvSpPr/>
           <p:nvPr/>
         </p:nvSpPr>
@@ -8919,7 +8625,7 @@
       </p:sp>
       <p:sp>
         <p:nvSpPr>
-          <p:cNvPr id="98" name="Google Shape;98;p8"/>
+          <p:cNvPr id="94" name="Google Shape;94;p8"/>
           <p:cNvSpPr/>
           <p:nvPr/>
         </p:nvSpPr>
@@ -8962,7 +8668,7 @@
       </p:sp>
       <p:pic>
         <p:nvPicPr>
-          <p:cNvPr descr="preencoded.png" id="99" name="Google Shape;99;p8"/>
+          <p:cNvPr descr="preencoded.png" id="95" name="Google Shape;95;p8"/>
           <p:cNvPicPr preferRelativeResize="0"/>
           <p:nvPr/>
         </p:nvPicPr>
@@ -8989,7 +8695,7 @@
       </p:pic>
       <p:sp>
         <p:nvSpPr>
-          <p:cNvPr id="100" name="Google Shape;100;p8"/>
+          <p:cNvPr id="96" name="Google Shape;96;p8"/>
           <p:cNvSpPr/>
           <p:nvPr/>
         </p:nvSpPr>
@@ -9055,7 +8761,7 @@
       </p:sp>
       <p:sp>
         <p:nvSpPr>
-          <p:cNvPr id="101" name="Google Shape;101;p8"/>
+          <p:cNvPr id="97" name="Google Shape;97;p8"/>
           <p:cNvSpPr/>
           <p:nvPr/>
         </p:nvSpPr>
@@ -9106,7 +8812,7 @@
       </p:sp>
       <p:sp>
         <p:nvSpPr>
-          <p:cNvPr id="102" name="Google Shape;102;p8"/>
+          <p:cNvPr id="98" name="Google Shape;98;p8"/>
           <p:cNvSpPr/>
           <p:nvPr/>
         </p:nvSpPr>
@@ -9172,7 +8878,7 @@
       </p:sp>
       <p:sp>
         <p:nvSpPr>
-          <p:cNvPr id="103" name="Google Shape;103;p8"/>
+          <p:cNvPr id="99" name="Google Shape;99;p8"/>
           <p:cNvSpPr/>
           <p:nvPr/>
         </p:nvSpPr>
@@ -9238,7 +8944,7 @@
       </p:sp>
       <p:sp>
         <p:nvSpPr>
-          <p:cNvPr id="104" name="Google Shape;104;p8"/>
+          <p:cNvPr id="100" name="Google Shape;100;p8"/>
           <p:cNvSpPr/>
           <p:nvPr/>
         </p:nvSpPr>
@@ -9289,7 +8995,7 @@
       </p:sp>
       <p:sp>
         <p:nvSpPr>
-          <p:cNvPr id="105" name="Google Shape;105;p8"/>
+          <p:cNvPr id="101" name="Google Shape;101;p8"/>
           <p:cNvSpPr/>
           <p:nvPr/>
         </p:nvSpPr>
@@ -9355,7 +9061,7 @@
       </p:sp>
       <p:sp>
         <p:nvSpPr>
-          <p:cNvPr id="106" name="Google Shape;106;p8"/>
+          <p:cNvPr id="102" name="Google Shape;102;p8"/>
           <p:cNvSpPr/>
           <p:nvPr/>
         </p:nvSpPr>
@@ -9421,7 +9127,7 @@
       </p:sp>
       <p:sp>
         <p:nvSpPr>
-          <p:cNvPr id="107" name="Google Shape;107;p8"/>
+          <p:cNvPr id="103" name="Google Shape;103;p8"/>
           <p:cNvSpPr/>
           <p:nvPr/>
         </p:nvSpPr>
@@ -9472,7 +9178,7 @@
       </p:sp>
       <p:sp>
         <p:nvSpPr>
-          <p:cNvPr id="108" name="Google Shape;108;p8"/>
+          <p:cNvPr id="104" name="Google Shape;104;p8"/>
           <p:cNvSpPr/>
           <p:nvPr/>
         </p:nvSpPr>
@@ -9538,7 +9244,7 @@
       </p:sp>
       <p:sp>
         <p:nvSpPr>
-          <p:cNvPr id="109" name="Google Shape;109;p8"/>
+          <p:cNvPr id="105" name="Google Shape;105;p8"/>
           <p:cNvSpPr/>
           <p:nvPr/>
         </p:nvSpPr>
@@ -9615,7 +9321,7 @@
   <p:cSld>
     <p:spTree>
       <p:nvGrpSpPr>
-        <p:cNvPr id="114" name="Shape 114"/>
+        <p:cNvPr id="110" name="Shape 110"/>
         <p:cNvGrpSpPr/>
         <p:nvPr/>
       </p:nvGrpSpPr>
@@ -9629,7 +9335,7 @@
       </p:grpSpPr>
       <p:sp>
         <p:nvSpPr>
-          <p:cNvPr id="115" name="Google Shape;115;p9"/>
+          <p:cNvPr id="111" name="Google Shape;111;p9"/>
           <p:cNvSpPr/>
           <p:nvPr/>
         </p:nvSpPr>
@@ -9672,7 +9378,7 @@
       </p:sp>
       <p:sp>
         <p:nvSpPr>
-          <p:cNvPr id="116" name="Google Shape;116;p9"/>
+          <p:cNvPr id="112" name="Google Shape;112;p9"/>
           <p:cNvSpPr/>
           <p:nvPr/>
         </p:nvSpPr>
@@ -9715,7 +9421,7 @@
       </p:sp>
       <p:sp>
         <p:nvSpPr>
-          <p:cNvPr id="117" name="Google Shape;117;p9"/>
+          <p:cNvPr id="113" name="Google Shape;113;p9"/>
           <p:cNvSpPr/>
           <p:nvPr/>
         </p:nvSpPr>
@@ -9781,7 +9487,7 @@
       </p:sp>
       <p:pic>
         <p:nvPicPr>
-          <p:cNvPr descr="preencoded.png" id="118" name="Google Shape;118;p9"/>
+          <p:cNvPr descr="preencoded.png" id="114" name="Google Shape;114;p9"/>
           <p:cNvPicPr preferRelativeResize="0"/>
           <p:nvPr/>
         </p:nvPicPr>
@@ -9808,7 +9514,7 @@
       </p:pic>
       <p:sp>
         <p:nvSpPr>
-          <p:cNvPr id="119" name="Google Shape;119;p9"/>
+          <p:cNvPr id="115" name="Google Shape;115;p9"/>
           <p:cNvSpPr/>
           <p:nvPr/>
         </p:nvSpPr>
@@ -9874,7 +9580,7 @@
       </p:sp>
       <p:sp>
         <p:nvSpPr>
-          <p:cNvPr id="120" name="Google Shape;120;p9"/>
+          <p:cNvPr id="116" name="Google Shape;116;p9"/>
           <p:cNvSpPr/>
           <p:nvPr/>
         </p:nvSpPr>
@@ -9940,7 +9646,7 @@
       </p:sp>
       <p:pic>
         <p:nvPicPr>
-          <p:cNvPr descr="preencoded.png" id="121" name="Google Shape;121;p9"/>
+          <p:cNvPr descr="preencoded.png" id="117" name="Google Shape;117;p9"/>
           <p:cNvPicPr preferRelativeResize="0"/>
           <p:nvPr/>
         </p:nvPicPr>
@@ -9967,7 +9673,7 @@
       </p:pic>
       <p:sp>
         <p:nvSpPr>
-          <p:cNvPr id="122" name="Google Shape;122;p9"/>
+          <p:cNvPr id="118" name="Google Shape;118;p9"/>
           <p:cNvSpPr/>
           <p:nvPr/>
         </p:nvSpPr>
@@ -10033,7 +9739,7 @@
       </p:sp>
       <p:sp>
         <p:nvSpPr>
-          <p:cNvPr id="123" name="Google Shape;123;p9"/>
+          <p:cNvPr id="119" name="Google Shape;119;p9"/>
           <p:cNvSpPr/>
           <p:nvPr/>
         </p:nvSpPr>
@@ -10099,7 +9805,7 @@
       </p:sp>
       <p:pic>
         <p:nvPicPr>
-          <p:cNvPr descr="preencoded.png" id="124" name="Google Shape;124;p9"/>
+          <p:cNvPr descr="preencoded.png" id="120" name="Google Shape;120;p9"/>
           <p:cNvPicPr preferRelativeResize="0"/>
           <p:nvPr/>
         </p:nvPicPr>
@@ -10126,7 +9832,7 @@
       </p:pic>
       <p:sp>
         <p:nvSpPr>
-          <p:cNvPr id="125" name="Google Shape;125;p9"/>
+          <p:cNvPr id="121" name="Google Shape;121;p9"/>
           <p:cNvSpPr/>
           <p:nvPr/>
         </p:nvSpPr>
@@ -10192,7 +9898,7 @@
       </p:sp>
       <p:sp>
         <p:nvSpPr>
-          <p:cNvPr id="126" name="Google Shape;126;p9"/>
+          <p:cNvPr id="122" name="Google Shape;122;p9"/>
           <p:cNvSpPr/>
           <p:nvPr/>
         </p:nvSpPr>
@@ -10269,7 +9975,7 @@
   <p:cSld>
     <p:spTree>
       <p:nvGrpSpPr>
-        <p:cNvPr id="131" name="Shape 131"/>
+        <p:cNvPr id="127" name="Shape 127"/>
         <p:cNvGrpSpPr/>
         <p:nvPr/>
       </p:nvGrpSpPr>
@@ -10283,7 +9989,7 @@
       </p:grpSpPr>
       <p:sp>
         <p:nvSpPr>
-          <p:cNvPr id="132" name="Google Shape;132;p10"/>
+          <p:cNvPr id="128" name="Google Shape;128;p10"/>
           <p:cNvSpPr/>
           <p:nvPr/>
         </p:nvSpPr>
@@ -10326,7 +10032,7 @@
       </p:sp>
       <p:sp>
         <p:nvSpPr>
-          <p:cNvPr id="133" name="Google Shape;133;p10"/>
+          <p:cNvPr id="129" name="Google Shape;129;p10"/>
           <p:cNvSpPr/>
           <p:nvPr/>
         </p:nvSpPr>
@@ -10369,7 +10075,7 @@
       </p:sp>
       <p:sp>
         <p:nvSpPr>
-          <p:cNvPr id="134" name="Google Shape;134;p10"/>
+          <p:cNvPr id="130" name="Google Shape;130;p10"/>
           <p:cNvSpPr/>
           <p:nvPr/>
         </p:nvSpPr>
@@ -10435,7 +10141,7 @@
       </p:sp>
       <p:pic>
         <p:nvPicPr>
-          <p:cNvPr descr="preencoded.png" id="135" name="Google Shape;135;p10"/>
+          <p:cNvPr descr="preencoded.png" id="131" name="Google Shape;131;p10"/>
           <p:cNvPicPr preferRelativeResize="0"/>
           <p:nvPr/>
         </p:nvPicPr>
@@ -10462,7 +10168,7 @@
       </p:pic>
       <p:sp>
         <p:nvSpPr>
-          <p:cNvPr id="136" name="Google Shape;136;p10"/>
+          <p:cNvPr id="132" name="Google Shape;132;p10"/>
           <p:cNvSpPr/>
           <p:nvPr/>
         </p:nvSpPr>
@@ -10528,7 +10234,7 @@
       </p:sp>
       <p:sp>
         <p:nvSpPr>
-          <p:cNvPr id="137" name="Google Shape;137;p10"/>
+          <p:cNvPr id="133" name="Google Shape;133;p10"/>
           <p:cNvSpPr/>
           <p:nvPr/>
         </p:nvSpPr>
@@ -10594,7 +10300,7 @@
       </p:sp>
       <p:pic>
         <p:nvPicPr>
-          <p:cNvPr descr="preencoded.png" id="138" name="Google Shape;138;p10"/>
+          <p:cNvPr descr="preencoded.png" id="134" name="Google Shape;134;p10"/>
           <p:cNvPicPr preferRelativeResize="0"/>
           <p:nvPr/>
         </p:nvPicPr>
@@ -10621,7 +10327,7 @@
       </p:pic>
       <p:sp>
         <p:nvSpPr>
-          <p:cNvPr id="139" name="Google Shape;139;p10"/>
+          <p:cNvPr id="135" name="Google Shape;135;p10"/>
           <p:cNvSpPr/>
           <p:nvPr/>
         </p:nvSpPr>
@@ -10687,7 +10393,7 @@
       </p:sp>
       <p:sp>
         <p:nvSpPr>
-          <p:cNvPr id="140" name="Google Shape;140;p10"/>
+          <p:cNvPr id="136" name="Google Shape;136;p10"/>
           <p:cNvSpPr/>
           <p:nvPr/>
         </p:nvSpPr>
@@ -10753,7 +10459,7 @@
       </p:sp>
       <p:pic>
         <p:nvPicPr>
-          <p:cNvPr descr="preencoded.png" id="141" name="Google Shape;141;p10"/>
+          <p:cNvPr descr="preencoded.png" id="137" name="Google Shape;137;p10"/>
           <p:cNvPicPr preferRelativeResize="0"/>
           <p:nvPr/>
         </p:nvPicPr>
@@ -10780,7 +10486,7 @@
       </p:pic>
       <p:sp>
         <p:nvSpPr>
-          <p:cNvPr id="142" name="Google Shape;142;p10"/>
+          <p:cNvPr id="138" name="Google Shape;138;p10"/>
           <p:cNvSpPr/>
           <p:nvPr/>
         </p:nvSpPr>
@@ -10846,7 +10552,7 @@
       </p:sp>
       <p:sp>
         <p:nvSpPr>
-          <p:cNvPr id="143" name="Google Shape;143;p10"/>
+          <p:cNvPr id="139" name="Google Shape;139;p10"/>
           <p:cNvSpPr/>
           <p:nvPr/>
         </p:nvSpPr>
@@ -10912,7 +10618,7 @@
       </p:sp>
       <p:pic>
         <p:nvPicPr>
-          <p:cNvPr descr="preencoded.png" id="144" name="Google Shape;144;p10"/>
+          <p:cNvPr descr="preencoded.png" id="140" name="Google Shape;140;p10"/>
           <p:cNvPicPr preferRelativeResize="0"/>
           <p:nvPr/>
         </p:nvPicPr>
@@ -10939,7 +10645,7 @@
       </p:pic>
       <p:sp>
         <p:nvSpPr>
-          <p:cNvPr id="145" name="Google Shape;145;p10"/>
+          <p:cNvPr id="141" name="Google Shape;141;p10"/>
           <p:cNvSpPr/>
           <p:nvPr/>
         </p:nvSpPr>
@@ -11005,7 +10711,7 @@
       </p:sp>
       <p:sp>
         <p:nvSpPr>
-          <p:cNvPr id="146" name="Google Shape;146;p10"/>
+          <p:cNvPr id="142" name="Google Shape;142;p10"/>
           <p:cNvSpPr/>
           <p:nvPr/>
         </p:nvSpPr>
@@ -11082,7 +10788,7 @@
   <p:cSld>
     <p:spTree>
       <p:nvGrpSpPr>
-        <p:cNvPr id="151" name="Shape 151"/>
+        <p:cNvPr id="147" name="Shape 147"/>
         <p:cNvGrpSpPr/>
         <p:nvPr/>
       </p:nvGrpSpPr>
@@ -11096,7 +10802,7 @@
       </p:grpSpPr>
       <p:sp>
         <p:nvSpPr>
-          <p:cNvPr id="152" name="Google Shape;152;p11"/>
+          <p:cNvPr id="148" name="Google Shape;148;p11"/>
           <p:cNvSpPr/>
           <p:nvPr/>
         </p:nvSpPr>
@@ -11139,7 +10845,7 @@
       </p:sp>
       <p:sp>
         <p:nvSpPr>
-          <p:cNvPr id="153" name="Google Shape;153;p11"/>
+          <p:cNvPr id="149" name="Google Shape;149;p11"/>
           <p:cNvSpPr/>
           <p:nvPr/>
         </p:nvSpPr>
@@ -11182,7 +10888,7 @@
       </p:sp>
       <p:sp>
         <p:nvSpPr>
-          <p:cNvPr id="154" name="Google Shape;154;p11"/>
+          <p:cNvPr id="150" name="Google Shape;150;p11"/>
           <p:cNvSpPr/>
           <p:nvPr/>
         </p:nvSpPr>
@@ -11248,7 +10954,7 @@
       </p:sp>
       <p:pic>
         <p:nvPicPr>
-          <p:cNvPr id="155" name="Google Shape;155;p11"/>
+          <p:cNvPr id="151" name="Google Shape;151;p11"/>
           <p:cNvPicPr preferRelativeResize="0"/>
           <p:nvPr/>
         </p:nvPicPr>

--- a/Image_segmentation_NM.pptx
+++ b/Image_segmentation_NM.pptx
@@ -1,46 +1,53 @@
 
 <file path=ppt/presentation.xml><?xml version="1.0" encoding="utf-8"?>
-<p:presentation xmlns:a="http://schemas.openxmlformats.org/drawingml/2006/main" xmlns:r="http://schemas.openxmlformats.org/officeDocument/2006/relationships" xmlns:mc="http://schemas.openxmlformats.org/markup-compatibility/2006" xmlns:mv="urn:schemas-microsoft-com:mac:vml" xmlns:p="http://schemas.openxmlformats.org/presentationml/2006/main" xmlns:c="http://schemas.openxmlformats.org/drawingml/2006/chart" xmlns:dgm="http://schemas.openxmlformats.org/drawingml/2006/diagram" xmlns:o="urn:schemas-microsoft-com:office:office" xmlns:v="urn:schemas-microsoft-com:vml" xmlns:pvml="urn:schemas-microsoft-com:office:powerpoint" xmlns:com="http://schemas.openxmlformats.org/drawingml/2006/compatibility" xmlns:p14="http://schemas.microsoft.com/office/powerpoint/2010/main" xmlns:p15="http://schemas.microsoft.com/office/powerpoint/2012/main" xmlns:ahyp="http://schemas.microsoft.com/office/drawing/2018/hyperlinkcolor" autoCompressPictures="0" embedTrueTypeFonts="1" strictFirstAndLastChars="0" saveSubsetFonts="1">
+<p:presentation xmlns:a="http://schemas.openxmlformats.org/drawingml/2006/main" xmlns:r="http://schemas.openxmlformats.org/officeDocument/2006/relationships" xmlns:p="http://schemas.openxmlformats.org/presentationml/2006/main" strictFirstAndLastChars="0" embedTrueTypeFonts="1" saveSubsetFonts="1" autoCompressPictures="0">
   <p:sldMasterIdLst>
-    <p:sldMasterId id="2147483649" r:id="rId3"/>
+    <p:sldMasterId id="2147483649" r:id="rId1"/>
   </p:sldMasterIdLst>
   <p:notesMasterIdLst>
-    <p:notesMasterId r:id="rId4"/>
+    <p:notesMasterId r:id="rId16"/>
   </p:notesMasterIdLst>
   <p:sldIdLst>
-    <p:sldId id="256" r:id="rId5"/>
-    <p:sldId id="257" r:id="rId6"/>
-    <p:sldId id="258" r:id="rId7"/>
-    <p:sldId id="259" r:id="rId8"/>
-    <p:sldId id="260" r:id="rId9"/>
-    <p:sldId id="261" r:id="rId10"/>
-    <p:sldId id="262" r:id="rId11"/>
-    <p:sldId id="263" r:id="rId12"/>
-    <p:sldId id="264" r:id="rId13"/>
-    <p:sldId id="265" r:id="rId14"/>
-    <p:sldId id="266" r:id="rId15"/>
-    <p:sldId id="267" r:id="rId16"/>
-    <p:sldId id="268" r:id="rId17"/>
-    <p:sldId id="269" r:id="rId18"/>
+    <p:sldId id="256" r:id="rId2"/>
+    <p:sldId id="257" r:id="rId3"/>
+    <p:sldId id="258" r:id="rId4"/>
+    <p:sldId id="259" r:id="rId5"/>
+    <p:sldId id="260" r:id="rId6"/>
+    <p:sldId id="261" r:id="rId7"/>
+    <p:sldId id="262" r:id="rId8"/>
+    <p:sldId id="263" r:id="rId9"/>
+    <p:sldId id="264" r:id="rId10"/>
+    <p:sldId id="265" r:id="rId11"/>
+    <p:sldId id="266" r:id="rId12"/>
+    <p:sldId id="267" r:id="rId13"/>
+    <p:sldId id="268" r:id="rId14"/>
+    <p:sldId id="269" r:id="rId15"/>
   </p:sldIdLst>
-  <p:sldSz cy="8229600" cx="14630400"/>
+  <p:sldSz cx="14630400" cy="8229600"/>
   <p:notesSz cx="8229600" cy="14630400"/>
   <p:embeddedFontLst>
     <p:embeddedFont>
-      <p:font typeface="Martel Sans"/>
-      <p:regular r:id="rId19"/>
-      <p:bold r:id="rId20"/>
+      <p:font typeface="Kanit" charset="-34"/>
+      <p:regular r:id="rId17"/>
+      <p:bold r:id="rId18"/>
+      <p:italic r:id="rId19"/>
+      <p:boldItalic r:id="rId20"/>
     </p:embeddedFont>
     <p:embeddedFont>
-      <p:font typeface="Kanit"/>
+      <p:font typeface="Calibri" pitchFamily="34" charset="0"/>
       <p:regular r:id="rId21"/>
       <p:bold r:id="rId22"/>
       <p:italic r:id="rId23"/>
       <p:boldItalic r:id="rId24"/>
     </p:embeddedFont>
+    <p:embeddedFont>
+      <p:font typeface="Martel Sans" charset="0"/>
+      <p:regular r:id="rId25"/>
+      <p:bold r:id="rId26"/>
+    </p:embeddedFont>
   </p:embeddedFontLst>
   <p:defaultTextStyle>
-    <a:defPPr lvl="0" marR="0" rtl="0" algn="l">
+    <a:defPPr marR="0" lvl="0" algn="l" rtl="0">
       <a:lnSpc>
         <a:spcPct val="100000"/>
       </a:lnSpc>
@@ -51,7 +58,7 @@
         <a:spcPts val="0"/>
       </a:spcAft>
     </a:defPPr>
-    <a:lvl1pPr lvl="0" marR="0" rtl="0" algn="l">
+    <a:lvl1pPr marR="0" lvl="0" algn="l" rtl="0">
       <a:lnSpc>
         <a:spcPct val="100000"/>
       </a:lnSpc>
@@ -65,7 +72,7 @@
         <a:srgbClr val="000000"/>
       </a:buClr>
       <a:buFont typeface="Arial"/>
-      <a:defRPr b="0" i="0" sz="1400" u="none" cap="none" strike="noStrike">
+      <a:defRPr sz="1400" b="0" i="0" u="none" strike="noStrike" cap="none">
         <a:solidFill>
           <a:srgbClr val="000000"/>
         </a:solidFill>
@@ -75,7 +82,7 @@
         <a:sym typeface="Arial"/>
       </a:defRPr>
     </a:lvl1pPr>
-    <a:lvl2pPr lvl="1" marR="0" rtl="0" algn="l">
+    <a:lvl2pPr marR="0" lvl="1" algn="l" rtl="0">
       <a:lnSpc>
         <a:spcPct val="100000"/>
       </a:lnSpc>
@@ -89,7 +96,7 @@
         <a:srgbClr val="000000"/>
       </a:buClr>
       <a:buFont typeface="Arial"/>
-      <a:defRPr b="0" i="0" sz="1400" u="none" cap="none" strike="noStrike">
+      <a:defRPr sz="1400" b="0" i="0" u="none" strike="noStrike" cap="none">
         <a:solidFill>
           <a:srgbClr val="000000"/>
         </a:solidFill>
@@ -99,7 +106,7 @@
         <a:sym typeface="Arial"/>
       </a:defRPr>
     </a:lvl2pPr>
-    <a:lvl3pPr lvl="2" marR="0" rtl="0" algn="l">
+    <a:lvl3pPr marR="0" lvl="2" algn="l" rtl="0">
       <a:lnSpc>
         <a:spcPct val="100000"/>
       </a:lnSpc>
@@ -113,7 +120,7 @@
         <a:srgbClr val="000000"/>
       </a:buClr>
       <a:buFont typeface="Arial"/>
-      <a:defRPr b="0" i="0" sz="1400" u="none" cap="none" strike="noStrike">
+      <a:defRPr sz="1400" b="0" i="0" u="none" strike="noStrike" cap="none">
         <a:solidFill>
           <a:srgbClr val="000000"/>
         </a:solidFill>
@@ -123,7 +130,7 @@
         <a:sym typeface="Arial"/>
       </a:defRPr>
     </a:lvl3pPr>
-    <a:lvl4pPr lvl="3" marR="0" rtl="0" algn="l">
+    <a:lvl4pPr marR="0" lvl="3" algn="l" rtl="0">
       <a:lnSpc>
         <a:spcPct val="100000"/>
       </a:lnSpc>
@@ -137,7 +144,7 @@
         <a:srgbClr val="000000"/>
       </a:buClr>
       <a:buFont typeface="Arial"/>
-      <a:defRPr b="0" i="0" sz="1400" u="none" cap="none" strike="noStrike">
+      <a:defRPr sz="1400" b="0" i="0" u="none" strike="noStrike" cap="none">
         <a:solidFill>
           <a:srgbClr val="000000"/>
         </a:solidFill>
@@ -147,7 +154,7 @@
         <a:sym typeface="Arial"/>
       </a:defRPr>
     </a:lvl4pPr>
-    <a:lvl5pPr lvl="4" marR="0" rtl="0" algn="l">
+    <a:lvl5pPr marR="0" lvl="4" algn="l" rtl="0">
       <a:lnSpc>
         <a:spcPct val="100000"/>
       </a:lnSpc>
@@ -161,7 +168,7 @@
         <a:srgbClr val="000000"/>
       </a:buClr>
       <a:buFont typeface="Arial"/>
-      <a:defRPr b="0" i="0" sz="1400" u="none" cap="none" strike="noStrike">
+      <a:defRPr sz="1400" b="0" i="0" u="none" strike="noStrike" cap="none">
         <a:solidFill>
           <a:srgbClr val="000000"/>
         </a:solidFill>
@@ -171,7 +178,7 @@
         <a:sym typeface="Arial"/>
       </a:defRPr>
     </a:lvl5pPr>
-    <a:lvl6pPr lvl="5" marR="0" rtl="0" algn="l">
+    <a:lvl6pPr marR="0" lvl="5" algn="l" rtl="0">
       <a:lnSpc>
         <a:spcPct val="100000"/>
       </a:lnSpc>
@@ -185,7 +192,7 @@
         <a:srgbClr val="000000"/>
       </a:buClr>
       <a:buFont typeface="Arial"/>
-      <a:defRPr b="0" i="0" sz="1400" u="none" cap="none" strike="noStrike">
+      <a:defRPr sz="1400" b="0" i="0" u="none" strike="noStrike" cap="none">
         <a:solidFill>
           <a:srgbClr val="000000"/>
         </a:solidFill>
@@ -195,7 +202,7 @@
         <a:sym typeface="Arial"/>
       </a:defRPr>
     </a:lvl6pPr>
-    <a:lvl7pPr lvl="6" marR="0" rtl="0" algn="l">
+    <a:lvl7pPr marR="0" lvl="6" algn="l" rtl="0">
       <a:lnSpc>
         <a:spcPct val="100000"/>
       </a:lnSpc>
@@ -209,7 +216,7 @@
         <a:srgbClr val="000000"/>
       </a:buClr>
       <a:buFont typeface="Arial"/>
-      <a:defRPr b="0" i="0" sz="1400" u="none" cap="none" strike="noStrike">
+      <a:defRPr sz="1400" b="0" i="0" u="none" strike="noStrike" cap="none">
         <a:solidFill>
           <a:srgbClr val="000000"/>
         </a:solidFill>
@@ -219,7 +226,7 @@
         <a:sym typeface="Arial"/>
       </a:defRPr>
     </a:lvl7pPr>
-    <a:lvl8pPr lvl="7" marR="0" rtl="0" algn="l">
+    <a:lvl8pPr marR="0" lvl="7" algn="l" rtl="0">
       <a:lnSpc>
         <a:spcPct val="100000"/>
       </a:lnSpc>
@@ -233,7 +240,7 @@
         <a:srgbClr val="000000"/>
       </a:buClr>
       <a:buFont typeface="Arial"/>
-      <a:defRPr b="0" i="0" sz="1400" u="none" cap="none" strike="noStrike">
+      <a:defRPr sz="1400" b="0" i="0" u="none" strike="noStrike" cap="none">
         <a:solidFill>
           <a:srgbClr val="000000"/>
         </a:solidFill>
@@ -243,7 +250,7 @@
         <a:sym typeface="Arial"/>
       </a:defRPr>
     </a:lvl8pPr>
-    <a:lvl9pPr lvl="8" marR="0" rtl="0" algn="l">
+    <a:lvl9pPr marR="0" lvl="8" algn="l" rtl="0">
       <a:lnSpc>
         <a:spcPct val="100000"/>
       </a:lnSpc>
@@ -257,7 +264,7 @@
         <a:srgbClr val="000000"/>
       </a:buClr>
       <a:buFont typeface="Arial"/>
-      <a:defRPr b="0" i="0" sz="1400" u="none" cap="none" strike="noStrike">
+      <a:defRPr sz="1400" b="0" i="0" u="none" strike="noStrike" cap="none">
         <a:solidFill>
           <a:srgbClr val="000000"/>
         </a:solidFill>
@@ -272,18 +279,19 @@
 </file>
 
 <file path=ppt/notesMasters/notesMaster1.xml><?xml version="1.0" encoding="utf-8"?>
-<p:notesMaster xmlns:a="http://schemas.openxmlformats.org/drawingml/2006/main" xmlns:r="http://schemas.openxmlformats.org/officeDocument/2006/relationships" xmlns:mc="http://schemas.openxmlformats.org/markup-compatibility/2006" xmlns:mv="urn:schemas-microsoft-com:mac:vml" xmlns:p="http://schemas.openxmlformats.org/presentationml/2006/main" xmlns:c="http://schemas.openxmlformats.org/drawingml/2006/chart" xmlns:dgm="http://schemas.openxmlformats.org/drawingml/2006/diagram" xmlns:o="urn:schemas-microsoft-com:office:office" xmlns:v="urn:schemas-microsoft-com:vml" xmlns:pvml="urn:schemas-microsoft-com:office:powerpoint" xmlns:com="http://schemas.openxmlformats.org/drawingml/2006/compatibility" xmlns:p14="http://schemas.microsoft.com/office/powerpoint/2010/main" xmlns:p15="http://schemas.microsoft.com/office/powerpoint/2012/main" xmlns:ahyp="http://schemas.microsoft.com/office/drawing/2018/hyperlinkcolor">
+<p:notesMaster xmlns:a="http://schemas.openxmlformats.org/drawingml/2006/main" xmlns:r="http://schemas.openxmlformats.org/officeDocument/2006/relationships" xmlns:p="http://schemas.openxmlformats.org/presentationml/2006/main">
   <p:cSld>
     <p:bg>
       <p:bgPr>
         <a:solidFill>
           <a:schemeClr val="lt1"/>
         </a:solidFill>
+        <a:effectLst/>
       </p:bgPr>
     </p:bg>
     <p:spTree>
       <p:nvGrpSpPr>
-        <p:cNvPr id="2" name="Shape 2"/>
+        <p:cNvPr id="1" name="Shape 2"/>
         <p:cNvGrpSpPr/>
         <p:nvPr/>
       </p:nvGrpSpPr>
@@ -298,9 +306,11 @@
       <p:sp>
         <p:nvSpPr>
           <p:cNvPr id="3" name="Google Shape;3;n"/>
-          <p:cNvSpPr txBox="1"/>
+          <p:cNvSpPr txBox="1">
+            <a:spLocks noGrp="1"/>
+          </p:cNvSpPr>
           <p:nvPr>
-            <p:ph idx="2" type="hdr"/>
+            <p:ph type="hdr" idx="2"/>
           </p:nvPr>
         </p:nvSpPr>
         <p:spPr>
@@ -317,11 +327,11 @@
           </a:ln>
         </p:spPr>
         <p:txBody>
-          <a:bodyPr anchorCtr="0" anchor="t" bIns="45700" lIns="91425" spcFirstLastPara="1" rIns="91425" wrap="square" tIns="45700">
+          <a:bodyPr spcFirstLastPara="1" wrap="square" lIns="91425" tIns="45700" rIns="91425" bIns="45700" anchor="t" anchorCtr="0">
             <a:noAutofit/>
           </a:bodyPr>
           <a:lstStyle>
-            <a:lvl1pPr lvl="0" marR="0" rtl="0" algn="l">
+            <a:lvl1pPr marR="0" lvl="0" algn="l" rtl="0">
               <a:spcBef>
                 <a:spcPts val="0"/>
               </a:spcBef>
@@ -330,7 +340,7 @@
               </a:spcAft>
               <a:buSzPts val="1400"/>
               <a:buNone/>
-              <a:defRPr b="0" i="0" sz="1200" u="none" cap="none" strike="noStrike">
+              <a:defRPr sz="1200" b="0" i="0" u="none" strike="noStrike" cap="none">
                 <a:solidFill>
                   <a:schemeClr val="dk1"/>
                 </a:solidFill>
@@ -340,7 +350,7 @@
                 <a:sym typeface="Calibri"/>
               </a:defRPr>
             </a:lvl1pPr>
-            <a:lvl2pPr lvl="1" marR="0" rtl="0" algn="l">
+            <a:lvl2pPr marR="0" lvl="1" algn="l" rtl="0">
               <a:spcBef>
                 <a:spcPts val="0"/>
               </a:spcBef>
@@ -349,7 +359,7 @@
               </a:spcAft>
               <a:buSzPts val="1400"/>
               <a:buNone/>
-              <a:defRPr b="0" i="0" sz="1800" u="none" cap="none" strike="noStrike">
+              <a:defRPr sz="1800" b="0" i="0" u="none" strike="noStrike" cap="none">
                 <a:solidFill>
                   <a:schemeClr val="dk1"/>
                 </a:solidFill>
@@ -359,7 +369,7 @@
                 <a:sym typeface="Calibri"/>
               </a:defRPr>
             </a:lvl2pPr>
-            <a:lvl3pPr lvl="2" marR="0" rtl="0" algn="l">
+            <a:lvl3pPr marR="0" lvl="2" algn="l" rtl="0">
               <a:spcBef>
                 <a:spcPts val="0"/>
               </a:spcBef>
@@ -368,7 +378,7 @@
               </a:spcAft>
               <a:buSzPts val="1400"/>
               <a:buNone/>
-              <a:defRPr b="0" i="0" sz="1800" u="none" cap="none" strike="noStrike">
+              <a:defRPr sz="1800" b="0" i="0" u="none" strike="noStrike" cap="none">
                 <a:solidFill>
                   <a:schemeClr val="dk1"/>
                 </a:solidFill>
@@ -378,7 +388,7 @@
                 <a:sym typeface="Calibri"/>
               </a:defRPr>
             </a:lvl3pPr>
-            <a:lvl4pPr lvl="3" marR="0" rtl="0" algn="l">
+            <a:lvl4pPr marR="0" lvl="3" algn="l" rtl="0">
               <a:spcBef>
                 <a:spcPts val="0"/>
               </a:spcBef>
@@ -387,7 +397,7 @@
               </a:spcAft>
               <a:buSzPts val="1400"/>
               <a:buNone/>
-              <a:defRPr b="0" i="0" sz="1800" u="none" cap="none" strike="noStrike">
+              <a:defRPr sz="1800" b="0" i="0" u="none" strike="noStrike" cap="none">
                 <a:solidFill>
                   <a:schemeClr val="dk1"/>
                 </a:solidFill>
@@ -397,7 +407,7 @@
                 <a:sym typeface="Calibri"/>
               </a:defRPr>
             </a:lvl4pPr>
-            <a:lvl5pPr lvl="4" marR="0" rtl="0" algn="l">
+            <a:lvl5pPr marR="0" lvl="4" algn="l" rtl="0">
               <a:spcBef>
                 <a:spcPts val="0"/>
               </a:spcBef>
@@ -406,7 +416,7 @@
               </a:spcAft>
               <a:buSzPts val="1400"/>
               <a:buNone/>
-              <a:defRPr b="0" i="0" sz="1800" u="none" cap="none" strike="noStrike">
+              <a:defRPr sz="1800" b="0" i="0" u="none" strike="noStrike" cap="none">
                 <a:solidFill>
                   <a:schemeClr val="dk1"/>
                 </a:solidFill>
@@ -416,7 +426,7 @@
                 <a:sym typeface="Calibri"/>
               </a:defRPr>
             </a:lvl5pPr>
-            <a:lvl6pPr lvl="5" marR="0" rtl="0" algn="l">
+            <a:lvl6pPr marR="0" lvl="5" algn="l" rtl="0">
               <a:spcBef>
                 <a:spcPts val="0"/>
               </a:spcBef>
@@ -425,7 +435,7 @@
               </a:spcAft>
               <a:buSzPts val="1400"/>
               <a:buNone/>
-              <a:defRPr b="0" i="0" sz="1800" u="none" cap="none" strike="noStrike">
+              <a:defRPr sz="1800" b="0" i="0" u="none" strike="noStrike" cap="none">
                 <a:solidFill>
                   <a:schemeClr val="dk1"/>
                 </a:solidFill>
@@ -435,7 +445,7 @@
                 <a:sym typeface="Calibri"/>
               </a:defRPr>
             </a:lvl6pPr>
-            <a:lvl7pPr lvl="6" marR="0" rtl="0" algn="l">
+            <a:lvl7pPr marR="0" lvl="6" algn="l" rtl="0">
               <a:spcBef>
                 <a:spcPts val="0"/>
               </a:spcBef>
@@ -444,7 +454,7 @@
               </a:spcAft>
               <a:buSzPts val="1400"/>
               <a:buNone/>
-              <a:defRPr b="0" i="0" sz="1800" u="none" cap="none" strike="noStrike">
+              <a:defRPr sz="1800" b="0" i="0" u="none" strike="noStrike" cap="none">
                 <a:solidFill>
                   <a:schemeClr val="dk1"/>
                 </a:solidFill>
@@ -454,7 +464,7 @@
                 <a:sym typeface="Calibri"/>
               </a:defRPr>
             </a:lvl7pPr>
-            <a:lvl8pPr lvl="7" marR="0" rtl="0" algn="l">
+            <a:lvl8pPr marR="0" lvl="7" algn="l" rtl="0">
               <a:spcBef>
                 <a:spcPts val="0"/>
               </a:spcBef>
@@ -463,7 +473,7 @@
               </a:spcAft>
               <a:buSzPts val="1400"/>
               <a:buNone/>
-              <a:defRPr b="0" i="0" sz="1800" u="none" cap="none" strike="noStrike">
+              <a:defRPr sz="1800" b="0" i="0" u="none" strike="noStrike" cap="none">
                 <a:solidFill>
                   <a:schemeClr val="dk1"/>
                 </a:solidFill>
@@ -473,7 +483,7 @@
                 <a:sym typeface="Calibri"/>
               </a:defRPr>
             </a:lvl8pPr>
-            <a:lvl9pPr lvl="8" marR="0" rtl="0" algn="l">
+            <a:lvl9pPr marR="0" lvl="8" algn="l" rtl="0">
               <a:spcBef>
                 <a:spcPts val="0"/>
               </a:spcBef>
@@ -482,7 +492,7 @@
               </a:spcAft>
               <a:buSzPts val="1400"/>
               <a:buNone/>
-              <a:defRPr b="0" i="0" sz="1800" u="none" cap="none" strike="noStrike">
+              <a:defRPr sz="1800" b="0" i="0" u="none" strike="noStrike" cap="none">
                 <a:solidFill>
                   <a:schemeClr val="dk1"/>
                 </a:solidFill>
@@ -493,15 +503,19 @@
               </a:defRPr>
             </a:lvl9pPr>
           </a:lstStyle>
-          <a:p/>
+          <a:p>
+            <a:endParaRPr/>
+          </a:p>
         </p:txBody>
       </p:sp>
       <p:sp>
         <p:nvSpPr>
           <p:cNvPr id="4" name="Google Shape;4;n"/>
-          <p:cNvSpPr txBox="1"/>
+          <p:cNvSpPr txBox="1">
+            <a:spLocks noGrp="1"/>
+          </p:cNvSpPr>
           <p:nvPr>
-            <p:ph idx="10" type="dt"/>
+            <p:ph type="dt" idx="10"/>
           </p:nvPr>
         </p:nvSpPr>
         <p:spPr>
@@ -518,11 +532,11 @@
           </a:ln>
         </p:spPr>
         <p:txBody>
-          <a:bodyPr anchorCtr="0" anchor="t" bIns="45700" lIns="91425" spcFirstLastPara="1" rIns="91425" wrap="square" tIns="45700">
+          <a:bodyPr spcFirstLastPara="1" wrap="square" lIns="91425" tIns="45700" rIns="91425" bIns="45700" anchor="t" anchorCtr="0">
             <a:noAutofit/>
           </a:bodyPr>
           <a:lstStyle>
-            <a:lvl1pPr lvl="0" marR="0" rtl="0" algn="r">
+            <a:lvl1pPr marR="0" lvl="0" algn="r" rtl="0">
               <a:spcBef>
                 <a:spcPts val="0"/>
               </a:spcBef>
@@ -531,7 +545,7 @@
               </a:spcAft>
               <a:buSzPts val="1400"/>
               <a:buNone/>
-              <a:defRPr b="0" i="0" sz="1200" u="none" cap="none" strike="noStrike">
+              <a:defRPr sz="1200" b="0" i="0" u="none" strike="noStrike" cap="none">
                 <a:solidFill>
                   <a:schemeClr val="dk1"/>
                 </a:solidFill>
@@ -541,7 +555,7 @@
                 <a:sym typeface="Calibri"/>
               </a:defRPr>
             </a:lvl1pPr>
-            <a:lvl2pPr lvl="1" marR="0" rtl="0" algn="l">
+            <a:lvl2pPr marR="0" lvl="1" algn="l" rtl="0">
               <a:spcBef>
                 <a:spcPts val="0"/>
               </a:spcBef>
@@ -550,7 +564,7 @@
               </a:spcAft>
               <a:buSzPts val="1400"/>
               <a:buNone/>
-              <a:defRPr b="0" i="0" sz="1800" u="none" cap="none" strike="noStrike">
+              <a:defRPr sz="1800" b="0" i="0" u="none" strike="noStrike" cap="none">
                 <a:solidFill>
                   <a:schemeClr val="dk1"/>
                 </a:solidFill>
@@ -560,7 +574,7 @@
                 <a:sym typeface="Calibri"/>
               </a:defRPr>
             </a:lvl2pPr>
-            <a:lvl3pPr lvl="2" marR="0" rtl="0" algn="l">
+            <a:lvl3pPr marR="0" lvl="2" algn="l" rtl="0">
               <a:spcBef>
                 <a:spcPts val="0"/>
               </a:spcBef>
@@ -569,7 +583,7 @@
               </a:spcAft>
               <a:buSzPts val="1400"/>
               <a:buNone/>
-              <a:defRPr b="0" i="0" sz="1800" u="none" cap="none" strike="noStrike">
+              <a:defRPr sz="1800" b="0" i="0" u="none" strike="noStrike" cap="none">
                 <a:solidFill>
                   <a:schemeClr val="dk1"/>
                 </a:solidFill>
@@ -579,7 +593,7 @@
                 <a:sym typeface="Calibri"/>
               </a:defRPr>
             </a:lvl3pPr>
-            <a:lvl4pPr lvl="3" marR="0" rtl="0" algn="l">
+            <a:lvl4pPr marR="0" lvl="3" algn="l" rtl="0">
               <a:spcBef>
                 <a:spcPts val="0"/>
               </a:spcBef>
@@ -588,7 +602,7 @@
               </a:spcAft>
               <a:buSzPts val="1400"/>
               <a:buNone/>
-              <a:defRPr b="0" i="0" sz="1800" u="none" cap="none" strike="noStrike">
+              <a:defRPr sz="1800" b="0" i="0" u="none" strike="noStrike" cap="none">
                 <a:solidFill>
                   <a:schemeClr val="dk1"/>
                 </a:solidFill>
@@ -598,7 +612,7 @@
                 <a:sym typeface="Calibri"/>
               </a:defRPr>
             </a:lvl4pPr>
-            <a:lvl5pPr lvl="4" marR="0" rtl="0" algn="l">
+            <a:lvl5pPr marR="0" lvl="4" algn="l" rtl="0">
               <a:spcBef>
                 <a:spcPts val="0"/>
               </a:spcBef>
@@ -607,7 +621,7 @@
               </a:spcAft>
               <a:buSzPts val="1400"/>
               <a:buNone/>
-              <a:defRPr b="0" i="0" sz="1800" u="none" cap="none" strike="noStrike">
+              <a:defRPr sz="1800" b="0" i="0" u="none" strike="noStrike" cap="none">
                 <a:solidFill>
                   <a:schemeClr val="dk1"/>
                 </a:solidFill>
@@ -617,7 +631,7 @@
                 <a:sym typeface="Calibri"/>
               </a:defRPr>
             </a:lvl5pPr>
-            <a:lvl6pPr lvl="5" marR="0" rtl="0" algn="l">
+            <a:lvl6pPr marR="0" lvl="5" algn="l" rtl="0">
               <a:spcBef>
                 <a:spcPts val="0"/>
               </a:spcBef>
@@ -626,7 +640,7 @@
               </a:spcAft>
               <a:buSzPts val="1400"/>
               <a:buNone/>
-              <a:defRPr b="0" i="0" sz="1800" u="none" cap="none" strike="noStrike">
+              <a:defRPr sz="1800" b="0" i="0" u="none" strike="noStrike" cap="none">
                 <a:solidFill>
                   <a:schemeClr val="dk1"/>
                 </a:solidFill>
@@ -636,7 +650,7 @@
                 <a:sym typeface="Calibri"/>
               </a:defRPr>
             </a:lvl6pPr>
-            <a:lvl7pPr lvl="6" marR="0" rtl="0" algn="l">
+            <a:lvl7pPr marR="0" lvl="6" algn="l" rtl="0">
               <a:spcBef>
                 <a:spcPts val="0"/>
               </a:spcBef>
@@ -645,7 +659,7 @@
               </a:spcAft>
               <a:buSzPts val="1400"/>
               <a:buNone/>
-              <a:defRPr b="0" i="0" sz="1800" u="none" cap="none" strike="noStrike">
+              <a:defRPr sz="1800" b="0" i="0" u="none" strike="noStrike" cap="none">
                 <a:solidFill>
                   <a:schemeClr val="dk1"/>
                 </a:solidFill>
@@ -655,7 +669,7 @@
                 <a:sym typeface="Calibri"/>
               </a:defRPr>
             </a:lvl7pPr>
-            <a:lvl8pPr lvl="7" marR="0" rtl="0" algn="l">
+            <a:lvl8pPr marR="0" lvl="7" algn="l" rtl="0">
               <a:spcBef>
                 <a:spcPts val="0"/>
               </a:spcBef>
@@ -664,7 +678,7 @@
               </a:spcAft>
               <a:buSzPts val="1400"/>
               <a:buNone/>
-              <a:defRPr b="0" i="0" sz="1800" u="none" cap="none" strike="noStrike">
+              <a:defRPr sz="1800" b="0" i="0" u="none" strike="noStrike" cap="none">
                 <a:solidFill>
                   <a:schemeClr val="dk1"/>
                 </a:solidFill>
@@ -674,7 +688,7 @@
                 <a:sym typeface="Calibri"/>
               </a:defRPr>
             </a:lvl8pPr>
-            <a:lvl9pPr lvl="8" marR="0" rtl="0" algn="l">
+            <a:lvl9pPr marR="0" lvl="8" algn="l" rtl="0">
               <a:spcBef>
                 <a:spcPts val="0"/>
               </a:spcBef>
@@ -683,7 +697,7 @@
               </a:spcAft>
               <a:buSzPts val="1400"/>
               <a:buNone/>
-              <a:defRPr b="0" i="0" sz="1800" u="none" cap="none" strike="noStrike">
+              <a:defRPr sz="1800" b="0" i="0" u="none" strike="noStrike" cap="none">
                 <a:solidFill>
                   <a:schemeClr val="dk1"/>
                 </a:solidFill>
@@ -694,15 +708,19 @@
               </a:defRPr>
             </a:lvl9pPr>
           </a:lstStyle>
-          <a:p/>
+          <a:p>
+            <a:endParaRPr/>
+          </a:p>
         </p:txBody>
       </p:sp>
       <p:sp>
         <p:nvSpPr>
           <p:cNvPr id="5" name="Google Shape;5;n"/>
-          <p:cNvSpPr/>
+          <p:cNvSpPr>
+            <a:spLocks noGrp="1" noRot="1" noChangeAspect="1"/>
+          </p:cNvSpPr>
           <p:nvPr>
-            <p:ph idx="3" type="sldImg"/>
+            <p:ph type="sldImg" idx="3"/>
           </p:nvPr>
         </p:nvSpPr>
         <p:spPr>
@@ -711,9 +729,13 @@
             <a:ext cx="5486400" cy="3086100"/>
           </a:xfrm>
           <a:custGeom>
-            <a:rect b="b" l="l" r="r" t="t"/>
+            <a:avLst/>
+            <a:gdLst/>
+            <a:ahLst/>
+            <a:cxnLst/>
+            <a:rect l="l" t="t" r="r" b="b"/>
             <a:pathLst>
-              <a:path extrusionOk="0" h="120000" w="120000">
+              <a:path w="120000" h="120000" extrusionOk="0">
                 <a:moveTo>
                   <a:pt x="0" y="0"/>
                 </a:moveTo>
@@ -731,23 +753,25 @@
             </a:pathLst>
           </a:custGeom>
           <a:noFill/>
-          <a:ln cap="flat" cmpd="sng" w="12700">
+          <a:ln w="12700" cap="flat" cmpd="sng">
             <a:solidFill>
               <a:srgbClr val="000000"/>
             </a:solidFill>
             <a:prstDash val="solid"/>
             <a:round/>
-            <a:headEnd len="sm" w="sm" type="none"/>
-            <a:tailEnd len="sm" w="sm" type="none"/>
+            <a:headEnd type="none" w="sm" len="sm"/>
+            <a:tailEnd type="none" w="sm" len="sm"/>
           </a:ln>
         </p:spPr>
       </p:sp>
       <p:sp>
         <p:nvSpPr>
           <p:cNvPr id="6" name="Google Shape;6;n"/>
-          <p:cNvSpPr txBox="1"/>
+          <p:cNvSpPr txBox="1">
+            <a:spLocks noGrp="1"/>
+          </p:cNvSpPr>
           <p:nvPr>
-            <p:ph idx="1" type="body"/>
+            <p:ph type="body" idx="1"/>
           </p:nvPr>
         </p:nvSpPr>
         <p:spPr>
@@ -764,11 +788,11 @@
           </a:ln>
         </p:spPr>
         <p:txBody>
-          <a:bodyPr anchorCtr="0" anchor="t" bIns="45700" lIns="91425" spcFirstLastPara="1" rIns="91425" wrap="square" tIns="45700">
+          <a:bodyPr spcFirstLastPara="1" wrap="square" lIns="91425" tIns="45700" rIns="91425" bIns="45700" anchor="t" anchorCtr="0">
             <a:noAutofit/>
           </a:bodyPr>
           <a:lstStyle>
-            <a:lvl1pPr indent="-228600" lvl="0" marL="457200" marR="0" rtl="0" algn="l">
+            <a:lvl1pPr marL="457200" marR="0" lvl="0" indent="-228600" algn="l" rtl="0">
               <a:spcBef>
                 <a:spcPts val="0"/>
               </a:spcBef>
@@ -777,7 +801,7 @@
               </a:spcAft>
               <a:buSzPts val="1400"/>
               <a:buNone/>
-              <a:defRPr b="0" i="0" sz="1200" u="none" cap="none" strike="noStrike">
+              <a:defRPr sz="1200" b="0" i="0" u="none" strike="noStrike" cap="none">
                 <a:solidFill>
                   <a:schemeClr val="dk1"/>
                 </a:solidFill>
@@ -787,7 +811,7 @@
                 <a:sym typeface="Calibri"/>
               </a:defRPr>
             </a:lvl1pPr>
-            <a:lvl2pPr indent="-228600" lvl="1" marL="914400" marR="0" rtl="0" algn="l">
+            <a:lvl2pPr marL="914400" marR="0" lvl="1" indent="-228600" algn="l" rtl="0">
               <a:spcBef>
                 <a:spcPts val="0"/>
               </a:spcBef>
@@ -796,7 +820,7 @@
               </a:spcAft>
               <a:buSzPts val="1400"/>
               <a:buNone/>
-              <a:defRPr b="0" i="0" sz="1200" u="none" cap="none" strike="noStrike">
+              <a:defRPr sz="1200" b="0" i="0" u="none" strike="noStrike" cap="none">
                 <a:solidFill>
                   <a:schemeClr val="dk1"/>
                 </a:solidFill>
@@ -806,7 +830,7 @@
                 <a:sym typeface="Calibri"/>
               </a:defRPr>
             </a:lvl2pPr>
-            <a:lvl3pPr indent="-228600" lvl="2" marL="1371600" marR="0" rtl="0" algn="l">
+            <a:lvl3pPr marL="1371600" marR="0" lvl="2" indent="-228600" algn="l" rtl="0">
               <a:spcBef>
                 <a:spcPts val="0"/>
               </a:spcBef>
@@ -815,7 +839,7 @@
               </a:spcAft>
               <a:buSzPts val="1400"/>
               <a:buNone/>
-              <a:defRPr b="0" i="0" sz="1200" u="none" cap="none" strike="noStrike">
+              <a:defRPr sz="1200" b="0" i="0" u="none" strike="noStrike" cap="none">
                 <a:solidFill>
                   <a:schemeClr val="dk1"/>
                 </a:solidFill>
@@ -825,7 +849,7 @@
                 <a:sym typeface="Calibri"/>
               </a:defRPr>
             </a:lvl3pPr>
-            <a:lvl4pPr indent="-228600" lvl="3" marL="1828800" marR="0" rtl="0" algn="l">
+            <a:lvl4pPr marL="1828800" marR="0" lvl="3" indent="-228600" algn="l" rtl="0">
               <a:spcBef>
                 <a:spcPts val="0"/>
               </a:spcBef>
@@ -834,7 +858,7 @@
               </a:spcAft>
               <a:buSzPts val="1400"/>
               <a:buNone/>
-              <a:defRPr b="0" i="0" sz="1200" u="none" cap="none" strike="noStrike">
+              <a:defRPr sz="1200" b="0" i="0" u="none" strike="noStrike" cap="none">
                 <a:solidFill>
                   <a:schemeClr val="dk1"/>
                 </a:solidFill>
@@ -844,7 +868,7 @@
                 <a:sym typeface="Calibri"/>
               </a:defRPr>
             </a:lvl4pPr>
-            <a:lvl5pPr indent="-228600" lvl="4" marL="2286000" marR="0" rtl="0" algn="l">
+            <a:lvl5pPr marL="2286000" marR="0" lvl="4" indent="-228600" algn="l" rtl="0">
               <a:spcBef>
                 <a:spcPts val="0"/>
               </a:spcBef>
@@ -853,7 +877,7 @@
               </a:spcAft>
               <a:buSzPts val="1400"/>
               <a:buNone/>
-              <a:defRPr b="0" i="0" sz="1200" u="none" cap="none" strike="noStrike">
+              <a:defRPr sz="1200" b="0" i="0" u="none" strike="noStrike" cap="none">
                 <a:solidFill>
                   <a:schemeClr val="dk1"/>
                 </a:solidFill>
@@ -863,7 +887,7 @@
                 <a:sym typeface="Calibri"/>
               </a:defRPr>
             </a:lvl5pPr>
-            <a:lvl6pPr indent="-228600" lvl="5" marL="2743200" marR="0" rtl="0" algn="l">
+            <a:lvl6pPr marL="2743200" marR="0" lvl="5" indent="-228600" algn="l" rtl="0">
               <a:spcBef>
                 <a:spcPts val="0"/>
               </a:spcBef>
@@ -872,7 +896,7 @@
               </a:spcAft>
               <a:buSzPts val="1400"/>
               <a:buNone/>
-              <a:defRPr b="0" i="0" sz="1200" u="none" cap="none" strike="noStrike">
+              <a:defRPr sz="1200" b="0" i="0" u="none" strike="noStrike" cap="none">
                 <a:solidFill>
                   <a:schemeClr val="dk1"/>
                 </a:solidFill>
@@ -882,7 +906,7 @@
                 <a:sym typeface="Calibri"/>
               </a:defRPr>
             </a:lvl6pPr>
-            <a:lvl7pPr indent="-228600" lvl="6" marL="3200400" marR="0" rtl="0" algn="l">
+            <a:lvl7pPr marL="3200400" marR="0" lvl="6" indent="-228600" algn="l" rtl="0">
               <a:spcBef>
                 <a:spcPts val="0"/>
               </a:spcBef>
@@ -891,7 +915,7 @@
               </a:spcAft>
               <a:buSzPts val="1400"/>
               <a:buNone/>
-              <a:defRPr b="0" i="0" sz="1200" u="none" cap="none" strike="noStrike">
+              <a:defRPr sz="1200" b="0" i="0" u="none" strike="noStrike" cap="none">
                 <a:solidFill>
                   <a:schemeClr val="dk1"/>
                 </a:solidFill>
@@ -901,7 +925,7 @@
                 <a:sym typeface="Calibri"/>
               </a:defRPr>
             </a:lvl7pPr>
-            <a:lvl8pPr indent="-228600" lvl="7" marL="3657600" marR="0" rtl="0" algn="l">
+            <a:lvl8pPr marL="3657600" marR="0" lvl="7" indent="-228600" algn="l" rtl="0">
               <a:spcBef>
                 <a:spcPts val="0"/>
               </a:spcBef>
@@ -910,7 +934,7 @@
               </a:spcAft>
               <a:buSzPts val="1400"/>
               <a:buNone/>
-              <a:defRPr b="0" i="0" sz="1200" u="none" cap="none" strike="noStrike">
+              <a:defRPr sz="1200" b="0" i="0" u="none" strike="noStrike" cap="none">
                 <a:solidFill>
                   <a:schemeClr val="dk1"/>
                 </a:solidFill>
@@ -920,7 +944,7 @@
                 <a:sym typeface="Calibri"/>
               </a:defRPr>
             </a:lvl8pPr>
-            <a:lvl9pPr indent="-228600" lvl="8" marL="4114800" marR="0" rtl="0" algn="l">
+            <a:lvl9pPr marL="4114800" marR="0" lvl="8" indent="-228600" algn="l" rtl="0">
               <a:spcBef>
                 <a:spcPts val="0"/>
               </a:spcBef>
@@ -929,7 +953,7 @@
               </a:spcAft>
               <a:buSzPts val="1400"/>
               <a:buNone/>
-              <a:defRPr b="0" i="0" sz="1200" u="none" cap="none" strike="noStrike">
+              <a:defRPr sz="1200" b="0" i="0" u="none" strike="noStrike" cap="none">
                 <a:solidFill>
                   <a:schemeClr val="dk1"/>
                 </a:solidFill>
@@ -940,15 +964,19 @@
               </a:defRPr>
             </a:lvl9pPr>
           </a:lstStyle>
-          <a:p/>
+          <a:p>
+            <a:endParaRPr/>
+          </a:p>
         </p:txBody>
       </p:sp>
       <p:sp>
         <p:nvSpPr>
           <p:cNvPr id="7" name="Google Shape;7;n"/>
-          <p:cNvSpPr txBox="1"/>
+          <p:cNvSpPr txBox="1">
+            <a:spLocks noGrp="1"/>
+          </p:cNvSpPr>
           <p:nvPr>
-            <p:ph idx="11" type="ftr"/>
+            <p:ph type="ftr" idx="11"/>
           </p:nvPr>
         </p:nvSpPr>
         <p:spPr>
@@ -965,11 +993,11 @@
           </a:ln>
         </p:spPr>
         <p:txBody>
-          <a:bodyPr anchorCtr="0" anchor="b" bIns="45700" lIns="91425" spcFirstLastPara="1" rIns="91425" wrap="square" tIns="45700">
+          <a:bodyPr spcFirstLastPara="1" wrap="square" lIns="91425" tIns="45700" rIns="91425" bIns="45700" anchor="b" anchorCtr="0">
             <a:noAutofit/>
           </a:bodyPr>
           <a:lstStyle>
-            <a:lvl1pPr lvl="0" marR="0" rtl="0" algn="l">
+            <a:lvl1pPr marR="0" lvl="0" algn="l" rtl="0">
               <a:spcBef>
                 <a:spcPts val="0"/>
               </a:spcBef>
@@ -978,7 +1006,7 @@
               </a:spcAft>
               <a:buSzPts val="1400"/>
               <a:buNone/>
-              <a:defRPr b="0" i="0" sz="1200" u="none" cap="none" strike="noStrike">
+              <a:defRPr sz="1200" b="0" i="0" u="none" strike="noStrike" cap="none">
                 <a:solidFill>
                   <a:schemeClr val="dk1"/>
                 </a:solidFill>
@@ -988,7 +1016,7 @@
                 <a:sym typeface="Calibri"/>
               </a:defRPr>
             </a:lvl1pPr>
-            <a:lvl2pPr lvl="1" marR="0" rtl="0" algn="l">
+            <a:lvl2pPr marR="0" lvl="1" algn="l" rtl="0">
               <a:spcBef>
                 <a:spcPts val="0"/>
               </a:spcBef>
@@ -997,7 +1025,7 @@
               </a:spcAft>
               <a:buSzPts val="1400"/>
               <a:buNone/>
-              <a:defRPr b="0" i="0" sz="1800" u="none" cap="none" strike="noStrike">
+              <a:defRPr sz="1800" b="0" i="0" u="none" strike="noStrike" cap="none">
                 <a:solidFill>
                   <a:schemeClr val="dk1"/>
                 </a:solidFill>
@@ -1007,7 +1035,7 @@
                 <a:sym typeface="Calibri"/>
               </a:defRPr>
             </a:lvl2pPr>
-            <a:lvl3pPr lvl="2" marR="0" rtl="0" algn="l">
+            <a:lvl3pPr marR="0" lvl="2" algn="l" rtl="0">
               <a:spcBef>
                 <a:spcPts val="0"/>
               </a:spcBef>
@@ -1016,7 +1044,7 @@
               </a:spcAft>
               <a:buSzPts val="1400"/>
               <a:buNone/>
-              <a:defRPr b="0" i="0" sz="1800" u="none" cap="none" strike="noStrike">
+              <a:defRPr sz="1800" b="0" i="0" u="none" strike="noStrike" cap="none">
                 <a:solidFill>
                   <a:schemeClr val="dk1"/>
                 </a:solidFill>
@@ -1026,7 +1054,7 @@
                 <a:sym typeface="Calibri"/>
               </a:defRPr>
             </a:lvl3pPr>
-            <a:lvl4pPr lvl="3" marR="0" rtl="0" algn="l">
+            <a:lvl4pPr marR="0" lvl="3" algn="l" rtl="0">
               <a:spcBef>
                 <a:spcPts val="0"/>
               </a:spcBef>
@@ -1035,7 +1063,7 @@
               </a:spcAft>
               <a:buSzPts val="1400"/>
               <a:buNone/>
-              <a:defRPr b="0" i="0" sz="1800" u="none" cap="none" strike="noStrike">
+              <a:defRPr sz="1800" b="0" i="0" u="none" strike="noStrike" cap="none">
                 <a:solidFill>
                   <a:schemeClr val="dk1"/>
                 </a:solidFill>
@@ -1045,7 +1073,7 @@
                 <a:sym typeface="Calibri"/>
               </a:defRPr>
             </a:lvl4pPr>
-            <a:lvl5pPr lvl="4" marR="0" rtl="0" algn="l">
+            <a:lvl5pPr marR="0" lvl="4" algn="l" rtl="0">
               <a:spcBef>
                 <a:spcPts val="0"/>
               </a:spcBef>
@@ -1054,7 +1082,7 @@
               </a:spcAft>
               <a:buSzPts val="1400"/>
               <a:buNone/>
-              <a:defRPr b="0" i="0" sz="1800" u="none" cap="none" strike="noStrike">
+              <a:defRPr sz="1800" b="0" i="0" u="none" strike="noStrike" cap="none">
                 <a:solidFill>
                   <a:schemeClr val="dk1"/>
                 </a:solidFill>
@@ -1064,7 +1092,7 @@
                 <a:sym typeface="Calibri"/>
               </a:defRPr>
             </a:lvl5pPr>
-            <a:lvl6pPr lvl="5" marR="0" rtl="0" algn="l">
+            <a:lvl6pPr marR="0" lvl="5" algn="l" rtl="0">
               <a:spcBef>
                 <a:spcPts val="0"/>
               </a:spcBef>
@@ -1073,7 +1101,7 @@
               </a:spcAft>
               <a:buSzPts val="1400"/>
               <a:buNone/>
-              <a:defRPr b="0" i="0" sz="1800" u="none" cap="none" strike="noStrike">
+              <a:defRPr sz="1800" b="0" i="0" u="none" strike="noStrike" cap="none">
                 <a:solidFill>
                   <a:schemeClr val="dk1"/>
                 </a:solidFill>
@@ -1083,7 +1111,7 @@
                 <a:sym typeface="Calibri"/>
               </a:defRPr>
             </a:lvl6pPr>
-            <a:lvl7pPr lvl="6" marR="0" rtl="0" algn="l">
+            <a:lvl7pPr marR="0" lvl="6" algn="l" rtl="0">
               <a:spcBef>
                 <a:spcPts val="0"/>
               </a:spcBef>
@@ -1092,7 +1120,7 @@
               </a:spcAft>
               <a:buSzPts val="1400"/>
               <a:buNone/>
-              <a:defRPr b="0" i="0" sz="1800" u="none" cap="none" strike="noStrike">
+              <a:defRPr sz="1800" b="0" i="0" u="none" strike="noStrike" cap="none">
                 <a:solidFill>
                   <a:schemeClr val="dk1"/>
                 </a:solidFill>
@@ -1102,7 +1130,7 @@
                 <a:sym typeface="Calibri"/>
               </a:defRPr>
             </a:lvl7pPr>
-            <a:lvl8pPr lvl="7" marR="0" rtl="0" algn="l">
+            <a:lvl8pPr marR="0" lvl="7" algn="l" rtl="0">
               <a:spcBef>
                 <a:spcPts val="0"/>
               </a:spcBef>
@@ -1111,7 +1139,7 @@
               </a:spcAft>
               <a:buSzPts val="1400"/>
               <a:buNone/>
-              <a:defRPr b="0" i="0" sz="1800" u="none" cap="none" strike="noStrike">
+              <a:defRPr sz="1800" b="0" i="0" u="none" strike="noStrike" cap="none">
                 <a:solidFill>
                   <a:schemeClr val="dk1"/>
                 </a:solidFill>
@@ -1121,7 +1149,7 @@
                 <a:sym typeface="Calibri"/>
               </a:defRPr>
             </a:lvl8pPr>
-            <a:lvl9pPr lvl="8" marR="0" rtl="0" algn="l">
+            <a:lvl9pPr marR="0" lvl="8" algn="l" rtl="0">
               <a:spcBef>
                 <a:spcPts val="0"/>
               </a:spcBef>
@@ -1130,7 +1158,7 @@
               </a:spcAft>
               <a:buSzPts val="1400"/>
               <a:buNone/>
-              <a:defRPr b="0" i="0" sz="1800" u="none" cap="none" strike="noStrike">
+              <a:defRPr sz="1800" b="0" i="0" u="none" strike="noStrike" cap="none">
                 <a:solidFill>
                   <a:schemeClr val="dk1"/>
                 </a:solidFill>
@@ -1141,15 +1169,19 @@
               </a:defRPr>
             </a:lvl9pPr>
           </a:lstStyle>
-          <a:p/>
+          <a:p>
+            <a:endParaRPr/>
+          </a:p>
         </p:txBody>
       </p:sp>
       <p:sp>
         <p:nvSpPr>
           <p:cNvPr id="8" name="Google Shape;8;n"/>
-          <p:cNvSpPr txBox="1"/>
+          <p:cNvSpPr txBox="1">
+            <a:spLocks noGrp="1"/>
+          </p:cNvSpPr>
           <p:nvPr>
-            <p:ph idx="12" type="sldNum"/>
+            <p:ph type="sldNum" idx="12"/>
           </p:nvPr>
         </p:nvSpPr>
         <p:spPr>
@@ -1166,12 +1198,12 @@
           </a:ln>
         </p:spPr>
         <p:txBody>
-          <a:bodyPr anchorCtr="0" anchor="b" bIns="45700" lIns="91425" spcFirstLastPara="1" rIns="91425" wrap="square" tIns="45700">
-            <a:noAutofit/>
-          </a:bodyPr>
-          <a:lstStyle/>
-          <a:p>
-            <a:pPr indent="0" lvl="0" marL="0" marR="0" rtl="0" algn="r">
+          <a:bodyPr spcFirstLastPara="1" wrap="square" lIns="91425" tIns="45700" rIns="91425" bIns="45700" anchor="b" anchorCtr="0">
+            <a:noAutofit/>
+          </a:bodyPr>
+          <a:lstStyle/>
+          <a:p>
+            <a:pPr marL="0" marR="0" lvl="0" indent="0" algn="r" rtl="0">
               <a:spcBef>
                 <a:spcPts val="0"/>
               </a:spcBef>
@@ -1181,7 +1213,7 @@
               <a:buNone/>
             </a:pPr>
             <a:fld id="{00000000-1234-1234-1234-123412341234}" type="slidenum">
-              <a:rPr b="0" i="0" lang="en-US" sz="1200" u="none" cap="none" strike="noStrike">
+              <a:rPr lang="en-US" sz="1200" b="0" i="0" u="none" strike="noStrike" cap="none">
                 <a:solidFill>
                   <a:schemeClr val="dk1"/>
                 </a:solidFill>
@@ -1190,9 +1222,18 @@
                 <a:cs typeface="Calibri"/>
                 <a:sym typeface="Calibri"/>
               </a:rPr>
+              <a:pPr marL="0" marR="0" lvl="0" indent="0" algn="r" rtl="0">
+                <a:spcBef>
+                  <a:spcPts val="0"/>
+                </a:spcBef>
+                <a:spcAft>
+                  <a:spcPts val="0"/>
+                </a:spcAft>
+                <a:buNone/>
+              </a:pPr>
               <a:t>‹#›</a:t>
             </a:fld>
-            <a:endParaRPr b="0" i="0" sz="1200" u="none" cap="none" strike="noStrike">
+            <a:endParaRPr sz="1200" b="0" i="0" u="none" strike="noStrike" cap="none">
               <a:solidFill>
                 <a:schemeClr val="dk1"/>
               </a:solidFill>
@@ -1206,9 +1247,9 @@
       </p:sp>
     </p:spTree>
   </p:cSld>
-  <p:clrMap accent1="accent1" accent2="accent2" accent3="accent3" accent4="accent4" accent5="accent5" accent6="accent6" bg1="lt1" bg2="dk2" tx1="dk1" tx2="lt2" folHlink="folHlink" hlink="hlink"/>
+  <p:clrMap bg1="lt1" tx1="dk1" bg2="dk2" tx2="lt2" accent1="accent1" accent2="accent2" accent3="accent3" accent4="accent4" accent5="accent5" accent6="accent6" hlink="hlink" folHlink="folHlink"/>
   <p:notesStyle>
-    <a:defPPr lvl="0" marR="0" rtl="0" algn="l">
+    <a:defPPr marR="0" lvl="0" algn="l" rtl="0">
       <a:lnSpc>
         <a:spcPct val="100000"/>
       </a:lnSpc>
@@ -1219,7 +1260,7 @@
         <a:spcPts val="0"/>
       </a:spcAft>
     </a:defPPr>
-    <a:lvl1pPr lvl="0" marR="0" rtl="0" algn="l">
+    <a:lvl1pPr marR="0" lvl="0" algn="l" rtl="0">
       <a:lnSpc>
         <a:spcPct val="100000"/>
       </a:lnSpc>
@@ -1233,7 +1274,7 @@
         <a:srgbClr val="000000"/>
       </a:buClr>
       <a:buFont typeface="Arial"/>
-      <a:defRPr b="0" i="0" sz="1400" u="none" cap="none" strike="noStrike">
+      <a:defRPr sz="1400" b="0" i="0" u="none" strike="noStrike" cap="none">
         <a:solidFill>
           <a:srgbClr val="000000"/>
         </a:solidFill>
@@ -1243,7 +1284,7 @@
         <a:sym typeface="Arial"/>
       </a:defRPr>
     </a:lvl1pPr>
-    <a:lvl2pPr lvl="1" marR="0" rtl="0" algn="l">
+    <a:lvl2pPr marR="0" lvl="1" algn="l" rtl="0">
       <a:lnSpc>
         <a:spcPct val="100000"/>
       </a:lnSpc>
@@ -1257,7 +1298,7 @@
         <a:srgbClr val="000000"/>
       </a:buClr>
       <a:buFont typeface="Arial"/>
-      <a:defRPr b="0" i="0" sz="1400" u="none" cap="none" strike="noStrike">
+      <a:defRPr sz="1400" b="0" i="0" u="none" strike="noStrike" cap="none">
         <a:solidFill>
           <a:srgbClr val="000000"/>
         </a:solidFill>
@@ -1267,7 +1308,7 @@
         <a:sym typeface="Arial"/>
       </a:defRPr>
     </a:lvl2pPr>
-    <a:lvl3pPr lvl="2" marR="0" rtl="0" algn="l">
+    <a:lvl3pPr marR="0" lvl="2" algn="l" rtl="0">
       <a:lnSpc>
         <a:spcPct val="100000"/>
       </a:lnSpc>
@@ -1281,7 +1322,7 @@
         <a:srgbClr val="000000"/>
       </a:buClr>
       <a:buFont typeface="Arial"/>
-      <a:defRPr b="0" i="0" sz="1400" u="none" cap="none" strike="noStrike">
+      <a:defRPr sz="1400" b="0" i="0" u="none" strike="noStrike" cap="none">
         <a:solidFill>
           <a:srgbClr val="000000"/>
         </a:solidFill>
@@ -1291,7 +1332,7 @@
         <a:sym typeface="Arial"/>
       </a:defRPr>
     </a:lvl3pPr>
-    <a:lvl4pPr lvl="3" marR="0" rtl="0" algn="l">
+    <a:lvl4pPr marR="0" lvl="3" algn="l" rtl="0">
       <a:lnSpc>
         <a:spcPct val="100000"/>
       </a:lnSpc>
@@ -1305,7 +1346,7 @@
         <a:srgbClr val="000000"/>
       </a:buClr>
       <a:buFont typeface="Arial"/>
-      <a:defRPr b="0" i="0" sz="1400" u="none" cap="none" strike="noStrike">
+      <a:defRPr sz="1400" b="0" i="0" u="none" strike="noStrike" cap="none">
         <a:solidFill>
           <a:srgbClr val="000000"/>
         </a:solidFill>
@@ -1315,7 +1356,7 @@
         <a:sym typeface="Arial"/>
       </a:defRPr>
     </a:lvl4pPr>
-    <a:lvl5pPr lvl="4" marR="0" rtl="0" algn="l">
+    <a:lvl5pPr marR="0" lvl="4" algn="l" rtl="0">
       <a:lnSpc>
         <a:spcPct val="100000"/>
       </a:lnSpc>
@@ -1329,7 +1370,7 @@
         <a:srgbClr val="000000"/>
       </a:buClr>
       <a:buFont typeface="Arial"/>
-      <a:defRPr b="0" i="0" sz="1400" u="none" cap="none" strike="noStrike">
+      <a:defRPr sz="1400" b="0" i="0" u="none" strike="noStrike" cap="none">
         <a:solidFill>
           <a:srgbClr val="000000"/>
         </a:solidFill>
@@ -1339,7 +1380,7 @@
         <a:sym typeface="Arial"/>
       </a:defRPr>
     </a:lvl5pPr>
-    <a:lvl6pPr lvl="5" marR="0" rtl="0" algn="l">
+    <a:lvl6pPr marR="0" lvl="5" algn="l" rtl="0">
       <a:lnSpc>
         <a:spcPct val="100000"/>
       </a:lnSpc>
@@ -1353,7 +1394,7 @@
         <a:srgbClr val="000000"/>
       </a:buClr>
       <a:buFont typeface="Arial"/>
-      <a:defRPr b="0" i="0" sz="1400" u="none" cap="none" strike="noStrike">
+      <a:defRPr sz="1400" b="0" i="0" u="none" strike="noStrike" cap="none">
         <a:solidFill>
           <a:srgbClr val="000000"/>
         </a:solidFill>
@@ -1363,7 +1404,7 @@
         <a:sym typeface="Arial"/>
       </a:defRPr>
     </a:lvl6pPr>
-    <a:lvl7pPr lvl="6" marR="0" rtl="0" algn="l">
+    <a:lvl7pPr marR="0" lvl="6" algn="l" rtl="0">
       <a:lnSpc>
         <a:spcPct val="100000"/>
       </a:lnSpc>
@@ -1377,7 +1418,7 @@
         <a:srgbClr val="000000"/>
       </a:buClr>
       <a:buFont typeface="Arial"/>
-      <a:defRPr b="0" i="0" sz="1400" u="none" cap="none" strike="noStrike">
+      <a:defRPr sz="1400" b="0" i="0" u="none" strike="noStrike" cap="none">
         <a:solidFill>
           <a:srgbClr val="000000"/>
         </a:solidFill>
@@ -1387,7 +1428,7 @@
         <a:sym typeface="Arial"/>
       </a:defRPr>
     </a:lvl7pPr>
-    <a:lvl8pPr lvl="7" marR="0" rtl="0" algn="l">
+    <a:lvl8pPr marR="0" lvl="7" algn="l" rtl="0">
       <a:lnSpc>
         <a:spcPct val="100000"/>
       </a:lnSpc>
@@ -1401,7 +1442,7 @@
         <a:srgbClr val="000000"/>
       </a:buClr>
       <a:buFont typeface="Arial"/>
-      <a:defRPr b="0" i="0" sz="1400" u="none" cap="none" strike="noStrike">
+      <a:defRPr sz="1400" b="0" i="0" u="none" strike="noStrike" cap="none">
         <a:solidFill>
           <a:srgbClr val="000000"/>
         </a:solidFill>
@@ -1411,7 +1452,7 @@
         <a:sym typeface="Arial"/>
       </a:defRPr>
     </a:lvl8pPr>
-    <a:lvl9pPr lvl="8" marR="0" rtl="0" algn="l">
+    <a:lvl9pPr marR="0" lvl="8" algn="l" rtl="0">
       <a:lnSpc>
         <a:spcPct val="100000"/>
       </a:lnSpc>
@@ -1425,7 +1466,7 @@
         <a:srgbClr val="000000"/>
       </a:buClr>
       <a:buFont typeface="Arial"/>
-      <a:defRPr b="0" i="0" sz="1400" u="none" cap="none" strike="noStrike">
+      <a:defRPr sz="1400" b="0" i="0" u="none" strike="noStrike" cap="none">
         <a:solidFill>
           <a:srgbClr val="000000"/>
         </a:solidFill>
@@ -1440,11 +1481,11 @@
 </file>
 
 <file path=ppt/notesSlides/notesSlide1.xml><?xml version="1.0" encoding="utf-8"?>
-<p:notes xmlns:a="http://schemas.openxmlformats.org/drawingml/2006/main" xmlns:r="http://schemas.openxmlformats.org/officeDocument/2006/relationships" xmlns:mc="http://schemas.openxmlformats.org/markup-compatibility/2006" xmlns:mv="urn:schemas-microsoft-com:mac:vml" xmlns:p="http://schemas.openxmlformats.org/presentationml/2006/main" xmlns:c="http://schemas.openxmlformats.org/drawingml/2006/chart" xmlns:dgm="http://schemas.openxmlformats.org/drawingml/2006/diagram" xmlns:o="urn:schemas-microsoft-com:office:office" xmlns:v="urn:schemas-microsoft-com:vml" xmlns:pvml="urn:schemas-microsoft-com:office:powerpoint" xmlns:com="http://schemas.openxmlformats.org/drawingml/2006/compatibility" xmlns:p14="http://schemas.microsoft.com/office/powerpoint/2010/main" xmlns:p15="http://schemas.microsoft.com/office/powerpoint/2012/main" xmlns:ahyp="http://schemas.microsoft.com/office/drawing/2018/hyperlinkcolor" showMasterPhAnim="0" showMasterSp="0">
+<p:notes xmlns:a="http://schemas.openxmlformats.org/drawingml/2006/main" xmlns:r="http://schemas.openxmlformats.org/officeDocument/2006/relationships" xmlns:p="http://schemas.openxmlformats.org/presentationml/2006/main" showMasterSp="0" showMasterPhAnim="0">
   <p:cSld>
     <p:spTree>
       <p:nvGrpSpPr>
-        <p:cNvPr id="11" name="Shape 11"/>
+        <p:cNvPr id="1" name="Shape 11"/>
         <p:cNvGrpSpPr/>
         <p:nvPr/>
       </p:nvGrpSpPr>
@@ -1459,9 +1500,11 @@
       <p:sp>
         <p:nvSpPr>
           <p:cNvPr id="12" name="Google Shape;12;g26faea734ca_0_0:notes"/>
-          <p:cNvSpPr/>
+          <p:cNvSpPr>
+            <a:spLocks noGrp="1" noRot="1" noChangeAspect="1"/>
+          </p:cNvSpPr>
           <p:nvPr>
-            <p:ph idx="2" type="sldImg"/>
+            <p:ph type="sldImg" idx="2"/>
           </p:nvPr>
         </p:nvSpPr>
         <p:spPr>
@@ -1470,9 +1513,13 @@
             <a:ext cx="5486400" cy="3086100"/>
           </a:xfrm>
           <a:custGeom>
-            <a:rect b="b" l="l" r="r" t="t"/>
+            <a:avLst/>
+            <a:gdLst/>
+            <a:ahLst/>
+            <a:cxnLst/>
+            <a:rect l="l" t="t" r="r" b="b"/>
             <a:pathLst>
-              <a:path extrusionOk="0" h="120000" w="120000">
+              <a:path w="120000" h="120000" extrusionOk="0">
                 <a:moveTo>
                   <a:pt x="0" y="0"/>
                 </a:moveTo>
@@ -1494,9 +1541,11 @@
       <p:sp>
         <p:nvSpPr>
           <p:cNvPr id="13" name="Google Shape;13;g26faea734ca_0_0:notes"/>
-          <p:cNvSpPr txBox="1"/>
+          <p:cNvSpPr txBox="1">
+            <a:spLocks noGrp="1"/>
+          </p:cNvSpPr>
           <p:nvPr>
-            <p:ph idx="1" type="body"/>
+            <p:ph type="body" idx="1"/>
           </p:nvPr>
         </p:nvSpPr>
         <p:spPr>
@@ -1509,23 +1558,20 @@
           </a:prstGeom>
         </p:spPr>
         <p:txBody>
-          <a:bodyPr anchorCtr="0" anchor="t" bIns="45700" lIns="91425" spcFirstLastPara="1" rIns="91425" wrap="square" tIns="45700">
-            <a:noAutofit/>
-          </a:bodyPr>
-          <a:lstStyle/>
-          <a:p>
-            <a:pPr indent="0" lvl="0" marL="0" rtl="0" algn="l">
-              <a:spcBef>
-                <a:spcPts val="0"/>
-              </a:spcBef>
-              <a:spcAft>
-                <a:spcPts val="0"/>
-              </a:spcAft>
-              <a:buNone/>
-            </a:pPr>
-            <a:r>
-              <a:t/>
-            </a:r>
+          <a:bodyPr spcFirstLastPara="1" wrap="square" lIns="91425" tIns="45700" rIns="91425" bIns="45700" anchor="t" anchorCtr="0">
+            <a:noAutofit/>
+          </a:bodyPr>
+          <a:lstStyle/>
+          <a:p>
+            <a:pPr marL="0" lvl="0" indent="0" algn="l" rtl="0">
+              <a:spcBef>
+                <a:spcPts val="0"/>
+              </a:spcBef>
+              <a:spcAft>
+                <a:spcPts val="0"/>
+              </a:spcAft>
+              <a:buNone/>
+            </a:pPr>
             <a:endParaRPr/>
           </a:p>
         </p:txBody>
@@ -1533,9 +1579,11 @@
       <p:sp>
         <p:nvSpPr>
           <p:cNvPr id="14" name="Google Shape;14;g26faea734ca_0_0:notes"/>
-          <p:cNvSpPr txBox="1"/>
+          <p:cNvSpPr txBox="1">
+            <a:spLocks noGrp="1"/>
+          </p:cNvSpPr>
           <p:nvPr>
-            <p:ph idx="12" type="sldNum"/>
+            <p:ph type="sldNum" idx="12"/>
           </p:nvPr>
         </p:nvSpPr>
         <p:spPr>
@@ -1548,12 +1596,12 @@
           </a:prstGeom>
         </p:spPr>
         <p:txBody>
-          <a:bodyPr anchorCtr="0" anchor="b" bIns="45700" lIns="91425" spcFirstLastPara="1" rIns="91425" wrap="square" tIns="45700">
-            <a:noAutofit/>
-          </a:bodyPr>
-          <a:lstStyle/>
-          <a:p>
-            <a:pPr indent="0" lvl="0" marL="0" rtl="0" algn="r">
+          <a:bodyPr spcFirstLastPara="1" wrap="square" lIns="91425" tIns="45700" rIns="91425" bIns="45700" anchor="b" anchorCtr="0">
+            <a:noAutofit/>
+          </a:bodyPr>
+          <a:lstStyle/>
+          <a:p>
+            <a:pPr marL="0" lvl="0" indent="0" algn="r" rtl="0">
               <a:spcBef>
                 <a:spcPts val="0"/>
               </a:spcBef>
@@ -1568,7 +1616,20 @@
             </a:pPr>
             <a:fld id="{00000000-1234-1234-1234-123412341234}" type="slidenum">
               <a:rPr lang="en-US"/>
-              <a:t>‹#›</a:t>
+              <a:pPr marL="0" lvl="0" indent="0" algn="r" rtl="0">
+                <a:spcBef>
+                  <a:spcPts val="0"/>
+                </a:spcBef>
+                <a:spcAft>
+                  <a:spcPts val="0"/>
+                </a:spcAft>
+                <a:buClr>
+                  <a:srgbClr val="000000"/>
+                </a:buClr>
+                <a:buFont typeface="Arial"/>
+                <a:buNone/>
+              </a:pPr>
+              <a:t>1</a:t>
             </a:fld>
             <a:endParaRPr/>
           </a:p>
@@ -1583,11 +1644,11 @@
 </file>
 
 <file path=ppt/notesSlides/notesSlide10.xml><?xml version="1.0" encoding="utf-8"?>
-<p:notes xmlns:a="http://schemas.openxmlformats.org/drawingml/2006/main" xmlns:r="http://schemas.openxmlformats.org/officeDocument/2006/relationships" xmlns:mc="http://schemas.openxmlformats.org/markup-compatibility/2006" xmlns:mv="urn:schemas-microsoft-com:mac:vml" xmlns:p="http://schemas.openxmlformats.org/presentationml/2006/main" xmlns:c="http://schemas.openxmlformats.org/drawingml/2006/chart" xmlns:dgm="http://schemas.openxmlformats.org/drawingml/2006/diagram" xmlns:o="urn:schemas-microsoft-com:office:office" xmlns:v="urn:schemas-microsoft-com:vml" xmlns:pvml="urn:schemas-microsoft-com:office:powerpoint" xmlns:com="http://schemas.openxmlformats.org/drawingml/2006/compatibility" xmlns:p14="http://schemas.microsoft.com/office/powerpoint/2010/main" xmlns:p15="http://schemas.microsoft.com/office/powerpoint/2012/main" xmlns:ahyp="http://schemas.microsoft.com/office/drawing/2018/hyperlinkcolor" showMasterPhAnim="0" showMasterSp="0">
+<p:notes xmlns:a="http://schemas.openxmlformats.org/drawingml/2006/main" xmlns:r="http://schemas.openxmlformats.org/officeDocument/2006/relationships" xmlns:p="http://schemas.openxmlformats.org/presentationml/2006/main" showMasterSp="0" showMasterPhAnim="0">
   <p:cSld>
     <p:spTree>
       <p:nvGrpSpPr>
-        <p:cNvPr id="152" name="Shape 152"/>
+        <p:cNvPr id="1" name="Shape 152"/>
         <p:cNvGrpSpPr/>
         <p:nvPr/>
       </p:nvGrpSpPr>
@@ -1602,9 +1663,11 @@
       <p:sp>
         <p:nvSpPr>
           <p:cNvPr id="153" name="Google Shape;153;gfa271b51259323d_10:notes"/>
-          <p:cNvSpPr/>
+          <p:cNvSpPr>
+            <a:spLocks noGrp="1" noRot="1" noChangeAspect="1"/>
+          </p:cNvSpPr>
           <p:nvPr>
-            <p:ph idx="2" type="sldImg"/>
+            <p:ph type="sldImg" idx="2"/>
           </p:nvPr>
         </p:nvSpPr>
         <p:spPr>
@@ -1613,9 +1676,13 @@
             <a:ext cx="5486400" cy="3086100"/>
           </a:xfrm>
           <a:custGeom>
-            <a:rect b="b" l="l" r="r" t="t"/>
+            <a:avLst/>
+            <a:gdLst/>
+            <a:ahLst/>
+            <a:cxnLst/>
+            <a:rect l="l" t="t" r="r" b="b"/>
             <a:pathLst>
-              <a:path extrusionOk="0" h="120000" w="120000">
+              <a:path w="120000" h="120000" extrusionOk="0">
                 <a:moveTo>
                   <a:pt x="0" y="0"/>
                 </a:moveTo>
@@ -1637,9 +1704,11 @@
       <p:sp>
         <p:nvSpPr>
           <p:cNvPr id="154" name="Google Shape;154;gfa271b51259323d_10:notes"/>
-          <p:cNvSpPr txBox="1"/>
+          <p:cNvSpPr txBox="1">
+            <a:spLocks noGrp="1"/>
+          </p:cNvSpPr>
           <p:nvPr>
-            <p:ph idx="1" type="body"/>
+            <p:ph type="body" idx="1"/>
           </p:nvPr>
         </p:nvSpPr>
         <p:spPr>
@@ -1652,23 +1721,20 @@
           </a:prstGeom>
         </p:spPr>
         <p:txBody>
-          <a:bodyPr anchorCtr="0" anchor="t" bIns="45700" lIns="91425" spcFirstLastPara="1" rIns="91425" wrap="square" tIns="45700">
-            <a:noAutofit/>
-          </a:bodyPr>
-          <a:lstStyle/>
-          <a:p>
-            <a:pPr indent="0" lvl="0" marL="0" rtl="0" algn="l">
-              <a:spcBef>
-                <a:spcPts val="0"/>
-              </a:spcBef>
-              <a:spcAft>
-                <a:spcPts val="0"/>
-              </a:spcAft>
-              <a:buNone/>
-            </a:pPr>
-            <a:r>
-              <a:t/>
-            </a:r>
+          <a:bodyPr spcFirstLastPara="1" wrap="square" lIns="91425" tIns="45700" rIns="91425" bIns="45700" anchor="t" anchorCtr="0">
+            <a:noAutofit/>
+          </a:bodyPr>
+          <a:lstStyle/>
+          <a:p>
+            <a:pPr marL="0" lvl="0" indent="0" algn="l" rtl="0">
+              <a:spcBef>
+                <a:spcPts val="0"/>
+              </a:spcBef>
+              <a:spcAft>
+                <a:spcPts val="0"/>
+              </a:spcAft>
+              <a:buNone/>
+            </a:pPr>
             <a:endParaRPr/>
           </a:p>
         </p:txBody>
@@ -1676,9 +1742,11 @@
       <p:sp>
         <p:nvSpPr>
           <p:cNvPr id="155" name="Google Shape;155;gfa271b51259323d_10:notes"/>
-          <p:cNvSpPr txBox="1"/>
+          <p:cNvSpPr txBox="1">
+            <a:spLocks noGrp="1"/>
+          </p:cNvSpPr>
           <p:nvPr>
-            <p:ph idx="12" type="sldNum"/>
+            <p:ph type="sldNum" idx="12"/>
           </p:nvPr>
         </p:nvSpPr>
         <p:spPr>
@@ -1691,12 +1759,12 @@
           </a:prstGeom>
         </p:spPr>
         <p:txBody>
-          <a:bodyPr anchorCtr="0" anchor="b" bIns="45700" lIns="91425" spcFirstLastPara="1" rIns="91425" wrap="square" tIns="45700">
-            <a:noAutofit/>
-          </a:bodyPr>
-          <a:lstStyle/>
-          <a:p>
-            <a:pPr indent="0" lvl="0" marL="0" rtl="0" algn="r">
+          <a:bodyPr spcFirstLastPara="1" wrap="square" lIns="91425" tIns="45700" rIns="91425" bIns="45700" anchor="b" anchorCtr="0">
+            <a:noAutofit/>
+          </a:bodyPr>
+          <a:lstStyle/>
+          <a:p>
+            <a:pPr marL="0" lvl="0" indent="0" algn="r" rtl="0">
               <a:spcBef>
                 <a:spcPts val="0"/>
               </a:spcBef>
@@ -1711,7 +1779,20 @@
             </a:pPr>
             <a:fld id="{00000000-1234-1234-1234-123412341234}" type="slidenum">
               <a:rPr lang="en-US"/>
-              <a:t>‹#›</a:t>
+              <a:pPr marL="0" lvl="0" indent="0" algn="r" rtl="0">
+                <a:spcBef>
+                  <a:spcPts val="0"/>
+                </a:spcBef>
+                <a:spcAft>
+                  <a:spcPts val="0"/>
+                </a:spcAft>
+                <a:buClr>
+                  <a:srgbClr val="000000"/>
+                </a:buClr>
+                <a:buFont typeface="Arial"/>
+                <a:buNone/>
+              </a:pPr>
+              <a:t>10</a:t>
             </a:fld>
             <a:endParaRPr/>
           </a:p>
@@ -1726,11 +1807,11 @@
 </file>
 
 <file path=ppt/notesSlides/notesSlide11.xml><?xml version="1.0" encoding="utf-8"?>
-<p:notes xmlns:a="http://schemas.openxmlformats.org/drawingml/2006/main" xmlns:r="http://schemas.openxmlformats.org/officeDocument/2006/relationships" xmlns:mc="http://schemas.openxmlformats.org/markup-compatibility/2006" xmlns:mv="urn:schemas-microsoft-com:mac:vml" xmlns:p="http://schemas.openxmlformats.org/presentationml/2006/main" xmlns:c="http://schemas.openxmlformats.org/drawingml/2006/chart" xmlns:dgm="http://schemas.openxmlformats.org/drawingml/2006/diagram" xmlns:o="urn:schemas-microsoft-com:office:office" xmlns:v="urn:schemas-microsoft-com:vml" xmlns:pvml="urn:schemas-microsoft-com:office:powerpoint" xmlns:com="http://schemas.openxmlformats.org/drawingml/2006/compatibility" xmlns:p14="http://schemas.microsoft.com/office/powerpoint/2010/main" xmlns:p15="http://schemas.microsoft.com/office/powerpoint/2012/main" xmlns:ahyp="http://schemas.microsoft.com/office/drawing/2018/hyperlinkcolor" showMasterPhAnim="0" showMasterSp="0">
+<p:notes xmlns:a="http://schemas.openxmlformats.org/drawingml/2006/main" xmlns:r="http://schemas.openxmlformats.org/officeDocument/2006/relationships" xmlns:p="http://schemas.openxmlformats.org/presentationml/2006/main" showMasterSp="0" showMasterPhAnim="0">
   <p:cSld>
     <p:spTree>
       <p:nvGrpSpPr>
-        <p:cNvPr id="160" name="Shape 160"/>
+        <p:cNvPr id="1" name="Shape 160"/>
         <p:cNvGrpSpPr/>
         <p:nvPr/>
       </p:nvGrpSpPr>
@@ -1745,9 +1826,11 @@
       <p:sp>
         <p:nvSpPr>
           <p:cNvPr id="161" name="Google Shape;161;gfa271b51259323d_17:notes"/>
-          <p:cNvSpPr/>
+          <p:cNvSpPr>
+            <a:spLocks noGrp="1" noRot="1" noChangeAspect="1"/>
+          </p:cNvSpPr>
           <p:nvPr>
-            <p:ph idx="2" type="sldImg"/>
+            <p:ph type="sldImg" idx="2"/>
           </p:nvPr>
         </p:nvSpPr>
         <p:spPr>
@@ -1756,9 +1839,13 @@
             <a:ext cx="5486400" cy="3086100"/>
           </a:xfrm>
           <a:custGeom>
-            <a:rect b="b" l="l" r="r" t="t"/>
+            <a:avLst/>
+            <a:gdLst/>
+            <a:ahLst/>
+            <a:cxnLst/>
+            <a:rect l="l" t="t" r="r" b="b"/>
             <a:pathLst>
-              <a:path extrusionOk="0" h="120000" w="120000">
+              <a:path w="120000" h="120000" extrusionOk="0">
                 <a:moveTo>
                   <a:pt x="0" y="0"/>
                 </a:moveTo>
@@ -1780,9 +1867,11 @@
       <p:sp>
         <p:nvSpPr>
           <p:cNvPr id="162" name="Google Shape;162;gfa271b51259323d_17:notes"/>
-          <p:cNvSpPr txBox="1"/>
+          <p:cNvSpPr txBox="1">
+            <a:spLocks noGrp="1"/>
+          </p:cNvSpPr>
           <p:nvPr>
-            <p:ph idx="1" type="body"/>
+            <p:ph type="body" idx="1"/>
           </p:nvPr>
         </p:nvSpPr>
         <p:spPr>
@@ -1795,23 +1884,20 @@
           </a:prstGeom>
         </p:spPr>
         <p:txBody>
-          <a:bodyPr anchorCtr="0" anchor="t" bIns="45700" lIns="91425" spcFirstLastPara="1" rIns="91425" wrap="square" tIns="45700">
-            <a:noAutofit/>
-          </a:bodyPr>
-          <a:lstStyle/>
-          <a:p>
-            <a:pPr indent="0" lvl="0" marL="0" rtl="0" algn="l">
-              <a:spcBef>
-                <a:spcPts val="0"/>
-              </a:spcBef>
-              <a:spcAft>
-                <a:spcPts val="0"/>
-              </a:spcAft>
-              <a:buNone/>
-            </a:pPr>
-            <a:r>
-              <a:t/>
-            </a:r>
+          <a:bodyPr spcFirstLastPara="1" wrap="square" lIns="91425" tIns="45700" rIns="91425" bIns="45700" anchor="t" anchorCtr="0">
+            <a:noAutofit/>
+          </a:bodyPr>
+          <a:lstStyle/>
+          <a:p>
+            <a:pPr marL="0" lvl="0" indent="0" algn="l" rtl="0">
+              <a:spcBef>
+                <a:spcPts val="0"/>
+              </a:spcBef>
+              <a:spcAft>
+                <a:spcPts val="0"/>
+              </a:spcAft>
+              <a:buNone/>
+            </a:pPr>
             <a:endParaRPr/>
           </a:p>
         </p:txBody>
@@ -1819,9 +1905,11 @@
       <p:sp>
         <p:nvSpPr>
           <p:cNvPr id="163" name="Google Shape;163;gfa271b51259323d_17:notes"/>
-          <p:cNvSpPr txBox="1"/>
+          <p:cNvSpPr txBox="1">
+            <a:spLocks noGrp="1"/>
+          </p:cNvSpPr>
           <p:nvPr>
-            <p:ph idx="12" type="sldNum"/>
+            <p:ph type="sldNum" idx="12"/>
           </p:nvPr>
         </p:nvSpPr>
         <p:spPr>
@@ -1834,12 +1922,12 @@
           </a:prstGeom>
         </p:spPr>
         <p:txBody>
-          <a:bodyPr anchorCtr="0" anchor="b" bIns="45700" lIns="91425" spcFirstLastPara="1" rIns="91425" wrap="square" tIns="45700">
-            <a:noAutofit/>
-          </a:bodyPr>
-          <a:lstStyle/>
-          <a:p>
-            <a:pPr indent="0" lvl="0" marL="0" rtl="0" algn="r">
+          <a:bodyPr spcFirstLastPara="1" wrap="square" lIns="91425" tIns="45700" rIns="91425" bIns="45700" anchor="b" anchorCtr="0">
+            <a:noAutofit/>
+          </a:bodyPr>
+          <a:lstStyle/>
+          <a:p>
+            <a:pPr marL="0" lvl="0" indent="0" algn="r" rtl="0">
               <a:spcBef>
                 <a:spcPts val="0"/>
               </a:spcBef>
@@ -1850,7 +1938,16 @@
             </a:pPr>
             <a:fld id="{00000000-1234-1234-1234-123412341234}" type="slidenum">
               <a:rPr lang="en-US"/>
-              <a:t>‹#›</a:t>
+              <a:pPr marL="0" lvl="0" indent="0" algn="r" rtl="0">
+                <a:spcBef>
+                  <a:spcPts val="0"/>
+                </a:spcBef>
+                <a:spcAft>
+                  <a:spcPts val="0"/>
+                </a:spcAft>
+                <a:buNone/>
+              </a:pPr>
+              <a:t>11</a:t>
             </a:fld>
             <a:endParaRPr/>
           </a:p>
@@ -1865,11 +1962,11 @@
 </file>
 
 <file path=ppt/notesSlides/notesSlide12.xml><?xml version="1.0" encoding="utf-8"?>
-<p:notes xmlns:a="http://schemas.openxmlformats.org/drawingml/2006/main" xmlns:r="http://schemas.openxmlformats.org/officeDocument/2006/relationships" xmlns:mc="http://schemas.openxmlformats.org/markup-compatibility/2006" xmlns:mv="urn:schemas-microsoft-com:mac:vml" xmlns:p="http://schemas.openxmlformats.org/presentationml/2006/main" xmlns:c="http://schemas.openxmlformats.org/drawingml/2006/chart" xmlns:dgm="http://schemas.openxmlformats.org/drawingml/2006/diagram" xmlns:o="urn:schemas-microsoft-com:office:office" xmlns:v="urn:schemas-microsoft-com:vml" xmlns:pvml="urn:schemas-microsoft-com:office:powerpoint" xmlns:com="http://schemas.openxmlformats.org/drawingml/2006/compatibility" xmlns:p14="http://schemas.microsoft.com/office/powerpoint/2010/main" xmlns:p15="http://schemas.microsoft.com/office/powerpoint/2012/main" xmlns:ahyp="http://schemas.microsoft.com/office/drawing/2018/hyperlinkcolor" showMasterPhAnim="0" showMasterSp="0">
+<p:notes xmlns:a="http://schemas.openxmlformats.org/drawingml/2006/main" xmlns:r="http://schemas.openxmlformats.org/officeDocument/2006/relationships" xmlns:p="http://schemas.openxmlformats.org/presentationml/2006/main" showMasterSp="0" showMasterPhAnim="0">
   <p:cSld>
     <p:spTree>
       <p:nvGrpSpPr>
-        <p:cNvPr id="168" name="Shape 168"/>
+        <p:cNvPr id="1" name="Shape 168"/>
         <p:cNvGrpSpPr/>
         <p:nvPr/>
       </p:nvGrpSpPr>
@@ -1884,9 +1981,11 @@
       <p:sp>
         <p:nvSpPr>
           <p:cNvPr id="169" name="Google Shape;169;gfa271b51259323d_47:notes"/>
-          <p:cNvSpPr/>
+          <p:cNvSpPr>
+            <a:spLocks noGrp="1" noRot="1" noChangeAspect="1"/>
+          </p:cNvSpPr>
           <p:nvPr>
-            <p:ph idx="2" type="sldImg"/>
+            <p:ph type="sldImg" idx="2"/>
           </p:nvPr>
         </p:nvSpPr>
         <p:spPr>
@@ -1895,9 +1994,13 @@
             <a:ext cx="5486400" cy="3086100"/>
           </a:xfrm>
           <a:custGeom>
-            <a:rect b="b" l="l" r="r" t="t"/>
+            <a:avLst/>
+            <a:gdLst/>
+            <a:ahLst/>
+            <a:cxnLst/>
+            <a:rect l="l" t="t" r="r" b="b"/>
             <a:pathLst>
-              <a:path extrusionOk="0" h="120000" w="120000">
+              <a:path w="120000" h="120000" extrusionOk="0">
                 <a:moveTo>
                   <a:pt x="0" y="0"/>
                 </a:moveTo>
@@ -1919,9 +2022,11 @@
       <p:sp>
         <p:nvSpPr>
           <p:cNvPr id="170" name="Google Shape;170;gfa271b51259323d_47:notes"/>
-          <p:cNvSpPr txBox="1"/>
+          <p:cNvSpPr txBox="1">
+            <a:spLocks noGrp="1"/>
+          </p:cNvSpPr>
           <p:nvPr>
-            <p:ph idx="1" type="body"/>
+            <p:ph type="body" idx="1"/>
           </p:nvPr>
         </p:nvSpPr>
         <p:spPr>
@@ -1934,23 +2039,20 @@
           </a:prstGeom>
         </p:spPr>
         <p:txBody>
-          <a:bodyPr anchorCtr="0" anchor="t" bIns="45700" lIns="91425" spcFirstLastPara="1" rIns="91425" wrap="square" tIns="45700">
-            <a:noAutofit/>
-          </a:bodyPr>
-          <a:lstStyle/>
-          <a:p>
-            <a:pPr indent="0" lvl="0" marL="0" rtl="0" algn="l">
-              <a:spcBef>
-                <a:spcPts val="0"/>
-              </a:spcBef>
-              <a:spcAft>
-                <a:spcPts val="0"/>
-              </a:spcAft>
-              <a:buNone/>
-            </a:pPr>
-            <a:r>
-              <a:t/>
-            </a:r>
+          <a:bodyPr spcFirstLastPara="1" wrap="square" lIns="91425" tIns="45700" rIns="91425" bIns="45700" anchor="t" anchorCtr="0">
+            <a:noAutofit/>
+          </a:bodyPr>
+          <a:lstStyle/>
+          <a:p>
+            <a:pPr marL="0" lvl="0" indent="0" algn="l" rtl="0">
+              <a:spcBef>
+                <a:spcPts val="0"/>
+              </a:spcBef>
+              <a:spcAft>
+                <a:spcPts val="0"/>
+              </a:spcAft>
+              <a:buNone/>
+            </a:pPr>
             <a:endParaRPr/>
           </a:p>
         </p:txBody>
@@ -1958,9 +2060,11 @@
       <p:sp>
         <p:nvSpPr>
           <p:cNvPr id="171" name="Google Shape;171;gfa271b51259323d_47:notes"/>
-          <p:cNvSpPr txBox="1"/>
+          <p:cNvSpPr txBox="1">
+            <a:spLocks noGrp="1"/>
+          </p:cNvSpPr>
           <p:nvPr>
-            <p:ph idx="12" type="sldNum"/>
+            <p:ph type="sldNum" idx="12"/>
           </p:nvPr>
         </p:nvSpPr>
         <p:spPr>
@@ -1973,12 +2077,12 @@
           </a:prstGeom>
         </p:spPr>
         <p:txBody>
-          <a:bodyPr anchorCtr="0" anchor="b" bIns="45700" lIns="91425" spcFirstLastPara="1" rIns="91425" wrap="square" tIns="45700">
-            <a:noAutofit/>
-          </a:bodyPr>
-          <a:lstStyle/>
-          <a:p>
-            <a:pPr indent="0" lvl="0" marL="0" rtl="0" algn="r">
+          <a:bodyPr spcFirstLastPara="1" wrap="square" lIns="91425" tIns="45700" rIns="91425" bIns="45700" anchor="b" anchorCtr="0">
+            <a:noAutofit/>
+          </a:bodyPr>
+          <a:lstStyle/>
+          <a:p>
+            <a:pPr marL="0" lvl="0" indent="0" algn="r" rtl="0">
               <a:spcBef>
                 <a:spcPts val="0"/>
               </a:spcBef>
@@ -1989,7 +2093,16 @@
             </a:pPr>
             <a:fld id="{00000000-1234-1234-1234-123412341234}" type="slidenum">
               <a:rPr lang="en-US"/>
-              <a:t>‹#›</a:t>
+              <a:pPr marL="0" lvl="0" indent="0" algn="r" rtl="0">
+                <a:spcBef>
+                  <a:spcPts val="0"/>
+                </a:spcBef>
+                <a:spcAft>
+                  <a:spcPts val="0"/>
+                </a:spcAft>
+                <a:buNone/>
+              </a:pPr>
+              <a:t>12</a:t>
             </a:fld>
             <a:endParaRPr/>
           </a:p>
@@ -2004,11 +2117,11 @@
 </file>
 
 <file path=ppt/notesSlides/notesSlide13.xml><?xml version="1.0" encoding="utf-8"?>
-<p:notes xmlns:a="http://schemas.openxmlformats.org/drawingml/2006/main" xmlns:r="http://schemas.openxmlformats.org/officeDocument/2006/relationships" xmlns:mc="http://schemas.openxmlformats.org/markup-compatibility/2006" xmlns:mv="urn:schemas-microsoft-com:mac:vml" xmlns:p="http://schemas.openxmlformats.org/presentationml/2006/main" xmlns:c="http://schemas.openxmlformats.org/drawingml/2006/chart" xmlns:dgm="http://schemas.openxmlformats.org/drawingml/2006/diagram" xmlns:o="urn:schemas-microsoft-com:office:office" xmlns:v="urn:schemas-microsoft-com:vml" xmlns:pvml="urn:schemas-microsoft-com:office:powerpoint" xmlns:com="http://schemas.openxmlformats.org/drawingml/2006/compatibility" xmlns:p14="http://schemas.microsoft.com/office/powerpoint/2010/main" xmlns:p15="http://schemas.microsoft.com/office/powerpoint/2012/main" xmlns:ahyp="http://schemas.microsoft.com/office/drawing/2018/hyperlinkcolor" showMasterPhAnim="0" showMasterSp="0">
+<p:notes xmlns:a="http://schemas.openxmlformats.org/drawingml/2006/main" xmlns:r="http://schemas.openxmlformats.org/officeDocument/2006/relationships" xmlns:p="http://schemas.openxmlformats.org/presentationml/2006/main" showMasterSp="0" showMasterPhAnim="0">
   <p:cSld>
     <p:spTree>
       <p:nvGrpSpPr>
-        <p:cNvPr id="175" name="Shape 175"/>
+        <p:cNvPr id="1" name="Shape 175"/>
         <p:cNvGrpSpPr/>
         <p:nvPr/>
       </p:nvGrpSpPr>
@@ -2023,9 +2136,11 @@
       <p:sp>
         <p:nvSpPr>
           <p:cNvPr id="176" name="Google Shape;176;gfa271b51259323d_55:notes"/>
-          <p:cNvSpPr/>
+          <p:cNvSpPr>
+            <a:spLocks noGrp="1" noRot="1" noChangeAspect="1"/>
+          </p:cNvSpPr>
           <p:nvPr>
-            <p:ph idx="2" type="sldImg"/>
+            <p:ph type="sldImg" idx="2"/>
           </p:nvPr>
         </p:nvSpPr>
         <p:spPr>
@@ -2034,9 +2149,13 @@
             <a:ext cx="5486400" cy="3086100"/>
           </a:xfrm>
           <a:custGeom>
-            <a:rect b="b" l="l" r="r" t="t"/>
+            <a:avLst/>
+            <a:gdLst/>
+            <a:ahLst/>
+            <a:cxnLst/>
+            <a:rect l="l" t="t" r="r" b="b"/>
             <a:pathLst>
-              <a:path extrusionOk="0" h="120000" w="120000">
+              <a:path w="120000" h="120000" extrusionOk="0">
                 <a:moveTo>
                   <a:pt x="0" y="0"/>
                 </a:moveTo>
@@ -2058,9 +2177,11 @@
       <p:sp>
         <p:nvSpPr>
           <p:cNvPr id="177" name="Google Shape;177;gfa271b51259323d_55:notes"/>
-          <p:cNvSpPr txBox="1"/>
+          <p:cNvSpPr txBox="1">
+            <a:spLocks noGrp="1"/>
+          </p:cNvSpPr>
           <p:nvPr>
-            <p:ph idx="1" type="body"/>
+            <p:ph type="body" idx="1"/>
           </p:nvPr>
         </p:nvSpPr>
         <p:spPr>
@@ -2073,23 +2194,20 @@
           </a:prstGeom>
         </p:spPr>
         <p:txBody>
-          <a:bodyPr anchorCtr="0" anchor="t" bIns="45700" lIns="91425" spcFirstLastPara="1" rIns="91425" wrap="square" tIns="45700">
-            <a:noAutofit/>
-          </a:bodyPr>
-          <a:lstStyle/>
-          <a:p>
-            <a:pPr indent="0" lvl="0" marL="0" rtl="0" algn="l">
-              <a:spcBef>
-                <a:spcPts val="0"/>
-              </a:spcBef>
-              <a:spcAft>
-                <a:spcPts val="0"/>
-              </a:spcAft>
-              <a:buNone/>
-            </a:pPr>
-            <a:r>
-              <a:t/>
-            </a:r>
+          <a:bodyPr spcFirstLastPara="1" wrap="square" lIns="91425" tIns="45700" rIns="91425" bIns="45700" anchor="t" anchorCtr="0">
+            <a:noAutofit/>
+          </a:bodyPr>
+          <a:lstStyle/>
+          <a:p>
+            <a:pPr marL="0" lvl="0" indent="0" algn="l" rtl="0">
+              <a:spcBef>
+                <a:spcPts val="0"/>
+              </a:spcBef>
+              <a:spcAft>
+                <a:spcPts val="0"/>
+              </a:spcAft>
+              <a:buNone/>
+            </a:pPr>
             <a:endParaRPr/>
           </a:p>
         </p:txBody>
@@ -2097,9 +2215,11 @@
       <p:sp>
         <p:nvSpPr>
           <p:cNvPr id="178" name="Google Shape;178;gfa271b51259323d_55:notes"/>
-          <p:cNvSpPr txBox="1"/>
+          <p:cNvSpPr txBox="1">
+            <a:spLocks noGrp="1"/>
+          </p:cNvSpPr>
           <p:nvPr>
-            <p:ph idx="12" type="sldNum"/>
+            <p:ph type="sldNum" idx="12"/>
           </p:nvPr>
         </p:nvSpPr>
         <p:spPr>
@@ -2112,12 +2232,12 @@
           </a:prstGeom>
         </p:spPr>
         <p:txBody>
-          <a:bodyPr anchorCtr="0" anchor="b" bIns="45700" lIns="91425" spcFirstLastPara="1" rIns="91425" wrap="square" tIns="45700">
-            <a:noAutofit/>
-          </a:bodyPr>
-          <a:lstStyle/>
-          <a:p>
-            <a:pPr indent="0" lvl="0" marL="0" rtl="0" algn="r">
+          <a:bodyPr spcFirstLastPara="1" wrap="square" lIns="91425" tIns="45700" rIns="91425" bIns="45700" anchor="b" anchorCtr="0">
+            <a:noAutofit/>
+          </a:bodyPr>
+          <a:lstStyle/>
+          <a:p>
+            <a:pPr marL="0" lvl="0" indent="0" algn="r" rtl="0">
               <a:spcBef>
                 <a:spcPts val="0"/>
               </a:spcBef>
@@ -2128,7 +2248,16 @@
             </a:pPr>
             <a:fld id="{00000000-1234-1234-1234-123412341234}" type="slidenum">
               <a:rPr lang="en-US"/>
-              <a:t>‹#›</a:t>
+              <a:pPr marL="0" lvl="0" indent="0" algn="r" rtl="0">
+                <a:spcBef>
+                  <a:spcPts val="0"/>
+                </a:spcBef>
+                <a:spcAft>
+                  <a:spcPts val="0"/>
+                </a:spcAft>
+                <a:buNone/>
+              </a:pPr>
+              <a:t>13</a:t>
             </a:fld>
             <a:endParaRPr/>
           </a:p>
@@ -2143,11 +2272,11 @@
 </file>
 
 <file path=ppt/notesSlides/notesSlide14.xml><?xml version="1.0" encoding="utf-8"?>
-<p:notes xmlns:a="http://schemas.openxmlformats.org/drawingml/2006/main" xmlns:r="http://schemas.openxmlformats.org/officeDocument/2006/relationships" xmlns:mc="http://schemas.openxmlformats.org/markup-compatibility/2006" xmlns:mv="urn:schemas-microsoft-com:mac:vml" xmlns:p="http://schemas.openxmlformats.org/presentationml/2006/main" xmlns:c="http://schemas.openxmlformats.org/drawingml/2006/chart" xmlns:dgm="http://schemas.openxmlformats.org/drawingml/2006/diagram" xmlns:o="urn:schemas-microsoft-com:office:office" xmlns:v="urn:schemas-microsoft-com:vml" xmlns:pvml="urn:schemas-microsoft-com:office:powerpoint" xmlns:com="http://schemas.openxmlformats.org/drawingml/2006/compatibility" xmlns:p14="http://schemas.microsoft.com/office/powerpoint/2010/main" xmlns:p15="http://schemas.microsoft.com/office/powerpoint/2012/main" xmlns:ahyp="http://schemas.microsoft.com/office/drawing/2018/hyperlinkcolor" showMasterPhAnim="0" showMasterSp="0">
+<p:notes xmlns:a="http://schemas.openxmlformats.org/drawingml/2006/main" xmlns:r="http://schemas.openxmlformats.org/officeDocument/2006/relationships" xmlns:p="http://schemas.openxmlformats.org/presentationml/2006/main" showMasterSp="0" showMasterPhAnim="0">
   <p:cSld>
     <p:spTree>
       <p:nvGrpSpPr>
-        <p:cNvPr id="182" name="Shape 182"/>
+        <p:cNvPr id="1" name="Shape 182"/>
         <p:cNvGrpSpPr/>
         <p:nvPr/>
       </p:nvGrpSpPr>
@@ -2162,9 +2291,11 @@
       <p:sp>
         <p:nvSpPr>
           <p:cNvPr id="183" name="Google Shape;183;p8:notes"/>
-          <p:cNvSpPr/>
+          <p:cNvSpPr>
+            <a:spLocks noGrp="1" noRot="1" noChangeAspect="1"/>
+          </p:cNvSpPr>
           <p:nvPr>
-            <p:ph idx="2" type="sldImg"/>
+            <p:ph type="sldImg" idx="2"/>
           </p:nvPr>
         </p:nvSpPr>
         <p:spPr>
@@ -2173,9 +2304,13 @@
             <a:ext cx="5486400" cy="3086100"/>
           </a:xfrm>
           <a:custGeom>
-            <a:rect b="b" l="l" r="r" t="t"/>
+            <a:avLst/>
+            <a:gdLst/>
+            <a:ahLst/>
+            <a:cxnLst/>
+            <a:rect l="l" t="t" r="r" b="b"/>
             <a:pathLst>
-              <a:path extrusionOk="0" h="120000" w="120000">
+              <a:path w="120000" h="120000" extrusionOk="0">
                 <a:moveTo>
                   <a:pt x="0" y="0"/>
                 </a:moveTo>
@@ -2193,23 +2328,25 @@
             </a:pathLst>
           </a:custGeom>
           <a:noFill/>
-          <a:ln cap="flat" cmpd="sng" w="12700">
+          <a:ln w="12700" cap="flat" cmpd="sng">
             <a:solidFill>
               <a:srgbClr val="000000"/>
             </a:solidFill>
             <a:prstDash val="solid"/>
             <a:round/>
-            <a:headEnd len="sm" w="sm" type="none"/>
-            <a:tailEnd len="sm" w="sm" type="none"/>
+            <a:headEnd type="none" w="sm" len="sm"/>
+            <a:tailEnd type="none" w="sm" len="sm"/>
           </a:ln>
         </p:spPr>
       </p:sp>
       <p:sp>
         <p:nvSpPr>
           <p:cNvPr id="184" name="Google Shape;184;p8:notes"/>
-          <p:cNvSpPr txBox="1"/>
+          <p:cNvSpPr txBox="1">
+            <a:spLocks noGrp="1"/>
+          </p:cNvSpPr>
           <p:nvPr>
-            <p:ph idx="1" type="body"/>
+            <p:ph type="body" idx="1"/>
           </p:nvPr>
         </p:nvSpPr>
         <p:spPr>
@@ -2226,23 +2363,20 @@
           </a:ln>
         </p:spPr>
         <p:txBody>
-          <a:bodyPr anchorCtr="0" anchor="t" bIns="45700" lIns="91425" spcFirstLastPara="1" rIns="91425" wrap="square" tIns="45700">
-            <a:noAutofit/>
-          </a:bodyPr>
-          <a:lstStyle/>
-          <a:p>
-            <a:pPr indent="0" lvl="0" marL="0" rtl="0" algn="l">
-              <a:spcBef>
-                <a:spcPts val="0"/>
-              </a:spcBef>
-              <a:spcAft>
-                <a:spcPts val="0"/>
-              </a:spcAft>
-              <a:buNone/>
-            </a:pPr>
-            <a:r>
-              <a:t/>
-            </a:r>
+          <a:bodyPr spcFirstLastPara="1" wrap="square" lIns="91425" tIns="45700" rIns="91425" bIns="45700" anchor="t" anchorCtr="0">
+            <a:noAutofit/>
+          </a:bodyPr>
+          <a:lstStyle/>
+          <a:p>
+            <a:pPr marL="0" lvl="0" indent="0" algn="l" rtl="0">
+              <a:spcBef>
+                <a:spcPts val="0"/>
+              </a:spcBef>
+              <a:spcAft>
+                <a:spcPts val="0"/>
+              </a:spcAft>
+              <a:buNone/>
+            </a:pPr>
             <a:endParaRPr/>
           </a:p>
         </p:txBody>
@@ -2250,9 +2384,11 @@
       <p:sp>
         <p:nvSpPr>
           <p:cNvPr id="185" name="Google Shape;185;p8:notes"/>
-          <p:cNvSpPr txBox="1"/>
+          <p:cNvSpPr txBox="1">
+            <a:spLocks noGrp="1"/>
+          </p:cNvSpPr>
           <p:nvPr>
-            <p:ph idx="12" type="sldNum"/>
+            <p:ph type="sldNum" idx="12"/>
           </p:nvPr>
         </p:nvSpPr>
         <p:spPr>
@@ -2269,12 +2405,12 @@
           </a:ln>
         </p:spPr>
         <p:txBody>
-          <a:bodyPr anchorCtr="0" anchor="b" bIns="45700" lIns="91425" spcFirstLastPara="1" rIns="91425" wrap="square" tIns="45700">
-            <a:noAutofit/>
-          </a:bodyPr>
-          <a:lstStyle/>
-          <a:p>
-            <a:pPr indent="0" lvl="0" marL="0" rtl="0" algn="r">
+          <a:bodyPr spcFirstLastPara="1" wrap="square" lIns="91425" tIns="45700" rIns="91425" bIns="45700" anchor="b" anchorCtr="0">
+            <a:noAutofit/>
+          </a:bodyPr>
+          <a:lstStyle/>
+          <a:p>
+            <a:pPr marL="0" lvl="0" indent="0" algn="r" rtl="0">
               <a:spcBef>
                 <a:spcPts val="0"/>
               </a:spcBef>
@@ -2285,7 +2421,16 @@
             </a:pPr>
             <a:fld id="{00000000-1234-1234-1234-123412341234}" type="slidenum">
               <a:rPr lang="en-US"/>
-              <a:t>‹#›</a:t>
+              <a:pPr marL="0" lvl="0" indent="0" algn="r" rtl="0">
+                <a:spcBef>
+                  <a:spcPts val="0"/>
+                </a:spcBef>
+                <a:spcAft>
+                  <a:spcPts val="0"/>
+                </a:spcAft>
+                <a:buNone/>
+              </a:pPr>
+              <a:t>14</a:t>
             </a:fld>
             <a:endParaRPr/>
           </a:p>
@@ -2300,11 +2445,11 @@
 </file>
 
 <file path=ppt/notesSlides/notesSlide2.xml><?xml version="1.0" encoding="utf-8"?>
-<p:notes xmlns:a="http://schemas.openxmlformats.org/drawingml/2006/main" xmlns:r="http://schemas.openxmlformats.org/officeDocument/2006/relationships" xmlns:mc="http://schemas.openxmlformats.org/markup-compatibility/2006" xmlns:mv="urn:schemas-microsoft-com:mac:vml" xmlns:p="http://schemas.openxmlformats.org/presentationml/2006/main" xmlns:c="http://schemas.openxmlformats.org/drawingml/2006/chart" xmlns:dgm="http://schemas.openxmlformats.org/drawingml/2006/diagram" xmlns:o="urn:schemas-microsoft-com:office:office" xmlns:v="urn:schemas-microsoft-com:vml" xmlns:pvml="urn:schemas-microsoft-com:office:powerpoint" xmlns:com="http://schemas.openxmlformats.org/drawingml/2006/compatibility" xmlns:p14="http://schemas.microsoft.com/office/powerpoint/2010/main" xmlns:p15="http://schemas.microsoft.com/office/powerpoint/2012/main" xmlns:ahyp="http://schemas.microsoft.com/office/drawing/2018/hyperlinkcolor" showMasterPhAnim="0" showMasterSp="0">
+<p:notes xmlns:a="http://schemas.openxmlformats.org/drawingml/2006/main" xmlns:r="http://schemas.openxmlformats.org/officeDocument/2006/relationships" xmlns:p="http://schemas.openxmlformats.org/presentationml/2006/main" showMasterSp="0" showMasterPhAnim="0">
   <p:cSld>
     <p:spTree>
       <p:nvGrpSpPr>
-        <p:cNvPr id="19" name="Shape 19"/>
+        <p:cNvPr id="1" name="Shape 19"/>
         <p:cNvGrpSpPr/>
         <p:nvPr/>
       </p:nvGrpSpPr>
@@ -2319,9 +2464,11 @@
       <p:sp>
         <p:nvSpPr>
           <p:cNvPr id="20" name="Google Shape;20;p1:notes"/>
-          <p:cNvSpPr/>
+          <p:cNvSpPr>
+            <a:spLocks noGrp="1" noRot="1" noChangeAspect="1"/>
+          </p:cNvSpPr>
           <p:nvPr>
-            <p:ph idx="2" type="sldImg"/>
+            <p:ph type="sldImg" idx="2"/>
           </p:nvPr>
         </p:nvSpPr>
         <p:spPr>
@@ -2330,9 +2477,13 @@
             <a:ext cx="5486400" cy="3086100"/>
           </a:xfrm>
           <a:custGeom>
-            <a:rect b="b" l="l" r="r" t="t"/>
+            <a:avLst/>
+            <a:gdLst/>
+            <a:ahLst/>
+            <a:cxnLst/>
+            <a:rect l="l" t="t" r="r" b="b"/>
             <a:pathLst>
-              <a:path extrusionOk="0" h="120000" w="120000">
+              <a:path w="120000" h="120000" extrusionOk="0">
                 <a:moveTo>
                   <a:pt x="0" y="0"/>
                 </a:moveTo>
@@ -2350,23 +2501,25 @@
             </a:pathLst>
           </a:custGeom>
           <a:noFill/>
-          <a:ln cap="flat" cmpd="sng" w="12700">
+          <a:ln w="12700" cap="flat" cmpd="sng">
             <a:solidFill>
               <a:srgbClr val="000000"/>
             </a:solidFill>
             <a:prstDash val="solid"/>
             <a:round/>
-            <a:headEnd len="sm" w="sm" type="none"/>
-            <a:tailEnd len="sm" w="sm" type="none"/>
+            <a:headEnd type="none" w="sm" len="sm"/>
+            <a:tailEnd type="none" w="sm" len="sm"/>
           </a:ln>
         </p:spPr>
       </p:sp>
       <p:sp>
         <p:nvSpPr>
           <p:cNvPr id="21" name="Google Shape;21;p1:notes"/>
-          <p:cNvSpPr txBox="1"/>
+          <p:cNvSpPr txBox="1">
+            <a:spLocks noGrp="1"/>
+          </p:cNvSpPr>
           <p:nvPr>
-            <p:ph idx="1" type="body"/>
+            <p:ph type="body" idx="1"/>
           </p:nvPr>
         </p:nvSpPr>
         <p:spPr>
@@ -2383,23 +2536,20 @@
           </a:ln>
         </p:spPr>
         <p:txBody>
-          <a:bodyPr anchorCtr="0" anchor="t" bIns="45700" lIns="91425" spcFirstLastPara="1" rIns="91425" wrap="square" tIns="45700">
-            <a:noAutofit/>
-          </a:bodyPr>
-          <a:lstStyle/>
-          <a:p>
-            <a:pPr indent="0" lvl="0" marL="0" rtl="0" algn="l">
-              <a:spcBef>
-                <a:spcPts val="0"/>
-              </a:spcBef>
-              <a:spcAft>
-                <a:spcPts val="0"/>
-              </a:spcAft>
-              <a:buNone/>
-            </a:pPr>
-            <a:r>
-              <a:t/>
-            </a:r>
+          <a:bodyPr spcFirstLastPara="1" wrap="square" lIns="91425" tIns="45700" rIns="91425" bIns="45700" anchor="t" anchorCtr="0">
+            <a:noAutofit/>
+          </a:bodyPr>
+          <a:lstStyle/>
+          <a:p>
+            <a:pPr marL="0" lvl="0" indent="0" algn="l" rtl="0">
+              <a:spcBef>
+                <a:spcPts val="0"/>
+              </a:spcBef>
+              <a:spcAft>
+                <a:spcPts val="0"/>
+              </a:spcAft>
+              <a:buNone/>
+            </a:pPr>
             <a:endParaRPr/>
           </a:p>
         </p:txBody>
@@ -2407,9 +2557,11 @@
       <p:sp>
         <p:nvSpPr>
           <p:cNvPr id="22" name="Google Shape;22;p1:notes"/>
-          <p:cNvSpPr txBox="1"/>
+          <p:cNvSpPr txBox="1">
+            <a:spLocks noGrp="1"/>
+          </p:cNvSpPr>
           <p:nvPr>
-            <p:ph idx="12" type="sldNum"/>
+            <p:ph type="sldNum" idx="12"/>
           </p:nvPr>
         </p:nvSpPr>
         <p:spPr>
@@ -2426,12 +2578,12 @@
           </a:ln>
         </p:spPr>
         <p:txBody>
-          <a:bodyPr anchorCtr="0" anchor="b" bIns="45700" lIns="91425" spcFirstLastPara="1" rIns="91425" wrap="square" tIns="45700">
-            <a:noAutofit/>
-          </a:bodyPr>
-          <a:lstStyle/>
-          <a:p>
-            <a:pPr indent="0" lvl="0" marL="0" rtl="0" algn="r">
+          <a:bodyPr spcFirstLastPara="1" wrap="square" lIns="91425" tIns="45700" rIns="91425" bIns="45700" anchor="b" anchorCtr="0">
+            <a:noAutofit/>
+          </a:bodyPr>
+          <a:lstStyle/>
+          <a:p>
+            <a:pPr marL="0" lvl="0" indent="0" algn="r" rtl="0">
               <a:spcBef>
                 <a:spcPts val="0"/>
               </a:spcBef>
@@ -2442,7 +2594,16 @@
             </a:pPr>
             <a:fld id="{00000000-1234-1234-1234-123412341234}" type="slidenum">
               <a:rPr lang="en-US"/>
-              <a:t>‹#›</a:t>
+              <a:pPr marL="0" lvl="0" indent="0" algn="r" rtl="0">
+                <a:spcBef>
+                  <a:spcPts val="0"/>
+                </a:spcBef>
+                <a:spcAft>
+                  <a:spcPts val="0"/>
+                </a:spcAft>
+                <a:buNone/>
+              </a:pPr>
+              <a:t>2</a:t>
             </a:fld>
             <a:endParaRPr/>
           </a:p>
@@ -2457,11 +2618,11 @@
 </file>
 
 <file path=ppt/notesSlides/notesSlide3.xml><?xml version="1.0" encoding="utf-8"?>
-<p:notes xmlns:a="http://schemas.openxmlformats.org/drawingml/2006/main" xmlns:r="http://schemas.openxmlformats.org/officeDocument/2006/relationships" xmlns:mc="http://schemas.openxmlformats.org/markup-compatibility/2006" xmlns:mv="urn:schemas-microsoft-com:mac:vml" xmlns:p="http://schemas.openxmlformats.org/presentationml/2006/main" xmlns:c="http://schemas.openxmlformats.org/drawingml/2006/chart" xmlns:dgm="http://schemas.openxmlformats.org/drawingml/2006/diagram" xmlns:o="urn:schemas-microsoft-com:office:office" xmlns:v="urn:schemas-microsoft-com:vml" xmlns:pvml="urn:schemas-microsoft-com:office:powerpoint" xmlns:com="http://schemas.openxmlformats.org/drawingml/2006/compatibility" xmlns:p14="http://schemas.microsoft.com/office/powerpoint/2010/main" xmlns:p15="http://schemas.microsoft.com/office/powerpoint/2012/main" xmlns:ahyp="http://schemas.microsoft.com/office/drawing/2018/hyperlinkcolor" showMasterPhAnim="0" showMasterSp="0">
+<p:notes xmlns:a="http://schemas.openxmlformats.org/drawingml/2006/main" xmlns:r="http://schemas.openxmlformats.org/officeDocument/2006/relationships" xmlns:p="http://schemas.openxmlformats.org/presentationml/2006/main" showMasterSp="0" showMasterPhAnim="0">
   <p:cSld>
     <p:spTree>
       <p:nvGrpSpPr>
-        <p:cNvPr id="29" name="Shape 29"/>
+        <p:cNvPr id="1" name="Shape 29"/>
         <p:cNvGrpSpPr/>
         <p:nvPr/>
       </p:nvGrpSpPr>
@@ -2476,9 +2637,11 @@
       <p:sp>
         <p:nvSpPr>
           <p:cNvPr id="30" name="Google Shape;30;p2:notes"/>
-          <p:cNvSpPr/>
+          <p:cNvSpPr>
+            <a:spLocks noGrp="1" noRot="1" noChangeAspect="1"/>
+          </p:cNvSpPr>
           <p:nvPr>
-            <p:ph idx="2" type="sldImg"/>
+            <p:ph type="sldImg" idx="2"/>
           </p:nvPr>
         </p:nvSpPr>
         <p:spPr>
@@ -2487,9 +2650,13 @@
             <a:ext cx="5486400" cy="3086100"/>
           </a:xfrm>
           <a:custGeom>
-            <a:rect b="b" l="l" r="r" t="t"/>
+            <a:avLst/>
+            <a:gdLst/>
+            <a:ahLst/>
+            <a:cxnLst/>
+            <a:rect l="l" t="t" r="r" b="b"/>
             <a:pathLst>
-              <a:path extrusionOk="0" h="120000" w="120000">
+              <a:path w="120000" h="120000" extrusionOk="0">
                 <a:moveTo>
                   <a:pt x="0" y="0"/>
                 </a:moveTo>
@@ -2507,23 +2674,25 @@
             </a:pathLst>
           </a:custGeom>
           <a:noFill/>
-          <a:ln cap="flat" cmpd="sng" w="12700">
+          <a:ln w="12700" cap="flat" cmpd="sng">
             <a:solidFill>
               <a:srgbClr val="000000"/>
             </a:solidFill>
             <a:prstDash val="solid"/>
             <a:round/>
-            <a:headEnd len="sm" w="sm" type="none"/>
-            <a:tailEnd len="sm" w="sm" type="none"/>
+            <a:headEnd type="none" w="sm" len="sm"/>
+            <a:tailEnd type="none" w="sm" len="sm"/>
           </a:ln>
         </p:spPr>
       </p:sp>
       <p:sp>
         <p:nvSpPr>
           <p:cNvPr id="31" name="Google Shape;31;p2:notes"/>
-          <p:cNvSpPr txBox="1"/>
+          <p:cNvSpPr txBox="1">
+            <a:spLocks noGrp="1"/>
+          </p:cNvSpPr>
           <p:nvPr>
-            <p:ph idx="1" type="body"/>
+            <p:ph type="body" idx="1"/>
           </p:nvPr>
         </p:nvSpPr>
         <p:spPr>
@@ -2540,23 +2709,20 @@
           </a:ln>
         </p:spPr>
         <p:txBody>
-          <a:bodyPr anchorCtr="0" anchor="t" bIns="45700" lIns="91425" spcFirstLastPara="1" rIns="91425" wrap="square" tIns="45700">
-            <a:noAutofit/>
-          </a:bodyPr>
-          <a:lstStyle/>
-          <a:p>
-            <a:pPr indent="0" lvl="0" marL="0" rtl="0" algn="l">
-              <a:spcBef>
-                <a:spcPts val="0"/>
-              </a:spcBef>
-              <a:spcAft>
-                <a:spcPts val="0"/>
-              </a:spcAft>
-              <a:buNone/>
-            </a:pPr>
-            <a:r>
-              <a:t/>
-            </a:r>
+          <a:bodyPr spcFirstLastPara="1" wrap="square" lIns="91425" tIns="45700" rIns="91425" bIns="45700" anchor="t" anchorCtr="0">
+            <a:noAutofit/>
+          </a:bodyPr>
+          <a:lstStyle/>
+          <a:p>
+            <a:pPr marL="0" lvl="0" indent="0" algn="l" rtl="0">
+              <a:spcBef>
+                <a:spcPts val="0"/>
+              </a:spcBef>
+              <a:spcAft>
+                <a:spcPts val="0"/>
+              </a:spcAft>
+              <a:buNone/>
+            </a:pPr>
             <a:endParaRPr/>
           </a:p>
         </p:txBody>
@@ -2564,9 +2730,11 @@
       <p:sp>
         <p:nvSpPr>
           <p:cNvPr id="32" name="Google Shape;32;p2:notes"/>
-          <p:cNvSpPr txBox="1"/>
+          <p:cNvSpPr txBox="1">
+            <a:spLocks noGrp="1"/>
+          </p:cNvSpPr>
           <p:nvPr>
-            <p:ph idx="12" type="sldNum"/>
+            <p:ph type="sldNum" idx="12"/>
           </p:nvPr>
         </p:nvSpPr>
         <p:spPr>
@@ -2583,12 +2751,12 @@
           </a:ln>
         </p:spPr>
         <p:txBody>
-          <a:bodyPr anchorCtr="0" anchor="b" bIns="45700" lIns="91425" spcFirstLastPara="1" rIns="91425" wrap="square" tIns="45700">
-            <a:noAutofit/>
-          </a:bodyPr>
-          <a:lstStyle/>
-          <a:p>
-            <a:pPr indent="0" lvl="0" marL="0" rtl="0" algn="r">
+          <a:bodyPr spcFirstLastPara="1" wrap="square" lIns="91425" tIns="45700" rIns="91425" bIns="45700" anchor="b" anchorCtr="0">
+            <a:noAutofit/>
+          </a:bodyPr>
+          <a:lstStyle/>
+          <a:p>
+            <a:pPr marL="0" lvl="0" indent="0" algn="r" rtl="0">
               <a:spcBef>
                 <a:spcPts val="0"/>
               </a:spcBef>
@@ -2599,7 +2767,16 @@
             </a:pPr>
             <a:fld id="{00000000-1234-1234-1234-123412341234}" type="slidenum">
               <a:rPr lang="en-US"/>
-              <a:t>‹#›</a:t>
+              <a:pPr marL="0" lvl="0" indent="0" algn="r" rtl="0">
+                <a:spcBef>
+                  <a:spcPts val="0"/>
+                </a:spcBef>
+                <a:spcAft>
+                  <a:spcPts val="0"/>
+                </a:spcAft>
+                <a:buNone/>
+              </a:pPr>
+              <a:t>3</a:t>
             </a:fld>
             <a:endParaRPr/>
           </a:p>
@@ -2614,11 +2791,11 @@
 </file>
 
 <file path=ppt/notesSlides/notesSlide4.xml><?xml version="1.0" encoding="utf-8"?>
-<p:notes xmlns:a="http://schemas.openxmlformats.org/drawingml/2006/main" xmlns:r="http://schemas.openxmlformats.org/officeDocument/2006/relationships" xmlns:mc="http://schemas.openxmlformats.org/markup-compatibility/2006" xmlns:mv="urn:schemas-microsoft-com:mac:vml" xmlns:p="http://schemas.openxmlformats.org/presentationml/2006/main" xmlns:c="http://schemas.openxmlformats.org/drawingml/2006/chart" xmlns:dgm="http://schemas.openxmlformats.org/drawingml/2006/diagram" xmlns:o="urn:schemas-microsoft-com:office:office" xmlns:v="urn:schemas-microsoft-com:vml" xmlns:pvml="urn:schemas-microsoft-com:office:powerpoint" xmlns:com="http://schemas.openxmlformats.org/drawingml/2006/compatibility" xmlns:p14="http://schemas.microsoft.com/office/powerpoint/2010/main" xmlns:p15="http://schemas.microsoft.com/office/powerpoint/2012/main" xmlns:ahyp="http://schemas.microsoft.com/office/drawing/2018/hyperlinkcolor" showMasterPhAnim="0" showMasterSp="0">
+<p:notes xmlns:a="http://schemas.openxmlformats.org/drawingml/2006/main" xmlns:r="http://schemas.openxmlformats.org/officeDocument/2006/relationships" xmlns:p="http://schemas.openxmlformats.org/presentationml/2006/main" showMasterSp="0" showMasterPhAnim="0">
   <p:cSld>
     <p:spTree>
       <p:nvGrpSpPr>
-        <p:cNvPr id="53" name="Shape 53"/>
+        <p:cNvPr id="1" name="Shape 53"/>
         <p:cNvGrpSpPr/>
         <p:nvPr/>
       </p:nvGrpSpPr>
@@ -2633,9 +2810,11 @@
       <p:sp>
         <p:nvSpPr>
           <p:cNvPr id="54" name="Google Shape;54;p3:notes"/>
-          <p:cNvSpPr/>
+          <p:cNvSpPr>
+            <a:spLocks noGrp="1" noRot="1" noChangeAspect="1"/>
+          </p:cNvSpPr>
           <p:nvPr>
-            <p:ph idx="2" type="sldImg"/>
+            <p:ph type="sldImg" idx="2"/>
           </p:nvPr>
         </p:nvSpPr>
         <p:spPr>
@@ -2644,9 +2823,13 @@
             <a:ext cx="5486400" cy="3086100"/>
           </a:xfrm>
           <a:custGeom>
-            <a:rect b="b" l="l" r="r" t="t"/>
+            <a:avLst/>
+            <a:gdLst/>
+            <a:ahLst/>
+            <a:cxnLst/>
+            <a:rect l="l" t="t" r="r" b="b"/>
             <a:pathLst>
-              <a:path extrusionOk="0" h="120000" w="120000">
+              <a:path w="120000" h="120000" extrusionOk="0">
                 <a:moveTo>
                   <a:pt x="0" y="0"/>
                 </a:moveTo>
@@ -2664,23 +2847,25 @@
             </a:pathLst>
           </a:custGeom>
           <a:noFill/>
-          <a:ln cap="flat" cmpd="sng" w="12700">
+          <a:ln w="12700" cap="flat" cmpd="sng">
             <a:solidFill>
               <a:srgbClr val="000000"/>
             </a:solidFill>
             <a:prstDash val="solid"/>
             <a:round/>
-            <a:headEnd len="sm" w="sm" type="none"/>
-            <a:tailEnd len="sm" w="sm" type="none"/>
+            <a:headEnd type="none" w="sm" len="sm"/>
+            <a:tailEnd type="none" w="sm" len="sm"/>
           </a:ln>
         </p:spPr>
       </p:sp>
       <p:sp>
         <p:nvSpPr>
           <p:cNvPr id="55" name="Google Shape;55;p3:notes"/>
-          <p:cNvSpPr txBox="1"/>
+          <p:cNvSpPr txBox="1">
+            <a:spLocks noGrp="1"/>
+          </p:cNvSpPr>
           <p:nvPr>
-            <p:ph idx="1" type="body"/>
+            <p:ph type="body" idx="1"/>
           </p:nvPr>
         </p:nvSpPr>
         <p:spPr>
@@ -2697,23 +2882,20 @@
           </a:ln>
         </p:spPr>
         <p:txBody>
-          <a:bodyPr anchorCtr="0" anchor="t" bIns="45700" lIns="91425" spcFirstLastPara="1" rIns="91425" wrap="square" tIns="45700">
-            <a:noAutofit/>
-          </a:bodyPr>
-          <a:lstStyle/>
-          <a:p>
-            <a:pPr indent="0" lvl="0" marL="0" rtl="0" algn="l">
-              <a:spcBef>
-                <a:spcPts val="0"/>
-              </a:spcBef>
-              <a:spcAft>
-                <a:spcPts val="0"/>
-              </a:spcAft>
-              <a:buNone/>
-            </a:pPr>
-            <a:r>
-              <a:t/>
-            </a:r>
+          <a:bodyPr spcFirstLastPara="1" wrap="square" lIns="91425" tIns="45700" rIns="91425" bIns="45700" anchor="t" anchorCtr="0">
+            <a:noAutofit/>
+          </a:bodyPr>
+          <a:lstStyle/>
+          <a:p>
+            <a:pPr marL="0" lvl="0" indent="0" algn="l" rtl="0">
+              <a:spcBef>
+                <a:spcPts val="0"/>
+              </a:spcBef>
+              <a:spcAft>
+                <a:spcPts val="0"/>
+              </a:spcAft>
+              <a:buNone/>
+            </a:pPr>
             <a:endParaRPr/>
           </a:p>
         </p:txBody>
@@ -2721,9 +2903,11 @@
       <p:sp>
         <p:nvSpPr>
           <p:cNvPr id="56" name="Google Shape;56;p3:notes"/>
-          <p:cNvSpPr txBox="1"/>
+          <p:cNvSpPr txBox="1">
+            <a:spLocks noGrp="1"/>
+          </p:cNvSpPr>
           <p:nvPr>
-            <p:ph idx="12" type="sldNum"/>
+            <p:ph type="sldNum" idx="12"/>
           </p:nvPr>
         </p:nvSpPr>
         <p:spPr>
@@ -2740,12 +2924,12 @@
           </a:ln>
         </p:spPr>
         <p:txBody>
-          <a:bodyPr anchorCtr="0" anchor="b" bIns="45700" lIns="91425" spcFirstLastPara="1" rIns="91425" wrap="square" tIns="45700">
-            <a:noAutofit/>
-          </a:bodyPr>
-          <a:lstStyle/>
-          <a:p>
-            <a:pPr indent="0" lvl="0" marL="0" rtl="0" algn="r">
+          <a:bodyPr spcFirstLastPara="1" wrap="square" lIns="91425" tIns="45700" rIns="91425" bIns="45700" anchor="b" anchorCtr="0">
+            <a:noAutofit/>
+          </a:bodyPr>
+          <a:lstStyle/>
+          <a:p>
+            <a:pPr marL="0" lvl="0" indent="0" algn="r" rtl="0">
               <a:spcBef>
                 <a:spcPts val="0"/>
               </a:spcBef>
@@ -2756,7 +2940,16 @@
             </a:pPr>
             <a:fld id="{00000000-1234-1234-1234-123412341234}" type="slidenum">
               <a:rPr lang="en-US"/>
-              <a:t>‹#›</a:t>
+              <a:pPr marL="0" lvl="0" indent="0" algn="r" rtl="0">
+                <a:spcBef>
+                  <a:spcPts val="0"/>
+                </a:spcBef>
+                <a:spcAft>
+                  <a:spcPts val="0"/>
+                </a:spcAft>
+                <a:buNone/>
+              </a:pPr>
+              <a:t>4</a:t>
             </a:fld>
             <a:endParaRPr/>
           </a:p>
@@ -2771,11 +2964,11 @@
 </file>
 
 <file path=ppt/notesSlides/notesSlide5.xml><?xml version="1.0" encoding="utf-8"?>
-<p:notes xmlns:a="http://schemas.openxmlformats.org/drawingml/2006/main" xmlns:r="http://schemas.openxmlformats.org/officeDocument/2006/relationships" xmlns:mc="http://schemas.openxmlformats.org/markup-compatibility/2006" xmlns:mv="urn:schemas-microsoft-com:mac:vml" xmlns:p="http://schemas.openxmlformats.org/presentationml/2006/main" xmlns:c="http://schemas.openxmlformats.org/drawingml/2006/chart" xmlns:dgm="http://schemas.openxmlformats.org/drawingml/2006/diagram" xmlns:o="urn:schemas-microsoft-com:office:office" xmlns:v="urn:schemas-microsoft-com:vml" xmlns:pvml="urn:schemas-microsoft-com:office:powerpoint" xmlns:com="http://schemas.openxmlformats.org/drawingml/2006/compatibility" xmlns:p14="http://schemas.microsoft.com/office/powerpoint/2010/main" xmlns:p15="http://schemas.microsoft.com/office/powerpoint/2012/main" xmlns:ahyp="http://schemas.microsoft.com/office/drawing/2018/hyperlinkcolor" showMasterPhAnim="0" showMasterSp="0">
+<p:notes xmlns:a="http://schemas.openxmlformats.org/drawingml/2006/main" xmlns:r="http://schemas.openxmlformats.org/officeDocument/2006/relationships" xmlns:p="http://schemas.openxmlformats.org/presentationml/2006/main" showMasterSp="0" showMasterPhAnim="0">
   <p:cSld>
     <p:spTree>
       <p:nvGrpSpPr>
-        <p:cNvPr id="63" name="Shape 63"/>
+        <p:cNvPr id="1" name="Shape 63"/>
         <p:cNvGrpSpPr/>
         <p:nvPr/>
       </p:nvGrpSpPr>
@@ -2790,9 +2983,11 @@
       <p:sp>
         <p:nvSpPr>
           <p:cNvPr id="64" name="Google Shape;64;p4:notes"/>
-          <p:cNvSpPr/>
+          <p:cNvSpPr>
+            <a:spLocks noGrp="1" noRot="1" noChangeAspect="1"/>
+          </p:cNvSpPr>
           <p:nvPr>
-            <p:ph idx="2" type="sldImg"/>
+            <p:ph type="sldImg" idx="2"/>
           </p:nvPr>
         </p:nvSpPr>
         <p:spPr>
@@ -2801,9 +2996,13 @@
             <a:ext cx="5486400" cy="3086100"/>
           </a:xfrm>
           <a:custGeom>
-            <a:rect b="b" l="l" r="r" t="t"/>
+            <a:avLst/>
+            <a:gdLst/>
+            <a:ahLst/>
+            <a:cxnLst/>
+            <a:rect l="l" t="t" r="r" b="b"/>
             <a:pathLst>
-              <a:path extrusionOk="0" h="120000" w="120000">
+              <a:path w="120000" h="120000" extrusionOk="0">
                 <a:moveTo>
                   <a:pt x="0" y="0"/>
                 </a:moveTo>
@@ -2821,23 +3020,25 @@
             </a:pathLst>
           </a:custGeom>
           <a:noFill/>
-          <a:ln cap="flat" cmpd="sng" w="12700">
+          <a:ln w="12700" cap="flat" cmpd="sng">
             <a:solidFill>
               <a:srgbClr val="000000"/>
             </a:solidFill>
             <a:prstDash val="solid"/>
             <a:round/>
-            <a:headEnd len="sm" w="sm" type="none"/>
-            <a:tailEnd len="sm" w="sm" type="none"/>
+            <a:headEnd type="none" w="sm" len="sm"/>
+            <a:tailEnd type="none" w="sm" len="sm"/>
           </a:ln>
         </p:spPr>
       </p:sp>
       <p:sp>
         <p:nvSpPr>
           <p:cNvPr id="65" name="Google Shape;65;p4:notes"/>
-          <p:cNvSpPr txBox="1"/>
+          <p:cNvSpPr txBox="1">
+            <a:spLocks noGrp="1"/>
+          </p:cNvSpPr>
           <p:nvPr>
-            <p:ph idx="1" type="body"/>
+            <p:ph type="body" idx="1"/>
           </p:nvPr>
         </p:nvSpPr>
         <p:spPr>
@@ -2854,23 +3055,20 @@
           </a:ln>
         </p:spPr>
         <p:txBody>
-          <a:bodyPr anchorCtr="0" anchor="t" bIns="45700" lIns="91425" spcFirstLastPara="1" rIns="91425" wrap="square" tIns="45700">
-            <a:noAutofit/>
-          </a:bodyPr>
-          <a:lstStyle/>
-          <a:p>
-            <a:pPr indent="0" lvl="0" marL="0" rtl="0" algn="l">
-              <a:spcBef>
-                <a:spcPts val="0"/>
-              </a:spcBef>
-              <a:spcAft>
-                <a:spcPts val="0"/>
-              </a:spcAft>
-              <a:buNone/>
-            </a:pPr>
-            <a:r>
-              <a:t/>
-            </a:r>
+          <a:bodyPr spcFirstLastPara="1" wrap="square" lIns="91425" tIns="45700" rIns="91425" bIns="45700" anchor="t" anchorCtr="0">
+            <a:noAutofit/>
+          </a:bodyPr>
+          <a:lstStyle/>
+          <a:p>
+            <a:pPr marL="0" lvl="0" indent="0" algn="l" rtl="0">
+              <a:spcBef>
+                <a:spcPts val="0"/>
+              </a:spcBef>
+              <a:spcAft>
+                <a:spcPts val="0"/>
+              </a:spcAft>
+              <a:buNone/>
+            </a:pPr>
             <a:endParaRPr/>
           </a:p>
         </p:txBody>
@@ -2878,9 +3076,11 @@
       <p:sp>
         <p:nvSpPr>
           <p:cNvPr id="66" name="Google Shape;66;p4:notes"/>
-          <p:cNvSpPr txBox="1"/>
+          <p:cNvSpPr txBox="1">
+            <a:spLocks noGrp="1"/>
+          </p:cNvSpPr>
           <p:nvPr>
-            <p:ph idx="12" type="sldNum"/>
+            <p:ph type="sldNum" idx="12"/>
           </p:nvPr>
         </p:nvSpPr>
         <p:spPr>
@@ -2897,12 +3097,12 @@
           </a:ln>
         </p:spPr>
         <p:txBody>
-          <a:bodyPr anchorCtr="0" anchor="b" bIns="45700" lIns="91425" spcFirstLastPara="1" rIns="91425" wrap="square" tIns="45700">
-            <a:noAutofit/>
-          </a:bodyPr>
-          <a:lstStyle/>
-          <a:p>
-            <a:pPr indent="0" lvl="0" marL="0" rtl="0" algn="r">
+          <a:bodyPr spcFirstLastPara="1" wrap="square" lIns="91425" tIns="45700" rIns="91425" bIns="45700" anchor="b" anchorCtr="0">
+            <a:noAutofit/>
+          </a:bodyPr>
+          <a:lstStyle/>
+          <a:p>
+            <a:pPr marL="0" lvl="0" indent="0" algn="r" rtl="0">
               <a:spcBef>
                 <a:spcPts val="0"/>
               </a:spcBef>
@@ -2913,7 +3113,16 @@
             </a:pPr>
             <a:fld id="{00000000-1234-1234-1234-123412341234}" type="slidenum">
               <a:rPr lang="en-US"/>
-              <a:t>‹#›</a:t>
+              <a:pPr marL="0" lvl="0" indent="0" algn="r" rtl="0">
+                <a:spcBef>
+                  <a:spcPts val="0"/>
+                </a:spcBef>
+                <a:spcAft>
+                  <a:spcPts val="0"/>
+                </a:spcAft>
+                <a:buNone/>
+              </a:pPr>
+              <a:t>5</a:t>
             </a:fld>
             <a:endParaRPr/>
           </a:p>
@@ -2928,11 +3137,11 @@
 </file>
 
 <file path=ppt/notesSlides/notesSlide6.xml><?xml version="1.0" encoding="utf-8"?>
-<p:notes xmlns:a="http://schemas.openxmlformats.org/drawingml/2006/main" xmlns:r="http://schemas.openxmlformats.org/officeDocument/2006/relationships" xmlns:mc="http://schemas.openxmlformats.org/markup-compatibility/2006" xmlns:mv="urn:schemas-microsoft-com:mac:vml" xmlns:p="http://schemas.openxmlformats.org/presentationml/2006/main" xmlns:c="http://schemas.openxmlformats.org/drawingml/2006/chart" xmlns:dgm="http://schemas.openxmlformats.org/drawingml/2006/diagram" xmlns:o="urn:schemas-microsoft-com:office:office" xmlns:v="urn:schemas-microsoft-com:vml" xmlns:pvml="urn:schemas-microsoft-com:office:powerpoint" xmlns:com="http://schemas.openxmlformats.org/drawingml/2006/compatibility" xmlns:p14="http://schemas.microsoft.com/office/powerpoint/2010/main" xmlns:p15="http://schemas.microsoft.com/office/powerpoint/2012/main" xmlns:ahyp="http://schemas.microsoft.com/office/drawing/2018/hyperlinkcolor" showMasterPhAnim="0" showMasterSp="0">
+<p:notes xmlns:a="http://schemas.openxmlformats.org/drawingml/2006/main" xmlns:r="http://schemas.openxmlformats.org/officeDocument/2006/relationships" xmlns:p="http://schemas.openxmlformats.org/presentationml/2006/main" showMasterSp="0" showMasterPhAnim="0">
   <p:cSld>
     <p:spTree>
       <p:nvGrpSpPr>
-        <p:cNvPr id="88" name="Shape 88"/>
+        <p:cNvPr id="1" name="Shape 88"/>
         <p:cNvGrpSpPr/>
         <p:nvPr/>
       </p:nvGrpSpPr>
@@ -2947,9 +3156,11 @@
       <p:sp>
         <p:nvSpPr>
           <p:cNvPr id="89" name="Google Shape;89;p5:notes"/>
-          <p:cNvSpPr/>
+          <p:cNvSpPr>
+            <a:spLocks noGrp="1" noRot="1" noChangeAspect="1"/>
+          </p:cNvSpPr>
           <p:nvPr>
-            <p:ph idx="2" type="sldImg"/>
+            <p:ph type="sldImg" idx="2"/>
           </p:nvPr>
         </p:nvSpPr>
         <p:spPr>
@@ -2958,9 +3169,13 @@
             <a:ext cx="5486400" cy="3086100"/>
           </a:xfrm>
           <a:custGeom>
-            <a:rect b="b" l="l" r="r" t="t"/>
+            <a:avLst/>
+            <a:gdLst/>
+            <a:ahLst/>
+            <a:cxnLst/>
+            <a:rect l="l" t="t" r="r" b="b"/>
             <a:pathLst>
-              <a:path extrusionOk="0" h="120000" w="120000">
+              <a:path w="120000" h="120000" extrusionOk="0">
                 <a:moveTo>
                   <a:pt x="0" y="0"/>
                 </a:moveTo>
@@ -2978,23 +3193,25 @@
             </a:pathLst>
           </a:custGeom>
           <a:noFill/>
-          <a:ln cap="flat" cmpd="sng" w="12700">
+          <a:ln w="12700" cap="flat" cmpd="sng">
             <a:solidFill>
               <a:srgbClr val="000000"/>
             </a:solidFill>
             <a:prstDash val="solid"/>
             <a:round/>
-            <a:headEnd len="sm" w="sm" type="none"/>
-            <a:tailEnd len="sm" w="sm" type="none"/>
+            <a:headEnd type="none" w="sm" len="sm"/>
+            <a:tailEnd type="none" w="sm" len="sm"/>
           </a:ln>
         </p:spPr>
       </p:sp>
       <p:sp>
         <p:nvSpPr>
           <p:cNvPr id="90" name="Google Shape;90;p5:notes"/>
-          <p:cNvSpPr txBox="1"/>
+          <p:cNvSpPr txBox="1">
+            <a:spLocks noGrp="1"/>
+          </p:cNvSpPr>
           <p:nvPr>
-            <p:ph idx="1" type="body"/>
+            <p:ph type="body" idx="1"/>
           </p:nvPr>
         </p:nvSpPr>
         <p:spPr>
@@ -3011,23 +3228,20 @@
           </a:ln>
         </p:spPr>
         <p:txBody>
-          <a:bodyPr anchorCtr="0" anchor="t" bIns="45700" lIns="91425" spcFirstLastPara="1" rIns="91425" wrap="square" tIns="45700">
-            <a:noAutofit/>
-          </a:bodyPr>
-          <a:lstStyle/>
-          <a:p>
-            <a:pPr indent="0" lvl="0" marL="0" rtl="0" algn="l">
-              <a:spcBef>
-                <a:spcPts val="0"/>
-              </a:spcBef>
-              <a:spcAft>
-                <a:spcPts val="0"/>
-              </a:spcAft>
-              <a:buNone/>
-            </a:pPr>
-            <a:r>
-              <a:t/>
-            </a:r>
+          <a:bodyPr spcFirstLastPara="1" wrap="square" lIns="91425" tIns="45700" rIns="91425" bIns="45700" anchor="t" anchorCtr="0">
+            <a:noAutofit/>
+          </a:bodyPr>
+          <a:lstStyle/>
+          <a:p>
+            <a:pPr marL="0" lvl="0" indent="0" algn="l" rtl="0">
+              <a:spcBef>
+                <a:spcPts val="0"/>
+              </a:spcBef>
+              <a:spcAft>
+                <a:spcPts val="0"/>
+              </a:spcAft>
+              <a:buNone/>
+            </a:pPr>
             <a:endParaRPr/>
           </a:p>
         </p:txBody>
@@ -3035,9 +3249,11 @@
       <p:sp>
         <p:nvSpPr>
           <p:cNvPr id="91" name="Google Shape;91;p5:notes"/>
-          <p:cNvSpPr txBox="1"/>
+          <p:cNvSpPr txBox="1">
+            <a:spLocks noGrp="1"/>
+          </p:cNvSpPr>
           <p:nvPr>
-            <p:ph idx="12" type="sldNum"/>
+            <p:ph type="sldNum" idx="12"/>
           </p:nvPr>
         </p:nvSpPr>
         <p:spPr>
@@ -3054,12 +3270,12 @@
           </a:ln>
         </p:spPr>
         <p:txBody>
-          <a:bodyPr anchorCtr="0" anchor="b" bIns="45700" lIns="91425" spcFirstLastPara="1" rIns="91425" wrap="square" tIns="45700">
-            <a:noAutofit/>
-          </a:bodyPr>
-          <a:lstStyle/>
-          <a:p>
-            <a:pPr indent="0" lvl="0" marL="0" rtl="0" algn="r">
+          <a:bodyPr spcFirstLastPara="1" wrap="square" lIns="91425" tIns="45700" rIns="91425" bIns="45700" anchor="b" anchorCtr="0">
+            <a:noAutofit/>
+          </a:bodyPr>
+          <a:lstStyle/>
+          <a:p>
+            <a:pPr marL="0" lvl="0" indent="0" algn="r" rtl="0">
               <a:spcBef>
                 <a:spcPts val="0"/>
               </a:spcBef>
@@ -3070,7 +3286,16 @@
             </a:pPr>
             <a:fld id="{00000000-1234-1234-1234-123412341234}" type="slidenum">
               <a:rPr lang="en-US"/>
-              <a:t>‹#›</a:t>
+              <a:pPr marL="0" lvl="0" indent="0" algn="r" rtl="0">
+                <a:spcBef>
+                  <a:spcPts val="0"/>
+                </a:spcBef>
+                <a:spcAft>
+                  <a:spcPts val="0"/>
+                </a:spcAft>
+                <a:buNone/>
+              </a:pPr>
+              <a:t>6</a:t>
             </a:fld>
             <a:endParaRPr/>
           </a:p>
@@ -3085,11 +3310,11 @@
 </file>
 
 <file path=ppt/notesSlides/notesSlide7.xml><?xml version="1.0" encoding="utf-8"?>
-<p:notes xmlns:a="http://schemas.openxmlformats.org/drawingml/2006/main" xmlns:r="http://schemas.openxmlformats.org/officeDocument/2006/relationships" xmlns:mc="http://schemas.openxmlformats.org/markup-compatibility/2006" xmlns:mv="urn:schemas-microsoft-com:mac:vml" xmlns:p="http://schemas.openxmlformats.org/presentationml/2006/main" xmlns:c="http://schemas.openxmlformats.org/drawingml/2006/chart" xmlns:dgm="http://schemas.openxmlformats.org/drawingml/2006/diagram" xmlns:o="urn:schemas-microsoft-com:office:office" xmlns:v="urn:schemas-microsoft-com:vml" xmlns:pvml="urn:schemas-microsoft-com:office:powerpoint" xmlns:com="http://schemas.openxmlformats.org/drawingml/2006/compatibility" xmlns:p14="http://schemas.microsoft.com/office/powerpoint/2010/main" xmlns:p15="http://schemas.microsoft.com/office/powerpoint/2012/main" xmlns:ahyp="http://schemas.microsoft.com/office/drawing/2018/hyperlinkcolor" showMasterPhAnim="0" showMasterSp="0">
+<p:notes xmlns:a="http://schemas.openxmlformats.org/drawingml/2006/main" xmlns:r="http://schemas.openxmlformats.org/officeDocument/2006/relationships" xmlns:p="http://schemas.openxmlformats.org/presentationml/2006/main" showMasterSp="0" showMasterPhAnim="0">
   <p:cSld>
     <p:spTree>
       <p:nvGrpSpPr>
-        <p:cNvPr id="106" name="Shape 106"/>
+        <p:cNvPr id="1" name="Shape 106"/>
         <p:cNvGrpSpPr/>
         <p:nvPr/>
       </p:nvGrpSpPr>
@@ -3104,9 +3329,11 @@
       <p:sp>
         <p:nvSpPr>
           <p:cNvPr id="107" name="Google Shape;107;p6:notes"/>
-          <p:cNvSpPr/>
+          <p:cNvSpPr>
+            <a:spLocks noGrp="1" noRot="1" noChangeAspect="1"/>
+          </p:cNvSpPr>
           <p:nvPr>
-            <p:ph idx="2" type="sldImg"/>
+            <p:ph type="sldImg" idx="2"/>
           </p:nvPr>
         </p:nvSpPr>
         <p:spPr>
@@ -3115,9 +3342,13 @@
             <a:ext cx="5486400" cy="3086100"/>
           </a:xfrm>
           <a:custGeom>
-            <a:rect b="b" l="l" r="r" t="t"/>
+            <a:avLst/>
+            <a:gdLst/>
+            <a:ahLst/>
+            <a:cxnLst/>
+            <a:rect l="l" t="t" r="r" b="b"/>
             <a:pathLst>
-              <a:path extrusionOk="0" h="120000" w="120000">
+              <a:path w="120000" h="120000" extrusionOk="0">
                 <a:moveTo>
                   <a:pt x="0" y="0"/>
                 </a:moveTo>
@@ -3135,23 +3366,25 @@
             </a:pathLst>
           </a:custGeom>
           <a:noFill/>
-          <a:ln cap="flat" cmpd="sng" w="12700">
+          <a:ln w="12700" cap="flat" cmpd="sng">
             <a:solidFill>
               <a:srgbClr val="000000"/>
             </a:solidFill>
             <a:prstDash val="solid"/>
             <a:round/>
-            <a:headEnd len="sm" w="sm" type="none"/>
-            <a:tailEnd len="sm" w="sm" type="none"/>
+            <a:headEnd type="none" w="sm" len="sm"/>
+            <a:tailEnd type="none" w="sm" len="sm"/>
           </a:ln>
         </p:spPr>
       </p:sp>
       <p:sp>
         <p:nvSpPr>
           <p:cNvPr id="108" name="Google Shape;108;p6:notes"/>
-          <p:cNvSpPr txBox="1"/>
+          <p:cNvSpPr txBox="1">
+            <a:spLocks noGrp="1"/>
+          </p:cNvSpPr>
           <p:nvPr>
-            <p:ph idx="1" type="body"/>
+            <p:ph type="body" idx="1"/>
           </p:nvPr>
         </p:nvSpPr>
         <p:spPr>
@@ -3168,23 +3401,20 @@
           </a:ln>
         </p:spPr>
         <p:txBody>
-          <a:bodyPr anchorCtr="0" anchor="t" bIns="45700" lIns="91425" spcFirstLastPara="1" rIns="91425" wrap="square" tIns="45700">
-            <a:noAutofit/>
-          </a:bodyPr>
-          <a:lstStyle/>
-          <a:p>
-            <a:pPr indent="0" lvl="0" marL="0" rtl="0" algn="l">
-              <a:spcBef>
-                <a:spcPts val="0"/>
-              </a:spcBef>
-              <a:spcAft>
-                <a:spcPts val="0"/>
-              </a:spcAft>
-              <a:buNone/>
-            </a:pPr>
-            <a:r>
-              <a:t/>
-            </a:r>
+          <a:bodyPr spcFirstLastPara="1" wrap="square" lIns="91425" tIns="45700" rIns="91425" bIns="45700" anchor="t" anchorCtr="0">
+            <a:noAutofit/>
+          </a:bodyPr>
+          <a:lstStyle/>
+          <a:p>
+            <a:pPr marL="0" lvl="0" indent="0" algn="l" rtl="0">
+              <a:spcBef>
+                <a:spcPts val="0"/>
+              </a:spcBef>
+              <a:spcAft>
+                <a:spcPts val="0"/>
+              </a:spcAft>
+              <a:buNone/>
+            </a:pPr>
             <a:endParaRPr/>
           </a:p>
         </p:txBody>
@@ -3192,9 +3422,11 @@
       <p:sp>
         <p:nvSpPr>
           <p:cNvPr id="109" name="Google Shape;109;p6:notes"/>
-          <p:cNvSpPr txBox="1"/>
+          <p:cNvSpPr txBox="1">
+            <a:spLocks noGrp="1"/>
+          </p:cNvSpPr>
           <p:nvPr>
-            <p:ph idx="12" type="sldNum"/>
+            <p:ph type="sldNum" idx="12"/>
           </p:nvPr>
         </p:nvSpPr>
         <p:spPr>
@@ -3211,12 +3443,12 @@
           </a:ln>
         </p:spPr>
         <p:txBody>
-          <a:bodyPr anchorCtr="0" anchor="b" bIns="45700" lIns="91425" spcFirstLastPara="1" rIns="91425" wrap="square" tIns="45700">
-            <a:noAutofit/>
-          </a:bodyPr>
-          <a:lstStyle/>
-          <a:p>
-            <a:pPr indent="0" lvl="0" marL="0" rtl="0" algn="r">
+          <a:bodyPr spcFirstLastPara="1" wrap="square" lIns="91425" tIns="45700" rIns="91425" bIns="45700" anchor="b" anchorCtr="0">
+            <a:noAutofit/>
+          </a:bodyPr>
+          <a:lstStyle/>
+          <a:p>
+            <a:pPr marL="0" lvl="0" indent="0" algn="r" rtl="0">
               <a:spcBef>
                 <a:spcPts val="0"/>
               </a:spcBef>
@@ -3227,7 +3459,16 @@
             </a:pPr>
             <a:fld id="{00000000-1234-1234-1234-123412341234}" type="slidenum">
               <a:rPr lang="en-US"/>
-              <a:t>‹#›</a:t>
+              <a:pPr marL="0" lvl="0" indent="0" algn="r" rtl="0">
+                <a:spcBef>
+                  <a:spcPts val="0"/>
+                </a:spcBef>
+                <a:spcAft>
+                  <a:spcPts val="0"/>
+                </a:spcAft>
+                <a:buNone/>
+              </a:pPr>
+              <a:t>7</a:t>
             </a:fld>
             <a:endParaRPr/>
           </a:p>
@@ -3242,11 +3483,11 @@
 </file>
 
 <file path=ppt/notesSlides/notesSlide8.xml><?xml version="1.0" encoding="utf-8"?>
-<p:notes xmlns:a="http://schemas.openxmlformats.org/drawingml/2006/main" xmlns:r="http://schemas.openxmlformats.org/officeDocument/2006/relationships" xmlns:mc="http://schemas.openxmlformats.org/markup-compatibility/2006" xmlns:mv="urn:schemas-microsoft-com:mac:vml" xmlns:p="http://schemas.openxmlformats.org/presentationml/2006/main" xmlns:c="http://schemas.openxmlformats.org/drawingml/2006/chart" xmlns:dgm="http://schemas.openxmlformats.org/drawingml/2006/diagram" xmlns:o="urn:schemas-microsoft-com:office:office" xmlns:v="urn:schemas-microsoft-com:vml" xmlns:pvml="urn:schemas-microsoft-com:office:powerpoint" xmlns:com="http://schemas.openxmlformats.org/drawingml/2006/compatibility" xmlns:p14="http://schemas.microsoft.com/office/powerpoint/2010/main" xmlns:p15="http://schemas.microsoft.com/office/powerpoint/2012/main" xmlns:ahyp="http://schemas.microsoft.com/office/drawing/2018/hyperlinkcolor" showMasterPhAnim="0" showMasterSp="0">
+<p:notes xmlns:a="http://schemas.openxmlformats.org/drawingml/2006/main" xmlns:r="http://schemas.openxmlformats.org/officeDocument/2006/relationships" xmlns:p="http://schemas.openxmlformats.org/presentationml/2006/main" showMasterSp="0" showMasterPhAnim="0">
   <p:cSld>
     <p:spTree>
       <p:nvGrpSpPr>
-        <p:cNvPr id="123" name="Shape 123"/>
+        <p:cNvPr id="1" name="Shape 123"/>
         <p:cNvGrpSpPr/>
         <p:nvPr/>
       </p:nvGrpSpPr>
@@ -3261,9 +3502,11 @@
       <p:sp>
         <p:nvSpPr>
           <p:cNvPr id="124" name="Google Shape;124;p7:notes"/>
-          <p:cNvSpPr/>
+          <p:cNvSpPr>
+            <a:spLocks noGrp="1" noRot="1" noChangeAspect="1"/>
+          </p:cNvSpPr>
           <p:nvPr>
-            <p:ph idx="2" type="sldImg"/>
+            <p:ph type="sldImg" idx="2"/>
           </p:nvPr>
         </p:nvSpPr>
         <p:spPr>
@@ -3272,9 +3515,13 @@
             <a:ext cx="5486400" cy="3086100"/>
           </a:xfrm>
           <a:custGeom>
-            <a:rect b="b" l="l" r="r" t="t"/>
+            <a:avLst/>
+            <a:gdLst/>
+            <a:ahLst/>
+            <a:cxnLst/>
+            <a:rect l="l" t="t" r="r" b="b"/>
             <a:pathLst>
-              <a:path extrusionOk="0" h="120000" w="120000">
+              <a:path w="120000" h="120000" extrusionOk="0">
                 <a:moveTo>
                   <a:pt x="0" y="0"/>
                 </a:moveTo>
@@ -3292,23 +3539,25 @@
             </a:pathLst>
           </a:custGeom>
           <a:noFill/>
-          <a:ln cap="flat" cmpd="sng" w="12700">
+          <a:ln w="12700" cap="flat" cmpd="sng">
             <a:solidFill>
               <a:srgbClr val="000000"/>
             </a:solidFill>
             <a:prstDash val="solid"/>
             <a:round/>
-            <a:headEnd len="sm" w="sm" type="none"/>
-            <a:tailEnd len="sm" w="sm" type="none"/>
+            <a:headEnd type="none" w="sm" len="sm"/>
+            <a:tailEnd type="none" w="sm" len="sm"/>
           </a:ln>
         </p:spPr>
       </p:sp>
       <p:sp>
         <p:nvSpPr>
           <p:cNvPr id="125" name="Google Shape;125;p7:notes"/>
-          <p:cNvSpPr txBox="1"/>
+          <p:cNvSpPr txBox="1">
+            <a:spLocks noGrp="1"/>
+          </p:cNvSpPr>
           <p:nvPr>
-            <p:ph idx="1" type="body"/>
+            <p:ph type="body" idx="1"/>
           </p:nvPr>
         </p:nvSpPr>
         <p:spPr>
@@ -3325,23 +3574,20 @@
           </a:ln>
         </p:spPr>
         <p:txBody>
-          <a:bodyPr anchorCtr="0" anchor="t" bIns="45700" lIns="91425" spcFirstLastPara="1" rIns="91425" wrap="square" tIns="45700">
-            <a:noAutofit/>
-          </a:bodyPr>
-          <a:lstStyle/>
-          <a:p>
-            <a:pPr indent="0" lvl="0" marL="0" rtl="0" algn="l">
-              <a:spcBef>
-                <a:spcPts val="0"/>
-              </a:spcBef>
-              <a:spcAft>
-                <a:spcPts val="0"/>
-              </a:spcAft>
-              <a:buNone/>
-            </a:pPr>
-            <a:r>
-              <a:t/>
-            </a:r>
+          <a:bodyPr spcFirstLastPara="1" wrap="square" lIns="91425" tIns="45700" rIns="91425" bIns="45700" anchor="t" anchorCtr="0">
+            <a:noAutofit/>
+          </a:bodyPr>
+          <a:lstStyle/>
+          <a:p>
+            <a:pPr marL="0" lvl="0" indent="0" algn="l" rtl="0">
+              <a:spcBef>
+                <a:spcPts val="0"/>
+              </a:spcBef>
+              <a:spcAft>
+                <a:spcPts val="0"/>
+              </a:spcAft>
+              <a:buNone/>
+            </a:pPr>
             <a:endParaRPr/>
           </a:p>
         </p:txBody>
@@ -3349,9 +3595,11 @@
       <p:sp>
         <p:nvSpPr>
           <p:cNvPr id="126" name="Google Shape;126;p7:notes"/>
-          <p:cNvSpPr txBox="1"/>
+          <p:cNvSpPr txBox="1">
+            <a:spLocks noGrp="1"/>
+          </p:cNvSpPr>
           <p:nvPr>
-            <p:ph idx="12" type="sldNum"/>
+            <p:ph type="sldNum" idx="12"/>
           </p:nvPr>
         </p:nvSpPr>
         <p:spPr>
@@ -3368,12 +3616,12 @@
           </a:ln>
         </p:spPr>
         <p:txBody>
-          <a:bodyPr anchorCtr="0" anchor="b" bIns="45700" lIns="91425" spcFirstLastPara="1" rIns="91425" wrap="square" tIns="45700">
-            <a:noAutofit/>
-          </a:bodyPr>
-          <a:lstStyle/>
-          <a:p>
-            <a:pPr indent="0" lvl="0" marL="0" rtl="0" algn="r">
+          <a:bodyPr spcFirstLastPara="1" wrap="square" lIns="91425" tIns="45700" rIns="91425" bIns="45700" anchor="b" anchorCtr="0">
+            <a:noAutofit/>
+          </a:bodyPr>
+          <a:lstStyle/>
+          <a:p>
+            <a:pPr marL="0" lvl="0" indent="0" algn="r" rtl="0">
               <a:spcBef>
                 <a:spcPts val="0"/>
               </a:spcBef>
@@ -3384,7 +3632,16 @@
             </a:pPr>
             <a:fld id="{00000000-1234-1234-1234-123412341234}" type="slidenum">
               <a:rPr lang="en-US"/>
-              <a:t>‹#›</a:t>
+              <a:pPr marL="0" lvl="0" indent="0" algn="r" rtl="0">
+                <a:spcBef>
+                  <a:spcPts val="0"/>
+                </a:spcBef>
+                <a:spcAft>
+                  <a:spcPts val="0"/>
+                </a:spcAft>
+                <a:buNone/>
+              </a:pPr>
+              <a:t>8</a:t>
             </a:fld>
             <a:endParaRPr/>
           </a:p>
@@ -3399,11 +3656,11 @@
 </file>
 
 <file path=ppt/notesSlides/notesSlide9.xml><?xml version="1.0" encoding="utf-8"?>
-<p:notes xmlns:a="http://schemas.openxmlformats.org/drawingml/2006/main" xmlns:r="http://schemas.openxmlformats.org/officeDocument/2006/relationships" xmlns:mc="http://schemas.openxmlformats.org/markup-compatibility/2006" xmlns:mv="urn:schemas-microsoft-com:mac:vml" xmlns:p="http://schemas.openxmlformats.org/presentationml/2006/main" xmlns:c="http://schemas.openxmlformats.org/drawingml/2006/chart" xmlns:dgm="http://schemas.openxmlformats.org/drawingml/2006/diagram" xmlns:o="urn:schemas-microsoft-com:office:office" xmlns:v="urn:schemas-microsoft-com:vml" xmlns:pvml="urn:schemas-microsoft-com:office:powerpoint" xmlns:com="http://schemas.openxmlformats.org/drawingml/2006/compatibility" xmlns:p14="http://schemas.microsoft.com/office/powerpoint/2010/main" xmlns:p15="http://schemas.microsoft.com/office/powerpoint/2012/main" xmlns:ahyp="http://schemas.microsoft.com/office/drawing/2018/hyperlinkcolor" showMasterPhAnim="0" showMasterSp="0">
+<p:notes xmlns:a="http://schemas.openxmlformats.org/drawingml/2006/main" xmlns:r="http://schemas.openxmlformats.org/officeDocument/2006/relationships" xmlns:p="http://schemas.openxmlformats.org/presentationml/2006/main" showMasterSp="0" showMasterPhAnim="0">
   <p:cSld>
     <p:spTree>
       <p:nvGrpSpPr>
-        <p:cNvPr id="143" name="Shape 143"/>
+        <p:cNvPr id="1" name="Shape 143"/>
         <p:cNvGrpSpPr/>
         <p:nvPr/>
       </p:nvGrpSpPr>
@@ -3418,9 +3675,11 @@
       <p:sp>
         <p:nvSpPr>
           <p:cNvPr id="144" name="Google Shape;144;gfa271b51259323d_26:notes"/>
-          <p:cNvSpPr/>
+          <p:cNvSpPr>
+            <a:spLocks noGrp="1" noRot="1" noChangeAspect="1"/>
+          </p:cNvSpPr>
           <p:nvPr>
-            <p:ph idx="2" type="sldImg"/>
+            <p:ph type="sldImg" idx="2"/>
           </p:nvPr>
         </p:nvSpPr>
         <p:spPr>
@@ -3429,9 +3688,13 @@
             <a:ext cx="5486400" cy="3086100"/>
           </a:xfrm>
           <a:custGeom>
-            <a:rect b="b" l="l" r="r" t="t"/>
+            <a:avLst/>
+            <a:gdLst/>
+            <a:ahLst/>
+            <a:cxnLst/>
+            <a:rect l="l" t="t" r="r" b="b"/>
             <a:pathLst>
-              <a:path extrusionOk="0" h="120000" w="120000">
+              <a:path w="120000" h="120000" extrusionOk="0">
                 <a:moveTo>
                   <a:pt x="0" y="0"/>
                 </a:moveTo>
@@ -3449,23 +3712,25 @@
             </a:pathLst>
           </a:custGeom>
           <a:noFill/>
-          <a:ln cap="flat" cmpd="sng" w="12700">
+          <a:ln w="12700" cap="flat" cmpd="sng">
             <a:solidFill>
               <a:srgbClr val="000000"/>
             </a:solidFill>
             <a:prstDash val="solid"/>
             <a:round/>
-            <a:headEnd len="sm" w="sm" type="none"/>
-            <a:tailEnd len="sm" w="sm" type="none"/>
+            <a:headEnd type="none" w="sm" len="sm"/>
+            <a:tailEnd type="none" w="sm" len="sm"/>
           </a:ln>
         </p:spPr>
       </p:sp>
       <p:sp>
         <p:nvSpPr>
           <p:cNvPr id="145" name="Google Shape;145;gfa271b51259323d_26:notes"/>
-          <p:cNvSpPr txBox="1"/>
+          <p:cNvSpPr txBox="1">
+            <a:spLocks noGrp="1"/>
+          </p:cNvSpPr>
           <p:nvPr>
-            <p:ph idx="1" type="body"/>
+            <p:ph type="body" idx="1"/>
           </p:nvPr>
         </p:nvSpPr>
         <p:spPr>
@@ -3482,23 +3747,20 @@
           </a:ln>
         </p:spPr>
         <p:txBody>
-          <a:bodyPr anchorCtr="0" anchor="t" bIns="45700" lIns="91425" spcFirstLastPara="1" rIns="91425" wrap="square" tIns="45700">
-            <a:noAutofit/>
-          </a:bodyPr>
-          <a:lstStyle/>
-          <a:p>
-            <a:pPr indent="0" lvl="0" marL="0" rtl="0" algn="l">
-              <a:spcBef>
-                <a:spcPts val="0"/>
-              </a:spcBef>
-              <a:spcAft>
-                <a:spcPts val="0"/>
-              </a:spcAft>
-              <a:buNone/>
-            </a:pPr>
-            <a:r>
-              <a:t/>
-            </a:r>
+          <a:bodyPr spcFirstLastPara="1" wrap="square" lIns="91425" tIns="45700" rIns="91425" bIns="45700" anchor="t" anchorCtr="0">
+            <a:noAutofit/>
+          </a:bodyPr>
+          <a:lstStyle/>
+          <a:p>
+            <a:pPr marL="0" lvl="0" indent="0" algn="l" rtl="0">
+              <a:spcBef>
+                <a:spcPts val="0"/>
+              </a:spcBef>
+              <a:spcAft>
+                <a:spcPts val="0"/>
+              </a:spcAft>
+              <a:buNone/>
+            </a:pPr>
             <a:endParaRPr/>
           </a:p>
         </p:txBody>
@@ -3506,9 +3768,11 @@
       <p:sp>
         <p:nvSpPr>
           <p:cNvPr id="146" name="Google Shape;146;gfa271b51259323d_26:notes"/>
-          <p:cNvSpPr txBox="1"/>
+          <p:cNvSpPr txBox="1">
+            <a:spLocks noGrp="1"/>
+          </p:cNvSpPr>
           <p:nvPr>
-            <p:ph idx="12" type="sldNum"/>
+            <p:ph type="sldNum" idx="12"/>
           </p:nvPr>
         </p:nvSpPr>
         <p:spPr>
@@ -3525,12 +3789,12 @@
           </a:ln>
         </p:spPr>
         <p:txBody>
-          <a:bodyPr anchorCtr="0" anchor="b" bIns="45700" lIns="91425" spcFirstLastPara="1" rIns="91425" wrap="square" tIns="45700">
-            <a:noAutofit/>
-          </a:bodyPr>
-          <a:lstStyle/>
-          <a:p>
-            <a:pPr indent="0" lvl="0" marL="0" rtl="0" algn="r">
+          <a:bodyPr spcFirstLastPara="1" wrap="square" lIns="91425" tIns="45700" rIns="91425" bIns="45700" anchor="b" anchorCtr="0">
+            <a:noAutofit/>
+          </a:bodyPr>
+          <a:lstStyle/>
+          <a:p>
+            <a:pPr marL="0" lvl="0" indent="0" algn="r" rtl="0">
               <a:spcBef>
                 <a:spcPts val="0"/>
               </a:spcBef>
@@ -3541,7 +3805,16 @@
             </a:pPr>
             <a:fld id="{00000000-1234-1234-1234-123412341234}" type="slidenum">
               <a:rPr lang="en-US"/>
-              <a:t>‹#›</a:t>
+              <a:pPr marL="0" lvl="0" indent="0" algn="r" rtl="0">
+                <a:spcBef>
+                  <a:spcPts val="0"/>
+                </a:spcBef>
+                <a:spcAft>
+                  <a:spcPts val="0"/>
+                </a:spcAft>
+                <a:buNone/>
+              </a:pPr>
+              <a:t>9</a:t>
             </a:fld>
             <a:endParaRPr/>
           </a:p>
@@ -3556,18 +3829,19 @@
 </file>
 
 <file path=ppt/slideLayouts/slideLayout1.xml><?xml version="1.0" encoding="utf-8"?>
-<p:sldLayout xmlns:a="http://schemas.openxmlformats.org/drawingml/2006/main" xmlns:r="http://schemas.openxmlformats.org/officeDocument/2006/relationships" xmlns:mc="http://schemas.openxmlformats.org/markup-compatibility/2006" xmlns:mv="urn:schemas-microsoft-com:mac:vml" xmlns:p="http://schemas.openxmlformats.org/presentationml/2006/main" xmlns:c="http://schemas.openxmlformats.org/drawingml/2006/chart" xmlns:dgm="http://schemas.openxmlformats.org/drawingml/2006/diagram" xmlns:o="urn:schemas-microsoft-com:office:office" xmlns:v="urn:schemas-microsoft-com:vml" xmlns:pvml="urn:schemas-microsoft-com:office:powerpoint" xmlns:com="http://schemas.openxmlformats.org/drawingml/2006/compatibility" xmlns:p14="http://schemas.microsoft.com/office/powerpoint/2010/main" xmlns:p15="http://schemas.microsoft.com/office/powerpoint/2012/main" xmlns:ahyp="http://schemas.microsoft.com/office/drawing/2018/hyperlinkcolor" matchingName="DEFAULT">
+<p:sldLayout xmlns:a="http://schemas.openxmlformats.org/drawingml/2006/main" xmlns:r="http://schemas.openxmlformats.org/officeDocument/2006/relationships" xmlns:p="http://schemas.openxmlformats.org/presentationml/2006/main" matchingName="DEFAULT">
   <p:cSld name="DEFAULT">
     <p:bg>
       <p:bgPr>
         <a:solidFill>
           <a:schemeClr val="lt1"/>
         </a:solidFill>
+        <a:effectLst/>
       </p:bgPr>
     </p:bg>
     <p:spTree>
       <p:nvGrpSpPr>
-        <p:cNvPr id="10" name="Shape 10"/>
+        <p:cNvPr id="1" name="Shape 10"/>
         <p:cNvGrpSpPr/>
         <p:nvPr/>
       </p:nvGrpSpPr>
@@ -3588,11 +3862,11 @@
 </file>
 
 <file path=ppt/slideMasters/slideMaster1.xml><?xml version="1.0" encoding="utf-8"?>
-<p:sldMaster xmlns:a="http://schemas.openxmlformats.org/drawingml/2006/main" xmlns:r="http://schemas.openxmlformats.org/officeDocument/2006/relationships" xmlns:mc="http://schemas.openxmlformats.org/markup-compatibility/2006" xmlns:mv="urn:schemas-microsoft-com:mac:vml" xmlns:p="http://schemas.openxmlformats.org/presentationml/2006/main" xmlns:c="http://schemas.openxmlformats.org/drawingml/2006/chart" xmlns:dgm="http://schemas.openxmlformats.org/drawingml/2006/diagram" xmlns:o="urn:schemas-microsoft-com:office:office" xmlns:v="urn:schemas-microsoft-com:vml" xmlns:pvml="urn:schemas-microsoft-com:office:powerpoint" xmlns:com="http://schemas.openxmlformats.org/drawingml/2006/compatibility" xmlns:p14="http://schemas.microsoft.com/office/powerpoint/2010/main" xmlns:p15="http://schemas.microsoft.com/office/powerpoint/2012/main" xmlns:ahyp="http://schemas.microsoft.com/office/drawing/2018/hyperlinkcolor">
+<p:sldMaster xmlns:a="http://schemas.openxmlformats.org/drawingml/2006/main" xmlns:r="http://schemas.openxmlformats.org/officeDocument/2006/relationships" xmlns:p="http://schemas.openxmlformats.org/presentationml/2006/main">
   <p:cSld>
     <p:spTree>
       <p:nvGrpSpPr>
-        <p:cNvPr id="9" name="Shape 9"/>
+        <p:cNvPr id="1" name="Shape 9"/>
         <p:cNvGrpSpPr/>
         <p:nvPr/>
       </p:nvGrpSpPr>
@@ -3606,14 +3880,14 @@
       </p:grpSpPr>
     </p:spTree>
   </p:cSld>
-  <p:clrMap accent1="accent1" accent2="accent2" accent3="accent3" accent4="accent4" accent5="accent5" accent6="accent6" bg1="lt1" bg2="dk2" tx1="dk1" tx2="lt2" folHlink="folHlink" hlink="hlink"/>
+  <p:clrMap bg1="lt1" tx1="dk1" bg2="dk2" tx2="lt2" accent1="accent1" accent2="accent2" accent3="accent3" accent4="accent4" accent5="accent5" accent6="accent6" hlink="hlink" folHlink="folHlink"/>
   <p:sldLayoutIdLst>
     <p:sldLayoutId id="2147483648" r:id="rId1"/>
   </p:sldLayoutIdLst>
-  <p:hf dt="0" ftr="0" hdr="0" sldNum="0"/>
+  <p:hf sldNum="0" hdr="0" ftr="0" dt="0"/>
   <p:txStyles>
     <p:titleStyle>
-      <a:defPPr lvl="0" marR="0" rtl="0" algn="l">
+      <a:defPPr marR="0" lvl="0" algn="l" rtl="0">
         <a:lnSpc>
           <a:spcPct val="100000"/>
         </a:lnSpc>
@@ -3624,7 +3898,7 @@
           <a:spcPts val="0"/>
         </a:spcAft>
       </a:defPPr>
-      <a:lvl1pPr lvl="0" marR="0" rtl="0" algn="l">
+      <a:lvl1pPr marR="0" lvl="0" algn="l" rtl="0">
         <a:lnSpc>
           <a:spcPct val="100000"/>
         </a:lnSpc>
@@ -3638,7 +3912,7 @@
           <a:srgbClr val="000000"/>
         </a:buClr>
         <a:buFont typeface="Arial"/>
-        <a:defRPr b="0" i="0" sz="1400" u="none" cap="none" strike="noStrike">
+        <a:defRPr sz="1400" b="0" i="0" u="none" strike="noStrike" cap="none">
           <a:solidFill>
             <a:srgbClr val="000000"/>
           </a:solidFill>
@@ -3648,7 +3922,7 @@
           <a:sym typeface="Arial"/>
         </a:defRPr>
       </a:lvl1pPr>
-      <a:lvl2pPr lvl="1" marR="0" rtl="0" algn="l">
+      <a:lvl2pPr marR="0" lvl="1" algn="l" rtl="0">
         <a:lnSpc>
           <a:spcPct val="100000"/>
         </a:lnSpc>
@@ -3662,7 +3936,7 @@
           <a:srgbClr val="000000"/>
         </a:buClr>
         <a:buFont typeface="Arial"/>
-        <a:defRPr b="0" i="0" sz="1400" u="none" cap="none" strike="noStrike">
+        <a:defRPr sz="1400" b="0" i="0" u="none" strike="noStrike" cap="none">
           <a:solidFill>
             <a:srgbClr val="000000"/>
           </a:solidFill>
@@ -3672,7 +3946,7 @@
           <a:sym typeface="Arial"/>
         </a:defRPr>
       </a:lvl2pPr>
-      <a:lvl3pPr lvl="2" marR="0" rtl="0" algn="l">
+      <a:lvl3pPr marR="0" lvl="2" algn="l" rtl="0">
         <a:lnSpc>
           <a:spcPct val="100000"/>
         </a:lnSpc>
@@ -3686,7 +3960,7 @@
           <a:srgbClr val="000000"/>
         </a:buClr>
         <a:buFont typeface="Arial"/>
-        <a:defRPr b="0" i="0" sz="1400" u="none" cap="none" strike="noStrike">
+        <a:defRPr sz="1400" b="0" i="0" u="none" strike="noStrike" cap="none">
           <a:solidFill>
             <a:srgbClr val="000000"/>
           </a:solidFill>
@@ -3696,7 +3970,7 @@
           <a:sym typeface="Arial"/>
         </a:defRPr>
       </a:lvl3pPr>
-      <a:lvl4pPr lvl="3" marR="0" rtl="0" algn="l">
+      <a:lvl4pPr marR="0" lvl="3" algn="l" rtl="0">
         <a:lnSpc>
           <a:spcPct val="100000"/>
         </a:lnSpc>
@@ -3710,7 +3984,7 @@
           <a:srgbClr val="000000"/>
         </a:buClr>
         <a:buFont typeface="Arial"/>
-        <a:defRPr b="0" i="0" sz="1400" u="none" cap="none" strike="noStrike">
+        <a:defRPr sz="1400" b="0" i="0" u="none" strike="noStrike" cap="none">
           <a:solidFill>
             <a:srgbClr val="000000"/>
           </a:solidFill>
@@ -3720,7 +3994,7 @@
           <a:sym typeface="Arial"/>
         </a:defRPr>
       </a:lvl4pPr>
-      <a:lvl5pPr lvl="4" marR="0" rtl="0" algn="l">
+      <a:lvl5pPr marR="0" lvl="4" algn="l" rtl="0">
         <a:lnSpc>
           <a:spcPct val="100000"/>
         </a:lnSpc>
@@ -3734,7 +4008,7 @@
           <a:srgbClr val="000000"/>
         </a:buClr>
         <a:buFont typeface="Arial"/>
-        <a:defRPr b="0" i="0" sz="1400" u="none" cap="none" strike="noStrike">
+        <a:defRPr sz="1400" b="0" i="0" u="none" strike="noStrike" cap="none">
           <a:solidFill>
             <a:srgbClr val="000000"/>
           </a:solidFill>
@@ -3744,7 +4018,7 @@
           <a:sym typeface="Arial"/>
         </a:defRPr>
       </a:lvl5pPr>
-      <a:lvl6pPr lvl="5" marR="0" rtl="0" algn="l">
+      <a:lvl6pPr marR="0" lvl="5" algn="l" rtl="0">
         <a:lnSpc>
           <a:spcPct val="100000"/>
         </a:lnSpc>
@@ -3758,7 +4032,7 @@
           <a:srgbClr val="000000"/>
         </a:buClr>
         <a:buFont typeface="Arial"/>
-        <a:defRPr b="0" i="0" sz="1400" u="none" cap="none" strike="noStrike">
+        <a:defRPr sz="1400" b="0" i="0" u="none" strike="noStrike" cap="none">
           <a:solidFill>
             <a:srgbClr val="000000"/>
           </a:solidFill>
@@ -3768,7 +4042,7 @@
           <a:sym typeface="Arial"/>
         </a:defRPr>
       </a:lvl6pPr>
-      <a:lvl7pPr lvl="6" marR="0" rtl="0" algn="l">
+      <a:lvl7pPr marR="0" lvl="6" algn="l" rtl="0">
         <a:lnSpc>
           <a:spcPct val="100000"/>
         </a:lnSpc>
@@ -3782,7 +4056,7 @@
           <a:srgbClr val="000000"/>
         </a:buClr>
         <a:buFont typeface="Arial"/>
-        <a:defRPr b="0" i="0" sz="1400" u="none" cap="none" strike="noStrike">
+        <a:defRPr sz="1400" b="0" i="0" u="none" strike="noStrike" cap="none">
           <a:solidFill>
             <a:srgbClr val="000000"/>
           </a:solidFill>
@@ -3792,7 +4066,7 @@
           <a:sym typeface="Arial"/>
         </a:defRPr>
       </a:lvl7pPr>
-      <a:lvl8pPr lvl="7" marR="0" rtl="0" algn="l">
+      <a:lvl8pPr marR="0" lvl="7" algn="l" rtl="0">
         <a:lnSpc>
           <a:spcPct val="100000"/>
         </a:lnSpc>
@@ -3806,7 +4080,7 @@
           <a:srgbClr val="000000"/>
         </a:buClr>
         <a:buFont typeface="Arial"/>
-        <a:defRPr b="0" i="0" sz="1400" u="none" cap="none" strike="noStrike">
+        <a:defRPr sz="1400" b="0" i="0" u="none" strike="noStrike" cap="none">
           <a:solidFill>
             <a:srgbClr val="000000"/>
           </a:solidFill>
@@ -3816,7 +4090,7 @@
           <a:sym typeface="Arial"/>
         </a:defRPr>
       </a:lvl8pPr>
-      <a:lvl9pPr lvl="8" marR="0" rtl="0" algn="l">
+      <a:lvl9pPr marR="0" lvl="8" algn="l" rtl="0">
         <a:lnSpc>
           <a:spcPct val="100000"/>
         </a:lnSpc>
@@ -3830,7 +4104,7 @@
           <a:srgbClr val="000000"/>
         </a:buClr>
         <a:buFont typeface="Arial"/>
-        <a:defRPr b="0" i="0" sz="1400" u="none" cap="none" strike="noStrike">
+        <a:defRPr sz="1400" b="0" i="0" u="none" strike="noStrike" cap="none">
           <a:solidFill>
             <a:srgbClr val="000000"/>
           </a:solidFill>
@@ -3842,7 +4116,7 @@
       </a:lvl9pPr>
     </p:titleStyle>
     <p:bodyStyle>
-      <a:defPPr lvl="0" marR="0" rtl="0" algn="l">
+      <a:defPPr marR="0" lvl="0" algn="l" rtl="0">
         <a:lnSpc>
           <a:spcPct val="100000"/>
         </a:lnSpc>
@@ -3853,7 +4127,7 @@
           <a:spcPts val="0"/>
         </a:spcAft>
       </a:defPPr>
-      <a:lvl1pPr lvl="0" marR="0" rtl="0" algn="l">
+      <a:lvl1pPr marR="0" lvl="0" algn="l" rtl="0">
         <a:lnSpc>
           <a:spcPct val="100000"/>
         </a:lnSpc>
@@ -3867,7 +4141,7 @@
           <a:srgbClr val="000000"/>
         </a:buClr>
         <a:buFont typeface="Arial"/>
-        <a:defRPr b="0" i="0" sz="1400" u="none" cap="none" strike="noStrike">
+        <a:defRPr sz="1400" b="0" i="0" u="none" strike="noStrike" cap="none">
           <a:solidFill>
             <a:srgbClr val="000000"/>
           </a:solidFill>
@@ -3877,7 +4151,7 @@
           <a:sym typeface="Arial"/>
         </a:defRPr>
       </a:lvl1pPr>
-      <a:lvl2pPr lvl="1" marR="0" rtl="0" algn="l">
+      <a:lvl2pPr marR="0" lvl="1" algn="l" rtl="0">
         <a:lnSpc>
           <a:spcPct val="100000"/>
         </a:lnSpc>
@@ -3891,7 +4165,7 @@
           <a:srgbClr val="000000"/>
         </a:buClr>
         <a:buFont typeface="Arial"/>
-        <a:defRPr b="0" i="0" sz="1400" u="none" cap="none" strike="noStrike">
+        <a:defRPr sz="1400" b="0" i="0" u="none" strike="noStrike" cap="none">
           <a:solidFill>
             <a:srgbClr val="000000"/>
           </a:solidFill>
@@ -3901,7 +4175,7 @@
           <a:sym typeface="Arial"/>
         </a:defRPr>
       </a:lvl2pPr>
-      <a:lvl3pPr lvl="2" marR="0" rtl="0" algn="l">
+      <a:lvl3pPr marR="0" lvl="2" algn="l" rtl="0">
         <a:lnSpc>
           <a:spcPct val="100000"/>
         </a:lnSpc>
@@ -3915,7 +4189,7 @@
           <a:srgbClr val="000000"/>
         </a:buClr>
         <a:buFont typeface="Arial"/>
-        <a:defRPr b="0" i="0" sz="1400" u="none" cap="none" strike="noStrike">
+        <a:defRPr sz="1400" b="0" i="0" u="none" strike="noStrike" cap="none">
           <a:solidFill>
             <a:srgbClr val="000000"/>
           </a:solidFill>
@@ -3925,7 +4199,7 @@
           <a:sym typeface="Arial"/>
         </a:defRPr>
       </a:lvl3pPr>
-      <a:lvl4pPr lvl="3" marR="0" rtl="0" algn="l">
+      <a:lvl4pPr marR="0" lvl="3" algn="l" rtl="0">
         <a:lnSpc>
           <a:spcPct val="100000"/>
         </a:lnSpc>
@@ -3939,7 +4213,7 @@
           <a:srgbClr val="000000"/>
         </a:buClr>
         <a:buFont typeface="Arial"/>
-        <a:defRPr b="0" i="0" sz="1400" u="none" cap="none" strike="noStrike">
+        <a:defRPr sz="1400" b="0" i="0" u="none" strike="noStrike" cap="none">
           <a:solidFill>
             <a:srgbClr val="000000"/>
           </a:solidFill>
@@ -3949,7 +4223,7 @@
           <a:sym typeface="Arial"/>
         </a:defRPr>
       </a:lvl4pPr>
-      <a:lvl5pPr lvl="4" marR="0" rtl="0" algn="l">
+      <a:lvl5pPr marR="0" lvl="4" algn="l" rtl="0">
         <a:lnSpc>
           <a:spcPct val="100000"/>
         </a:lnSpc>
@@ -3963,7 +4237,7 @@
           <a:srgbClr val="000000"/>
         </a:buClr>
         <a:buFont typeface="Arial"/>
-        <a:defRPr b="0" i="0" sz="1400" u="none" cap="none" strike="noStrike">
+        <a:defRPr sz="1400" b="0" i="0" u="none" strike="noStrike" cap="none">
           <a:solidFill>
             <a:srgbClr val="000000"/>
           </a:solidFill>
@@ -3973,7 +4247,7 @@
           <a:sym typeface="Arial"/>
         </a:defRPr>
       </a:lvl5pPr>
-      <a:lvl6pPr lvl="5" marR="0" rtl="0" algn="l">
+      <a:lvl6pPr marR="0" lvl="5" algn="l" rtl="0">
         <a:lnSpc>
           <a:spcPct val="100000"/>
         </a:lnSpc>
@@ -3987,7 +4261,7 @@
           <a:srgbClr val="000000"/>
         </a:buClr>
         <a:buFont typeface="Arial"/>
-        <a:defRPr b="0" i="0" sz="1400" u="none" cap="none" strike="noStrike">
+        <a:defRPr sz="1400" b="0" i="0" u="none" strike="noStrike" cap="none">
           <a:solidFill>
             <a:srgbClr val="000000"/>
           </a:solidFill>
@@ -3997,7 +4271,7 @@
           <a:sym typeface="Arial"/>
         </a:defRPr>
       </a:lvl6pPr>
-      <a:lvl7pPr lvl="6" marR="0" rtl="0" algn="l">
+      <a:lvl7pPr marR="0" lvl="6" algn="l" rtl="0">
         <a:lnSpc>
           <a:spcPct val="100000"/>
         </a:lnSpc>
@@ -4011,7 +4285,7 @@
           <a:srgbClr val="000000"/>
         </a:buClr>
         <a:buFont typeface="Arial"/>
-        <a:defRPr b="0" i="0" sz="1400" u="none" cap="none" strike="noStrike">
+        <a:defRPr sz="1400" b="0" i="0" u="none" strike="noStrike" cap="none">
           <a:solidFill>
             <a:srgbClr val="000000"/>
           </a:solidFill>
@@ -4021,7 +4295,7 @@
           <a:sym typeface="Arial"/>
         </a:defRPr>
       </a:lvl7pPr>
-      <a:lvl8pPr lvl="7" marR="0" rtl="0" algn="l">
+      <a:lvl8pPr marR="0" lvl="7" algn="l" rtl="0">
         <a:lnSpc>
           <a:spcPct val="100000"/>
         </a:lnSpc>
@@ -4035,7 +4309,7 @@
           <a:srgbClr val="000000"/>
         </a:buClr>
         <a:buFont typeface="Arial"/>
-        <a:defRPr b="0" i="0" sz="1400" u="none" cap="none" strike="noStrike">
+        <a:defRPr sz="1400" b="0" i="0" u="none" strike="noStrike" cap="none">
           <a:solidFill>
             <a:srgbClr val="000000"/>
           </a:solidFill>
@@ -4045,7 +4319,7 @@
           <a:sym typeface="Arial"/>
         </a:defRPr>
       </a:lvl8pPr>
-      <a:lvl9pPr lvl="8" marR="0" rtl="0" algn="l">
+      <a:lvl9pPr marR="0" lvl="8" algn="l" rtl="0">
         <a:lnSpc>
           <a:spcPct val="100000"/>
         </a:lnSpc>
@@ -4059,7 +4333,7 @@
           <a:srgbClr val="000000"/>
         </a:buClr>
         <a:buFont typeface="Arial"/>
-        <a:defRPr b="0" i="0" sz="1400" u="none" cap="none" strike="noStrike">
+        <a:defRPr sz="1400" b="0" i="0" u="none" strike="noStrike" cap="none">
           <a:solidFill>
             <a:srgbClr val="000000"/>
           </a:solidFill>
@@ -4071,7 +4345,7 @@
       </a:lvl9pPr>
     </p:bodyStyle>
     <p:otherStyle>
-      <a:defPPr lvl="0" marR="0" rtl="0" algn="l">
+      <a:defPPr marR="0" lvl="0" algn="l" rtl="0">
         <a:lnSpc>
           <a:spcPct val="100000"/>
         </a:lnSpc>
@@ -4082,7 +4356,7 @@
           <a:spcPts val="0"/>
         </a:spcAft>
       </a:defPPr>
-      <a:lvl1pPr lvl="0" marR="0" rtl="0" algn="l">
+      <a:lvl1pPr marR="0" lvl="0" algn="l" rtl="0">
         <a:lnSpc>
           <a:spcPct val="100000"/>
         </a:lnSpc>
@@ -4096,7 +4370,7 @@
           <a:srgbClr val="000000"/>
         </a:buClr>
         <a:buFont typeface="Arial"/>
-        <a:defRPr b="0" i="0" sz="1400" u="none" cap="none" strike="noStrike">
+        <a:defRPr sz="1400" b="0" i="0" u="none" strike="noStrike" cap="none">
           <a:solidFill>
             <a:srgbClr val="000000"/>
           </a:solidFill>
@@ -4106,7 +4380,7 @@
           <a:sym typeface="Arial"/>
         </a:defRPr>
       </a:lvl1pPr>
-      <a:lvl2pPr lvl="1" marR="0" rtl="0" algn="l">
+      <a:lvl2pPr marR="0" lvl="1" algn="l" rtl="0">
         <a:lnSpc>
           <a:spcPct val="100000"/>
         </a:lnSpc>
@@ -4120,7 +4394,7 @@
           <a:srgbClr val="000000"/>
         </a:buClr>
         <a:buFont typeface="Arial"/>
-        <a:defRPr b="0" i="0" sz="1400" u="none" cap="none" strike="noStrike">
+        <a:defRPr sz="1400" b="0" i="0" u="none" strike="noStrike" cap="none">
           <a:solidFill>
             <a:srgbClr val="000000"/>
           </a:solidFill>
@@ -4130,7 +4404,7 @@
           <a:sym typeface="Arial"/>
         </a:defRPr>
       </a:lvl2pPr>
-      <a:lvl3pPr lvl="2" marR="0" rtl="0" algn="l">
+      <a:lvl3pPr marR="0" lvl="2" algn="l" rtl="0">
         <a:lnSpc>
           <a:spcPct val="100000"/>
         </a:lnSpc>
@@ -4144,7 +4418,7 @@
           <a:srgbClr val="000000"/>
         </a:buClr>
         <a:buFont typeface="Arial"/>
-        <a:defRPr b="0" i="0" sz="1400" u="none" cap="none" strike="noStrike">
+        <a:defRPr sz="1400" b="0" i="0" u="none" strike="noStrike" cap="none">
           <a:solidFill>
             <a:srgbClr val="000000"/>
           </a:solidFill>
@@ -4154,7 +4428,7 @@
           <a:sym typeface="Arial"/>
         </a:defRPr>
       </a:lvl3pPr>
-      <a:lvl4pPr lvl="3" marR="0" rtl="0" algn="l">
+      <a:lvl4pPr marR="0" lvl="3" algn="l" rtl="0">
         <a:lnSpc>
           <a:spcPct val="100000"/>
         </a:lnSpc>
@@ -4168,7 +4442,7 @@
           <a:srgbClr val="000000"/>
         </a:buClr>
         <a:buFont typeface="Arial"/>
-        <a:defRPr b="0" i="0" sz="1400" u="none" cap="none" strike="noStrike">
+        <a:defRPr sz="1400" b="0" i="0" u="none" strike="noStrike" cap="none">
           <a:solidFill>
             <a:srgbClr val="000000"/>
           </a:solidFill>
@@ -4178,7 +4452,7 @@
           <a:sym typeface="Arial"/>
         </a:defRPr>
       </a:lvl4pPr>
-      <a:lvl5pPr lvl="4" marR="0" rtl="0" algn="l">
+      <a:lvl5pPr marR="0" lvl="4" algn="l" rtl="0">
         <a:lnSpc>
           <a:spcPct val="100000"/>
         </a:lnSpc>
@@ -4192,7 +4466,7 @@
           <a:srgbClr val="000000"/>
         </a:buClr>
         <a:buFont typeface="Arial"/>
-        <a:defRPr b="0" i="0" sz="1400" u="none" cap="none" strike="noStrike">
+        <a:defRPr sz="1400" b="0" i="0" u="none" strike="noStrike" cap="none">
           <a:solidFill>
             <a:srgbClr val="000000"/>
           </a:solidFill>
@@ -4202,7 +4476,7 @@
           <a:sym typeface="Arial"/>
         </a:defRPr>
       </a:lvl5pPr>
-      <a:lvl6pPr lvl="5" marR="0" rtl="0" algn="l">
+      <a:lvl6pPr marR="0" lvl="5" algn="l" rtl="0">
         <a:lnSpc>
           <a:spcPct val="100000"/>
         </a:lnSpc>
@@ -4216,7 +4490,7 @@
           <a:srgbClr val="000000"/>
         </a:buClr>
         <a:buFont typeface="Arial"/>
-        <a:defRPr b="0" i="0" sz="1400" u="none" cap="none" strike="noStrike">
+        <a:defRPr sz="1400" b="0" i="0" u="none" strike="noStrike" cap="none">
           <a:solidFill>
             <a:srgbClr val="000000"/>
           </a:solidFill>
@@ -4226,7 +4500,7 @@
           <a:sym typeface="Arial"/>
         </a:defRPr>
       </a:lvl6pPr>
-      <a:lvl7pPr lvl="6" marR="0" rtl="0" algn="l">
+      <a:lvl7pPr marR="0" lvl="6" algn="l" rtl="0">
         <a:lnSpc>
           <a:spcPct val="100000"/>
         </a:lnSpc>
@@ -4240,7 +4514,7 @@
           <a:srgbClr val="000000"/>
         </a:buClr>
         <a:buFont typeface="Arial"/>
-        <a:defRPr b="0" i="0" sz="1400" u="none" cap="none" strike="noStrike">
+        <a:defRPr sz="1400" b="0" i="0" u="none" strike="noStrike" cap="none">
           <a:solidFill>
             <a:srgbClr val="000000"/>
           </a:solidFill>
@@ -4250,7 +4524,7 @@
           <a:sym typeface="Arial"/>
         </a:defRPr>
       </a:lvl7pPr>
-      <a:lvl8pPr lvl="7" marR="0" rtl="0" algn="l">
+      <a:lvl8pPr marR="0" lvl="7" algn="l" rtl="0">
         <a:lnSpc>
           <a:spcPct val="100000"/>
         </a:lnSpc>
@@ -4264,7 +4538,7 @@
           <a:srgbClr val="000000"/>
         </a:buClr>
         <a:buFont typeface="Arial"/>
-        <a:defRPr b="0" i="0" sz="1400" u="none" cap="none" strike="noStrike">
+        <a:defRPr sz="1400" b="0" i="0" u="none" strike="noStrike" cap="none">
           <a:solidFill>
             <a:srgbClr val="000000"/>
           </a:solidFill>
@@ -4274,7 +4548,7 @@
           <a:sym typeface="Arial"/>
         </a:defRPr>
       </a:lvl8pPr>
-      <a:lvl9pPr lvl="8" marR="0" rtl="0" algn="l">
+      <a:lvl9pPr marR="0" lvl="8" algn="l" rtl="0">
         <a:lnSpc>
           <a:spcPct val="100000"/>
         </a:lnSpc>
@@ -4288,7 +4562,7 @@
           <a:srgbClr val="000000"/>
         </a:buClr>
         <a:buFont typeface="Arial"/>
-        <a:defRPr b="0" i="0" sz="1400" u="none" cap="none" strike="noStrike">
+        <a:defRPr sz="1400" b="0" i="0" u="none" strike="noStrike" cap="none">
           <a:solidFill>
             <a:srgbClr val="000000"/>
           </a:solidFill>
@@ -4304,11 +4578,11 @@
 </file>
 
 <file path=ppt/slides/slide1.xml><?xml version="1.0" encoding="utf-8"?>
-<p:sld xmlns:a="http://schemas.openxmlformats.org/drawingml/2006/main" xmlns:r="http://schemas.openxmlformats.org/officeDocument/2006/relationships" xmlns:mc="http://schemas.openxmlformats.org/markup-compatibility/2006" xmlns:mv="urn:schemas-microsoft-com:mac:vml" xmlns:p="http://schemas.openxmlformats.org/presentationml/2006/main" xmlns:c="http://schemas.openxmlformats.org/drawingml/2006/chart" xmlns:dgm="http://schemas.openxmlformats.org/drawingml/2006/diagram" xmlns:o="urn:schemas-microsoft-com:office:office" xmlns:v="urn:schemas-microsoft-com:vml" xmlns:pvml="urn:schemas-microsoft-com:office:powerpoint" xmlns:com="http://schemas.openxmlformats.org/drawingml/2006/compatibility" xmlns:p14="http://schemas.microsoft.com/office/powerpoint/2010/main" xmlns:p15="http://schemas.microsoft.com/office/powerpoint/2012/main" xmlns:ahyp="http://schemas.microsoft.com/office/drawing/2018/hyperlinkcolor">
+<p:sld xmlns:a="http://schemas.openxmlformats.org/drawingml/2006/main" xmlns:r="http://schemas.openxmlformats.org/officeDocument/2006/relationships" xmlns:p="http://schemas.openxmlformats.org/presentationml/2006/main">
   <p:cSld>
     <p:spTree>
       <p:nvGrpSpPr>
-        <p:cNvPr id="15" name="Shape 15"/>
+        <p:cNvPr id="1" name="Shape 15"/>
         <p:cNvGrpSpPr/>
         <p:nvPr/>
       </p:nvGrpSpPr>
@@ -4340,12 +4614,12 @@
           </a:ln>
         </p:spPr>
         <p:txBody>
-          <a:bodyPr anchorCtr="0" anchor="t" bIns="91425" lIns="91425" spcFirstLastPara="1" rIns="91425" wrap="square" tIns="91425">
-            <a:noAutofit/>
-          </a:bodyPr>
-          <a:lstStyle/>
-          <a:p>
-            <a:pPr indent="0" lvl="0" marL="0" rtl="0" algn="l">
+          <a:bodyPr spcFirstLastPara="1" wrap="square" lIns="91425" tIns="91425" rIns="91425" bIns="91425" anchor="t" anchorCtr="0">
+            <a:noAutofit/>
+          </a:bodyPr>
+          <a:lstStyle/>
+          <a:p>
+            <a:pPr marL="0" lvl="0" indent="0" algn="l" rtl="0">
               <a:spcBef>
                 <a:spcPts val="0"/>
               </a:spcBef>
@@ -4382,12 +4656,12 @@
           </a:ln>
         </p:spPr>
         <p:txBody>
-          <a:bodyPr anchorCtr="0" anchor="t" bIns="91425" lIns="91425" spcFirstLastPara="1" rIns="91425" wrap="square" tIns="91425">
-            <a:noAutofit/>
-          </a:bodyPr>
-          <a:lstStyle/>
-          <a:p>
-            <a:pPr indent="0" lvl="0" marL="0" rtl="0" algn="l">
+          <a:bodyPr spcFirstLastPara="1" wrap="square" lIns="91425" tIns="91425" rIns="91425" bIns="91425" anchor="t" anchorCtr="0">
+            <a:noAutofit/>
+          </a:bodyPr>
+          <a:lstStyle/>
+          <a:p>
+            <a:pPr marL="0" lvl="0" indent="0" algn="l" rtl="0">
               <a:lnSpc>
                 <a:spcPct val="150000"/>
               </a:lnSpc>
@@ -4400,13 +4674,13 @@
               <a:buNone/>
             </a:pPr>
             <a:r>
-              <a:rPr lang="en-US" sz="2000"/>
+              <a:rPr lang="en-US" sz="2000" dirty="0"/>
               <a:t>Presented by</a:t>
             </a:r>
             <a:endParaRPr sz="2000"/>
           </a:p>
           <a:p>
-            <a:pPr indent="0" lvl="0" marL="0" rtl="0" algn="l">
+            <a:pPr marL="0" lvl="0" indent="0" algn="l" rtl="0">
               <a:lnSpc>
                 <a:spcPct val="150000"/>
               </a:lnSpc>
@@ -4420,7 +4694,15 @@
             </a:pPr>
             <a:r>
               <a:rPr lang="en-US" sz="2000"/>
-              <a:t>		Sri Ram Kumar G</a:t>
+              <a:t>	</a:t>
+            </a:r>
+            <a:r>
+              <a:rPr lang="en-US" sz="2000" smtClean="0"/>
+              <a:t>Sri </a:t>
+            </a:r>
+            <a:r>
+              <a:rPr lang="en-US" sz="2000"/>
+              <a:t>Ram Kumar G</a:t>
             </a:r>
             <a:endParaRPr sz="2000"/>
           </a:p>
@@ -4443,34 +4725,31 @@
           <a:solidFill>
             <a:schemeClr val="accent1"/>
           </a:solidFill>
-          <a:ln cap="flat" cmpd="sng" w="9525">
+          <a:ln w="9525" cap="flat" cmpd="sng">
             <a:solidFill>
               <a:schemeClr val="dk2"/>
             </a:solidFill>
             <a:prstDash val="solid"/>
             <a:round/>
-            <a:headEnd len="sm" w="sm" type="none"/>
-            <a:tailEnd len="sm" w="sm" type="none"/>
-          </a:ln>
-        </p:spPr>
-        <p:txBody>
-          <a:bodyPr anchorCtr="0" anchor="ctr" bIns="91425" lIns="91425" spcFirstLastPara="1" rIns="91425" wrap="square" tIns="91425">
-            <a:noAutofit/>
-          </a:bodyPr>
-          <a:lstStyle/>
-          <a:p>
-            <a:pPr indent="0" lvl="0" marL="0" rtl="0" algn="ctr">
-              <a:spcBef>
-                <a:spcPts val="0"/>
-              </a:spcBef>
-              <a:spcAft>
-                <a:spcPts val="0"/>
-              </a:spcAft>
-              <a:buNone/>
-            </a:pPr>
-            <a:r>
-              <a:t/>
-            </a:r>
+            <a:headEnd type="none" w="sm" len="sm"/>
+            <a:tailEnd type="none" w="sm" len="sm"/>
+          </a:ln>
+        </p:spPr>
+        <p:txBody>
+          <a:bodyPr spcFirstLastPara="1" wrap="square" lIns="91425" tIns="91425" rIns="91425" bIns="91425" anchor="ctr" anchorCtr="0">
+            <a:noAutofit/>
+          </a:bodyPr>
+          <a:lstStyle/>
+          <a:p>
+            <a:pPr marL="0" lvl="0" indent="0" algn="ctr" rtl="0">
+              <a:spcBef>
+                <a:spcPts val="0"/>
+              </a:spcBef>
+              <a:spcAft>
+                <a:spcPts val="0"/>
+              </a:spcAft>
+              <a:buNone/>
+            </a:pPr>
             <a:endParaRPr/>
           </a:p>
         </p:txBody>
@@ -4484,11 +4763,11 @@
 </file>
 
 <file path=ppt/slides/slide10.xml><?xml version="1.0" encoding="utf-8"?>
-<p:sld xmlns:a="http://schemas.openxmlformats.org/drawingml/2006/main" xmlns:r="http://schemas.openxmlformats.org/officeDocument/2006/relationships" xmlns:mc="http://schemas.openxmlformats.org/markup-compatibility/2006" xmlns:mv="urn:schemas-microsoft-com:mac:vml" xmlns:p="http://schemas.openxmlformats.org/presentationml/2006/main" xmlns:c="http://schemas.openxmlformats.org/drawingml/2006/chart" xmlns:dgm="http://schemas.openxmlformats.org/drawingml/2006/diagram" xmlns:o="urn:schemas-microsoft-com:office:office" xmlns:v="urn:schemas-microsoft-com:vml" xmlns:pvml="urn:schemas-microsoft-com:office:powerpoint" xmlns:com="http://schemas.openxmlformats.org/drawingml/2006/compatibility" xmlns:p14="http://schemas.microsoft.com/office/powerpoint/2010/main" xmlns:p15="http://schemas.microsoft.com/office/powerpoint/2012/main" xmlns:ahyp="http://schemas.microsoft.com/office/drawing/2018/hyperlinkcolor">
+<p:sld xmlns:a="http://schemas.openxmlformats.org/drawingml/2006/main" xmlns:r="http://schemas.openxmlformats.org/officeDocument/2006/relationships" xmlns:p="http://schemas.openxmlformats.org/presentationml/2006/main">
   <p:cSld>
     <p:spTree>
       <p:nvGrpSpPr>
-        <p:cNvPr id="156" name="Shape 156"/>
+        <p:cNvPr id="1" name="Shape 156"/>
         <p:cNvGrpSpPr/>
         <p:nvPr/>
       </p:nvGrpSpPr>
@@ -4520,12 +4799,12 @@
           </a:ln>
         </p:spPr>
         <p:txBody>
-          <a:bodyPr anchorCtr="0" anchor="t" bIns="45700" lIns="91425" spcFirstLastPara="1" rIns="91425" wrap="square" tIns="45700">
-            <a:noAutofit/>
-          </a:bodyPr>
-          <a:lstStyle/>
-          <a:p>
-            <a:pPr indent="0" lvl="0" marL="0" marR="0" rtl="0" algn="l">
+          <a:bodyPr spcFirstLastPara="1" wrap="square" lIns="91425" tIns="45700" rIns="91425" bIns="45700" anchor="t" anchorCtr="0">
+            <a:noAutofit/>
+          </a:bodyPr>
+          <a:lstStyle/>
+          <a:p>
+            <a:pPr marL="0" marR="0" lvl="0" indent="0" algn="l" rtl="0">
               <a:lnSpc>
                 <a:spcPct val="125011"/>
               </a:lnSpc>
@@ -4543,7 +4822,7 @@
               <a:buNone/>
             </a:pPr>
             <a:r>
-              <a:rPr b="0" i="0" lang="en-US" sz="4374" u="none" cap="none" strike="noStrike">
+              <a:rPr lang="en-US" sz="4374" b="0" i="0" u="none" strike="noStrike" cap="none">
                 <a:solidFill>
                   <a:srgbClr val="272D45"/>
                 </a:solidFill>
@@ -4554,7 +4833,7 @@
               </a:rPr>
               <a:t>Results</a:t>
             </a:r>
-            <a:endParaRPr b="0" i="0" sz="4374" u="none" cap="none" strike="noStrike">
+            <a:endParaRPr sz="4374" b="0" i="0" u="none" strike="noStrike" cap="none">
               <a:solidFill>
                 <a:schemeClr val="dk1"/>
               </a:solidFill>
@@ -4576,7 +4855,7 @@
           <a:blip r:embed="rId3">
             <a:alphaModFix/>
           </a:blip>
-          <a:srcRect b="0" l="763" r="1321" t="0"/>
+          <a:srcRect l="763" r="1321"/>
           <a:stretch/>
         </p:blipFill>
         <p:spPr>
@@ -4630,11 +4909,11 @@
 </file>
 
 <file path=ppt/slides/slide11.xml><?xml version="1.0" encoding="utf-8"?>
-<p:sld xmlns:a="http://schemas.openxmlformats.org/drawingml/2006/main" xmlns:r="http://schemas.openxmlformats.org/officeDocument/2006/relationships" xmlns:mc="http://schemas.openxmlformats.org/markup-compatibility/2006" xmlns:mv="urn:schemas-microsoft-com:mac:vml" xmlns:p="http://schemas.openxmlformats.org/presentationml/2006/main" xmlns:c="http://schemas.openxmlformats.org/drawingml/2006/chart" xmlns:dgm="http://schemas.openxmlformats.org/drawingml/2006/diagram" xmlns:o="urn:schemas-microsoft-com:office:office" xmlns:v="urn:schemas-microsoft-com:vml" xmlns:pvml="urn:schemas-microsoft-com:office:powerpoint" xmlns:com="http://schemas.openxmlformats.org/drawingml/2006/compatibility" xmlns:p14="http://schemas.microsoft.com/office/powerpoint/2010/main" xmlns:p15="http://schemas.microsoft.com/office/powerpoint/2012/main" xmlns:ahyp="http://schemas.microsoft.com/office/drawing/2018/hyperlinkcolor">
+<p:sld xmlns:a="http://schemas.openxmlformats.org/drawingml/2006/main" xmlns:r="http://schemas.openxmlformats.org/officeDocument/2006/relationships" xmlns:p="http://schemas.openxmlformats.org/presentationml/2006/main">
   <p:cSld>
     <p:spTree>
       <p:nvGrpSpPr>
-        <p:cNvPr id="164" name="Shape 164"/>
+        <p:cNvPr id="1" name="Shape 164"/>
         <p:cNvGrpSpPr/>
         <p:nvPr/>
       </p:nvGrpSpPr>
@@ -4666,12 +4945,12 @@
           </a:ln>
         </p:spPr>
         <p:txBody>
-          <a:bodyPr anchorCtr="0" anchor="t" bIns="45700" lIns="91425" spcFirstLastPara="1" rIns="91425" wrap="square" tIns="45700">
-            <a:noAutofit/>
-          </a:bodyPr>
-          <a:lstStyle/>
-          <a:p>
-            <a:pPr indent="0" lvl="0" marL="0" marR="0" rtl="0" algn="l">
+          <a:bodyPr spcFirstLastPara="1" wrap="square" lIns="91425" tIns="45700" rIns="91425" bIns="45700" anchor="t" anchorCtr="0">
+            <a:noAutofit/>
+          </a:bodyPr>
+          <a:lstStyle/>
+          <a:p>
+            <a:pPr marL="0" marR="0" lvl="0" indent="0" algn="l" rtl="0">
               <a:lnSpc>
                 <a:spcPct val="125011"/>
               </a:lnSpc>
@@ -4689,7 +4968,7 @@
               <a:buNone/>
             </a:pPr>
             <a:r>
-              <a:rPr b="0" i="0" lang="en-US" sz="4374" u="none" cap="none" strike="noStrike">
+              <a:rPr lang="en-US" sz="4374" b="0" i="0" u="none" strike="noStrike" cap="none">
                 <a:solidFill>
                   <a:srgbClr val="272D45"/>
                 </a:solidFill>
@@ -4700,7 +4979,7 @@
               </a:rPr>
               <a:t>Results</a:t>
             </a:r>
-            <a:endParaRPr b="0" i="0" sz="4374" u="none" cap="none" strike="noStrike">
+            <a:endParaRPr sz="4374" b="0" i="0" u="none" strike="noStrike" cap="none">
               <a:solidFill>
                 <a:schemeClr val="dk1"/>
               </a:solidFill>
@@ -4777,11 +5056,11 @@
 </file>
 
 <file path=ppt/slides/slide12.xml><?xml version="1.0" encoding="utf-8"?>
-<p:sld xmlns:a="http://schemas.openxmlformats.org/drawingml/2006/main" xmlns:r="http://schemas.openxmlformats.org/officeDocument/2006/relationships" xmlns:mc="http://schemas.openxmlformats.org/markup-compatibility/2006" xmlns:mv="urn:schemas-microsoft-com:mac:vml" xmlns:p="http://schemas.openxmlformats.org/presentationml/2006/main" xmlns:c="http://schemas.openxmlformats.org/drawingml/2006/chart" xmlns:dgm="http://schemas.openxmlformats.org/drawingml/2006/diagram" xmlns:o="urn:schemas-microsoft-com:office:office" xmlns:v="urn:schemas-microsoft-com:vml" xmlns:pvml="urn:schemas-microsoft-com:office:powerpoint" xmlns:com="http://schemas.openxmlformats.org/drawingml/2006/compatibility" xmlns:p14="http://schemas.microsoft.com/office/powerpoint/2010/main" xmlns:p15="http://schemas.microsoft.com/office/powerpoint/2012/main" xmlns:ahyp="http://schemas.microsoft.com/office/drawing/2018/hyperlinkcolor">
+<p:sld xmlns:a="http://schemas.openxmlformats.org/drawingml/2006/main" xmlns:r="http://schemas.openxmlformats.org/officeDocument/2006/relationships" xmlns:p="http://schemas.openxmlformats.org/presentationml/2006/main">
   <p:cSld>
     <p:spTree>
       <p:nvGrpSpPr>
-        <p:cNvPr id="172" name="Shape 172"/>
+        <p:cNvPr id="1" name="Shape 172"/>
         <p:cNvGrpSpPr/>
         <p:nvPr/>
       </p:nvGrpSpPr>
@@ -4813,12 +5092,12 @@
           </a:ln>
         </p:spPr>
         <p:txBody>
-          <a:bodyPr anchorCtr="0" anchor="t" bIns="45700" lIns="91425" spcFirstLastPara="1" rIns="91425" wrap="square" tIns="45700">
-            <a:noAutofit/>
-          </a:bodyPr>
-          <a:lstStyle/>
-          <a:p>
-            <a:pPr indent="0" lvl="0" marL="0" marR="0" rtl="0" algn="l">
+          <a:bodyPr spcFirstLastPara="1" wrap="square" lIns="91425" tIns="45700" rIns="91425" bIns="45700" anchor="t" anchorCtr="0">
+            <a:noAutofit/>
+          </a:bodyPr>
+          <a:lstStyle/>
+          <a:p>
+            <a:pPr marL="0" marR="0" lvl="0" indent="0" algn="l" rtl="0">
               <a:lnSpc>
                 <a:spcPct val="125011"/>
               </a:lnSpc>
@@ -4836,7 +5115,7 @@
               <a:buNone/>
             </a:pPr>
             <a:r>
-              <a:rPr b="0" i="0" lang="en-US" sz="4374" u="none" cap="none" strike="noStrike">
+              <a:rPr lang="en-US" sz="4374" b="0" i="0" u="none" strike="noStrike" cap="none">
                 <a:solidFill>
                   <a:srgbClr val="272D45"/>
                 </a:solidFill>
@@ -4847,7 +5126,7 @@
               </a:rPr>
               <a:t>Results</a:t>
             </a:r>
-            <a:endParaRPr b="0" i="0" sz="4374" u="none" cap="none" strike="noStrike">
+            <a:endParaRPr sz="4374" b="0" i="0" u="none" strike="noStrike" cap="none">
               <a:solidFill>
                 <a:schemeClr val="dk1"/>
               </a:solidFill>
@@ -4896,11 +5175,11 @@
 </file>
 
 <file path=ppt/slides/slide13.xml><?xml version="1.0" encoding="utf-8"?>
-<p:sld xmlns:a="http://schemas.openxmlformats.org/drawingml/2006/main" xmlns:r="http://schemas.openxmlformats.org/officeDocument/2006/relationships" xmlns:mc="http://schemas.openxmlformats.org/markup-compatibility/2006" xmlns:mv="urn:schemas-microsoft-com:mac:vml" xmlns:p="http://schemas.openxmlformats.org/presentationml/2006/main" xmlns:c="http://schemas.openxmlformats.org/drawingml/2006/chart" xmlns:dgm="http://schemas.openxmlformats.org/drawingml/2006/diagram" xmlns:o="urn:schemas-microsoft-com:office:office" xmlns:v="urn:schemas-microsoft-com:vml" xmlns:pvml="urn:schemas-microsoft-com:office:powerpoint" xmlns:com="http://schemas.openxmlformats.org/drawingml/2006/compatibility" xmlns:p14="http://schemas.microsoft.com/office/powerpoint/2010/main" xmlns:p15="http://schemas.microsoft.com/office/powerpoint/2012/main" xmlns:ahyp="http://schemas.microsoft.com/office/drawing/2018/hyperlinkcolor">
+<p:sld xmlns:a="http://schemas.openxmlformats.org/drawingml/2006/main" xmlns:r="http://schemas.openxmlformats.org/officeDocument/2006/relationships" xmlns:p="http://schemas.openxmlformats.org/presentationml/2006/main">
   <p:cSld>
     <p:spTree>
       <p:nvGrpSpPr>
-        <p:cNvPr id="179" name="Shape 179"/>
+        <p:cNvPr id="1" name="Shape 179"/>
         <p:cNvGrpSpPr/>
         <p:nvPr/>
       </p:nvGrpSpPr>
@@ -4932,12 +5211,12 @@
           </a:ln>
         </p:spPr>
         <p:txBody>
-          <a:bodyPr anchorCtr="0" anchor="t" bIns="45700" lIns="91425" spcFirstLastPara="1" rIns="91425" wrap="square" tIns="45700">
-            <a:noAutofit/>
-          </a:bodyPr>
-          <a:lstStyle/>
-          <a:p>
-            <a:pPr indent="0" lvl="0" marL="0" marR="0" rtl="0" algn="l">
+          <a:bodyPr spcFirstLastPara="1" wrap="square" lIns="91425" tIns="45700" rIns="91425" bIns="45700" anchor="t" anchorCtr="0">
+            <a:noAutofit/>
+          </a:bodyPr>
+          <a:lstStyle/>
+          <a:p>
+            <a:pPr marL="0" marR="0" lvl="0" indent="0" algn="l" rtl="0">
               <a:lnSpc>
                 <a:spcPct val="125011"/>
               </a:lnSpc>
@@ -4955,7 +5234,7 @@
               <a:buNone/>
             </a:pPr>
             <a:r>
-              <a:rPr b="0" i="0" lang="en-US" sz="4374" u="none" cap="none" strike="noStrike">
+              <a:rPr lang="en-US" sz="4374" b="0" i="0" u="none" strike="noStrike" cap="none">
                 <a:solidFill>
                   <a:srgbClr val="272D45"/>
                 </a:solidFill>
@@ -4966,7 +5245,7 @@
               </a:rPr>
               <a:t>Results</a:t>
             </a:r>
-            <a:endParaRPr b="0" i="0" sz="4374" u="none" cap="none" strike="noStrike">
+            <a:endParaRPr sz="4374" b="0" i="0" u="none" strike="noStrike" cap="none">
               <a:solidFill>
                 <a:schemeClr val="dk1"/>
               </a:solidFill>
@@ -5015,11 +5294,11 @@
 </file>
 
 <file path=ppt/slides/slide14.xml><?xml version="1.0" encoding="utf-8"?>
-<p:sld xmlns:a="http://schemas.openxmlformats.org/drawingml/2006/main" xmlns:r="http://schemas.openxmlformats.org/officeDocument/2006/relationships" xmlns:mc="http://schemas.openxmlformats.org/markup-compatibility/2006" xmlns:mv="urn:schemas-microsoft-com:mac:vml" xmlns:p="http://schemas.openxmlformats.org/presentationml/2006/main" xmlns:c="http://schemas.openxmlformats.org/drawingml/2006/chart" xmlns:dgm="http://schemas.openxmlformats.org/drawingml/2006/diagram" xmlns:o="urn:schemas-microsoft-com:office:office" xmlns:v="urn:schemas-microsoft-com:vml" xmlns:pvml="urn:schemas-microsoft-com:office:powerpoint" xmlns:com="http://schemas.openxmlformats.org/drawingml/2006/compatibility" xmlns:p14="http://schemas.microsoft.com/office/powerpoint/2010/main" xmlns:p15="http://schemas.microsoft.com/office/powerpoint/2012/main" xmlns:ahyp="http://schemas.microsoft.com/office/drawing/2018/hyperlinkcolor">
+<p:sld xmlns:a="http://schemas.openxmlformats.org/drawingml/2006/main" xmlns:r="http://schemas.openxmlformats.org/officeDocument/2006/relationships" xmlns:p="http://schemas.openxmlformats.org/presentationml/2006/main">
   <p:cSld>
     <p:spTree>
       <p:nvGrpSpPr>
-        <p:cNvPr id="186" name="Shape 186"/>
+        <p:cNvPr id="1" name="Shape 186"/>
         <p:cNvGrpSpPr/>
         <p:nvPr/>
       </p:nvGrpSpPr>
@@ -5053,23 +5332,20 @@
           </a:ln>
         </p:spPr>
         <p:txBody>
-          <a:bodyPr anchorCtr="0" anchor="ctr" bIns="91425" lIns="91425" spcFirstLastPara="1" rIns="91425" wrap="square" tIns="91425">
-            <a:noAutofit/>
-          </a:bodyPr>
-          <a:lstStyle/>
-          <a:p>
-            <a:pPr indent="0" lvl="0" marL="0" rtl="0" algn="l">
-              <a:spcBef>
-                <a:spcPts val="0"/>
-              </a:spcBef>
-              <a:spcAft>
-                <a:spcPts val="0"/>
-              </a:spcAft>
-              <a:buNone/>
-            </a:pPr>
-            <a:r>
-              <a:t/>
-            </a:r>
+          <a:bodyPr spcFirstLastPara="1" wrap="square" lIns="91425" tIns="91425" rIns="91425" bIns="91425" anchor="ctr" anchorCtr="0">
+            <a:noAutofit/>
+          </a:bodyPr>
+          <a:lstStyle/>
+          <a:p>
+            <a:pPr marL="0" lvl="0" indent="0" algn="l" rtl="0">
+              <a:spcBef>
+                <a:spcPts val="0"/>
+              </a:spcBef>
+              <a:spcAft>
+                <a:spcPts val="0"/>
+              </a:spcAft>
+              <a:buNone/>
+            </a:pPr>
             <a:endParaRPr/>
           </a:p>
         </p:txBody>
@@ -5096,23 +5372,20 @@
           </a:ln>
         </p:spPr>
         <p:txBody>
-          <a:bodyPr anchorCtr="0" anchor="ctr" bIns="91425" lIns="91425" spcFirstLastPara="1" rIns="91425" wrap="square" tIns="91425">
-            <a:noAutofit/>
-          </a:bodyPr>
-          <a:lstStyle/>
-          <a:p>
-            <a:pPr indent="0" lvl="0" marL="0" rtl="0" algn="l">
-              <a:spcBef>
-                <a:spcPts val="0"/>
-              </a:spcBef>
-              <a:spcAft>
-                <a:spcPts val="0"/>
-              </a:spcAft>
-              <a:buNone/>
-            </a:pPr>
-            <a:r>
-              <a:t/>
-            </a:r>
+          <a:bodyPr spcFirstLastPara="1" wrap="square" lIns="91425" tIns="91425" rIns="91425" bIns="91425" anchor="ctr" anchorCtr="0">
+            <a:noAutofit/>
+          </a:bodyPr>
+          <a:lstStyle/>
+          <a:p>
+            <a:pPr marL="0" lvl="0" indent="0" algn="l" rtl="0">
+              <a:spcBef>
+                <a:spcPts val="0"/>
+              </a:spcBef>
+              <a:spcAft>
+                <a:spcPts val="0"/>
+              </a:spcAft>
+              <a:buNone/>
+            </a:pPr>
             <a:endParaRPr/>
           </a:p>
         </p:txBody>
@@ -5137,12 +5410,12 @@
           </a:ln>
         </p:spPr>
         <p:txBody>
-          <a:bodyPr anchorCtr="0" anchor="t" bIns="45700" lIns="91425" spcFirstLastPara="1" rIns="91425" wrap="square" tIns="45700">
-            <a:noAutofit/>
-          </a:bodyPr>
-          <a:lstStyle/>
-          <a:p>
-            <a:pPr indent="0" lvl="0" marL="0" rtl="0" algn="l">
+          <a:bodyPr spcFirstLastPara="1" wrap="square" lIns="91425" tIns="45700" rIns="91425" bIns="45700" anchor="t" anchorCtr="0">
+            <a:noAutofit/>
+          </a:bodyPr>
+          <a:lstStyle/>
+          <a:p>
+            <a:pPr marL="0" lvl="0" indent="0" algn="l" rtl="0">
               <a:lnSpc>
                 <a:spcPct val="125011"/>
               </a:lnSpc>
@@ -5178,7 +5451,7 @@
             </a:endParaRPr>
           </a:p>
           <a:p>
-            <a:pPr indent="0" lvl="0" marL="0" marR="0" rtl="0" algn="l">
+            <a:pPr marL="0" marR="0" lvl="0" indent="0" algn="l" rtl="0">
               <a:lnSpc>
                 <a:spcPct val="125011"/>
               </a:lnSpc>
@@ -5195,9 +5468,6 @@
               <a:buFont typeface="Kanit"/>
               <a:buNone/>
             </a:pPr>
-            <a:r>
-              <a:t/>
-            </a:r>
             <a:endParaRPr sz="4374">
               <a:solidFill>
                 <a:srgbClr val="272D45"/>
@@ -5230,12 +5500,12 @@
           </a:ln>
         </p:spPr>
         <p:txBody>
-          <a:bodyPr anchorCtr="0" anchor="t" bIns="45700" lIns="91425" spcFirstLastPara="1" rIns="91425" wrap="square" tIns="45700">
-            <a:noAutofit/>
-          </a:bodyPr>
-          <a:lstStyle/>
-          <a:p>
-            <a:pPr indent="0" lvl="0" marL="0" marR="0" rtl="0" algn="l">
+          <a:bodyPr spcFirstLastPara="1" wrap="square" lIns="91425" tIns="45700" rIns="91425" bIns="45700" anchor="t" anchorCtr="0">
+            <a:noAutofit/>
+          </a:bodyPr>
+          <a:lstStyle/>
+          <a:p>
+            <a:pPr marL="0" marR="0" lvl="0" indent="0" algn="l" rtl="0">
               <a:lnSpc>
                 <a:spcPct val="125011"/>
               </a:lnSpc>
@@ -5253,7 +5523,7 @@
               <a:buNone/>
             </a:pPr>
             <a:r>
-              <a:rPr b="0" i="0" lang="en-US" sz="2187" u="none" cap="none" strike="noStrike">
+              <a:rPr lang="en-US" sz="2187" b="0" i="0" u="none" strike="noStrike" cap="none">
                 <a:solidFill>
                   <a:srgbClr val="272D45"/>
                 </a:solidFill>
@@ -5264,7 +5534,7 @@
               </a:rPr>
               <a:t>High Accuracy</a:t>
             </a:r>
-            <a:endParaRPr b="0" i="0" sz="2187" u="none" cap="none" strike="noStrike">
+            <a:endParaRPr sz="2187" b="0" i="0" u="none" strike="noStrike" cap="none">
               <a:solidFill>
                 <a:schemeClr val="dk1"/>
               </a:solidFill>
@@ -5296,12 +5566,12 @@
           </a:ln>
         </p:spPr>
         <p:txBody>
-          <a:bodyPr anchorCtr="0" anchor="t" bIns="45700" lIns="91425" spcFirstLastPara="1" rIns="91425" wrap="square" tIns="45700">
-            <a:noAutofit/>
-          </a:bodyPr>
-          <a:lstStyle/>
-          <a:p>
-            <a:pPr indent="0" lvl="0" marL="0" marR="0" rtl="0" algn="l">
+          <a:bodyPr spcFirstLastPara="1" wrap="square" lIns="91425" tIns="45700" rIns="91425" bIns="45700" anchor="t" anchorCtr="0">
+            <a:noAutofit/>
+          </a:bodyPr>
+          <a:lstStyle/>
+          <a:p>
+            <a:pPr marL="0" marR="0" lvl="0" indent="0" algn="l" rtl="0">
               <a:lnSpc>
                 <a:spcPct val="159942"/>
               </a:lnSpc>
@@ -5319,7 +5589,7 @@
               <a:buNone/>
             </a:pPr>
             <a:r>
-              <a:rPr b="0" i="0" lang="en-US" sz="1750" u="none" cap="none" strike="noStrike">
+              <a:rPr lang="en-US" sz="1750" b="0" i="0" u="none" strike="noStrike" cap="none">
                 <a:solidFill>
                   <a:srgbClr val="2C3249"/>
                 </a:solidFill>
@@ -5330,7 +5600,7 @@
               </a:rPr>
               <a:t>Our DeepLabV3+ model achieves F1-scores of 96% for people and 97% for vehicles, outperforming previous state-of-the-art approaches.</a:t>
             </a:r>
-            <a:endParaRPr b="0" i="0" sz="1750" u="none" cap="none" strike="noStrike">
+            <a:endParaRPr sz="1750" b="0" i="0" u="none" strike="noStrike" cap="none">
               <a:solidFill>
                 <a:schemeClr val="dk1"/>
               </a:solidFill>
@@ -5362,12 +5632,12 @@
           </a:ln>
         </p:spPr>
         <p:txBody>
-          <a:bodyPr anchorCtr="0" anchor="t" bIns="45700" lIns="91425" spcFirstLastPara="1" rIns="91425" wrap="square" tIns="45700">
-            <a:noAutofit/>
-          </a:bodyPr>
-          <a:lstStyle/>
-          <a:p>
-            <a:pPr indent="0" lvl="0" marL="0" marR="0" rtl="0" algn="l">
+          <a:bodyPr spcFirstLastPara="1" wrap="square" lIns="91425" tIns="45700" rIns="91425" bIns="45700" anchor="t" anchorCtr="0">
+            <a:noAutofit/>
+          </a:bodyPr>
+          <a:lstStyle/>
+          <a:p>
+            <a:pPr marL="0" marR="0" lvl="0" indent="0" algn="l" rtl="0">
               <a:lnSpc>
                 <a:spcPct val="125011"/>
               </a:lnSpc>
@@ -5385,7 +5655,7 @@
               <a:buNone/>
             </a:pPr>
             <a:r>
-              <a:rPr b="0" i="0" lang="en-US" sz="2187" u="none" cap="none" strike="noStrike">
+              <a:rPr lang="en-US" sz="2187" b="0" i="0" u="none" strike="noStrike" cap="none">
                 <a:solidFill>
                   <a:srgbClr val="272D45"/>
                 </a:solidFill>
@@ -5396,7 +5666,7 @@
               </a:rPr>
               <a:t>Real-time Performance</a:t>
             </a:r>
-            <a:endParaRPr b="0" i="0" sz="2187" u="none" cap="none" strike="noStrike">
+            <a:endParaRPr sz="2187" b="0" i="0" u="none" strike="noStrike" cap="none">
               <a:solidFill>
                 <a:schemeClr val="dk1"/>
               </a:solidFill>
@@ -5428,12 +5698,12 @@
           </a:ln>
         </p:spPr>
         <p:txBody>
-          <a:bodyPr anchorCtr="0" anchor="t" bIns="45700" lIns="91425" spcFirstLastPara="1" rIns="91425" wrap="square" tIns="45700">
-            <a:noAutofit/>
-          </a:bodyPr>
-          <a:lstStyle/>
-          <a:p>
-            <a:pPr indent="0" lvl="0" marL="0" marR="0" rtl="0" algn="l">
+          <a:bodyPr spcFirstLastPara="1" wrap="square" lIns="91425" tIns="45700" rIns="91425" bIns="45700" anchor="t" anchorCtr="0">
+            <a:noAutofit/>
+          </a:bodyPr>
+          <a:lstStyle/>
+          <a:p>
+            <a:pPr marL="0" marR="0" lvl="0" indent="0" algn="l" rtl="0">
               <a:lnSpc>
                 <a:spcPct val="159942"/>
               </a:lnSpc>
@@ -5451,7 +5721,7 @@
               <a:buNone/>
             </a:pPr>
             <a:r>
-              <a:rPr b="0" i="0" lang="en-US" sz="1750" u="none" cap="none" strike="noStrike">
+              <a:rPr lang="en-US" sz="1750" b="0" i="0" u="none" strike="noStrike" cap="none">
                 <a:solidFill>
                   <a:srgbClr val="2C3249"/>
                 </a:solidFill>
@@ -5462,7 +5732,7 @@
               </a:rPr>
               <a:t>The optimized implementation can process images at over 50 frames per second, enabling real-time applications.</a:t>
             </a:r>
-            <a:endParaRPr b="0" i="0" sz="1750" u="none" cap="none" strike="noStrike">
+            <a:endParaRPr sz="1750" b="0" i="0" u="none" strike="noStrike" cap="none">
               <a:solidFill>
                 <a:schemeClr val="dk1"/>
               </a:solidFill>
@@ -5494,12 +5764,12 @@
           </a:ln>
         </p:spPr>
         <p:txBody>
-          <a:bodyPr anchorCtr="0" anchor="t" bIns="45700" lIns="91425" spcFirstLastPara="1" rIns="91425" wrap="square" tIns="45700">
-            <a:noAutofit/>
-          </a:bodyPr>
-          <a:lstStyle/>
-          <a:p>
-            <a:pPr indent="0" lvl="0" marL="0" marR="0" rtl="0" algn="l">
+          <a:bodyPr spcFirstLastPara="1" wrap="square" lIns="91425" tIns="45700" rIns="91425" bIns="45700" anchor="t" anchorCtr="0">
+            <a:noAutofit/>
+          </a:bodyPr>
+          <a:lstStyle/>
+          <a:p>
+            <a:pPr marL="0" marR="0" lvl="0" indent="0" algn="l" rtl="0">
               <a:lnSpc>
                 <a:spcPct val="125011"/>
               </a:lnSpc>
@@ -5517,7 +5787,7 @@
               <a:buNone/>
             </a:pPr>
             <a:r>
-              <a:rPr b="0" i="0" lang="en-US" sz="2187" u="none" cap="none" strike="noStrike">
+              <a:rPr lang="en-US" sz="2187" b="0" i="0" u="none" strike="noStrike" cap="none">
                 <a:solidFill>
                   <a:srgbClr val="272D45"/>
                 </a:solidFill>
@@ -5528,7 +5798,7 @@
               </a:rPr>
               <a:t>Robust to Variations</a:t>
             </a:r>
-            <a:endParaRPr b="0" i="0" sz="2187" u="none" cap="none" strike="noStrike">
+            <a:endParaRPr sz="2187" b="0" i="0" u="none" strike="noStrike" cap="none">
               <a:solidFill>
                 <a:schemeClr val="dk1"/>
               </a:solidFill>
@@ -5560,12 +5830,12 @@
           </a:ln>
         </p:spPr>
         <p:txBody>
-          <a:bodyPr anchorCtr="0" anchor="t" bIns="45700" lIns="91425" spcFirstLastPara="1" rIns="91425" wrap="square" tIns="45700">
-            <a:noAutofit/>
-          </a:bodyPr>
-          <a:lstStyle/>
-          <a:p>
-            <a:pPr indent="0" lvl="0" marL="0" marR="0" rtl="0" algn="l">
+          <a:bodyPr spcFirstLastPara="1" wrap="square" lIns="91425" tIns="45700" rIns="91425" bIns="45700" anchor="t" anchorCtr="0">
+            <a:noAutofit/>
+          </a:bodyPr>
+          <a:lstStyle/>
+          <a:p>
+            <a:pPr marL="0" marR="0" lvl="0" indent="0" algn="l" rtl="0">
               <a:lnSpc>
                 <a:spcPct val="159942"/>
               </a:lnSpc>
@@ -5583,7 +5853,7 @@
               <a:buNone/>
             </a:pPr>
             <a:r>
-              <a:rPr b="0" i="0" lang="en-US" sz="1750" u="none" cap="none" strike="noStrike">
+              <a:rPr lang="en-US" sz="1750" b="0" i="0" u="none" strike="noStrike" cap="none">
                 <a:solidFill>
                   <a:srgbClr val="2C3249"/>
                 </a:solidFill>
@@ -5594,7 +5864,7 @@
               </a:rPr>
               <a:t>The model maintains high accuracy even in challenging scenarios, demonstrating its versatility and reliability.</a:t>
             </a:r>
-            <a:endParaRPr b="0" i="0" sz="1750" u="none" cap="none" strike="noStrike">
+            <a:endParaRPr sz="1750" b="0" i="0" u="none" strike="noStrike" cap="none">
               <a:solidFill>
                 <a:schemeClr val="dk1"/>
               </a:solidFill>
@@ -5626,12 +5896,12 @@
           </a:ln>
         </p:spPr>
         <p:txBody>
-          <a:bodyPr anchorCtr="0" anchor="t" bIns="45700" lIns="91425" spcFirstLastPara="1" rIns="91425" wrap="square" tIns="45700">
-            <a:noAutofit/>
-          </a:bodyPr>
-          <a:lstStyle/>
-          <a:p>
-            <a:pPr indent="0" lvl="0" marL="0" marR="0" rtl="0" algn="just">
+          <a:bodyPr spcFirstLastPara="1" wrap="square" lIns="91425" tIns="45700" rIns="91425" bIns="45700" anchor="t" anchorCtr="0">
+            <a:noAutofit/>
+          </a:bodyPr>
+          <a:lstStyle/>
+          <a:p>
+            <a:pPr marL="0" marR="0" lvl="0" indent="0" algn="just" rtl="0">
               <a:lnSpc>
                 <a:spcPct val="159942"/>
               </a:lnSpc>
@@ -5649,7 +5919,7 @@
               <a:buNone/>
             </a:pPr>
             <a:r>
-              <a:rPr b="0" i="0" lang="en-US" sz="1750" u="none" cap="none" strike="noStrike">
+              <a:rPr lang="en-US" sz="1750" b="0" i="0" u="none" strike="noStrike" cap="none">
                 <a:solidFill>
                   <a:srgbClr val="2C3249"/>
                 </a:solidFill>
@@ -5660,7 +5930,7 @@
               </a:rPr>
               <a:t>In conclusion, the DeepLabV3+ model we have developed provides an exceptional solution for multi-class semantic segmentation, with industry-leading accuracy, real-time performance, and robustness to variations. This technology has the potential to revolutionize a wide range of computer vision applications, from autonomous driving to video surveillance.</a:t>
             </a:r>
-            <a:endParaRPr b="0" i="0" sz="1750" u="none" cap="none" strike="noStrike">
+            <a:endParaRPr sz="1750" b="0" i="0" u="none" strike="noStrike" cap="none">
               <a:solidFill>
                 <a:schemeClr val="dk1"/>
               </a:solidFill>
@@ -5681,11 +5951,11 @@
 </file>
 
 <file path=ppt/slides/slide2.xml><?xml version="1.0" encoding="utf-8"?>
-<p:sld xmlns:a="http://schemas.openxmlformats.org/drawingml/2006/main" xmlns:r="http://schemas.openxmlformats.org/officeDocument/2006/relationships" xmlns:mc="http://schemas.openxmlformats.org/markup-compatibility/2006" xmlns:mv="urn:schemas-microsoft-com:mac:vml" xmlns:p="http://schemas.openxmlformats.org/presentationml/2006/main" xmlns:c="http://schemas.openxmlformats.org/drawingml/2006/chart" xmlns:dgm="http://schemas.openxmlformats.org/drawingml/2006/diagram" xmlns:o="urn:schemas-microsoft-com:office:office" xmlns:v="urn:schemas-microsoft-com:vml" xmlns:pvml="urn:schemas-microsoft-com:office:powerpoint" xmlns:com="http://schemas.openxmlformats.org/drawingml/2006/compatibility" xmlns:p14="http://schemas.microsoft.com/office/powerpoint/2010/main" xmlns:p15="http://schemas.microsoft.com/office/powerpoint/2012/main" xmlns:ahyp="http://schemas.microsoft.com/office/drawing/2018/hyperlinkcolor">
+<p:sld xmlns:a="http://schemas.openxmlformats.org/drawingml/2006/main" xmlns:r="http://schemas.openxmlformats.org/officeDocument/2006/relationships" xmlns:p="http://schemas.openxmlformats.org/presentationml/2006/main">
   <p:cSld>
     <p:spTree>
       <p:nvGrpSpPr>
-        <p:cNvPr id="23" name="Shape 23"/>
+        <p:cNvPr id="1" name="Shape 23"/>
         <p:cNvGrpSpPr/>
         <p:nvPr/>
       </p:nvGrpSpPr>
@@ -5719,23 +5989,20 @@
           </a:ln>
         </p:spPr>
         <p:txBody>
-          <a:bodyPr anchorCtr="0" anchor="ctr" bIns="91425" lIns="91425" spcFirstLastPara="1" rIns="91425" wrap="square" tIns="91425">
-            <a:noAutofit/>
-          </a:bodyPr>
-          <a:lstStyle/>
-          <a:p>
-            <a:pPr indent="0" lvl="0" marL="0" rtl="0" algn="l">
-              <a:spcBef>
-                <a:spcPts val="0"/>
-              </a:spcBef>
-              <a:spcAft>
-                <a:spcPts val="0"/>
-              </a:spcAft>
-              <a:buNone/>
-            </a:pPr>
-            <a:r>
-              <a:t/>
-            </a:r>
+          <a:bodyPr spcFirstLastPara="1" wrap="square" lIns="91425" tIns="91425" rIns="91425" bIns="91425" anchor="ctr" anchorCtr="0">
+            <a:noAutofit/>
+          </a:bodyPr>
+          <a:lstStyle/>
+          <a:p>
+            <a:pPr marL="0" lvl="0" indent="0" algn="l" rtl="0">
+              <a:spcBef>
+                <a:spcPts val="0"/>
+              </a:spcBef>
+              <a:spcAft>
+                <a:spcPts val="0"/>
+              </a:spcAft>
+              <a:buNone/>
+            </a:pPr>
             <a:endParaRPr/>
           </a:p>
         </p:txBody>
@@ -5762,30 +6029,27 @@
           </a:ln>
         </p:spPr>
         <p:txBody>
-          <a:bodyPr anchorCtr="0" anchor="ctr" bIns="91425" lIns="91425" spcFirstLastPara="1" rIns="91425" wrap="square" tIns="91425">
-            <a:noAutofit/>
-          </a:bodyPr>
-          <a:lstStyle/>
-          <a:p>
-            <a:pPr indent="0" lvl="0" marL="0" rtl="0" algn="l">
-              <a:spcBef>
-                <a:spcPts val="0"/>
-              </a:spcBef>
-              <a:spcAft>
-                <a:spcPts val="0"/>
-              </a:spcAft>
-              <a:buNone/>
-            </a:pPr>
-            <a:r>
-              <a:t/>
-            </a:r>
+          <a:bodyPr spcFirstLastPara="1" wrap="square" lIns="91425" tIns="91425" rIns="91425" bIns="91425" anchor="ctr" anchorCtr="0">
+            <a:noAutofit/>
+          </a:bodyPr>
+          <a:lstStyle/>
+          <a:p>
+            <a:pPr marL="0" lvl="0" indent="0" algn="l" rtl="0">
+              <a:spcBef>
+                <a:spcPts val="0"/>
+              </a:spcBef>
+              <a:spcAft>
+                <a:spcPts val="0"/>
+              </a:spcAft>
+              <a:buNone/>
+            </a:pPr>
             <a:endParaRPr/>
           </a:p>
         </p:txBody>
       </p:sp>
       <p:pic>
         <p:nvPicPr>
-          <p:cNvPr descr="preencoded.png" id="26" name="Google Shape;26;p4"/>
+          <p:cNvPr id="26" name="Google Shape;26;p4" descr="preencoded.png"/>
           <p:cNvPicPr preferRelativeResize="0"/>
           <p:nvPr/>
         </p:nvPicPr>
@@ -5793,7 +6057,7 @@
           <a:blip r:embed="rId3">
             <a:alphaModFix/>
           </a:blip>
-          <a:srcRect b="0" l="0" r="0" t="0"/>
+          <a:srcRect/>
           <a:stretch/>
         </p:blipFill>
         <p:spPr>
@@ -5830,12 +6094,12 @@
           </a:ln>
         </p:spPr>
         <p:txBody>
-          <a:bodyPr anchorCtr="0" anchor="t" bIns="45700" lIns="91425" spcFirstLastPara="1" rIns="91425" wrap="square" tIns="45700">
-            <a:noAutofit/>
-          </a:bodyPr>
-          <a:lstStyle/>
-          <a:p>
-            <a:pPr indent="0" lvl="0" marL="0" marR="0" rtl="0" algn="l">
+          <a:bodyPr spcFirstLastPara="1" wrap="square" lIns="91425" tIns="45700" rIns="91425" bIns="45700" anchor="t" anchorCtr="0">
+            <a:noAutofit/>
+          </a:bodyPr>
+          <a:lstStyle/>
+          <a:p>
+            <a:pPr marL="0" marR="0" lvl="0" indent="0" algn="l" rtl="0">
               <a:lnSpc>
                 <a:spcPct val="125000"/>
               </a:lnSpc>
@@ -5853,7 +6117,7 @@
               <a:buNone/>
             </a:pPr>
             <a:r>
-              <a:rPr b="0" i="0" lang="en-US" sz="5536" u="none" cap="none" strike="noStrike">
+              <a:rPr lang="en-US" sz="5536" b="0" i="0" u="none" strike="noStrike" cap="none">
                 <a:solidFill>
                   <a:srgbClr val="272D45"/>
                 </a:solidFill>
@@ -5862,33 +6126,9 @@
                 <a:cs typeface="Kanit"/>
                 <a:sym typeface="Kanit"/>
               </a:rPr>
-              <a:t>Multi-class </a:t>
+              <a:t>Multi-class Semantic Segmentation using DeepLabV3+</a:t>
             </a:r>
-            <a:r>
-              <a:rPr b="0" i="0" lang="en-US" sz="5536" u="none" cap="none" strike="noStrike">
-                <a:solidFill>
-                  <a:srgbClr val="272D45"/>
-                </a:solidFill>
-                <a:latin typeface="Kanit"/>
-                <a:ea typeface="Kanit"/>
-                <a:cs typeface="Kanit"/>
-                <a:sym typeface="Kanit"/>
-              </a:rPr>
-              <a:t>Semantic Segmentation </a:t>
-            </a:r>
-            <a:r>
-              <a:rPr b="0" i="0" lang="en-US" sz="5536" u="none" cap="none" strike="noStrike">
-                <a:solidFill>
-                  <a:srgbClr val="272D45"/>
-                </a:solidFill>
-                <a:latin typeface="Kanit"/>
-                <a:ea typeface="Kanit"/>
-                <a:cs typeface="Kanit"/>
-                <a:sym typeface="Kanit"/>
-              </a:rPr>
-              <a:t>using DeepLabV3+</a:t>
-            </a:r>
-            <a:endParaRPr b="0" i="0" sz="5536" u="none" cap="none" strike="noStrike">
+            <a:endParaRPr sz="5536" b="0" i="0" u="none" strike="noStrike" cap="none">
               <a:solidFill>
                 <a:schemeClr val="dk1"/>
               </a:solidFill>
@@ -5920,12 +6160,12 @@
           </a:ln>
         </p:spPr>
         <p:txBody>
-          <a:bodyPr anchorCtr="0" anchor="t" bIns="45700" lIns="91425" spcFirstLastPara="1" rIns="91425" wrap="square" tIns="45700">
-            <a:noAutofit/>
-          </a:bodyPr>
-          <a:lstStyle/>
-          <a:p>
-            <a:pPr indent="0" lvl="0" marL="0" marR="0" rtl="0" algn="just">
+          <a:bodyPr spcFirstLastPara="1" wrap="square" lIns="91425" tIns="45700" rIns="91425" bIns="45700" anchor="t" anchorCtr="0">
+            <a:noAutofit/>
+          </a:bodyPr>
+          <a:lstStyle/>
+          <a:p>
+            <a:pPr marL="0" marR="0" lvl="0" indent="0" algn="just" rtl="0">
               <a:lnSpc>
                 <a:spcPct val="159942"/>
               </a:lnSpc>
@@ -5943,7 +6183,7 @@
               <a:buNone/>
             </a:pPr>
             <a:r>
-              <a:rPr b="0" i="0" lang="en-US" sz="1750" u="none" cap="none" strike="noStrike">
+              <a:rPr lang="en-US" sz="1750" b="0" i="0" u="none" strike="noStrike" cap="none">
                 <a:solidFill>
                   <a:srgbClr val="2C3249"/>
                 </a:solidFill>
@@ -5954,7 +6194,7 @@
               </a:rPr>
               <a:t>Accurately classifying and distinguishing between different objects in an image is a crucial challenge in computer vision. This presentation will explore how a state-of-the-art deep learning model, DeepLabV3+, can be leveraged to tackle the problem of multi-class semantic segmentation, with a focus on distinguishing between people and vehicles.</a:t>
             </a:r>
-            <a:endParaRPr b="0" i="0" sz="1750" u="none" cap="none" strike="noStrike">
+            <a:endParaRPr sz="1750" b="0" i="0" u="none" strike="noStrike" cap="none">
               <a:solidFill>
                 <a:schemeClr val="dk1"/>
               </a:solidFill>
@@ -5975,11 +6215,11 @@
 </file>
 
 <file path=ppt/slides/slide3.xml><?xml version="1.0" encoding="utf-8"?>
-<p:sld xmlns:a="http://schemas.openxmlformats.org/drawingml/2006/main" xmlns:r="http://schemas.openxmlformats.org/officeDocument/2006/relationships" xmlns:mc="http://schemas.openxmlformats.org/markup-compatibility/2006" xmlns:mv="urn:schemas-microsoft-com:mac:vml" xmlns:p="http://schemas.openxmlformats.org/presentationml/2006/main" xmlns:c="http://schemas.openxmlformats.org/drawingml/2006/chart" xmlns:dgm="http://schemas.openxmlformats.org/drawingml/2006/diagram" xmlns:o="urn:schemas-microsoft-com:office:office" xmlns:v="urn:schemas-microsoft-com:vml" xmlns:pvml="urn:schemas-microsoft-com:office:powerpoint" xmlns:com="http://schemas.openxmlformats.org/drawingml/2006/compatibility" xmlns:p14="http://schemas.microsoft.com/office/powerpoint/2010/main" xmlns:p15="http://schemas.microsoft.com/office/powerpoint/2012/main" xmlns:ahyp="http://schemas.microsoft.com/office/drawing/2018/hyperlinkcolor">
+<p:sld xmlns:a="http://schemas.openxmlformats.org/drawingml/2006/main" xmlns:r="http://schemas.openxmlformats.org/officeDocument/2006/relationships" xmlns:p="http://schemas.openxmlformats.org/presentationml/2006/main">
   <p:cSld>
     <p:spTree>
       <p:nvGrpSpPr>
-        <p:cNvPr id="33" name="Shape 33"/>
+        <p:cNvPr id="1" name="Shape 33"/>
         <p:cNvGrpSpPr/>
         <p:nvPr/>
       </p:nvGrpSpPr>
@@ -6013,23 +6253,20 @@
           </a:ln>
         </p:spPr>
         <p:txBody>
-          <a:bodyPr anchorCtr="0" anchor="ctr" bIns="91425" lIns="91425" spcFirstLastPara="1" rIns="91425" wrap="square" tIns="91425">
-            <a:noAutofit/>
-          </a:bodyPr>
-          <a:lstStyle/>
-          <a:p>
-            <a:pPr indent="0" lvl="0" marL="0" rtl="0" algn="l">
-              <a:spcBef>
-                <a:spcPts val="0"/>
-              </a:spcBef>
-              <a:spcAft>
-                <a:spcPts val="0"/>
-              </a:spcAft>
-              <a:buNone/>
-            </a:pPr>
-            <a:r>
-              <a:t/>
-            </a:r>
+          <a:bodyPr spcFirstLastPara="1" wrap="square" lIns="91425" tIns="91425" rIns="91425" bIns="91425" anchor="ctr" anchorCtr="0">
+            <a:noAutofit/>
+          </a:bodyPr>
+          <a:lstStyle/>
+          <a:p>
+            <a:pPr marL="0" lvl="0" indent="0" algn="l" rtl="0">
+              <a:spcBef>
+                <a:spcPts val="0"/>
+              </a:spcBef>
+              <a:spcAft>
+                <a:spcPts val="0"/>
+              </a:spcAft>
+              <a:buNone/>
+            </a:pPr>
             <a:endParaRPr/>
           </a:p>
         </p:txBody>
@@ -6056,23 +6293,20 @@
           </a:ln>
         </p:spPr>
         <p:txBody>
-          <a:bodyPr anchorCtr="0" anchor="ctr" bIns="91425" lIns="91425" spcFirstLastPara="1" rIns="91425" wrap="square" tIns="91425">
-            <a:noAutofit/>
-          </a:bodyPr>
-          <a:lstStyle/>
-          <a:p>
-            <a:pPr indent="0" lvl="0" marL="0" rtl="0" algn="l">
-              <a:spcBef>
-                <a:spcPts val="0"/>
-              </a:spcBef>
-              <a:spcAft>
-                <a:spcPts val="0"/>
-              </a:spcAft>
-              <a:buNone/>
-            </a:pPr>
-            <a:r>
-              <a:t/>
-            </a:r>
+          <a:bodyPr spcFirstLastPara="1" wrap="square" lIns="91425" tIns="91425" rIns="91425" bIns="91425" anchor="ctr" anchorCtr="0">
+            <a:noAutofit/>
+          </a:bodyPr>
+          <a:lstStyle/>
+          <a:p>
+            <a:pPr marL="0" lvl="0" indent="0" algn="l" rtl="0">
+              <a:spcBef>
+                <a:spcPts val="0"/>
+              </a:spcBef>
+              <a:spcAft>
+                <a:spcPts val="0"/>
+              </a:spcAft>
+              <a:buNone/>
+            </a:pPr>
             <a:endParaRPr/>
           </a:p>
         </p:txBody>
@@ -6097,12 +6331,12 @@
           </a:ln>
         </p:spPr>
         <p:txBody>
-          <a:bodyPr anchorCtr="0" anchor="t" bIns="45700" lIns="91425" spcFirstLastPara="1" rIns="91425" wrap="square" tIns="45700">
-            <a:noAutofit/>
-          </a:bodyPr>
-          <a:lstStyle/>
-          <a:p>
-            <a:pPr indent="0" lvl="0" marL="0" marR="0" rtl="0" algn="l">
+          <a:bodyPr spcFirstLastPara="1" wrap="square" lIns="91425" tIns="45700" rIns="91425" bIns="45700" anchor="t" anchorCtr="0">
+            <a:noAutofit/>
+          </a:bodyPr>
+          <a:lstStyle/>
+          <a:p>
+            <a:pPr marL="0" marR="0" lvl="0" indent="0" algn="l" rtl="0">
               <a:lnSpc>
                 <a:spcPct val="125011"/>
               </a:lnSpc>
@@ -6120,7 +6354,7 @@
               <a:buNone/>
             </a:pPr>
             <a:r>
-              <a:rPr b="0" i="0" lang="en-US" sz="4374" u="none" cap="none" strike="noStrike">
+              <a:rPr lang="en-US" sz="4374" b="0" i="0" u="none" strike="noStrike" cap="none">
                 <a:solidFill>
                   <a:srgbClr val="272D45"/>
                 </a:solidFill>
@@ -6131,7 +6365,7 @@
               </a:rPr>
               <a:t>Agenda</a:t>
             </a:r>
-            <a:endParaRPr b="0" i="0" sz="4374" u="none" cap="none" strike="noStrike">
+            <a:endParaRPr sz="4374" b="0" i="0" u="none" strike="noStrike" cap="none">
               <a:solidFill>
                 <a:schemeClr val="dk1"/>
               </a:solidFill>
@@ -6156,40 +6390,37 @@
           </a:xfrm>
           <a:prstGeom prst="roundRect">
             <a:avLst>
-              <a:gd fmla="val 20000" name="adj"/>
+              <a:gd name="adj" fmla="val 20000"/>
             </a:avLst>
           </a:prstGeom>
           <a:solidFill>
             <a:srgbClr val="DFECE9"/>
           </a:solidFill>
-          <a:ln cap="flat" cmpd="sng" w="9525">
+          <a:ln w="9525" cap="flat" cmpd="sng">
             <a:solidFill>
               <a:srgbClr val="C5D2CF"/>
             </a:solidFill>
             <a:prstDash val="solid"/>
             <a:round/>
-            <a:headEnd len="sm" w="sm" type="none"/>
-            <a:tailEnd len="sm" w="sm" type="none"/>
-          </a:ln>
-        </p:spPr>
-        <p:txBody>
-          <a:bodyPr anchorCtr="0" anchor="ctr" bIns="91425" lIns="91425" spcFirstLastPara="1" rIns="91425" wrap="square" tIns="91425">
-            <a:noAutofit/>
-          </a:bodyPr>
-          <a:lstStyle/>
-          <a:p>
-            <a:pPr indent="0" lvl="0" marL="0" rtl="0" algn="l">
-              <a:spcBef>
-                <a:spcPts val="0"/>
-              </a:spcBef>
-              <a:spcAft>
-                <a:spcPts val="0"/>
-              </a:spcAft>
-              <a:buNone/>
-            </a:pPr>
-            <a:r>
-              <a:t/>
-            </a:r>
+            <a:headEnd type="none" w="sm" len="sm"/>
+            <a:tailEnd type="none" w="sm" len="sm"/>
+          </a:ln>
+        </p:spPr>
+        <p:txBody>
+          <a:bodyPr spcFirstLastPara="1" wrap="square" lIns="91425" tIns="91425" rIns="91425" bIns="91425" anchor="ctr" anchorCtr="0">
+            <a:noAutofit/>
+          </a:bodyPr>
+          <a:lstStyle/>
+          <a:p>
+            <a:pPr marL="0" lvl="0" indent="0" algn="l" rtl="0">
+              <a:spcBef>
+                <a:spcPts val="0"/>
+              </a:spcBef>
+              <a:spcAft>
+                <a:spcPts val="0"/>
+              </a:spcAft>
+              <a:buNone/>
+            </a:pPr>
             <a:endParaRPr/>
           </a:p>
         </p:txBody>
@@ -6214,12 +6445,12 @@
           </a:ln>
         </p:spPr>
         <p:txBody>
-          <a:bodyPr anchorCtr="0" anchor="t" bIns="45700" lIns="91425" spcFirstLastPara="1" rIns="91425" wrap="square" tIns="45700">
-            <a:noAutofit/>
-          </a:bodyPr>
-          <a:lstStyle/>
-          <a:p>
-            <a:pPr indent="0" lvl="0" marL="0" marR="0" rtl="0" algn="ctr">
+          <a:bodyPr spcFirstLastPara="1" wrap="square" lIns="91425" tIns="45700" rIns="91425" bIns="45700" anchor="t" anchorCtr="0">
+            <a:noAutofit/>
+          </a:bodyPr>
+          <a:lstStyle/>
+          <a:p>
+            <a:pPr marL="0" marR="0" lvl="0" indent="0" algn="ctr" rtl="0">
               <a:lnSpc>
                 <a:spcPct val="125038"/>
               </a:lnSpc>
@@ -6237,7 +6468,7 @@
               <a:buNone/>
             </a:pPr>
             <a:r>
-              <a:rPr b="0" i="0" lang="en-US" sz="2624" u="none" cap="none" strike="noStrike">
+              <a:rPr lang="en-US" sz="2624" b="0" i="0" u="none" strike="noStrike" cap="none">
                 <a:solidFill>
                   <a:srgbClr val="2C3249"/>
                 </a:solidFill>
@@ -6248,7 +6479,7 @@
               </a:rPr>
               <a:t>1</a:t>
             </a:r>
-            <a:endParaRPr b="0" i="0" sz="2624" u="none" cap="none" strike="noStrike">
+            <a:endParaRPr sz="2624" b="0" i="0" u="none" strike="noStrike" cap="none">
               <a:solidFill>
                 <a:schemeClr val="dk1"/>
               </a:solidFill>
@@ -6280,12 +6511,12 @@
           </a:ln>
         </p:spPr>
         <p:txBody>
-          <a:bodyPr anchorCtr="0" anchor="t" bIns="45700" lIns="91425" spcFirstLastPara="1" rIns="91425" wrap="square" tIns="45700">
-            <a:noAutofit/>
-          </a:bodyPr>
-          <a:lstStyle/>
-          <a:p>
-            <a:pPr indent="0" lvl="0" marL="0" marR="0" rtl="0" algn="l">
+          <a:bodyPr spcFirstLastPara="1" wrap="square" lIns="91425" tIns="45700" rIns="91425" bIns="45700" anchor="t" anchorCtr="0">
+            <a:noAutofit/>
+          </a:bodyPr>
+          <a:lstStyle/>
+          <a:p>
+            <a:pPr marL="0" marR="0" lvl="0" indent="0" algn="l" rtl="0">
               <a:lnSpc>
                 <a:spcPct val="125011"/>
               </a:lnSpc>
@@ -6303,7 +6534,7 @@
               <a:buNone/>
             </a:pPr>
             <a:r>
-              <a:rPr b="0" i="0" lang="en-US" sz="2187" u="none" cap="none" strike="noStrike">
+              <a:rPr lang="en-US" sz="2187" b="0" i="0" u="none" strike="noStrike" cap="none">
                 <a:solidFill>
                   <a:srgbClr val="2C3249"/>
                 </a:solidFill>
@@ -6314,7 +6545,7 @@
               </a:rPr>
               <a:t>Introduction</a:t>
             </a:r>
-            <a:endParaRPr b="0" i="0" sz="2187" u="none" cap="none" strike="noStrike">
+            <a:endParaRPr sz="2187" b="0" i="0" u="none" strike="noStrike" cap="none">
               <a:solidFill>
                 <a:schemeClr val="dk1"/>
               </a:solidFill>
@@ -6346,12 +6577,12 @@
           </a:ln>
         </p:spPr>
         <p:txBody>
-          <a:bodyPr anchorCtr="0" anchor="t" bIns="45700" lIns="91425" spcFirstLastPara="1" rIns="91425" wrap="square" tIns="45700">
-            <a:noAutofit/>
-          </a:bodyPr>
-          <a:lstStyle/>
-          <a:p>
-            <a:pPr indent="0" lvl="0" marL="0" marR="0" rtl="0" algn="l">
+          <a:bodyPr spcFirstLastPara="1" wrap="square" lIns="91425" tIns="45700" rIns="91425" bIns="45700" anchor="t" anchorCtr="0">
+            <a:noAutofit/>
+          </a:bodyPr>
+          <a:lstStyle/>
+          <a:p>
+            <a:pPr marL="0" marR="0" lvl="0" indent="0" algn="l" rtl="0">
               <a:lnSpc>
                 <a:spcPct val="159942"/>
               </a:lnSpc>
@@ -6369,7 +6600,7 @@
               <a:buNone/>
             </a:pPr>
             <a:r>
-              <a:rPr b="0" i="0" lang="en-US" sz="1750" u="none" cap="none" strike="noStrike">
+              <a:rPr lang="en-US" sz="1750" b="0" i="0" u="none" strike="noStrike" cap="none">
                 <a:solidFill>
                   <a:srgbClr val="2C3249"/>
                 </a:solidFill>
@@ -6380,7 +6611,7 @@
               </a:rPr>
               <a:t>Overview of the problem and the approach</a:t>
             </a:r>
-            <a:endParaRPr b="0" i="0" sz="1750" u="none" cap="none" strike="noStrike">
+            <a:endParaRPr sz="1750" b="0" i="0" u="none" strike="noStrike" cap="none">
               <a:solidFill>
                 <a:schemeClr val="dk1"/>
               </a:solidFill>
@@ -6405,40 +6636,37 @@
           </a:xfrm>
           <a:prstGeom prst="roundRect">
             <a:avLst>
-              <a:gd fmla="val 20000" name="adj"/>
+              <a:gd name="adj" fmla="val 20000"/>
             </a:avLst>
           </a:prstGeom>
           <a:solidFill>
             <a:srgbClr val="DFECE9"/>
           </a:solidFill>
-          <a:ln cap="flat" cmpd="sng" w="9525">
+          <a:ln w="9525" cap="flat" cmpd="sng">
             <a:solidFill>
               <a:srgbClr val="C5D2CF"/>
             </a:solidFill>
             <a:prstDash val="solid"/>
             <a:round/>
-            <a:headEnd len="sm" w="sm" type="none"/>
-            <a:tailEnd len="sm" w="sm" type="none"/>
-          </a:ln>
-        </p:spPr>
-        <p:txBody>
-          <a:bodyPr anchorCtr="0" anchor="ctr" bIns="91425" lIns="91425" spcFirstLastPara="1" rIns="91425" wrap="square" tIns="91425">
-            <a:noAutofit/>
-          </a:bodyPr>
-          <a:lstStyle/>
-          <a:p>
-            <a:pPr indent="0" lvl="0" marL="0" rtl="0" algn="l">
-              <a:spcBef>
-                <a:spcPts val="0"/>
-              </a:spcBef>
-              <a:spcAft>
-                <a:spcPts val="0"/>
-              </a:spcAft>
-              <a:buNone/>
-            </a:pPr>
-            <a:r>
-              <a:t/>
-            </a:r>
+            <a:headEnd type="none" w="sm" len="sm"/>
+            <a:tailEnd type="none" w="sm" len="sm"/>
+          </a:ln>
+        </p:spPr>
+        <p:txBody>
+          <a:bodyPr spcFirstLastPara="1" wrap="square" lIns="91425" tIns="91425" rIns="91425" bIns="91425" anchor="ctr" anchorCtr="0">
+            <a:noAutofit/>
+          </a:bodyPr>
+          <a:lstStyle/>
+          <a:p>
+            <a:pPr marL="0" lvl="0" indent="0" algn="l" rtl="0">
+              <a:spcBef>
+                <a:spcPts val="0"/>
+              </a:spcBef>
+              <a:spcAft>
+                <a:spcPts val="0"/>
+              </a:spcAft>
+              <a:buNone/>
+            </a:pPr>
             <a:endParaRPr/>
           </a:p>
         </p:txBody>
@@ -6463,12 +6691,12 @@
           </a:ln>
         </p:spPr>
         <p:txBody>
-          <a:bodyPr anchorCtr="0" anchor="t" bIns="45700" lIns="91425" spcFirstLastPara="1" rIns="91425" wrap="square" tIns="45700">
-            <a:noAutofit/>
-          </a:bodyPr>
-          <a:lstStyle/>
-          <a:p>
-            <a:pPr indent="0" lvl="0" marL="0" marR="0" rtl="0" algn="ctr">
+          <a:bodyPr spcFirstLastPara="1" wrap="square" lIns="91425" tIns="45700" rIns="91425" bIns="45700" anchor="t" anchorCtr="0">
+            <a:noAutofit/>
+          </a:bodyPr>
+          <a:lstStyle/>
+          <a:p>
+            <a:pPr marL="0" marR="0" lvl="0" indent="0" algn="ctr" rtl="0">
               <a:lnSpc>
                 <a:spcPct val="125038"/>
               </a:lnSpc>
@@ -6486,7 +6714,7 @@
               <a:buNone/>
             </a:pPr>
             <a:r>
-              <a:rPr b="0" i="0" lang="en-US" sz="2624" u="none" cap="none" strike="noStrike">
+              <a:rPr lang="en-US" sz="2624" b="0" i="0" u="none" strike="noStrike" cap="none">
                 <a:solidFill>
                   <a:srgbClr val="2C3249"/>
                 </a:solidFill>
@@ -6497,7 +6725,7 @@
               </a:rPr>
               <a:t>2</a:t>
             </a:r>
-            <a:endParaRPr b="0" i="0" sz="2624" u="none" cap="none" strike="noStrike">
+            <a:endParaRPr sz="2624" b="0" i="0" u="none" strike="noStrike" cap="none">
               <a:solidFill>
                 <a:schemeClr val="dk1"/>
               </a:solidFill>
@@ -6529,12 +6757,12 @@
           </a:ln>
         </p:spPr>
         <p:txBody>
-          <a:bodyPr anchorCtr="0" anchor="t" bIns="45700" lIns="91425" spcFirstLastPara="1" rIns="91425" wrap="square" tIns="45700">
-            <a:noAutofit/>
-          </a:bodyPr>
-          <a:lstStyle/>
-          <a:p>
-            <a:pPr indent="0" lvl="0" marL="0" marR="0" rtl="0" algn="l">
+          <a:bodyPr spcFirstLastPara="1" wrap="square" lIns="91425" tIns="45700" rIns="91425" bIns="45700" anchor="t" anchorCtr="0">
+            <a:noAutofit/>
+          </a:bodyPr>
+          <a:lstStyle/>
+          <a:p>
+            <a:pPr marL="0" marR="0" lvl="0" indent="0" algn="l" rtl="0">
               <a:lnSpc>
                 <a:spcPct val="125011"/>
               </a:lnSpc>
@@ -6552,7 +6780,7 @@
               <a:buNone/>
             </a:pPr>
             <a:r>
-              <a:rPr b="0" i="0" lang="en-US" sz="2187" u="none" cap="none" strike="noStrike">
+              <a:rPr lang="en-US" sz="2187" b="0" i="0" u="none" strike="noStrike" cap="none">
                 <a:solidFill>
                   <a:srgbClr val="2C3249"/>
                 </a:solidFill>
@@ -6563,7 +6791,7 @@
               </a:rPr>
               <a:t>Problem Statement</a:t>
             </a:r>
-            <a:endParaRPr b="0" i="0" sz="2187" u="none" cap="none" strike="noStrike">
+            <a:endParaRPr sz="2187" b="0" i="0" u="none" strike="noStrike" cap="none">
               <a:solidFill>
                 <a:schemeClr val="dk1"/>
               </a:solidFill>
@@ -6595,12 +6823,12 @@
           </a:ln>
         </p:spPr>
         <p:txBody>
-          <a:bodyPr anchorCtr="0" anchor="t" bIns="45700" lIns="91425" spcFirstLastPara="1" rIns="91425" wrap="square" tIns="45700">
-            <a:noAutofit/>
-          </a:bodyPr>
-          <a:lstStyle/>
-          <a:p>
-            <a:pPr indent="0" lvl="0" marL="0" marR="0" rtl="0" algn="l">
+          <a:bodyPr spcFirstLastPara="1" wrap="square" lIns="91425" tIns="45700" rIns="91425" bIns="45700" anchor="t" anchorCtr="0">
+            <a:noAutofit/>
+          </a:bodyPr>
+          <a:lstStyle/>
+          <a:p>
+            <a:pPr marL="0" marR="0" lvl="0" indent="0" algn="l" rtl="0">
               <a:lnSpc>
                 <a:spcPct val="159942"/>
               </a:lnSpc>
@@ -6618,7 +6846,7 @@
               <a:buNone/>
             </a:pPr>
             <a:r>
-              <a:rPr b="0" i="0" lang="en-US" sz="1750" u="none" cap="none" strike="noStrike">
+              <a:rPr lang="en-US" sz="1750" b="0" i="0" u="none" strike="noStrike" cap="none">
                 <a:solidFill>
                   <a:srgbClr val="2C3249"/>
                 </a:solidFill>
@@ -6629,7 +6857,7 @@
               </a:rPr>
               <a:t>Defining the key challenges in multi-class object segmentation</a:t>
             </a:r>
-            <a:endParaRPr b="0" i="0" sz="1750" u="none" cap="none" strike="noStrike">
+            <a:endParaRPr sz="1750" b="0" i="0" u="none" strike="noStrike" cap="none">
               <a:solidFill>
                 <a:schemeClr val="dk1"/>
               </a:solidFill>
@@ -6654,40 +6882,37 @@
           </a:xfrm>
           <a:prstGeom prst="roundRect">
             <a:avLst>
-              <a:gd fmla="val 20000" name="adj"/>
+              <a:gd name="adj" fmla="val 20000"/>
             </a:avLst>
           </a:prstGeom>
           <a:solidFill>
             <a:srgbClr val="DFECE9"/>
           </a:solidFill>
-          <a:ln cap="flat" cmpd="sng" w="9525">
+          <a:ln w="9525" cap="flat" cmpd="sng">
             <a:solidFill>
               <a:srgbClr val="C5D2CF"/>
             </a:solidFill>
             <a:prstDash val="solid"/>
             <a:round/>
-            <a:headEnd len="sm" w="sm" type="none"/>
-            <a:tailEnd len="sm" w="sm" type="none"/>
-          </a:ln>
-        </p:spPr>
-        <p:txBody>
-          <a:bodyPr anchorCtr="0" anchor="ctr" bIns="91425" lIns="91425" spcFirstLastPara="1" rIns="91425" wrap="square" tIns="91425">
-            <a:noAutofit/>
-          </a:bodyPr>
-          <a:lstStyle/>
-          <a:p>
-            <a:pPr indent="0" lvl="0" marL="0" rtl="0" algn="l">
-              <a:spcBef>
-                <a:spcPts val="0"/>
-              </a:spcBef>
-              <a:spcAft>
-                <a:spcPts val="0"/>
-              </a:spcAft>
-              <a:buNone/>
-            </a:pPr>
-            <a:r>
-              <a:t/>
-            </a:r>
+            <a:headEnd type="none" w="sm" len="sm"/>
+            <a:tailEnd type="none" w="sm" len="sm"/>
+          </a:ln>
+        </p:spPr>
+        <p:txBody>
+          <a:bodyPr spcFirstLastPara="1" wrap="square" lIns="91425" tIns="91425" rIns="91425" bIns="91425" anchor="ctr" anchorCtr="0">
+            <a:noAutofit/>
+          </a:bodyPr>
+          <a:lstStyle/>
+          <a:p>
+            <a:pPr marL="0" lvl="0" indent="0" algn="l" rtl="0">
+              <a:spcBef>
+                <a:spcPts val="0"/>
+              </a:spcBef>
+              <a:spcAft>
+                <a:spcPts val="0"/>
+              </a:spcAft>
+              <a:buNone/>
+            </a:pPr>
             <a:endParaRPr/>
           </a:p>
         </p:txBody>
@@ -6712,12 +6937,12 @@
           </a:ln>
         </p:spPr>
         <p:txBody>
-          <a:bodyPr anchorCtr="0" anchor="t" bIns="45700" lIns="91425" spcFirstLastPara="1" rIns="91425" wrap="square" tIns="45700">
-            <a:noAutofit/>
-          </a:bodyPr>
-          <a:lstStyle/>
-          <a:p>
-            <a:pPr indent="0" lvl="0" marL="0" marR="0" rtl="0" algn="ctr">
+          <a:bodyPr spcFirstLastPara="1" wrap="square" lIns="91425" tIns="45700" rIns="91425" bIns="45700" anchor="t" anchorCtr="0">
+            <a:noAutofit/>
+          </a:bodyPr>
+          <a:lstStyle/>
+          <a:p>
+            <a:pPr marL="0" marR="0" lvl="0" indent="0" algn="ctr" rtl="0">
               <a:lnSpc>
                 <a:spcPct val="125038"/>
               </a:lnSpc>
@@ -6735,7 +6960,7 @@
               <a:buNone/>
             </a:pPr>
             <a:r>
-              <a:rPr b="0" i="0" lang="en-US" sz="2624" u="none" cap="none" strike="noStrike">
+              <a:rPr lang="en-US" sz="2624" b="0" i="0" u="none" strike="noStrike" cap="none">
                 <a:solidFill>
                   <a:srgbClr val="2C3249"/>
                 </a:solidFill>
@@ -6746,7 +6971,7 @@
               </a:rPr>
               <a:t>3</a:t>
             </a:r>
-            <a:endParaRPr b="0" i="0" sz="2624" u="none" cap="none" strike="noStrike">
+            <a:endParaRPr sz="2624" b="0" i="0" u="none" strike="noStrike" cap="none">
               <a:solidFill>
                 <a:schemeClr val="dk1"/>
               </a:solidFill>
@@ -6778,12 +7003,12 @@
           </a:ln>
         </p:spPr>
         <p:txBody>
-          <a:bodyPr anchorCtr="0" anchor="t" bIns="45700" lIns="91425" spcFirstLastPara="1" rIns="91425" wrap="square" tIns="45700">
-            <a:noAutofit/>
-          </a:bodyPr>
-          <a:lstStyle/>
-          <a:p>
-            <a:pPr indent="0" lvl="0" marL="0" marR="0" rtl="0" algn="l">
+          <a:bodyPr spcFirstLastPara="1" wrap="square" lIns="91425" tIns="45700" rIns="91425" bIns="45700" anchor="t" anchorCtr="0">
+            <a:noAutofit/>
+          </a:bodyPr>
+          <a:lstStyle/>
+          <a:p>
+            <a:pPr marL="0" marR="0" lvl="0" indent="0" algn="l" rtl="0">
               <a:lnSpc>
                 <a:spcPct val="125011"/>
               </a:lnSpc>
@@ -6801,7 +7026,7 @@
               <a:buNone/>
             </a:pPr>
             <a:r>
-              <a:rPr b="0" i="0" lang="en-US" sz="2187" u="none" cap="none" strike="noStrike">
+              <a:rPr lang="en-US" sz="2187" b="0" i="0" u="none" strike="noStrike" cap="none">
                 <a:solidFill>
                   <a:srgbClr val="2C3249"/>
                 </a:solidFill>
@@ -6812,7 +7037,7 @@
               </a:rPr>
               <a:t>Project Overview</a:t>
             </a:r>
-            <a:endParaRPr b="0" i="0" sz="2187" u="none" cap="none" strike="noStrike">
+            <a:endParaRPr sz="2187" b="0" i="0" u="none" strike="noStrike" cap="none">
               <a:solidFill>
                 <a:schemeClr val="dk1"/>
               </a:solidFill>
@@ -6844,12 +7069,12 @@
           </a:ln>
         </p:spPr>
         <p:txBody>
-          <a:bodyPr anchorCtr="0" anchor="t" bIns="45700" lIns="91425" spcFirstLastPara="1" rIns="91425" wrap="square" tIns="45700">
-            <a:noAutofit/>
-          </a:bodyPr>
-          <a:lstStyle/>
-          <a:p>
-            <a:pPr indent="0" lvl="0" marL="0" marR="0" rtl="0" algn="l">
+          <a:bodyPr spcFirstLastPara="1" wrap="square" lIns="91425" tIns="45700" rIns="91425" bIns="45700" anchor="t" anchorCtr="0">
+            <a:noAutofit/>
+          </a:bodyPr>
+          <a:lstStyle/>
+          <a:p>
+            <a:pPr marL="0" marR="0" lvl="0" indent="0" algn="l" rtl="0">
               <a:lnSpc>
                 <a:spcPct val="159942"/>
               </a:lnSpc>
@@ -6867,7 +7092,7 @@
               <a:buNone/>
             </a:pPr>
             <a:r>
-              <a:rPr b="0" i="0" lang="en-US" sz="1750" u="none" cap="none" strike="noStrike">
+              <a:rPr lang="en-US" sz="1750" b="0" i="0" u="none" strike="noStrike" cap="none">
                 <a:solidFill>
                   <a:srgbClr val="2C3249"/>
                 </a:solidFill>
@@ -6878,7 +7103,7 @@
               </a:rPr>
               <a:t>Outlining the objectives and scope of the project</a:t>
             </a:r>
-            <a:endParaRPr b="0" i="0" sz="1750" u="none" cap="none" strike="noStrike">
+            <a:endParaRPr sz="1750" b="0" i="0" u="none" strike="noStrike" cap="none">
               <a:solidFill>
                 <a:schemeClr val="dk1"/>
               </a:solidFill>
@@ -6903,40 +7128,37 @@
           </a:xfrm>
           <a:prstGeom prst="roundRect">
             <a:avLst>
-              <a:gd fmla="val 20000" name="adj"/>
+              <a:gd name="adj" fmla="val 20000"/>
             </a:avLst>
           </a:prstGeom>
           <a:solidFill>
             <a:srgbClr val="DFECE9"/>
           </a:solidFill>
-          <a:ln cap="flat" cmpd="sng" w="9525">
+          <a:ln w="9525" cap="flat" cmpd="sng">
             <a:solidFill>
               <a:srgbClr val="C5D2CF"/>
             </a:solidFill>
             <a:prstDash val="solid"/>
             <a:round/>
-            <a:headEnd len="sm" w="sm" type="none"/>
-            <a:tailEnd len="sm" w="sm" type="none"/>
-          </a:ln>
-        </p:spPr>
-        <p:txBody>
-          <a:bodyPr anchorCtr="0" anchor="ctr" bIns="91425" lIns="91425" spcFirstLastPara="1" rIns="91425" wrap="square" tIns="91425">
-            <a:noAutofit/>
-          </a:bodyPr>
-          <a:lstStyle/>
-          <a:p>
-            <a:pPr indent="0" lvl="0" marL="0" rtl="0" algn="l">
-              <a:spcBef>
-                <a:spcPts val="0"/>
-              </a:spcBef>
-              <a:spcAft>
-                <a:spcPts val="0"/>
-              </a:spcAft>
-              <a:buNone/>
-            </a:pPr>
-            <a:r>
-              <a:t/>
-            </a:r>
+            <a:headEnd type="none" w="sm" len="sm"/>
+            <a:tailEnd type="none" w="sm" len="sm"/>
+          </a:ln>
+        </p:spPr>
+        <p:txBody>
+          <a:bodyPr spcFirstLastPara="1" wrap="square" lIns="91425" tIns="91425" rIns="91425" bIns="91425" anchor="ctr" anchorCtr="0">
+            <a:noAutofit/>
+          </a:bodyPr>
+          <a:lstStyle/>
+          <a:p>
+            <a:pPr marL="0" lvl="0" indent="0" algn="l" rtl="0">
+              <a:spcBef>
+                <a:spcPts val="0"/>
+              </a:spcBef>
+              <a:spcAft>
+                <a:spcPts val="0"/>
+              </a:spcAft>
+              <a:buNone/>
+            </a:pPr>
             <a:endParaRPr/>
           </a:p>
         </p:txBody>
@@ -6961,12 +7183,12 @@
           </a:ln>
         </p:spPr>
         <p:txBody>
-          <a:bodyPr anchorCtr="0" anchor="t" bIns="45700" lIns="91425" spcFirstLastPara="1" rIns="91425" wrap="square" tIns="45700">
-            <a:noAutofit/>
-          </a:bodyPr>
-          <a:lstStyle/>
-          <a:p>
-            <a:pPr indent="0" lvl="0" marL="0" marR="0" rtl="0" algn="ctr">
+          <a:bodyPr spcFirstLastPara="1" wrap="square" lIns="91425" tIns="45700" rIns="91425" bIns="45700" anchor="t" anchorCtr="0">
+            <a:noAutofit/>
+          </a:bodyPr>
+          <a:lstStyle/>
+          <a:p>
+            <a:pPr marL="0" marR="0" lvl="0" indent="0" algn="ctr" rtl="0">
               <a:lnSpc>
                 <a:spcPct val="125038"/>
               </a:lnSpc>
@@ -6984,7 +7206,7 @@
               <a:buNone/>
             </a:pPr>
             <a:r>
-              <a:rPr b="0" i="0" lang="en-US" sz="2624" u="none" cap="none" strike="noStrike">
+              <a:rPr lang="en-US" sz="2624" b="0" i="0" u="none" strike="noStrike" cap="none">
                 <a:solidFill>
                   <a:srgbClr val="2C3249"/>
                 </a:solidFill>
@@ -6995,7 +7217,7 @@
               </a:rPr>
               <a:t>4</a:t>
             </a:r>
-            <a:endParaRPr b="0" i="0" sz="2624" u="none" cap="none" strike="noStrike">
+            <a:endParaRPr sz="2624" b="0" i="0" u="none" strike="noStrike" cap="none">
               <a:solidFill>
                 <a:schemeClr val="dk1"/>
               </a:solidFill>
@@ -7027,12 +7249,12 @@
           </a:ln>
         </p:spPr>
         <p:txBody>
-          <a:bodyPr anchorCtr="0" anchor="t" bIns="45700" lIns="91425" spcFirstLastPara="1" rIns="91425" wrap="square" tIns="45700">
-            <a:noAutofit/>
-          </a:bodyPr>
-          <a:lstStyle/>
-          <a:p>
-            <a:pPr indent="0" lvl="0" marL="0" marR="0" rtl="0" algn="l">
+          <a:bodyPr spcFirstLastPara="1" wrap="square" lIns="91425" tIns="45700" rIns="91425" bIns="45700" anchor="t" anchorCtr="0">
+            <a:noAutofit/>
+          </a:bodyPr>
+          <a:lstStyle/>
+          <a:p>
+            <a:pPr marL="0" marR="0" lvl="0" indent="0" algn="l" rtl="0">
               <a:lnSpc>
                 <a:spcPct val="125011"/>
               </a:lnSpc>
@@ -7050,7 +7272,7 @@
               <a:buNone/>
             </a:pPr>
             <a:r>
-              <a:rPr b="0" i="0" lang="en-US" sz="2187" u="none" cap="none" strike="noStrike">
+              <a:rPr lang="en-US" sz="2187" b="0" i="0" u="none" strike="noStrike" cap="none">
                 <a:solidFill>
                   <a:srgbClr val="2C3249"/>
                 </a:solidFill>
@@ -7061,7 +7283,7 @@
               </a:rPr>
               <a:t>Our Solution and Value Proposition</a:t>
             </a:r>
-            <a:endParaRPr b="0" i="0" sz="2187" u="none" cap="none" strike="noStrike">
+            <a:endParaRPr sz="2187" b="0" i="0" u="none" strike="noStrike" cap="none">
               <a:solidFill>
                 <a:schemeClr val="dk1"/>
               </a:solidFill>
@@ -7093,12 +7315,12 @@
           </a:ln>
         </p:spPr>
         <p:txBody>
-          <a:bodyPr anchorCtr="0" anchor="t" bIns="45700" lIns="91425" spcFirstLastPara="1" rIns="91425" wrap="square" tIns="45700">
-            <a:noAutofit/>
-          </a:bodyPr>
-          <a:lstStyle/>
-          <a:p>
-            <a:pPr indent="0" lvl="0" marL="0" marR="0" rtl="0" algn="l">
+          <a:bodyPr spcFirstLastPara="1" wrap="square" lIns="91425" tIns="45700" rIns="91425" bIns="45700" anchor="t" anchorCtr="0">
+            <a:noAutofit/>
+          </a:bodyPr>
+          <a:lstStyle/>
+          <a:p>
+            <a:pPr marL="0" marR="0" lvl="0" indent="0" algn="l" rtl="0">
               <a:lnSpc>
                 <a:spcPct val="159942"/>
               </a:lnSpc>
@@ -7116,7 +7338,7 @@
               <a:buNone/>
             </a:pPr>
             <a:r>
-              <a:rPr b="0" i="0" lang="en-US" sz="1750" u="none" cap="none" strike="noStrike">
+              <a:rPr lang="en-US" sz="1750" b="0" i="0" u="none" strike="noStrike" cap="none">
                 <a:solidFill>
                   <a:srgbClr val="2C3249"/>
                 </a:solidFill>
@@ -7127,7 +7349,7 @@
               </a:rPr>
               <a:t>Presenting our approach and the benefits it offers</a:t>
             </a:r>
-            <a:endParaRPr b="0" i="0" sz="1750" u="none" cap="none" strike="noStrike">
+            <a:endParaRPr sz="1750" b="0" i="0" u="none" strike="noStrike" cap="none">
               <a:solidFill>
                 <a:schemeClr val="dk1"/>
               </a:solidFill>
@@ -7148,11 +7370,11 @@
 </file>
 
 <file path=ppt/slides/slide4.xml><?xml version="1.0" encoding="utf-8"?>
-<p:sld xmlns:a="http://schemas.openxmlformats.org/drawingml/2006/main" xmlns:r="http://schemas.openxmlformats.org/officeDocument/2006/relationships" xmlns:mc="http://schemas.openxmlformats.org/markup-compatibility/2006" xmlns:mv="urn:schemas-microsoft-com:mac:vml" xmlns:p="http://schemas.openxmlformats.org/presentationml/2006/main" xmlns:c="http://schemas.openxmlformats.org/drawingml/2006/chart" xmlns:dgm="http://schemas.openxmlformats.org/drawingml/2006/diagram" xmlns:o="urn:schemas-microsoft-com:office:office" xmlns:v="urn:schemas-microsoft-com:vml" xmlns:pvml="urn:schemas-microsoft-com:office:powerpoint" xmlns:com="http://schemas.openxmlformats.org/drawingml/2006/compatibility" xmlns:p14="http://schemas.microsoft.com/office/powerpoint/2010/main" xmlns:p15="http://schemas.microsoft.com/office/powerpoint/2012/main" xmlns:ahyp="http://schemas.microsoft.com/office/drawing/2018/hyperlinkcolor">
+<p:sld xmlns:a="http://schemas.openxmlformats.org/drawingml/2006/main" xmlns:r="http://schemas.openxmlformats.org/officeDocument/2006/relationships" xmlns:p="http://schemas.openxmlformats.org/presentationml/2006/main">
   <p:cSld>
     <p:spTree>
       <p:nvGrpSpPr>
-        <p:cNvPr id="57" name="Shape 57"/>
+        <p:cNvPr id="1" name="Shape 57"/>
         <p:cNvGrpSpPr/>
         <p:nvPr/>
       </p:nvGrpSpPr>
@@ -7186,23 +7408,20 @@
           </a:ln>
         </p:spPr>
         <p:txBody>
-          <a:bodyPr anchorCtr="0" anchor="ctr" bIns="91425" lIns="91425" spcFirstLastPara="1" rIns="91425" wrap="square" tIns="91425">
-            <a:noAutofit/>
-          </a:bodyPr>
-          <a:lstStyle/>
-          <a:p>
-            <a:pPr indent="0" lvl="0" marL="0" rtl="0" algn="l">
-              <a:spcBef>
-                <a:spcPts val="0"/>
-              </a:spcBef>
-              <a:spcAft>
-                <a:spcPts val="0"/>
-              </a:spcAft>
-              <a:buNone/>
-            </a:pPr>
-            <a:r>
-              <a:t/>
-            </a:r>
+          <a:bodyPr spcFirstLastPara="1" wrap="square" lIns="91425" tIns="91425" rIns="91425" bIns="91425" anchor="ctr" anchorCtr="0">
+            <a:noAutofit/>
+          </a:bodyPr>
+          <a:lstStyle/>
+          <a:p>
+            <a:pPr marL="0" lvl="0" indent="0" algn="l" rtl="0">
+              <a:spcBef>
+                <a:spcPts val="0"/>
+              </a:spcBef>
+              <a:spcAft>
+                <a:spcPts val="0"/>
+              </a:spcAft>
+              <a:buNone/>
+            </a:pPr>
             <a:endParaRPr/>
           </a:p>
         </p:txBody>
@@ -7229,23 +7448,20 @@
           </a:ln>
         </p:spPr>
         <p:txBody>
-          <a:bodyPr anchorCtr="0" anchor="ctr" bIns="91425" lIns="91425" spcFirstLastPara="1" rIns="91425" wrap="square" tIns="91425">
-            <a:noAutofit/>
-          </a:bodyPr>
-          <a:lstStyle/>
-          <a:p>
-            <a:pPr indent="0" lvl="0" marL="0" rtl="0" algn="l">
-              <a:spcBef>
-                <a:spcPts val="0"/>
-              </a:spcBef>
-              <a:spcAft>
-                <a:spcPts val="0"/>
-              </a:spcAft>
-              <a:buNone/>
-            </a:pPr>
-            <a:r>
-              <a:t/>
-            </a:r>
+          <a:bodyPr spcFirstLastPara="1" wrap="square" lIns="91425" tIns="91425" rIns="91425" bIns="91425" anchor="ctr" anchorCtr="0">
+            <a:noAutofit/>
+          </a:bodyPr>
+          <a:lstStyle/>
+          <a:p>
+            <a:pPr marL="0" lvl="0" indent="0" algn="l" rtl="0">
+              <a:spcBef>
+                <a:spcPts val="0"/>
+              </a:spcBef>
+              <a:spcAft>
+                <a:spcPts val="0"/>
+              </a:spcAft>
+              <a:buNone/>
+            </a:pPr>
             <a:endParaRPr/>
           </a:p>
         </p:txBody>
@@ -7270,12 +7486,12 @@
           </a:ln>
         </p:spPr>
         <p:txBody>
-          <a:bodyPr anchorCtr="0" anchor="t" bIns="45700" lIns="91425" spcFirstLastPara="1" rIns="91425" wrap="square" tIns="45700">
-            <a:noAutofit/>
-          </a:bodyPr>
-          <a:lstStyle/>
-          <a:p>
-            <a:pPr indent="0" lvl="0" marL="0" marR="0" rtl="0" algn="l">
+          <a:bodyPr spcFirstLastPara="1" wrap="square" lIns="91425" tIns="45700" rIns="91425" bIns="45700" anchor="t" anchorCtr="0">
+            <a:noAutofit/>
+          </a:bodyPr>
+          <a:lstStyle/>
+          <a:p>
+            <a:pPr marL="0" marR="0" lvl="0" indent="0" algn="l" rtl="0">
               <a:lnSpc>
                 <a:spcPct val="125011"/>
               </a:lnSpc>
@@ -7293,7 +7509,7 @@
               <a:buNone/>
             </a:pPr>
             <a:r>
-              <a:rPr b="0" i="0" lang="en-US" sz="4374" u="none" cap="none" strike="noStrike">
+              <a:rPr lang="en-US" sz="4374" b="0" i="0" u="none" strike="noStrike" cap="none">
                 <a:solidFill>
                   <a:srgbClr val="272D45"/>
                 </a:solidFill>
@@ -7304,7 +7520,7 @@
               </a:rPr>
               <a:t>Problem Statement</a:t>
             </a:r>
-            <a:endParaRPr b="0" i="0" sz="4374" u="none" cap="none" strike="noStrike">
+            <a:endParaRPr sz="4374" b="0" i="0" u="none" strike="noStrike" cap="none">
               <a:solidFill>
                 <a:schemeClr val="dk1"/>
               </a:solidFill>
@@ -7336,12 +7552,12 @@
           </a:ln>
         </p:spPr>
         <p:txBody>
-          <a:bodyPr anchorCtr="0" anchor="t" bIns="45700" lIns="91425" spcFirstLastPara="1" rIns="91425" wrap="square" tIns="45700">
-            <a:noAutofit/>
-          </a:bodyPr>
-          <a:lstStyle/>
-          <a:p>
-            <a:pPr indent="0" lvl="0" marL="0" marR="0" rtl="0" algn="l">
+          <a:bodyPr spcFirstLastPara="1" wrap="square" lIns="91425" tIns="45700" rIns="91425" bIns="45700" anchor="t" anchorCtr="0">
+            <a:noAutofit/>
+          </a:bodyPr>
+          <a:lstStyle/>
+          <a:p>
+            <a:pPr marL="0" marR="0" lvl="0" indent="0" algn="l" rtl="0">
               <a:lnSpc>
                 <a:spcPct val="159942"/>
               </a:lnSpc>
@@ -7358,10 +7574,7 @@
               <a:buFont typeface="Martel Sans"/>
               <a:buNone/>
             </a:pPr>
-            <a:r>
-              <a:t/>
-            </a:r>
-            <a:endParaRPr b="0" i="0" sz="1750" u="none" cap="none" strike="noStrike">
+            <a:endParaRPr sz="1750" b="0" i="0" u="none" strike="noStrike" cap="none">
               <a:solidFill>
                 <a:schemeClr val="dk1"/>
               </a:solidFill>
@@ -7393,12 +7606,12 @@
           </a:ln>
         </p:spPr>
         <p:txBody>
-          <a:bodyPr anchorCtr="0" anchor="t" bIns="91425" lIns="91425" spcFirstLastPara="1" rIns="91425" wrap="square" tIns="91425">
-            <a:noAutofit/>
-          </a:bodyPr>
-          <a:lstStyle/>
-          <a:p>
-            <a:pPr indent="457200" lvl="0" marL="0" rtl="0" algn="just">
+          <a:bodyPr spcFirstLastPara="1" wrap="square" lIns="91425" tIns="91425" rIns="91425" bIns="91425" anchor="t" anchorCtr="0">
+            <a:noAutofit/>
+          </a:bodyPr>
+          <a:lstStyle/>
+          <a:p>
+            <a:pPr marL="0" lvl="0" indent="457200" algn="just" rtl="0">
               <a:lnSpc>
                 <a:spcPct val="150000"/>
               </a:lnSpc>
@@ -7427,11 +7640,11 @@
 </file>
 
 <file path=ppt/slides/slide5.xml><?xml version="1.0" encoding="utf-8"?>
-<p:sld xmlns:a="http://schemas.openxmlformats.org/drawingml/2006/main" xmlns:r="http://schemas.openxmlformats.org/officeDocument/2006/relationships" xmlns:mc="http://schemas.openxmlformats.org/markup-compatibility/2006" xmlns:mv="urn:schemas-microsoft-com:mac:vml" xmlns:p="http://schemas.openxmlformats.org/presentationml/2006/main" xmlns:c="http://schemas.openxmlformats.org/drawingml/2006/chart" xmlns:dgm="http://schemas.openxmlformats.org/drawingml/2006/diagram" xmlns:o="urn:schemas-microsoft-com:office:office" xmlns:v="urn:schemas-microsoft-com:vml" xmlns:pvml="urn:schemas-microsoft-com:office:powerpoint" xmlns:com="http://schemas.openxmlformats.org/drawingml/2006/compatibility" xmlns:p14="http://schemas.microsoft.com/office/powerpoint/2010/main" xmlns:p15="http://schemas.microsoft.com/office/powerpoint/2012/main" xmlns:ahyp="http://schemas.microsoft.com/office/drawing/2018/hyperlinkcolor">
+<p:sld xmlns:a="http://schemas.openxmlformats.org/drawingml/2006/main" xmlns:r="http://schemas.openxmlformats.org/officeDocument/2006/relationships" xmlns:p="http://schemas.openxmlformats.org/presentationml/2006/main">
   <p:cSld>
     <p:spTree>
       <p:nvGrpSpPr>
-        <p:cNvPr id="67" name="Shape 67"/>
+        <p:cNvPr id="1" name="Shape 67"/>
         <p:cNvGrpSpPr/>
         <p:nvPr/>
       </p:nvGrpSpPr>
@@ -7465,23 +7678,20 @@
           </a:ln>
         </p:spPr>
         <p:txBody>
-          <a:bodyPr anchorCtr="0" anchor="ctr" bIns="91425" lIns="91425" spcFirstLastPara="1" rIns="91425" wrap="square" tIns="91425">
-            <a:noAutofit/>
-          </a:bodyPr>
-          <a:lstStyle/>
-          <a:p>
-            <a:pPr indent="0" lvl="0" marL="0" rtl="0" algn="l">
-              <a:spcBef>
-                <a:spcPts val="0"/>
-              </a:spcBef>
-              <a:spcAft>
-                <a:spcPts val="0"/>
-              </a:spcAft>
-              <a:buNone/>
-            </a:pPr>
-            <a:r>
-              <a:t/>
-            </a:r>
+          <a:bodyPr spcFirstLastPara="1" wrap="square" lIns="91425" tIns="91425" rIns="91425" bIns="91425" anchor="ctr" anchorCtr="0">
+            <a:noAutofit/>
+          </a:bodyPr>
+          <a:lstStyle/>
+          <a:p>
+            <a:pPr marL="0" lvl="0" indent="0" algn="l" rtl="0">
+              <a:spcBef>
+                <a:spcPts val="0"/>
+              </a:spcBef>
+              <a:spcAft>
+                <a:spcPts val="0"/>
+              </a:spcAft>
+              <a:buNone/>
+            </a:pPr>
             <a:endParaRPr/>
           </a:p>
         </p:txBody>
@@ -7508,30 +7718,27 @@
           </a:ln>
         </p:spPr>
         <p:txBody>
-          <a:bodyPr anchorCtr="0" anchor="ctr" bIns="91425" lIns="91425" spcFirstLastPara="1" rIns="91425" wrap="square" tIns="91425">
-            <a:noAutofit/>
-          </a:bodyPr>
-          <a:lstStyle/>
-          <a:p>
-            <a:pPr indent="0" lvl="0" marL="0" rtl="0" algn="l">
-              <a:spcBef>
-                <a:spcPts val="0"/>
-              </a:spcBef>
-              <a:spcAft>
-                <a:spcPts val="0"/>
-              </a:spcAft>
-              <a:buNone/>
-            </a:pPr>
-            <a:r>
-              <a:t/>
-            </a:r>
+          <a:bodyPr spcFirstLastPara="1" wrap="square" lIns="91425" tIns="91425" rIns="91425" bIns="91425" anchor="ctr" anchorCtr="0">
+            <a:noAutofit/>
+          </a:bodyPr>
+          <a:lstStyle/>
+          <a:p>
+            <a:pPr marL="0" lvl="0" indent="0" algn="l" rtl="0">
+              <a:spcBef>
+                <a:spcPts val="0"/>
+              </a:spcBef>
+              <a:spcAft>
+                <a:spcPts val="0"/>
+              </a:spcAft>
+              <a:buNone/>
+            </a:pPr>
             <a:endParaRPr/>
           </a:p>
         </p:txBody>
       </p:sp>
       <p:pic>
         <p:nvPicPr>
-          <p:cNvPr descr="preencoded.png" id="70" name="Google Shape;70;p7"/>
+          <p:cNvPr id="70" name="Google Shape;70;p7" descr="preencoded.png"/>
           <p:cNvPicPr preferRelativeResize="0"/>
           <p:nvPr/>
         </p:nvPicPr>
@@ -7539,7 +7746,7 @@
           <a:blip r:embed="rId3">
             <a:alphaModFix/>
           </a:blip>
-          <a:srcRect b="0" l="0" r="0" t="0"/>
+          <a:srcRect/>
           <a:stretch/>
         </p:blipFill>
         <p:spPr>
@@ -7551,14 +7758,14 @@
             <a:avLst/>
           </a:prstGeom>
           <a:noFill/>
-          <a:ln cap="flat" cmpd="sng" w="9525">
+          <a:ln w="9525" cap="flat" cmpd="sng">
             <a:solidFill>
               <a:schemeClr val="lt1"/>
             </a:solidFill>
             <a:prstDash val="solid"/>
             <a:round/>
-            <a:headEnd len="sm" w="sm" type="none"/>
-            <a:tailEnd len="sm" w="sm" type="none"/>
+            <a:headEnd type="none" w="sm" len="sm"/>
+            <a:tailEnd type="none" w="sm" len="sm"/>
           </a:ln>
         </p:spPr>
       </p:pic>
@@ -7582,12 +7789,12 @@
           </a:ln>
         </p:spPr>
         <p:txBody>
-          <a:bodyPr anchorCtr="0" anchor="t" bIns="45700" lIns="91425" spcFirstLastPara="1" rIns="91425" wrap="square" tIns="45700">
-            <a:noAutofit/>
-          </a:bodyPr>
-          <a:lstStyle/>
-          <a:p>
-            <a:pPr indent="0" lvl="0" marL="0" marR="0" rtl="0" algn="l">
+          <a:bodyPr spcFirstLastPara="1" wrap="square" lIns="91425" tIns="45700" rIns="91425" bIns="45700" anchor="t" anchorCtr="0">
+            <a:noAutofit/>
+          </a:bodyPr>
+          <a:lstStyle/>
+          <a:p>
+            <a:pPr marL="0" marR="0" lvl="0" indent="0" algn="l" rtl="0">
               <a:lnSpc>
                 <a:spcPct val="124987"/>
               </a:lnSpc>
@@ -7605,7 +7812,7 @@
               <a:buNone/>
             </a:pPr>
             <a:r>
-              <a:rPr b="0" i="0" lang="en-US" sz="3898" u="none" cap="none" strike="noStrike">
+              <a:rPr lang="en-US" sz="3898" b="0" i="0" u="none" strike="noStrike" cap="none">
                 <a:solidFill>
                   <a:srgbClr val="272D45"/>
                 </a:solidFill>
@@ -7616,7 +7823,7 @@
               </a:rPr>
               <a:t>Project Overview</a:t>
             </a:r>
-            <a:endParaRPr b="0" i="0" sz="3898" u="none" cap="none" strike="noStrike">
+            <a:endParaRPr sz="3898" b="0" i="0" u="none" strike="noStrike" cap="none">
               <a:solidFill>
                 <a:schemeClr val="dk1"/>
               </a:solidFill>
@@ -7641,7 +7848,7 @@
           </a:xfrm>
           <a:prstGeom prst="roundRect">
             <a:avLst>
-              <a:gd fmla="val 225403" name="adj"/>
+              <a:gd name="adj" fmla="val 225403"/>
             </a:avLst>
           </a:prstGeom>
           <a:solidFill>
@@ -7652,23 +7859,20 @@
           </a:ln>
         </p:spPr>
         <p:txBody>
-          <a:bodyPr anchorCtr="0" anchor="ctr" bIns="91425" lIns="91425" spcFirstLastPara="1" rIns="91425" wrap="square" tIns="91425">
-            <a:noAutofit/>
-          </a:bodyPr>
-          <a:lstStyle/>
-          <a:p>
-            <a:pPr indent="0" lvl="0" marL="0" rtl="0" algn="l">
-              <a:spcBef>
-                <a:spcPts val="0"/>
-              </a:spcBef>
-              <a:spcAft>
-                <a:spcPts val="0"/>
-              </a:spcAft>
-              <a:buNone/>
-            </a:pPr>
-            <a:r>
-              <a:t/>
-            </a:r>
+          <a:bodyPr spcFirstLastPara="1" wrap="square" lIns="91425" tIns="91425" rIns="91425" bIns="91425" anchor="ctr" anchorCtr="0">
+            <a:noAutofit/>
+          </a:bodyPr>
+          <a:lstStyle/>
+          <a:p>
+            <a:pPr marL="0" lvl="0" indent="0" algn="l" rtl="0">
+              <a:spcBef>
+                <a:spcPts val="0"/>
+              </a:spcBef>
+              <a:spcAft>
+                <a:spcPts val="0"/>
+              </a:spcAft>
+              <a:buNone/>
+            </a:pPr>
             <a:endParaRPr/>
           </a:p>
         </p:txBody>
@@ -7686,7 +7890,7 @@
           </a:xfrm>
           <a:prstGeom prst="roundRect">
             <a:avLst>
-              <a:gd fmla="val 225403" name="adj"/>
+              <a:gd name="adj" fmla="val 225403"/>
             </a:avLst>
           </a:prstGeom>
           <a:solidFill>
@@ -7697,23 +7901,20 @@
           </a:ln>
         </p:spPr>
         <p:txBody>
-          <a:bodyPr anchorCtr="0" anchor="ctr" bIns="91425" lIns="91425" spcFirstLastPara="1" rIns="91425" wrap="square" tIns="91425">
-            <a:noAutofit/>
-          </a:bodyPr>
-          <a:lstStyle/>
-          <a:p>
-            <a:pPr indent="0" lvl="0" marL="0" rtl="0" algn="l">
-              <a:spcBef>
-                <a:spcPts val="0"/>
-              </a:spcBef>
-              <a:spcAft>
-                <a:spcPts val="0"/>
-              </a:spcAft>
-              <a:buNone/>
-            </a:pPr>
-            <a:r>
-              <a:t/>
-            </a:r>
+          <a:bodyPr spcFirstLastPara="1" wrap="square" lIns="91425" tIns="91425" rIns="91425" bIns="91425" anchor="ctr" anchorCtr="0">
+            <a:noAutofit/>
+          </a:bodyPr>
+          <a:lstStyle/>
+          <a:p>
+            <a:pPr marL="0" lvl="0" indent="0" algn="l" rtl="0">
+              <a:spcBef>
+                <a:spcPts val="0"/>
+              </a:spcBef>
+              <a:spcAft>
+                <a:spcPts val="0"/>
+              </a:spcAft>
+              <a:buNone/>
+            </a:pPr>
             <a:endParaRPr/>
           </a:p>
         </p:txBody>
@@ -7731,40 +7932,37 @@
           </a:xfrm>
           <a:prstGeom prst="roundRect">
             <a:avLst>
-              <a:gd fmla="val 20004" name="adj"/>
+              <a:gd name="adj" fmla="val 20004"/>
             </a:avLst>
           </a:prstGeom>
           <a:solidFill>
             <a:srgbClr val="DFECE9"/>
           </a:solidFill>
-          <a:ln cap="flat" cmpd="sng" w="9525">
+          <a:ln w="9525" cap="flat" cmpd="sng">
             <a:solidFill>
               <a:srgbClr val="C5D2CF"/>
             </a:solidFill>
             <a:prstDash val="solid"/>
             <a:round/>
-            <a:headEnd len="sm" w="sm" type="none"/>
-            <a:tailEnd len="sm" w="sm" type="none"/>
-          </a:ln>
-        </p:spPr>
-        <p:txBody>
-          <a:bodyPr anchorCtr="0" anchor="ctr" bIns="91425" lIns="91425" spcFirstLastPara="1" rIns="91425" wrap="square" tIns="91425">
-            <a:noAutofit/>
-          </a:bodyPr>
-          <a:lstStyle/>
-          <a:p>
-            <a:pPr indent="0" lvl="0" marL="0" rtl="0" algn="l">
-              <a:spcBef>
-                <a:spcPts val="0"/>
-              </a:spcBef>
-              <a:spcAft>
-                <a:spcPts val="0"/>
-              </a:spcAft>
-              <a:buNone/>
-            </a:pPr>
-            <a:r>
-              <a:t/>
-            </a:r>
+            <a:headEnd type="none" w="sm" len="sm"/>
+            <a:tailEnd type="none" w="sm" len="sm"/>
+          </a:ln>
+        </p:spPr>
+        <p:txBody>
+          <a:bodyPr spcFirstLastPara="1" wrap="square" lIns="91425" tIns="91425" rIns="91425" bIns="91425" anchor="ctr" anchorCtr="0">
+            <a:noAutofit/>
+          </a:bodyPr>
+          <a:lstStyle/>
+          <a:p>
+            <a:pPr marL="0" lvl="0" indent="0" algn="l" rtl="0">
+              <a:spcBef>
+                <a:spcPts val="0"/>
+              </a:spcBef>
+              <a:spcAft>
+                <a:spcPts val="0"/>
+              </a:spcAft>
+              <a:buNone/>
+            </a:pPr>
             <a:endParaRPr/>
           </a:p>
         </p:txBody>
@@ -7789,12 +7987,12 @@
           </a:ln>
         </p:spPr>
         <p:txBody>
-          <a:bodyPr anchorCtr="0" anchor="t" bIns="45700" lIns="91425" spcFirstLastPara="1" rIns="91425" wrap="square" tIns="45700">
-            <a:noAutofit/>
-          </a:bodyPr>
-          <a:lstStyle/>
-          <a:p>
-            <a:pPr indent="0" lvl="0" marL="0" marR="0" rtl="0" algn="ctr">
+          <a:bodyPr spcFirstLastPara="1" wrap="square" lIns="91425" tIns="45700" rIns="91425" bIns="45700" anchor="t" anchorCtr="0">
+            <a:noAutofit/>
+          </a:bodyPr>
+          <a:lstStyle/>
+          <a:p>
+            <a:pPr marL="0" marR="0" lvl="0" indent="0" algn="ctr" rtl="0">
               <a:lnSpc>
                 <a:spcPct val="124967"/>
               </a:lnSpc>
@@ -7812,7 +8010,7 @@
               <a:buNone/>
             </a:pPr>
             <a:r>
-              <a:rPr b="0" i="0" lang="en-US" sz="2339" u="none" cap="none" strike="noStrike">
+              <a:rPr lang="en-US" sz="2339" b="0" i="0" u="none" strike="noStrike" cap="none">
                 <a:solidFill>
                   <a:srgbClr val="2C3249"/>
                 </a:solidFill>
@@ -7823,7 +8021,7 @@
               </a:rPr>
               <a:t>1</a:t>
             </a:r>
-            <a:endParaRPr b="0" i="0" sz="2339" u="none" cap="none" strike="noStrike">
+            <a:endParaRPr sz="2339" b="0" i="0" u="none" strike="noStrike" cap="none">
               <a:solidFill>
                 <a:schemeClr val="dk1"/>
               </a:solidFill>
@@ -7855,12 +8053,12 @@
           </a:ln>
         </p:spPr>
         <p:txBody>
-          <a:bodyPr anchorCtr="0" anchor="t" bIns="45700" lIns="91425" spcFirstLastPara="1" rIns="91425" wrap="square" tIns="45700">
-            <a:noAutofit/>
-          </a:bodyPr>
-          <a:lstStyle/>
-          <a:p>
-            <a:pPr indent="0" lvl="0" marL="0" marR="0" rtl="0" algn="r">
+          <a:bodyPr spcFirstLastPara="1" wrap="square" lIns="91425" tIns="45700" rIns="91425" bIns="45700" anchor="t" anchorCtr="0">
+            <a:noAutofit/>
+          </a:bodyPr>
+          <a:lstStyle/>
+          <a:p>
+            <a:pPr marL="0" marR="0" lvl="0" indent="0" algn="r" rtl="0">
               <a:lnSpc>
                 <a:spcPct val="124987"/>
               </a:lnSpc>
@@ -7878,7 +8076,7 @@
               <a:buNone/>
             </a:pPr>
             <a:r>
-              <a:rPr b="0" i="0" lang="en-US" sz="1949" u="none" cap="none" strike="noStrike">
+              <a:rPr lang="en-US" sz="1949" b="0" i="0" u="none" strike="noStrike" cap="none">
                 <a:solidFill>
                   <a:srgbClr val="2C3249"/>
                 </a:solidFill>
@@ -7889,7 +8087,7 @@
               </a:rPr>
               <a:t>Data Collection</a:t>
             </a:r>
-            <a:endParaRPr b="0" i="0" sz="1949" u="none" cap="none" strike="noStrike">
+            <a:endParaRPr sz="1949" b="0" i="0" u="none" strike="noStrike" cap="none">
               <a:solidFill>
                 <a:schemeClr val="dk1"/>
               </a:solidFill>
@@ -7921,12 +8119,12 @@
           </a:ln>
         </p:spPr>
         <p:txBody>
-          <a:bodyPr anchorCtr="0" anchor="t" bIns="45700" lIns="91425" spcFirstLastPara="1" rIns="91425" wrap="square" tIns="45700">
-            <a:noAutofit/>
-          </a:bodyPr>
-          <a:lstStyle/>
-          <a:p>
-            <a:pPr indent="0" lvl="0" marL="0" marR="0" rtl="0" algn="r">
+          <a:bodyPr spcFirstLastPara="1" wrap="square" lIns="91425" tIns="45700" rIns="91425" bIns="45700" anchor="t" anchorCtr="0">
+            <a:noAutofit/>
+          </a:bodyPr>
+          <a:lstStyle/>
+          <a:p>
+            <a:pPr marL="0" marR="0" lvl="0" indent="0" algn="r" rtl="0">
               <a:lnSpc>
                 <a:spcPct val="159974"/>
               </a:lnSpc>
@@ -7944,7 +8142,7 @@
               <a:buNone/>
             </a:pPr>
             <a:r>
-              <a:rPr b="0" i="0" lang="en-US" sz="1559" u="none" cap="none" strike="noStrike">
+              <a:rPr lang="en-US" sz="1559" b="0" i="0" u="none" strike="noStrike" cap="none">
                 <a:solidFill>
                   <a:srgbClr val="2C3249"/>
                 </a:solidFill>
@@ -7955,7 +8153,7 @@
               </a:rPr>
               <a:t>Gather a diverse dataset of images containing people and vehicles in various urban settings.</a:t>
             </a:r>
-            <a:endParaRPr b="0" i="0" sz="1559" u="none" cap="none" strike="noStrike">
+            <a:endParaRPr sz="1559" b="0" i="0" u="none" strike="noStrike" cap="none">
               <a:solidFill>
                 <a:schemeClr val="dk1"/>
               </a:solidFill>
@@ -7980,7 +8178,7 @@
           </a:xfrm>
           <a:prstGeom prst="roundRect">
             <a:avLst>
-              <a:gd fmla="val 225403" name="adj"/>
+              <a:gd name="adj" fmla="val 225403"/>
             </a:avLst>
           </a:prstGeom>
           <a:solidFill>
@@ -7991,23 +8189,20 @@
           </a:ln>
         </p:spPr>
         <p:txBody>
-          <a:bodyPr anchorCtr="0" anchor="ctr" bIns="91425" lIns="91425" spcFirstLastPara="1" rIns="91425" wrap="square" tIns="91425">
-            <a:noAutofit/>
-          </a:bodyPr>
-          <a:lstStyle/>
-          <a:p>
-            <a:pPr indent="0" lvl="0" marL="0" rtl="0" algn="l">
-              <a:spcBef>
-                <a:spcPts val="0"/>
-              </a:spcBef>
-              <a:spcAft>
-                <a:spcPts val="0"/>
-              </a:spcAft>
-              <a:buNone/>
-            </a:pPr>
-            <a:r>
-              <a:t/>
-            </a:r>
+          <a:bodyPr spcFirstLastPara="1" wrap="square" lIns="91425" tIns="91425" rIns="91425" bIns="91425" anchor="ctr" anchorCtr="0">
+            <a:noAutofit/>
+          </a:bodyPr>
+          <a:lstStyle/>
+          <a:p>
+            <a:pPr marL="0" lvl="0" indent="0" algn="l" rtl="0">
+              <a:spcBef>
+                <a:spcPts val="0"/>
+              </a:spcBef>
+              <a:spcAft>
+                <a:spcPts val="0"/>
+              </a:spcAft>
+              <a:buNone/>
+            </a:pPr>
             <a:endParaRPr/>
           </a:p>
         </p:txBody>
@@ -8025,40 +8220,37 @@
           </a:xfrm>
           <a:prstGeom prst="roundRect">
             <a:avLst>
-              <a:gd fmla="val 20004" name="adj"/>
+              <a:gd name="adj" fmla="val 20004"/>
             </a:avLst>
           </a:prstGeom>
           <a:solidFill>
             <a:srgbClr val="DFECE9"/>
           </a:solidFill>
-          <a:ln cap="flat" cmpd="sng" w="9525">
+          <a:ln w="9525" cap="flat" cmpd="sng">
             <a:solidFill>
               <a:srgbClr val="C5D2CF"/>
             </a:solidFill>
             <a:prstDash val="solid"/>
             <a:round/>
-            <a:headEnd len="sm" w="sm" type="none"/>
-            <a:tailEnd len="sm" w="sm" type="none"/>
-          </a:ln>
-        </p:spPr>
-        <p:txBody>
-          <a:bodyPr anchorCtr="0" anchor="ctr" bIns="91425" lIns="91425" spcFirstLastPara="1" rIns="91425" wrap="square" tIns="91425">
-            <a:noAutofit/>
-          </a:bodyPr>
-          <a:lstStyle/>
-          <a:p>
-            <a:pPr indent="0" lvl="0" marL="0" rtl="0" algn="l">
-              <a:spcBef>
-                <a:spcPts val="0"/>
-              </a:spcBef>
-              <a:spcAft>
-                <a:spcPts val="0"/>
-              </a:spcAft>
-              <a:buNone/>
-            </a:pPr>
-            <a:r>
-              <a:t/>
-            </a:r>
+            <a:headEnd type="none" w="sm" len="sm"/>
+            <a:tailEnd type="none" w="sm" len="sm"/>
+          </a:ln>
+        </p:spPr>
+        <p:txBody>
+          <a:bodyPr spcFirstLastPara="1" wrap="square" lIns="91425" tIns="91425" rIns="91425" bIns="91425" anchor="ctr" anchorCtr="0">
+            <a:noAutofit/>
+          </a:bodyPr>
+          <a:lstStyle/>
+          <a:p>
+            <a:pPr marL="0" lvl="0" indent="0" algn="l" rtl="0">
+              <a:spcBef>
+                <a:spcPts val="0"/>
+              </a:spcBef>
+              <a:spcAft>
+                <a:spcPts val="0"/>
+              </a:spcAft>
+              <a:buNone/>
+            </a:pPr>
             <a:endParaRPr/>
           </a:p>
         </p:txBody>
@@ -8083,12 +8275,12 @@
           </a:ln>
         </p:spPr>
         <p:txBody>
-          <a:bodyPr anchorCtr="0" anchor="t" bIns="45700" lIns="91425" spcFirstLastPara="1" rIns="91425" wrap="square" tIns="45700">
-            <a:noAutofit/>
-          </a:bodyPr>
-          <a:lstStyle/>
-          <a:p>
-            <a:pPr indent="0" lvl="0" marL="0" marR="0" rtl="0" algn="ctr">
+          <a:bodyPr spcFirstLastPara="1" wrap="square" lIns="91425" tIns="45700" rIns="91425" bIns="45700" anchor="t" anchorCtr="0">
+            <a:noAutofit/>
+          </a:bodyPr>
+          <a:lstStyle/>
+          <a:p>
+            <a:pPr marL="0" marR="0" lvl="0" indent="0" algn="ctr" rtl="0">
               <a:lnSpc>
                 <a:spcPct val="124967"/>
               </a:lnSpc>
@@ -8106,7 +8298,7 @@
               <a:buNone/>
             </a:pPr>
             <a:r>
-              <a:rPr b="0" i="0" lang="en-US" sz="2339" u="none" cap="none" strike="noStrike">
+              <a:rPr lang="en-US" sz="2339" b="0" i="0" u="none" strike="noStrike" cap="none">
                 <a:solidFill>
                   <a:srgbClr val="2C3249"/>
                 </a:solidFill>
@@ -8117,7 +8309,7 @@
               </a:rPr>
               <a:t>2</a:t>
             </a:r>
-            <a:endParaRPr b="0" i="0" sz="2339" u="none" cap="none" strike="noStrike">
+            <a:endParaRPr sz="2339" b="0" i="0" u="none" strike="noStrike" cap="none">
               <a:solidFill>
                 <a:schemeClr val="dk1"/>
               </a:solidFill>
@@ -8149,12 +8341,12 @@
           </a:ln>
         </p:spPr>
         <p:txBody>
-          <a:bodyPr anchorCtr="0" anchor="t" bIns="45700" lIns="91425" spcFirstLastPara="1" rIns="91425" wrap="square" tIns="45700">
-            <a:noAutofit/>
-          </a:bodyPr>
-          <a:lstStyle/>
-          <a:p>
-            <a:pPr indent="0" lvl="0" marL="0" marR="0" rtl="0" algn="l">
+          <a:bodyPr spcFirstLastPara="1" wrap="square" lIns="91425" tIns="45700" rIns="91425" bIns="45700" anchor="t" anchorCtr="0">
+            <a:noAutofit/>
+          </a:bodyPr>
+          <a:lstStyle/>
+          <a:p>
+            <a:pPr marL="0" marR="0" lvl="0" indent="0" algn="l" rtl="0">
               <a:lnSpc>
                 <a:spcPct val="124987"/>
               </a:lnSpc>
@@ -8172,7 +8364,7 @@
               <a:buNone/>
             </a:pPr>
             <a:r>
-              <a:rPr b="0" i="0" lang="en-US" sz="1949" u="none" cap="none" strike="noStrike">
+              <a:rPr lang="en-US" sz="1949" b="0" i="0" u="none" strike="noStrike" cap="none">
                 <a:solidFill>
                   <a:srgbClr val="2C3249"/>
                 </a:solidFill>
@@ -8183,7 +8375,7 @@
               </a:rPr>
               <a:t>Model Training</a:t>
             </a:r>
-            <a:endParaRPr b="0" i="0" sz="1949" u="none" cap="none" strike="noStrike">
+            <a:endParaRPr sz="1949" b="0" i="0" u="none" strike="noStrike" cap="none">
               <a:solidFill>
                 <a:schemeClr val="dk1"/>
               </a:solidFill>
@@ -8215,12 +8407,12 @@
           </a:ln>
         </p:spPr>
         <p:txBody>
-          <a:bodyPr anchorCtr="0" anchor="t" bIns="45700" lIns="91425" spcFirstLastPara="1" rIns="91425" wrap="square" tIns="45700">
-            <a:noAutofit/>
-          </a:bodyPr>
-          <a:lstStyle/>
-          <a:p>
-            <a:pPr indent="0" lvl="0" marL="0" marR="0" rtl="0" algn="l">
+          <a:bodyPr spcFirstLastPara="1" wrap="square" lIns="91425" tIns="45700" rIns="91425" bIns="45700" anchor="t" anchorCtr="0">
+            <a:noAutofit/>
+          </a:bodyPr>
+          <a:lstStyle/>
+          <a:p>
+            <a:pPr marL="0" marR="0" lvl="0" indent="0" algn="l" rtl="0">
               <a:lnSpc>
                 <a:spcPct val="159974"/>
               </a:lnSpc>
@@ -8238,7 +8430,7 @@
               <a:buNone/>
             </a:pPr>
             <a:r>
-              <a:rPr b="0" i="0" lang="en-US" sz="1559" u="none" cap="none" strike="noStrike">
+              <a:rPr lang="en-US" sz="1559" b="0" i="0" u="none" strike="noStrike" cap="none">
                 <a:solidFill>
                   <a:srgbClr val="2C3249"/>
                 </a:solidFill>
@@ -8249,7 +8441,7 @@
               </a:rPr>
               <a:t>Train a DeepLabV3+ model to accurately classify and segment different object classes.</a:t>
             </a:r>
-            <a:endParaRPr b="0" i="0" sz="1559" u="none" cap="none" strike="noStrike">
+            <a:endParaRPr sz="1559" b="0" i="0" u="none" strike="noStrike" cap="none">
               <a:solidFill>
                 <a:schemeClr val="dk1"/>
               </a:solidFill>
@@ -8274,7 +8466,7 @@
           </a:xfrm>
           <a:prstGeom prst="roundRect">
             <a:avLst>
-              <a:gd fmla="val 225403" name="adj"/>
+              <a:gd name="adj" fmla="val 225403"/>
             </a:avLst>
           </a:prstGeom>
           <a:solidFill>
@@ -8285,23 +8477,20 @@
           </a:ln>
         </p:spPr>
         <p:txBody>
-          <a:bodyPr anchorCtr="0" anchor="ctr" bIns="91425" lIns="91425" spcFirstLastPara="1" rIns="91425" wrap="square" tIns="91425">
-            <a:noAutofit/>
-          </a:bodyPr>
-          <a:lstStyle/>
-          <a:p>
-            <a:pPr indent="0" lvl="0" marL="0" rtl="0" algn="l">
-              <a:spcBef>
-                <a:spcPts val="0"/>
-              </a:spcBef>
-              <a:spcAft>
-                <a:spcPts val="0"/>
-              </a:spcAft>
-              <a:buNone/>
-            </a:pPr>
-            <a:r>
-              <a:t/>
-            </a:r>
+          <a:bodyPr spcFirstLastPara="1" wrap="square" lIns="91425" tIns="91425" rIns="91425" bIns="91425" anchor="ctr" anchorCtr="0">
+            <a:noAutofit/>
+          </a:bodyPr>
+          <a:lstStyle/>
+          <a:p>
+            <a:pPr marL="0" lvl="0" indent="0" algn="l" rtl="0">
+              <a:spcBef>
+                <a:spcPts val="0"/>
+              </a:spcBef>
+              <a:spcAft>
+                <a:spcPts val="0"/>
+              </a:spcAft>
+              <a:buNone/>
+            </a:pPr>
             <a:endParaRPr/>
           </a:p>
         </p:txBody>
@@ -8319,40 +8508,37 @@
           </a:xfrm>
           <a:prstGeom prst="roundRect">
             <a:avLst>
-              <a:gd fmla="val 20004" name="adj"/>
+              <a:gd name="adj" fmla="val 20004"/>
             </a:avLst>
           </a:prstGeom>
           <a:solidFill>
             <a:srgbClr val="DFECE9"/>
           </a:solidFill>
-          <a:ln cap="flat" cmpd="sng" w="9525">
+          <a:ln w="9525" cap="flat" cmpd="sng">
             <a:solidFill>
               <a:srgbClr val="C5D2CF"/>
             </a:solidFill>
             <a:prstDash val="solid"/>
             <a:round/>
-            <a:headEnd len="sm" w="sm" type="none"/>
-            <a:tailEnd len="sm" w="sm" type="none"/>
-          </a:ln>
-        </p:spPr>
-        <p:txBody>
-          <a:bodyPr anchorCtr="0" anchor="ctr" bIns="91425" lIns="91425" spcFirstLastPara="1" rIns="91425" wrap="square" tIns="91425">
-            <a:noAutofit/>
-          </a:bodyPr>
-          <a:lstStyle/>
-          <a:p>
-            <a:pPr indent="0" lvl="0" marL="0" rtl="0" algn="l">
-              <a:spcBef>
-                <a:spcPts val="0"/>
-              </a:spcBef>
-              <a:spcAft>
-                <a:spcPts val="0"/>
-              </a:spcAft>
-              <a:buNone/>
-            </a:pPr>
-            <a:r>
-              <a:t/>
-            </a:r>
+            <a:headEnd type="none" w="sm" len="sm"/>
+            <a:tailEnd type="none" w="sm" len="sm"/>
+          </a:ln>
+        </p:spPr>
+        <p:txBody>
+          <a:bodyPr spcFirstLastPara="1" wrap="square" lIns="91425" tIns="91425" rIns="91425" bIns="91425" anchor="ctr" anchorCtr="0">
+            <a:noAutofit/>
+          </a:bodyPr>
+          <a:lstStyle/>
+          <a:p>
+            <a:pPr marL="0" lvl="0" indent="0" algn="l" rtl="0">
+              <a:spcBef>
+                <a:spcPts val="0"/>
+              </a:spcBef>
+              <a:spcAft>
+                <a:spcPts val="0"/>
+              </a:spcAft>
+              <a:buNone/>
+            </a:pPr>
             <a:endParaRPr/>
           </a:p>
         </p:txBody>
@@ -8377,12 +8563,12 @@
           </a:ln>
         </p:spPr>
         <p:txBody>
-          <a:bodyPr anchorCtr="0" anchor="t" bIns="45700" lIns="91425" spcFirstLastPara="1" rIns="91425" wrap="square" tIns="45700">
-            <a:noAutofit/>
-          </a:bodyPr>
-          <a:lstStyle/>
-          <a:p>
-            <a:pPr indent="0" lvl="0" marL="0" marR="0" rtl="0" algn="ctr">
+          <a:bodyPr spcFirstLastPara="1" wrap="square" lIns="91425" tIns="45700" rIns="91425" bIns="45700" anchor="t" anchorCtr="0">
+            <a:noAutofit/>
+          </a:bodyPr>
+          <a:lstStyle/>
+          <a:p>
+            <a:pPr marL="0" marR="0" lvl="0" indent="0" algn="ctr" rtl="0">
               <a:lnSpc>
                 <a:spcPct val="124967"/>
               </a:lnSpc>
@@ -8400,7 +8586,7 @@
               <a:buNone/>
             </a:pPr>
             <a:r>
-              <a:rPr b="0" i="0" lang="en-US" sz="2339" u="none" cap="none" strike="noStrike">
+              <a:rPr lang="en-US" sz="2339" b="0" i="0" u="none" strike="noStrike" cap="none">
                 <a:solidFill>
                   <a:srgbClr val="2C3249"/>
                 </a:solidFill>
@@ -8411,7 +8597,7 @@
               </a:rPr>
               <a:t>3</a:t>
             </a:r>
-            <a:endParaRPr b="0" i="0" sz="2339" u="none" cap="none" strike="noStrike">
+            <a:endParaRPr sz="2339" b="0" i="0" u="none" strike="noStrike" cap="none">
               <a:solidFill>
                 <a:schemeClr val="dk1"/>
               </a:solidFill>
@@ -8443,12 +8629,12 @@
           </a:ln>
         </p:spPr>
         <p:txBody>
-          <a:bodyPr anchorCtr="0" anchor="t" bIns="45700" lIns="91425" spcFirstLastPara="1" rIns="91425" wrap="square" tIns="45700">
-            <a:noAutofit/>
-          </a:bodyPr>
-          <a:lstStyle/>
-          <a:p>
-            <a:pPr indent="0" lvl="0" marL="0" marR="0" rtl="0" algn="ctr">
+          <a:bodyPr spcFirstLastPara="1" wrap="square" lIns="91425" tIns="45700" rIns="91425" bIns="45700" anchor="t" anchorCtr="0">
+            <a:noAutofit/>
+          </a:bodyPr>
+          <a:lstStyle/>
+          <a:p>
+            <a:pPr marL="0" marR="0" lvl="0" indent="0" algn="ctr" rtl="0">
               <a:lnSpc>
                 <a:spcPct val="124987"/>
               </a:lnSpc>
@@ -8466,7 +8652,7 @@
               <a:buNone/>
             </a:pPr>
             <a:r>
-              <a:rPr b="0" i="0" lang="en-US" sz="1949" u="none" cap="none" strike="noStrike">
+              <a:rPr lang="en-US" sz="1949" b="0" i="0" u="none" strike="noStrike" cap="none">
                 <a:solidFill>
                   <a:srgbClr val="2C3249"/>
                 </a:solidFill>
@@ -8477,7 +8663,7 @@
               </a:rPr>
               <a:t>Performance Evaluation</a:t>
             </a:r>
-            <a:endParaRPr b="0" i="0" sz="1949" u="none" cap="none" strike="noStrike">
+            <a:endParaRPr sz="1949" b="0" i="0" u="none" strike="noStrike" cap="none">
               <a:solidFill>
                 <a:schemeClr val="dk1"/>
               </a:solidFill>
@@ -8509,12 +8695,12 @@
           </a:ln>
         </p:spPr>
         <p:txBody>
-          <a:bodyPr anchorCtr="0" anchor="t" bIns="45700" lIns="91425" spcFirstLastPara="1" rIns="91425" wrap="square" tIns="45700">
-            <a:noAutofit/>
-          </a:bodyPr>
-          <a:lstStyle/>
-          <a:p>
-            <a:pPr indent="0" lvl="0" marL="0" marR="0" rtl="0" algn="r">
+          <a:bodyPr spcFirstLastPara="1" wrap="square" lIns="91425" tIns="45700" rIns="91425" bIns="45700" anchor="t" anchorCtr="0">
+            <a:noAutofit/>
+          </a:bodyPr>
+          <a:lstStyle/>
+          <a:p>
+            <a:pPr marL="0" marR="0" lvl="0" indent="0" algn="r" rtl="0">
               <a:lnSpc>
                 <a:spcPct val="159974"/>
               </a:lnSpc>
@@ -8532,7 +8718,7 @@
               <a:buNone/>
             </a:pPr>
             <a:r>
-              <a:rPr b="0" i="0" lang="en-US" sz="1559" u="none" cap="none" strike="noStrike">
+              <a:rPr lang="en-US" sz="1559" b="0" i="0" u="none" strike="noStrike" cap="none">
                 <a:solidFill>
                   <a:srgbClr val="2C3249"/>
                 </a:solidFill>
@@ -8543,7 +8729,7 @@
               </a:rPr>
               <a:t>Thoroughly test the model's accuracy, inference speed, and robustness to different scenarios.</a:t>
             </a:r>
-            <a:endParaRPr b="0" i="0" sz="1559" u="none" cap="none" strike="noStrike">
+            <a:endParaRPr sz="1559" b="0" i="0" u="none" strike="noStrike" cap="none">
               <a:solidFill>
                 <a:schemeClr val="dk1"/>
               </a:solidFill>
@@ -8564,11 +8750,11 @@
 </file>
 
 <file path=ppt/slides/slide6.xml><?xml version="1.0" encoding="utf-8"?>
-<p:sld xmlns:a="http://schemas.openxmlformats.org/drawingml/2006/main" xmlns:r="http://schemas.openxmlformats.org/officeDocument/2006/relationships" xmlns:mc="http://schemas.openxmlformats.org/markup-compatibility/2006" xmlns:mv="urn:schemas-microsoft-com:mac:vml" xmlns:p="http://schemas.openxmlformats.org/presentationml/2006/main" xmlns:c="http://schemas.openxmlformats.org/drawingml/2006/chart" xmlns:dgm="http://schemas.openxmlformats.org/drawingml/2006/diagram" xmlns:o="urn:schemas-microsoft-com:office:office" xmlns:v="urn:schemas-microsoft-com:vml" xmlns:pvml="urn:schemas-microsoft-com:office:powerpoint" xmlns:com="http://schemas.openxmlformats.org/drawingml/2006/compatibility" xmlns:p14="http://schemas.microsoft.com/office/powerpoint/2010/main" xmlns:p15="http://schemas.microsoft.com/office/powerpoint/2012/main" xmlns:ahyp="http://schemas.microsoft.com/office/drawing/2018/hyperlinkcolor">
+<p:sld xmlns:a="http://schemas.openxmlformats.org/drawingml/2006/main" xmlns:r="http://schemas.openxmlformats.org/officeDocument/2006/relationships" xmlns:p="http://schemas.openxmlformats.org/presentationml/2006/main">
   <p:cSld>
     <p:spTree>
       <p:nvGrpSpPr>
-        <p:cNvPr id="92" name="Shape 92"/>
+        <p:cNvPr id="1" name="Shape 92"/>
         <p:cNvGrpSpPr/>
         <p:nvPr/>
       </p:nvGrpSpPr>
@@ -8602,23 +8788,20 @@
           </a:ln>
         </p:spPr>
         <p:txBody>
-          <a:bodyPr anchorCtr="0" anchor="ctr" bIns="91425" lIns="91425" spcFirstLastPara="1" rIns="91425" wrap="square" tIns="91425">
-            <a:noAutofit/>
-          </a:bodyPr>
-          <a:lstStyle/>
-          <a:p>
-            <a:pPr indent="0" lvl="0" marL="0" rtl="0" algn="l">
-              <a:spcBef>
-                <a:spcPts val="0"/>
-              </a:spcBef>
-              <a:spcAft>
-                <a:spcPts val="0"/>
-              </a:spcAft>
-              <a:buNone/>
-            </a:pPr>
-            <a:r>
-              <a:t/>
-            </a:r>
+          <a:bodyPr spcFirstLastPara="1" wrap="square" lIns="91425" tIns="91425" rIns="91425" bIns="91425" anchor="ctr" anchorCtr="0">
+            <a:noAutofit/>
+          </a:bodyPr>
+          <a:lstStyle/>
+          <a:p>
+            <a:pPr marL="0" lvl="0" indent="0" algn="l" rtl="0">
+              <a:spcBef>
+                <a:spcPts val="0"/>
+              </a:spcBef>
+              <a:spcAft>
+                <a:spcPts val="0"/>
+              </a:spcAft>
+              <a:buNone/>
+            </a:pPr>
             <a:endParaRPr/>
           </a:p>
         </p:txBody>
@@ -8645,30 +8828,27 @@
           </a:ln>
         </p:spPr>
         <p:txBody>
-          <a:bodyPr anchorCtr="0" anchor="ctr" bIns="91425" lIns="91425" spcFirstLastPara="1" rIns="91425" wrap="square" tIns="91425">
-            <a:noAutofit/>
-          </a:bodyPr>
-          <a:lstStyle/>
-          <a:p>
-            <a:pPr indent="0" lvl="0" marL="0" rtl="0" algn="l">
-              <a:spcBef>
-                <a:spcPts val="0"/>
-              </a:spcBef>
-              <a:spcAft>
-                <a:spcPts val="0"/>
-              </a:spcAft>
-              <a:buNone/>
-            </a:pPr>
-            <a:r>
-              <a:t/>
-            </a:r>
+          <a:bodyPr spcFirstLastPara="1" wrap="square" lIns="91425" tIns="91425" rIns="91425" bIns="91425" anchor="ctr" anchorCtr="0">
+            <a:noAutofit/>
+          </a:bodyPr>
+          <a:lstStyle/>
+          <a:p>
+            <a:pPr marL="0" lvl="0" indent="0" algn="l" rtl="0">
+              <a:spcBef>
+                <a:spcPts val="0"/>
+              </a:spcBef>
+              <a:spcAft>
+                <a:spcPts val="0"/>
+              </a:spcAft>
+              <a:buNone/>
+            </a:pPr>
             <a:endParaRPr/>
           </a:p>
         </p:txBody>
       </p:sp>
       <p:pic>
         <p:nvPicPr>
-          <p:cNvPr descr="preencoded.png" id="95" name="Google Shape;95;p8"/>
+          <p:cNvPr id="95" name="Google Shape;95;p8" descr="preencoded.png"/>
           <p:cNvPicPr preferRelativeResize="0"/>
           <p:nvPr/>
         </p:nvPicPr>
@@ -8676,7 +8856,7 @@
           <a:blip r:embed="rId3">
             <a:alphaModFix/>
           </a:blip>
-          <a:srcRect b="0" l="0" r="0" t="0"/>
+          <a:srcRect/>
           <a:stretch/>
         </p:blipFill>
         <p:spPr>
@@ -8713,12 +8893,12 @@
           </a:ln>
         </p:spPr>
         <p:txBody>
-          <a:bodyPr anchorCtr="0" anchor="t" bIns="45700" lIns="91425" spcFirstLastPara="1" rIns="91425" wrap="square" tIns="45700">
-            <a:noAutofit/>
-          </a:bodyPr>
-          <a:lstStyle/>
-          <a:p>
-            <a:pPr indent="0" lvl="0" marL="0" marR="0" rtl="0" algn="l">
+          <a:bodyPr spcFirstLastPara="1" wrap="square" lIns="91425" tIns="45700" rIns="91425" bIns="45700" anchor="t" anchorCtr="0">
+            <a:noAutofit/>
+          </a:bodyPr>
+          <a:lstStyle/>
+          <a:p>
+            <a:pPr marL="0" marR="0" lvl="0" indent="0" algn="l" rtl="0">
               <a:lnSpc>
                 <a:spcPct val="125011"/>
               </a:lnSpc>
@@ -8736,7 +8916,7 @@
               <a:buNone/>
             </a:pPr>
             <a:r>
-              <a:rPr b="0" i="0" lang="en-US" sz="3974" u="none" cap="none" strike="noStrike">
+              <a:rPr lang="en-US" sz="3974" b="0" i="0" u="none" strike="noStrike" cap="none">
                 <a:solidFill>
                   <a:srgbClr val="272D45"/>
                 </a:solidFill>
@@ -8747,7 +8927,7 @@
               </a:rPr>
               <a:t>Our Solution and Value Proposition</a:t>
             </a:r>
-            <a:endParaRPr b="0" i="0" sz="3974" u="none" cap="none" strike="noStrike">
+            <a:endParaRPr sz="3974" b="0" i="0" u="none" strike="noStrike" cap="none">
               <a:solidFill>
                 <a:schemeClr val="dk1"/>
               </a:solidFill>
@@ -8772,40 +8952,37 @@
           </a:xfrm>
           <a:prstGeom prst="roundRect">
             <a:avLst>
-              <a:gd fmla="val 3680" name="adj"/>
+              <a:gd name="adj" fmla="val 3680"/>
             </a:avLst>
           </a:prstGeom>
           <a:solidFill>
             <a:srgbClr val="DFECE9"/>
           </a:solidFill>
-          <a:ln cap="flat" cmpd="sng" w="9525">
+          <a:ln w="9525" cap="flat" cmpd="sng">
             <a:solidFill>
               <a:srgbClr val="C5D2CF"/>
             </a:solidFill>
             <a:prstDash val="solid"/>
             <a:round/>
-            <a:headEnd len="sm" w="sm" type="none"/>
-            <a:tailEnd len="sm" w="sm" type="none"/>
-          </a:ln>
-        </p:spPr>
-        <p:txBody>
-          <a:bodyPr anchorCtr="0" anchor="ctr" bIns="91425" lIns="91425" spcFirstLastPara="1" rIns="91425" wrap="square" tIns="91425">
-            <a:noAutofit/>
-          </a:bodyPr>
-          <a:lstStyle/>
-          <a:p>
-            <a:pPr indent="0" lvl="0" marL="0" rtl="0" algn="l">
-              <a:spcBef>
-                <a:spcPts val="0"/>
-              </a:spcBef>
-              <a:spcAft>
-                <a:spcPts val="0"/>
-              </a:spcAft>
-              <a:buNone/>
-            </a:pPr>
-            <a:r>
-              <a:t/>
-            </a:r>
+            <a:headEnd type="none" w="sm" len="sm"/>
+            <a:tailEnd type="none" w="sm" len="sm"/>
+          </a:ln>
+        </p:spPr>
+        <p:txBody>
+          <a:bodyPr spcFirstLastPara="1" wrap="square" lIns="91425" tIns="91425" rIns="91425" bIns="91425" anchor="ctr" anchorCtr="0">
+            <a:noAutofit/>
+          </a:bodyPr>
+          <a:lstStyle/>
+          <a:p>
+            <a:pPr marL="0" lvl="0" indent="0" algn="l" rtl="0">
+              <a:spcBef>
+                <a:spcPts val="0"/>
+              </a:spcBef>
+              <a:spcAft>
+                <a:spcPts val="0"/>
+              </a:spcAft>
+              <a:buNone/>
+            </a:pPr>
             <a:endParaRPr/>
           </a:p>
         </p:txBody>
@@ -8830,12 +9007,12 @@
           </a:ln>
         </p:spPr>
         <p:txBody>
-          <a:bodyPr anchorCtr="0" anchor="t" bIns="45700" lIns="91425" spcFirstLastPara="1" rIns="91425" wrap="square" tIns="45700">
-            <a:noAutofit/>
-          </a:bodyPr>
-          <a:lstStyle/>
-          <a:p>
-            <a:pPr indent="0" lvl="0" marL="0" marR="0" rtl="0" algn="l">
+          <a:bodyPr spcFirstLastPara="1" wrap="square" lIns="91425" tIns="45700" rIns="91425" bIns="45700" anchor="t" anchorCtr="0">
+            <a:noAutofit/>
+          </a:bodyPr>
+          <a:lstStyle/>
+          <a:p>
+            <a:pPr marL="0" marR="0" lvl="0" indent="0" algn="l" rtl="0">
               <a:lnSpc>
                 <a:spcPct val="125011"/>
               </a:lnSpc>
@@ -8853,7 +9030,7 @@
               <a:buNone/>
             </a:pPr>
             <a:r>
-              <a:rPr b="0" i="0" lang="en-US" sz="2187" u="none" cap="none" strike="noStrike">
+              <a:rPr lang="en-US" sz="2187" b="0" i="0" u="none" strike="noStrike" cap="none">
                 <a:solidFill>
                   <a:srgbClr val="2C3249"/>
                 </a:solidFill>
@@ -8864,7 +9041,7 @@
               </a:rPr>
               <a:t>Accurate Classification</a:t>
             </a:r>
-            <a:endParaRPr b="0" i="0" sz="2187" u="none" cap="none" strike="noStrike">
+            <a:endParaRPr sz="2187" b="0" i="0" u="none" strike="noStrike" cap="none">
               <a:solidFill>
                 <a:schemeClr val="dk1"/>
               </a:solidFill>
@@ -8896,12 +9073,12 @@
           </a:ln>
         </p:spPr>
         <p:txBody>
-          <a:bodyPr anchorCtr="0" anchor="t" bIns="45700" lIns="91425" spcFirstLastPara="1" rIns="91425" wrap="square" tIns="45700">
-            <a:noAutofit/>
-          </a:bodyPr>
-          <a:lstStyle/>
-          <a:p>
-            <a:pPr indent="0" lvl="0" marL="0" marR="0" rtl="0" algn="l">
+          <a:bodyPr spcFirstLastPara="1" wrap="square" lIns="91425" tIns="45700" rIns="91425" bIns="45700" anchor="t" anchorCtr="0">
+            <a:noAutofit/>
+          </a:bodyPr>
+          <a:lstStyle/>
+          <a:p>
+            <a:pPr marL="0" marR="0" lvl="0" indent="0" algn="l" rtl="0">
               <a:lnSpc>
                 <a:spcPct val="159942"/>
               </a:lnSpc>
@@ -8919,7 +9096,7 @@
               <a:buNone/>
             </a:pPr>
             <a:r>
-              <a:rPr b="0" i="0" lang="en-US" sz="1750" u="none" cap="none" strike="noStrike">
+              <a:rPr lang="en-US" sz="1750" b="0" i="0" u="none" strike="noStrike" cap="none">
                 <a:solidFill>
                   <a:srgbClr val="2C3249"/>
                 </a:solidFill>
@@ -8930,7 +9107,7 @@
               </a:rPr>
               <a:t>Our DeepLabV3+ model achieves state-of-the-art performance in multi-class object segmentation, with high precision and recall for both people and vehicles.</a:t>
             </a:r>
-            <a:endParaRPr b="0" i="0" sz="1750" u="none" cap="none" strike="noStrike">
+            <a:endParaRPr sz="1750" b="0" i="0" u="none" strike="noStrike" cap="none">
               <a:solidFill>
                 <a:schemeClr val="dk1"/>
               </a:solidFill>
@@ -8955,40 +9132,37 @@
           </a:xfrm>
           <a:prstGeom prst="roundRect">
             <a:avLst>
-              <a:gd fmla="val 3680" name="adj"/>
+              <a:gd name="adj" fmla="val 3680"/>
             </a:avLst>
           </a:prstGeom>
           <a:solidFill>
             <a:srgbClr val="DFECE9"/>
           </a:solidFill>
-          <a:ln cap="flat" cmpd="sng" w="9525">
+          <a:ln w="9525" cap="flat" cmpd="sng">
             <a:solidFill>
               <a:srgbClr val="C5D2CF"/>
             </a:solidFill>
             <a:prstDash val="solid"/>
             <a:round/>
-            <a:headEnd len="sm" w="sm" type="none"/>
-            <a:tailEnd len="sm" w="sm" type="none"/>
-          </a:ln>
-        </p:spPr>
-        <p:txBody>
-          <a:bodyPr anchorCtr="0" anchor="ctr" bIns="91425" lIns="91425" spcFirstLastPara="1" rIns="91425" wrap="square" tIns="91425">
-            <a:noAutofit/>
-          </a:bodyPr>
-          <a:lstStyle/>
-          <a:p>
-            <a:pPr indent="0" lvl="0" marL="0" rtl="0" algn="l">
-              <a:spcBef>
-                <a:spcPts val="0"/>
-              </a:spcBef>
-              <a:spcAft>
-                <a:spcPts val="0"/>
-              </a:spcAft>
-              <a:buNone/>
-            </a:pPr>
-            <a:r>
-              <a:t/>
-            </a:r>
+            <a:headEnd type="none" w="sm" len="sm"/>
+            <a:tailEnd type="none" w="sm" len="sm"/>
+          </a:ln>
+        </p:spPr>
+        <p:txBody>
+          <a:bodyPr spcFirstLastPara="1" wrap="square" lIns="91425" tIns="91425" rIns="91425" bIns="91425" anchor="ctr" anchorCtr="0">
+            <a:noAutofit/>
+          </a:bodyPr>
+          <a:lstStyle/>
+          <a:p>
+            <a:pPr marL="0" lvl="0" indent="0" algn="l" rtl="0">
+              <a:spcBef>
+                <a:spcPts val="0"/>
+              </a:spcBef>
+              <a:spcAft>
+                <a:spcPts val="0"/>
+              </a:spcAft>
+              <a:buNone/>
+            </a:pPr>
             <a:endParaRPr/>
           </a:p>
         </p:txBody>
@@ -9013,12 +9187,12 @@
           </a:ln>
         </p:spPr>
         <p:txBody>
-          <a:bodyPr anchorCtr="0" anchor="t" bIns="45700" lIns="91425" spcFirstLastPara="1" rIns="91425" wrap="square" tIns="45700">
-            <a:noAutofit/>
-          </a:bodyPr>
-          <a:lstStyle/>
-          <a:p>
-            <a:pPr indent="0" lvl="0" marL="0" marR="0" rtl="0" algn="l">
+          <a:bodyPr spcFirstLastPara="1" wrap="square" lIns="91425" tIns="45700" rIns="91425" bIns="45700" anchor="t" anchorCtr="0">
+            <a:noAutofit/>
+          </a:bodyPr>
+          <a:lstStyle/>
+          <a:p>
+            <a:pPr marL="0" marR="0" lvl="0" indent="0" algn="l" rtl="0">
               <a:lnSpc>
                 <a:spcPct val="125011"/>
               </a:lnSpc>
@@ -9036,7 +9210,7 @@
               <a:buNone/>
             </a:pPr>
             <a:r>
-              <a:rPr b="0" i="0" lang="en-US" sz="2187" u="none" cap="none" strike="noStrike">
+              <a:rPr lang="en-US" sz="2187" b="0" i="0" u="none" strike="noStrike" cap="none">
                 <a:solidFill>
                   <a:srgbClr val="2C3249"/>
                 </a:solidFill>
@@ -9047,7 +9221,7 @@
               </a:rPr>
               <a:t>Real-time Inference</a:t>
             </a:r>
-            <a:endParaRPr b="0" i="0" sz="2187" u="none" cap="none" strike="noStrike">
+            <a:endParaRPr sz="2187" b="0" i="0" u="none" strike="noStrike" cap="none">
               <a:solidFill>
                 <a:schemeClr val="dk1"/>
               </a:solidFill>
@@ -9079,12 +9253,12 @@
           </a:ln>
         </p:spPr>
         <p:txBody>
-          <a:bodyPr anchorCtr="0" anchor="t" bIns="45700" lIns="91425" spcFirstLastPara="1" rIns="91425" wrap="square" tIns="45700">
-            <a:noAutofit/>
-          </a:bodyPr>
-          <a:lstStyle/>
-          <a:p>
-            <a:pPr indent="0" lvl="0" marL="0" marR="0" rtl="0" algn="l">
+          <a:bodyPr spcFirstLastPara="1" wrap="square" lIns="91425" tIns="45700" rIns="91425" bIns="45700" anchor="t" anchorCtr="0">
+            <a:noAutofit/>
+          </a:bodyPr>
+          <a:lstStyle/>
+          <a:p>
+            <a:pPr marL="0" marR="0" lvl="0" indent="0" algn="l" rtl="0">
               <a:lnSpc>
                 <a:spcPct val="159942"/>
               </a:lnSpc>
@@ -9102,7 +9276,7 @@
               <a:buNone/>
             </a:pPr>
             <a:r>
-              <a:rPr b="0" i="0" lang="en-US" sz="1750" u="none" cap="none" strike="noStrike">
+              <a:rPr lang="en-US" sz="1750" b="0" i="0" u="none" strike="noStrike" cap="none">
                 <a:solidFill>
                   <a:srgbClr val="2C3249"/>
                 </a:solidFill>
@@ -9113,7 +9287,7 @@
               </a:rPr>
               <a:t>The model can operate in real-time, making it suitable for applications that require immediate response, such as autonomous driving and video surveillance.</a:t>
             </a:r>
-            <a:endParaRPr b="0" i="0" sz="1750" u="none" cap="none" strike="noStrike">
+            <a:endParaRPr sz="1750" b="0" i="0" u="none" strike="noStrike" cap="none">
               <a:solidFill>
                 <a:schemeClr val="dk1"/>
               </a:solidFill>
@@ -9138,40 +9312,37 @@
           </a:xfrm>
           <a:prstGeom prst="roundRect">
             <a:avLst>
-              <a:gd fmla="val 6057" name="adj"/>
+              <a:gd name="adj" fmla="val 6057"/>
             </a:avLst>
           </a:prstGeom>
           <a:solidFill>
             <a:srgbClr val="DFECE9"/>
           </a:solidFill>
-          <a:ln cap="flat" cmpd="sng" w="9525">
+          <a:ln w="9525" cap="flat" cmpd="sng">
             <a:solidFill>
               <a:srgbClr val="C5D2CF"/>
             </a:solidFill>
             <a:prstDash val="solid"/>
             <a:round/>
-            <a:headEnd len="sm" w="sm" type="none"/>
-            <a:tailEnd len="sm" w="sm" type="none"/>
-          </a:ln>
-        </p:spPr>
-        <p:txBody>
-          <a:bodyPr anchorCtr="0" anchor="ctr" bIns="91425" lIns="91425" spcFirstLastPara="1" rIns="91425" wrap="square" tIns="91425">
-            <a:noAutofit/>
-          </a:bodyPr>
-          <a:lstStyle/>
-          <a:p>
-            <a:pPr indent="0" lvl="0" marL="0" rtl="0" algn="l">
-              <a:spcBef>
-                <a:spcPts val="0"/>
-              </a:spcBef>
-              <a:spcAft>
-                <a:spcPts val="0"/>
-              </a:spcAft>
-              <a:buNone/>
-            </a:pPr>
-            <a:r>
-              <a:t/>
-            </a:r>
+            <a:headEnd type="none" w="sm" len="sm"/>
+            <a:tailEnd type="none" w="sm" len="sm"/>
+          </a:ln>
+        </p:spPr>
+        <p:txBody>
+          <a:bodyPr spcFirstLastPara="1" wrap="square" lIns="91425" tIns="91425" rIns="91425" bIns="91425" anchor="ctr" anchorCtr="0">
+            <a:noAutofit/>
+          </a:bodyPr>
+          <a:lstStyle/>
+          <a:p>
+            <a:pPr marL="0" lvl="0" indent="0" algn="l" rtl="0">
+              <a:spcBef>
+                <a:spcPts val="0"/>
+              </a:spcBef>
+              <a:spcAft>
+                <a:spcPts val="0"/>
+              </a:spcAft>
+              <a:buNone/>
+            </a:pPr>
             <a:endParaRPr/>
           </a:p>
         </p:txBody>
@@ -9196,12 +9367,12 @@
           </a:ln>
         </p:spPr>
         <p:txBody>
-          <a:bodyPr anchorCtr="0" anchor="t" bIns="45700" lIns="91425" spcFirstLastPara="1" rIns="91425" wrap="square" tIns="45700">
-            <a:noAutofit/>
-          </a:bodyPr>
-          <a:lstStyle/>
-          <a:p>
-            <a:pPr indent="0" lvl="0" marL="0" marR="0" rtl="0" algn="l">
+          <a:bodyPr spcFirstLastPara="1" wrap="square" lIns="91425" tIns="45700" rIns="91425" bIns="45700" anchor="t" anchorCtr="0">
+            <a:noAutofit/>
+          </a:bodyPr>
+          <a:lstStyle/>
+          <a:p>
+            <a:pPr marL="0" marR="0" lvl="0" indent="0" algn="l" rtl="0">
               <a:lnSpc>
                 <a:spcPct val="125011"/>
               </a:lnSpc>
@@ -9219,7 +9390,7 @@
               <a:buNone/>
             </a:pPr>
             <a:r>
-              <a:rPr b="0" i="0" lang="en-US" sz="2187" u="none" cap="none" strike="noStrike">
+              <a:rPr lang="en-US" sz="2187" b="0" i="0" u="none" strike="noStrike" cap="none">
                 <a:solidFill>
                   <a:srgbClr val="2C3249"/>
                 </a:solidFill>
@@ -9230,7 +9401,7 @@
               </a:rPr>
               <a:t>Robustness to Variations</a:t>
             </a:r>
-            <a:endParaRPr b="0" i="0" sz="2187" u="none" cap="none" strike="noStrike">
+            <a:endParaRPr sz="2187" b="0" i="0" u="none" strike="noStrike" cap="none">
               <a:solidFill>
                 <a:schemeClr val="dk1"/>
               </a:solidFill>
@@ -9262,12 +9433,12 @@
           </a:ln>
         </p:spPr>
         <p:txBody>
-          <a:bodyPr anchorCtr="0" anchor="t" bIns="45700" lIns="91425" spcFirstLastPara="1" rIns="91425" wrap="square" tIns="45700">
-            <a:noAutofit/>
-          </a:bodyPr>
-          <a:lstStyle/>
-          <a:p>
-            <a:pPr indent="0" lvl="0" marL="0" marR="0" rtl="0" algn="l">
+          <a:bodyPr spcFirstLastPara="1" wrap="square" lIns="91425" tIns="45700" rIns="91425" bIns="45700" anchor="t" anchorCtr="0">
+            <a:noAutofit/>
+          </a:bodyPr>
+          <a:lstStyle/>
+          <a:p>
+            <a:pPr marL="0" marR="0" lvl="0" indent="0" algn="l" rtl="0">
               <a:lnSpc>
                 <a:spcPct val="159942"/>
               </a:lnSpc>
@@ -9285,7 +9456,7 @@
               <a:buNone/>
             </a:pPr>
             <a:r>
-              <a:rPr b="0" i="0" lang="en-US" sz="1750" u="none" cap="none" strike="noStrike">
+              <a:rPr lang="en-US" sz="1750" b="0" i="0" u="none" strike="noStrike" cap="none">
                 <a:solidFill>
                   <a:srgbClr val="2C3249"/>
                 </a:solidFill>
@@ -9296,7 +9467,7 @@
               </a:rPr>
               <a:t>Our model is trained on a diverse dataset and can handle variations in object size, orientation, occlusion, and environmental conditions.</a:t>
             </a:r>
-            <a:endParaRPr b="0" i="0" sz="1750" u="none" cap="none" strike="noStrike">
+            <a:endParaRPr sz="1750" b="0" i="0" u="none" strike="noStrike" cap="none">
               <a:solidFill>
                 <a:schemeClr val="dk1"/>
               </a:solidFill>
@@ -9317,11 +9488,11 @@
 </file>
 
 <file path=ppt/slides/slide7.xml><?xml version="1.0" encoding="utf-8"?>
-<p:sld xmlns:a="http://schemas.openxmlformats.org/drawingml/2006/main" xmlns:r="http://schemas.openxmlformats.org/officeDocument/2006/relationships" xmlns:mc="http://schemas.openxmlformats.org/markup-compatibility/2006" xmlns:mv="urn:schemas-microsoft-com:mac:vml" xmlns:p="http://schemas.openxmlformats.org/presentationml/2006/main" xmlns:c="http://schemas.openxmlformats.org/drawingml/2006/chart" xmlns:dgm="http://schemas.openxmlformats.org/drawingml/2006/diagram" xmlns:o="urn:schemas-microsoft-com:office:office" xmlns:v="urn:schemas-microsoft-com:vml" xmlns:pvml="urn:schemas-microsoft-com:office:powerpoint" xmlns:com="http://schemas.openxmlformats.org/drawingml/2006/compatibility" xmlns:p14="http://schemas.microsoft.com/office/powerpoint/2010/main" xmlns:p15="http://schemas.microsoft.com/office/powerpoint/2012/main" xmlns:ahyp="http://schemas.microsoft.com/office/drawing/2018/hyperlinkcolor">
+<p:sld xmlns:a="http://schemas.openxmlformats.org/drawingml/2006/main" xmlns:r="http://schemas.openxmlformats.org/officeDocument/2006/relationships" xmlns:p="http://schemas.openxmlformats.org/presentationml/2006/main">
   <p:cSld>
     <p:spTree>
       <p:nvGrpSpPr>
-        <p:cNvPr id="110" name="Shape 110"/>
+        <p:cNvPr id="1" name="Shape 110"/>
         <p:cNvGrpSpPr/>
         <p:nvPr/>
       </p:nvGrpSpPr>
@@ -9355,23 +9526,20 @@
           </a:ln>
         </p:spPr>
         <p:txBody>
-          <a:bodyPr anchorCtr="0" anchor="ctr" bIns="91425" lIns="91425" spcFirstLastPara="1" rIns="91425" wrap="square" tIns="91425">
-            <a:noAutofit/>
-          </a:bodyPr>
-          <a:lstStyle/>
-          <a:p>
-            <a:pPr indent="0" lvl="0" marL="0" rtl="0" algn="l">
-              <a:spcBef>
-                <a:spcPts val="0"/>
-              </a:spcBef>
-              <a:spcAft>
-                <a:spcPts val="0"/>
-              </a:spcAft>
-              <a:buNone/>
-            </a:pPr>
-            <a:r>
-              <a:t/>
-            </a:r>
+          <a:bodyPr spcFirstLastPara="1" wrap="square" lIns="91425" tIns="91425" rIns="91425" bIns="91425" anchor="ctr" anchorCtr="0">
+            <a:noAutofit/>
+          </a:bodyPr>
+          <a:lstStyle/>
+          <a:p>
+            <a:pPr marL="0" lvl="0" indent="0" algn="l" rtl="0">
+              <a:spcBef>
+                <a:spcPts val="0"/>
+              </a:spcBef>
+              <a:spcAft>
+                <a:spcPts val="0"/>
+              </a:spcAft>
+              <a:buNone/>
+            </a:pPr>
             <a:endParaRPr/>
           </a:p>
         </p:txBody>
@@ -9398,23 +9566,20 @@
           </a:ln>
         </p:spPr>
         <p:txBody>
-          <a:bodyPr anchorCtr="0" anchor="ctr" bIns="91425" lIns="91425" spcFirstLastPara="1" rIns="91425" wrap="square" tIns="91425">
-            <a:noAutofit/>
-          </a:bodyPr>
-          <a:lstStyle/>
-          <a:p>
-            <a:pPr indent="0" lvl="0" marL="0" rtl="0" algn="l">
-              <a:spcBef>
-                <a:spcPts val="0"/>
-              </a:spcBef>
-              <a:spcAft>
-                <a:spcPts val="0"/>
-              </a:spcAft>
-              <a:buNone/>
-            </a:pPr>
-            <a:r>
-              <a:t/>
-            </a:r>
+          <a:bodyPr spcFirstLastPara="1" wrap="square" lIns="91425" tIns="91425" rIns="91425" bIns="91425" anchor="ctr" anchorCtr="0">
+            <a:noAutofit/>
+          </a:bodyPr>
+          <a:lstStyle/>
+          <a:p>
+            <a:pPr marL="0" lvl="0" indent="0" algn="l" rtl="0">
+              <a:spcBef>
+                <a:spcPts val="0"/>
+              </a:spcBef>
+              <a:spcAft>
+                <a:spcPts val="0"/>
+              </a:spcAft>
+              <a:buNone/>
+            </a:pPr>
             <a:endParaRPr/>
           </a:p>
         </p:txBody>
@@ -9439,12 +9604,12 @@
           </a:ln>
         </p:spPr>
         <p:txBody>
-          <a:bodyPr anchorCtr="0" anchor="t" bIns="45700" lIns="91425" spcFirstLastPara="1" rIns="91425" wrap="square" tIns="45700">
-            <a:noAutofit/>
-          </a:bodyPr>
-          <a:lstStyle/>
-          <a:p>
-            <a:pPr indent="0" lvl="0" marL="0" marR="0" rtl="0" algn="l">
+          <a:bodyPr spcFirstLastPara="1" wrap="square" lIns="91425" tIns="45700" rIns="91425" bIns="45700" anchor="t" anchorCtr="0">
+            <a:noAutofit/>
+          </a:bodyPr>
+          <a:lstStyle/>
+          <a:p>
+            <a:pPr marL="0" marR="0" lvl="0" indent="0" algn="l" rtl="0">
               <a:lnSpc>
                 <a:spcPct val="125011"/>
               </a:lnSpc>
@@ -9462,7 +9627,7 @@
               <a:buNone/>
             </a:pPr>
             <a:r>
-              <a:rPr b="0" i="0" lang="en-US" sz="4374" u="none" cap="none" strike="noStrike">
+              <a:rPr lang="en-US" sz="4374" b="0" i="0" u="none" strike="noStrike" cap="none">
                 <a:solidFill>
                   <a:srgbClr val="272D45"/>
                 </a:solidFill>
@@ -9473,7 +9638,7 @@
               </a:rPr>
               <a:t>The Wow in our Solution</a:t>
             </a:r>
-            <a:endParaRPr b="0" i="0" sz="4374" u="none" cap="none" strike="noStrike">
+            <a:endParaRPr sz="4374" b="0" i="0" u="none" strike="noStrike" cap="none">
               <a:solidFill>
                 <a:schemeClr val="dk1"/>
               </a:solidFill>
@@ -9487,7 +9652,7 @@
       </p:sp>
       <p:pic>
         <p:nvPicPr>
-          <p:cNvPr descr="preencoded.png" id="114" name="Google Shape;114;p9"/>
+          <p:cNvPr id="114" name="Google Shape;114;p9" descr="preencoded.png"/>
           <p:cNvPicPr preferRelativeResize="0"/>
           <p:nvPr/>
         </p:nvPicPr>
@@ -9495,7 +9660,7 @@
           <a:blip r:embed="rId3">
             <a:alphaModFix/>
           </a:blip>
-          <a:srcRect b="0" l="0" r="0" t="0"/>
+          <a:srcRect/>
           <a:stretch/>
         </p:blipFill>
         <p:spPr>
@@ -9532,12 +9697,12 @@
           </a:ln>
         </p:spPr>
         <p:txBody>
-          <a:bodyPr anchorCtr="0" anchor="t" bIns="45700" lIns="91425" spcFirstLastPara="1" rIns="91425" wrap="square" tIns="45700">
-            <a:noAutofit/>
-          </a:bodyPr>
-          <a:lstStyle/>
-          <a:p>
-            <a:pPr indent="0" lvl="0" marL="0" marR="0" rtl="0" algn="l">
+          <a:bodyPr spcFirstLastPara="1" wrap="square" lIns="91425" tIns="45700" rIns="91425" bIns="45700" anchor="t" anchorCtr="0">
+            <a:noAutofit/>
+          </a:bodyPr>
+          <a:lstStyle/>
+          <a:p>
+            <a:pPr marL="0" marR="0" lvl="0" indent="0" algn="l" rtl="0">
               <a:lnSpc>
                 <a:spcPct val="125011"/>
               </a:lnSpc>
@@ -9555,7 +9720,7 @@
               <a:buNone/>
             </a:pPr>
             <a:r>
-              <a:rPr b="0" i="0" lang="en-US" sz="2187" u="none" cap="none" strike="noStrike">
+              <a:rPr lang="en-US" sz="2187" b="0" i="0" u="none" strike="noStrike" cap="none">
                 <a:solidFill>
                   <a:srgbClr val="2C3249"/>
                 </a:solidFill>
@@ -9566,7 +9731,7 @@
               </a:rPr>
               <a:t>Exceptional Accuracy</a:t>
             </a:r>
-            <a:endParaRPr b="0" i="0" sz="2187" u="none" cap="none" strike="noStrike">
+            <a:endParaRPr sz="2187" b="0" i="0" u="none" strike="noStrike" cap="none">
               <a:solidFill>
                 <a:schemeClr val="dk1"/>
               </a:solidFill>
@@ -9598,12 +9763,12 @@
           </a:ln>
         </p:spPr>
         <p:txBody>
-          <a:bodyPr anchorCtr="0" anchor="t" bIns="45700" lIns="91425" spcFirstLastPara="1" rIns="91425" wrap="square" tIns="45700">
-            <a:noAutofit/>
-          </a:bodyPr>
-          <a:lstStyle/>
-          <a:p>
-            <a:pPr indent="0" lvl="0" marL="0" marR="0" rtl="0" algn="l">
+          <a:bodyPr spcFirstLastPara="1" wrap="square" lIns="91425" tIns="45700" rIns="91425" bIns="45700" anchor="t" anchorCtr="0">
+            <a:noAutofit/>
+          </a:bodyPr>
+          <a:lstStyle/>
+          <a:p>
+            <a:pPr marL="0" marR="0" lvl="0" indent="0" algn="l" rtl="0">
               <a:lnSpc>
                 <a:spcPct val="159942"/>
               </a:lnSpc>
@@ -9621,7 +9786,7 @@
               <a:buNone/>
             </a:pPr>
             <a:r>
-              <a:rPr b="0" i="0" lang="en-US" sz="1750" u="none" cap="none" strike="noStrike">
+              <a:rPr lang="en-US" sz="1750" b="0" i="0" u="none" strike="noStrike" cap="none">
                 <a:solidFill>
                   <a:srgbClr val="2C3249"/>
                 </a:solidFill>
@@ -9632,7 +9797,7 @@
               </a:rPr>
               <a:t>The DeepLabV3+ model achieves industry-leading performance, with an F1-score of over 95% for both people and vehicles.</a:t>
             </a:r>
-            <a:endParaRPr b="0" i="0" sz="1750" u="none" cap="none" strike="noStrike">
+            <a:endParaRPr sz="1750" b="0" i="0" u="none" strike="noStrike" cap="none">
               <a:solidFill>
                 <a:schemeClr val="dk1"/>
               </a:solidFill>
@@ -9646,7 +9811,7 @@
       </p:sp>
       <p:pic>
         <p:nvPicPr>
-          <p:cNvPr descr="preencoded.png" id="117" name="Google Shape;117;p9"/>
+          <p:cNvPr id="117" name="Google Shape;117;p9" descr="preencoded.png"/>
           <p:cNvPicPr preferRelativeResize="0"/>
           <p:nvPr/>
         </p:nvPicPr>
@@ -9654,7 +9819,7 @@
           <a:blip r:embed="rId4">
             <a:alphaModFix/>
           </a:blip>
-          <a:srcRect b="0" l="0" r="0" t="0"/>
+          <a:srcRect/>
           <a:stretch/>
         </p:blipFill>
         <p:spPr>
@@ -9691,12 +9856,12 @@
           </a:ln>
         </p:spPr>
         <p:txBody>
-          <a:bodyPr anchorCtr="0" anchor="t" bIns="45700" lIns="91425" spcFirstLastPara="1" rIns="91425" wrap="square" tIns="45700">
-            <a:noAutofit/>
-          </a:bodyPr>
-          <a:lstStyle/>
-          <a:p>
-            <a:pPr indent="0" lvl="0" marL="0" marR="0" rtl="0" algn="l">
+          <a:bodyPr spcFirstLastPara="1" wrap="square" lIns="91425" tIns="45700" rIns="91425" bIns="45700" anchor="t" anchorCtr="0">
+            <a:noAutofit/>
+          </a:bodyPr>
+          <a:lstStyle/>
+          <a:p>
+            <a:pPr marL="0" marR="0" lvl="0" indent="0" algn="l" rtl="0">
               <a:lnSpc>
                 <a:spcPct val="125011"/>
               </a:lnSpc>
@@ -9714,7 +9879,7 @@
               <a:buNone/>
             </a:pPr>
             <a:r>
-              <a:rPr b="0" i="0" lang="en-US" sz="2187" u="none" cap="none" strike="noStrike">
+              <a:rPr lang="en-US" sz="2187" b="0" i="0" u="none" strike="noStrike" cap="none">
                 <a:solidFill>
                   <a:srgbClr val="2C3249"/>
                 </a:solidFill>
@@ -9725,7 +9890,7 @@
               </a:rPr>
               <a:t>Lightning-fast Inference</a:t>
             </a:r>
-            <a:endParaRPr b="0" i="0" sz="2187" u="none" cap="none" strike="noStrike">
+            <a:endParaRPr sz="2187" b="0" i="0" u="none" strike="noStrike" cap="none">
               <a:solidFill>
                 <a:schemeClr val="dk1"/>
               </a:solidFill>
@@ -9757,12 +9922,12 @@
           </a:ln>
         </p:spPr>
         <p:txBody>
-          <a:bodyPr anchorCtr="0" anchor="t" bIns="45700" lIns="91425" spcFirstLastPara="1" rIns="91425" wrap="square" tIns="45700">
-            <a:noAutofit/>
-          </a:bodyPr>
-          <a:lstStyle/>
-          <a:p>
-            <a:pPr indent="0" lvl="0" marL="0" marR="0" rtl="0" algn="l">
+          <a:bodyPr spcFirstLastPara="1" wrap="square" lIns="91425" tIns="45700" rIns="91425" bIns="45700" anchor="t" anchorCtr="0">
+            <a:noAutofit/>
+          </a:bodyPr>
+          <a:lstStyle/>
+          <a:p>
+            <a:pPr marL="0" marR="0" lvl="0" indent="0" algn="l" rtl="0">
               <a:lnSpc>
                 <a:spcPct val="159942"/>
               </a:lnSpc>
@@ -9780,7 +9945,7 @@
               <a:buNone/>
             </a:pPr>
             <a:r>
-              <a:rPr b="0" i="0" lang="en-US" sz="1750" u="none" cap="none" strike="noStrike">
+              <a:rPr lang="en-US" sz="1750" b="0" i="0" u="none" strike="noStrike" cap="none">
                 <a:solidFill>
                   <a:srgbClr val="2C3249"/>
                 </a:solidFill>
@@ -9791,7 +9956,7 @@
               </a:rPr>
               <a:t>Our optimized implementation can process images at over 50 frames per second, enabling real-time applications.</a:t>
             </a:r>
-            <a:endParaRPr b="0" i="0" sz="1750" u="none" cap="none" strike="noStrike">
+            <a:endParaRPr sz="1750" b="0" i="0" u="none" strike="noStrike" cap="none">
               <a:solidFill>
                 <a:schemeClr val="dk1"/>
               </a:solidFill>
@@ -9805,7 +9970,7 @@
       </p:sp>
       <p:pic>
         <p:nvPicPr>
-          <p:cNvPr descr="preencoded.png" id="120" name="Google Shape;120;p9"/>
+          <p:cNvPr id="120" name="Google Shape;120;p9" descr="preencoded.png"/>
           <p:cNvPicPr preferRelativeResize="0"/>
           <p:nvPr/>
         </p:nvPicPr>
@@ -9813,7 +9978,7 @@
           <a:blip r:embed="rId5">
             <a:alphaModFix/>
           </a:blip>
-          <a:srcRect b="0" l="0" r="0" t="0"/>
+          <a:srcRect/>
           <a:stretch/>
         </p:blipFill>
         <p:spPr>
@@ -9850,12 +10015,12 @@
           </a:ln>
         </p:spPr>
         <p:txBody>
-          <a:bodyPr anchorCtr="0" anchor="t" bIns="45700" lIns="91425" spcFirstLastPara="1" rIns="91425" wrap="square" tIns="45700">
-            <a:noAutofit/>
-          </a:bodyPr>
-          <a:lstStyle/>
-          <a:p>
-            <a:pPr indent="0" lvl="0" marL="0" marR="0" rtl="0" algn="l">
+          <a:bodyPr spcFirstLastPara="1" wrap="square" lIns="91425" tIns="45700" rIns="91425" bIns="45700" anchor="t" anchorCtr="0">
+            <a:noAutofit/>
+          </a:bodyPr>
+          <a:lstStyle/>
+          <a:p>
+            <a:pPr marL="0" marR="0" lvl="0" indent="0" algn="l" rtl="0">
               <a:lnSpc>
                 <a:spcPct val="125011"/>
               </a:lnSpc>
@@ -9873,7 +10038,7 @@
               <a:buNone/>
             </a:pPr>
             <a:r>
-              <a:rPr b="0" i="0" lang="en-US" sz="2187" u="none" cap="none" strike="noStrike">
+              <a:rPr lang="en-US" sz="2187" b="0" i="0" u="none" strike="noStrike" cap="none">
                 <a:solidFill>
                   <a:srgbClr val="2C3249"/>
                 </a:solidFill>
@@ -9884,7 +10049,7 @@
               </a:rPr>
               <a:t>Robust to Variations</a:t>
             </a:r>
-            <a:endParaRPr b="0" i="0" sz="2187" u="none" cap="none" strike="noStrike">
+            <a:endParaRPr sz="2187" b="0" i="0" u="none" strike="noStrike" cap="none">
               <a:solidFill>
                 <a:schemeClr val="dk1"/>
               </a:solidFill>
@@ -9916,12 +10081,12 @@
           </a:ln>
         </p:spPr>
         <p:txBody>
-          <a:bodyPr anchorCtr="0" anchor="t" bIns="45700" lIns="91425" spcFirstLastPara="1" rIns="91425" wrap="square" tIns="45700">
-            <a:noAutofit/>
-          </a:bodyPr>
-          <a:lstStyle/>
-          <a:p>
-            <a:pPr indent="0" lvl="0" marL="0" marR="0" rtl="0" algn="l">
+          <a:bodyPr spcFirstLastPara="1" wrap="square" lIns="91425" tIns="45700" rIns="91425" bIns="45700" anchor="t" anchorCtr="0">
+            <a:noAutofit/>
+          </a:bodyPr>
+          <a:lstStyle/>
+          <a:p>
+            <a:pPr marL="0" marR="0" lvl="0" indent="0" algn="l" rtl="0">
               <a:lnSpc>
                 <a:spcPct val="159942"/>
               </a:lnSpc>
@@ -9939,7 +10104,7 @@
               <a:buNone/>
             </a:pPr>
             <a:r>
-              <a:rPr b="0" i="0" lang="en-US" sz="1750" u="none" cap="none" strike="noStrike">
+              <a:rPr lang="en-US" sz="1750" b="0" i="0" u="none" strike="noStrike" cap="none">
                 <a:solidFill>
                   <a:srgbClr val="2C3249"/>
                 </a:solidFill>
@@ -9950,7 +10115,7 @@
               </a:rPr>
               <a:t>The model maintains high accuracy even in challenging scenarios, such as poor lighting, partial occlusion, and diverse object sizes.</a:t>
             </a:r>
-            <a:endParaRPr b="0" i="0" sz="1750" u="none" cap="none" strike="noStrike">
+            <a:endParaRPr sz="1750" b="0" i="0" u="none" strike="noStrike" cap="none">
               <a:solidFill>
                 <a:schemeClr val="dk1"/>
               </a:solidFill>
@@ -9971,11 +10136,11 @@
 </file>
 
 <file path=ppt/slides/slide8.xml><?xml version="1.0" encoding="utf-8"?>
-<p:sld xmlns:a="http://schemas.openxmlformats.org/drawingml/2006/main" xmlns:r="http://schemas.openxmlformats.org/officeDocument/2006/relationships" xmlns:mc="http://schemas.openxmlformats.org/markup-compatibility/2006" xmlns:mv="urn:schemas-microsoft-com:mac:vml" xmlns:p="http://schemas.openxmlformats.org/presentationml/2006/main" xmlns:c="http://schemas.openxmlformats.org/drawingml/2006/chart" xmlns:dgm="http://schemas.openxmlformats.org/drawingml/2006/diagram" xmlns:o="urn:schemas-microsoft-com:office:office" xmlns:v="urn:schemas-microsoft-com:vml" xmlns:pvml="urn:schemas-microsoft-com:office:powerpoint" xmlns:com="http://schemas.openxmlformats.org/drawingml/2006/compatibility" xmlns:p14="http://schemas.microsoft.com/office/powerpoint/2010/main" xmlns:p15="http://schemas.microsoft.com/office/powerpoint/2012/main" xmlns:ahyp="http://schemas.microsoft.com/office/drawing/2018/hyperlinkcolor">
+<p:sld xmlns:a="http://schemas.openxmlformats.org/drawingml/2006/main" xmlns:r="http://schemas.openxmlformats.org/officeDocument/2006/relationships" xmlns:p="http://schemas.openxmlformats.org/presentationml/2006/main">
   <p:cSld>
     <p:spTree>
       <p:nvGrpSpPr>
-        <p:cNvPr id="127" name="Shape 127"/>
+        <p:cNvPr id="1" name="Shape 127"/>
         <p:cNvGrpSpPr/>
         <p:nvPr/>
       </p:nvGrpSpPr>
@@ -10009,23 +10174,20 @@
           </a:ln>
         </p:spPr>
         <p:txBody>
-          <a:bodyPr anchorCtr="0" anchor="ctr" bIns="91425" lIns="91425" spcFirstLastPara="1" rIns="91425" wrap="square" tIns="91425">
-            <a:noAutofit/>
-          </a:bodyPr>
-          <a:lstStyle/>
-          <a:p>
-            <a:pPr indent="0" lvl="0" marL="0" rtl="0" algn="l">
-              <a:spcBef>
-                <a:spcPts val="0"/>
-              </a:spcBef>
-              <a:spcAft>
-                <a:spcPts val="0"/>
-              </a:spcAft>
-              <a:buNone/>
-            </a:pPr>
-            <a:r>
-              <a:t/>
-            </a:r>
+          <a:bodyPr spcFirstLastPara="1" wrap="square" lIns="91425" tIns="91425" rIns="91425" bIns="91425" anchor="ctr" anchorCtr="0">
+            <a:noAutofit/>
+          </a:bodyPr>
+          <a:lstStyle/>
+          <a:p>
+            <a:pPr marL="0" lvl="0" indent="0" algn="l" rtl="0">
+              <a:spcBef>
+                <a:spcPts val="0"/>
+              </a:spcBef>
+              <a:spcAft>
+                <a:spcPts val="0"/>
+              </a:spcAft>
+              <a:buNone/>
+            </a:pPr>
             <a:endParaRPr/>
           </a:p>
         </p:txBody>
@@ -10052,23 +10214,20 @@
           </a:ln>
         </p:spPr>
         <p:txBody>
-          <a:bodyPr anchorCtr="0" anchor="ctr" bIns="91425" lIns="91425" spcFirstLastPara="1" rIns="91425" wrap="square" tIns="91425">
-            <a:noAutofit/>
-          </a:bodyPr>
-          <a:lstStyle/>
-          <a:p>
-            <a:pPr indent="0" lvl="0" marL="0" rtl="0" algn="l">
-              <a:spcBef>
-                <a:spcPts val="0"/>
-              </a:spcBef>
-              <a:spcAft>
-                <a:spcPts val="0"/>
-              </a:spcAft>
-              <a:buNone/>
-            </a:pPr>
-            <a:r>
-              <a:t/>
-            </a:r>
+          <a:bodyPr spcFirstLastPara="1" wrap="square" lIns="91425" tIns="91425" rIns="91425" bIns="91425" anchor="ctr" anchorCtr="0">
+            <a:noAutofit/>
+          </a:bodyPr>
+          <a:lstStyle/>
+          <a:p>
+            <a:pPr marL="0" lvl="0" indent="0" algn="l" rtl="0">
+              <a:spcBef>
+                <a:spcPts val="0"/>
+              </a:spcBef>
+              <a:spcAft>
+                <a:spcPts val="0"/>
+              </a:spcAft>
+              <a:buNone/>
+            </a:pPr>
             <a:endParaRPr/>
           </a:p>
         </p:txBody>
@@ -10093,12 +10252,12 @@
           </a:ln>
         </p:spPr>
         <p:txBody>
-          <a:bodyPr anchorCtr="0" anchor="t" bIns="45700" lIns="91425" spcFirstLastPara="1" rIns="91425" wrap="square" tIns="45700">
-            <a:noAutofit/>
-          </a:bodyPr>
-          <a:lstStyle/>
-          <a:p>
-            <a:pPr indent="0" lvl="0" marL="0" marR="0" rtl="0" algn="l">
+          <a:bodyPr spcFirstLastPara="1" wrap="square" lIns="91425" tIns="45700" rIns="91425" bIns="45700" anchor="t" anchorCtr="0">
+            <a:noAutofit/>
+          </a:bodyPr>
+          <a:lstStyle/>
+          <a:p>
+            <a:pPr marL="0" marR="0" lvl="0" indent="0" algn="l" rtl="0">
               <a:lnSpc>
                 <a:spcPct val="125011"/>
               </a:lnSpc>
@@ -10116,7 +10275,7 @@
               <a:buNone/>
             </a:pPr>
             <a:r>
-              <a:rPr b="0" i="0" lang="en-US" sz="4374" u="none" cap="none" strike="noStrike">
+              <a:rPr lang="en-US" sz="4374" b="0" i="0" u="none" strike="noStrike" cap="none">
                 <a:solidFill>
                   <a:srgbClr val="272D45"/>
                 </a:solidFill>
@@ -10127,7 +10286,7 @@
               </a:rPr>
               <a:t>Modelling</a:t>
             </a:r>
-            <a:endParaRPr b="0" i="0" sz="4374" u="none" cap="none" strike="noStrike">
+            <a:endParaRPr sz="4374" b="0" i="0" u="none" strike="noStrike" cap="none">
               <a:solidFill>
                 <a:schemeClr val="dk1"/>
               </a:solidFill>
@@ -10141,7 +10300,7 @@
       </p:sp>
       <p:pic>
         <p:nvPicPr>
-          <p:cNvPr descr="preencoded.png" id="131" name="Google Shape;131;p10"/>
+          <p:cNvPr id="131" name="Google Shape;131;p10" descr="preencoded.png"/>
           <p:cNvPicPr preferRelativeResize="0"/>
           <p:nvPr/>
         </p:nvPicPr>
@@ -10149,7 +10308,7 @@
           <a:blip r:embed="rId3">
             <a:alphaModFix/>
           </a:blip>
-          <a:srcRect b="0" l="0" r="0" t="0"/>
+          <a:srcRect/>
           <a:stretch/>
         </p:blipFill>
         <p:spPr>
@@ -10186,12 +10345,12 @@
           </a:ln>
         </p:spPr>
         <p:txBody>
-          <a:bodyPr anchorCtr="0" anchor="t" bIns="45700" lIns="91425" spcFirstLastPara="1" rIns="91425" wrap="square" tIns="45700">
-            <a:noAutofit/>
-          </a:bodyPr>
-          <a:lstStyle/>
-          <a:p>
-            <a:pPr indent="0" lvl="0" marL="0" marR="0" rtl="0" algn="l">
+          <a:bodyPr spcFirstLastPara="1" wrap="square" lIns="91425" tIns="45700" rIns="91425" bIns="45700" anchor="t" anchorCtr="0">
+            <a:noAutofit/>
+          </a:bodyPr>
+          <a:lstStyle/>
+          <a:p>
+            <a:pPr marL="0" marR="0" lvl="0" indent="0" algn="l" rtl="0">
               <a:lnSpc>
                 <a:spcPct val="125011"/>
               </a:lnSpc>
@@ -10209,7 +10368,7 @@
               <a:buNone/>
             </a:pPr>
             <a:r>
-              <a:rPr b="0" i="0" lang="en-US" sz="2187" u="none" cap="none" strike="noStrike">
+              <a:rPr lang="en-US" sz="2187" b="0" i="0" u="none" strike="noStrike" cap="none">
                 <a:solidFill>
                   <a:srgbClr val="2C3249"/>
                 </a:solidFill>
@@ -10220,7 +10379,7 @@
               </a:rPr>
               <a:t>Input Image</a:t>
             </a:r>
-            <a:endParaRPr b="0" i="0" sz="2187" u="none" cap="none" strike="noStrike">
+            <a:endParaRPr sz="2187" b="0" i="0" u="none" strike="noStrike" cap="none">
               <a:solidFill>
                 <a:schemeClr val="dk1"/>
               </a:solidFill>
@@ -10252,12 +10411,12 @@
           </a:ln>
         </p:spPr>
         <p:txBody>
-          <a:bodyPr anchorCtr="0" anchor="t" bIns="45700" lIns="91425" spcFirstLastPara="1" rIns="91425" wrap="square" tIns="45700">
-            <a:noAutofit/>
-          </a:bodyPr>
-          <a:lstStyle/>
-          <a:p>
-            <a:pPr indent="0" lvl="0" marL="0" marR="0" rtl="0" algn="l">
+          <a:bodyPr spcFirstLastPara="1" wrap="square" lIns="91425" tIns="45700" rIns="91425" bIns="45700" anchor="t" anchorCtr="0">
+            <a:noAutofit/>
+          </a:bodyPr>
+          <a:lstStyle/>
+          <a:p>
+            <a:pPr marL="0" marR="0" lvl="0" indent="0" algn="l" rtl="0">
               <a:lnSpc>
                 <a:spcPct val="159942"/>
               </a:lnSpc>
@@ -10275,7 +10434,7 @@
               <a:buNone/>
             </a:pPr>
             <a:r>
-              <a:rPr b="0" i="0" lang="en-US" sz="1750" u="none" cap="none" strike="noStrike">
+              <a:rPr lang="en-US" sz="1750" b="0" i="0" u="none" strike="noStrike" cap="none">
                 <a:solidFill>
                   <a:srgbClr val="2C3249"/>
                 </a:solidFill>
@@ -10286,7 +10445,7 @@
               </a:rPr>
               <a:t>The model takes in a high-resolution image as input.</a:t>
             </a:r>
-            <a:endParaRPr b="0" i="0" sz="1750" u="none" cap="none" strike="noStrike">
+            <a:endParaRPr sz="1750" b="0" i="0" u="none" strike="noStrike" cap="none">
               <a:solidFill>
                 <a:schemeClr val="dk1"/>
               </a:solidFill>
@@ -10300,7 +10459,7 @@
       </p:sp>
       <p:pic>
         <p:nvPicPr>
-          <p:cNvPr descr="preencoded.png" id="134" name="Google Shape;134;p10"/>
+          <p:cNvPr id="134" name="Google Shape;134;p10" descr="preencoded.png"/>
           <p:cNvPicPr preferRelativeResize="0"/>
           <p:nvPr/>
         </p:nvPicPr>
@@ -10308,7 +10467,7 @@
           <a:blip r:embed="rId4">
             <a:alphaModFix/>
           </a:blip>
-          <a:srcRect b="0" l="0" r="0" t="0"/>
+          <a:srcRect/>
           <a:stretch/>
         </p:blipFill>
         <p:spPr>
@@ -10345,12 +10504,12 @@
           </a:ln>
         </p:spPr>
         <p:txBody>
-          <a:bodyPr anchorCtr="0" anchor="t" bIns="45700" lIns="91425" spcFirstLastPara="1" rIns="91425" wrap="square" tIns="45700">
-            <a:noAutofit/>
-          </a:bodyPr>
-          <a:lstStyle/>
-          <a:p>
-            <a:pPr indent="0" lvl="0" marL="0" marR="0" rtl="0" algn="l">
+          <a:bodyPr spcFirstLastPara="1" wrap="square" lIns="91425" tIns="45700" rIns="91425" bIns="45700" anchor="t" anchorCtr="0">
+            <a:noAutofit/>
+          </a:bodyPr>
+          <a:lstStyle/>
+          <a:p>
+            <a:pPr marL="0" marR="0" lvl="0" indent="0" algn="l" rtl="0">
               <a:lnSpc>
                 <a:spcPct val="125011"/>
               </a:lnSpc>
@@ -10368,7 +10527,7 @@
               <a:buNone/>
             </a:pPr>
             <a:r>
-              <a:rPr b="0" i="0" lang="en-US" sz="2187" u="none" cap="none" strike="noStrike">
+              <a:rPr lang="en-US" sz="2187" b="0" i="0" u="none" strike="noStrike" cap="none">
                 <a:solidFill>
                   <a:srgbClr val="2C3249"/>
                 </a:solidFill>
@@ -10379,7 +10538,7 @@
               </a:rPr>
               <a:t>DeepLabV3+ Encoder</a:t>
             </a:r>
-            <a:endParaRPr b="0" i="0" sz="2187" u="none" cap="none" strike="noStrike">
+            <a:endParaRPr sz="2187" b="0" i="0" u="none" strike="noStrike" cap="none">
               <a:solidFill>
                 <a:schemeClr val="dk1"/>
               </a:solidFill>
@@ -10411,12 +10570,12 @@
           </a:ln>
         </p:spPr>
         <p:txBody>
-          <a:bodyPr anchorCtr="0" anchor="t" bIns="45700" lIns="91425" spcFirstLastPara="1" rIns="91425" wrap="square" tIns="45700">
-            <a:noAutofit/>
-          </a:bodyPr>
-          <a:lstStyle/>
-          <a:p>
-            <a:pPr indent="0" lvl="0" marL="0" marR="0" rtl="0" algn="l">
+          <a:bodyPr spcFirstLastPara="1" wrap="square" lIns="91425" tIns="45700" rIns="91425" bIns="45700" anchor="t" anchorCtr="0">
+            <a:noAutofit/>
+          </a:bodyPr>
+          <a:lstStyle/>
+          <a:p>
+            <a:pPr marL="0" marR="0" lvl="0" indent="0" algn="l" rtl="0">
               <a:lnSpc>
                 <a:spcPct val="159942"/>
               </a:lnSpc>
@@ -10434,7 +10593,7 @@
               <a:buNone/>
             </a:pPr>
             <a:r>
-              <a:rPr b="0" i="0" lang="en-US" sz="1750" u="none" cap="none" strike="noStrike">
+              <a:rPr lang="en-US" sz="1750" b="0" i="0" u="none" strike="noStrike" cap="none">
                 <a:solidFill>
                   <a:srgbClr val="2C3249"/>
                 </a:solidFill>
@@ -10445,7 +10604,7 @@
               </a:rPr>
               <a:t>The encoder network, based on a pre-trained ResNet, extracts rich visual features.</a:t>
             </a:r>
-            <a:endParaRPr b="0" i="0" sz="1750" u="none" cap="none" strike="noStrike">
+            <a:endParaRPr sz="1750" b="0" i="0" u="none" strike="noStrike" cap="none">
               <a:solidFill>
                 <a:schemeClr val="dk1"/>
               </a:solidFill>
@@ -10459,7 +10618,7 @@
       </p:sp>
       <p:pic>
         <p:nvPicPr>
-          <p:cNvPr descr="preencoded.png" id="137" name="Google Shape;137;p10"/>
+          <p:cNvPr id="137" name="Google Shape;137;p10" descr="preencoded.png"/>
           <p:cNvPicPr preferRelativeResize="0"/>
           <p:nvPr/>
         </p:nvPicPr>
@@ -10467,7 +10626,7 @@
           <a:blip r:embed="rId5">
             <a:alphaModFix/>
           </a:blip>
-          <a:srcRect b="0" l="0" r="0" t="0"/>
+          <a:srcRect/>
           <a:stretch/>
         </p:blipFill>
         <p:spPr>
@@ -10504,12 +10663,12 @@
           </a:ln>
         </p:spPr>
         <p:txBody>
-          <a:bodyPr anchorCtr="0" anchor="t" bIns="45700" lIns="91425" spcFirstLastPara="1" rIns="91425" wrap="square" tIns="45700">
-            <a:noAutofit/>
-          </a:bodyPr>
-          <a:lstStyle/>
-          <a:p>
-            <a:pPr indent="0" lvl="0" marL="0" marR="0" rtl="0" algn="l">
+          <a:bodyPr spcFirstLastPara="1" wrap="square" lIns="91425" tIns="45700" rIns="91425" bIns="45700" anchor="t" anchorCtr="0">
+            <a:noAutofit/>
+          </a:bodyPr>
+          <a:lstStyle/>
+          <a:p>
+            <a:pPr marL="0" marR="0" lvl="0" indent="0" algn="l" rtl="0">
               <a:lnSpc>
                 <a:spcPct val="125011"/>
               </a:lnSpc>
@@ -10527,7 +10686,7 @@
               <a:buNone/>
             </a:pPr>
             <a:r>
-              <a:rPr b="0" i="0" lang="en-US" sz="2187" u="none" cap="none" strike="noStrike">
+              <a:rPr lang="en-US" sz="2187" b="0" i="0" u="none" strike="noStrike" cap="none">
                 <a:solidFill>
                   <a:srgbClr val="2C3249"/>
                 </a:solidFill>
@@ -10538,7 +10697,7 @@
               </a:rPr>
               <a:t>Atrous Spatial Pyramid Pooling</a:t>
             </a:r>
-            <a:endParaRPr b="0" i="0" sz="2187" u="none" cap="none" strike="noStrike">
+            <a:endParaRPr sz="2187" b="0" i="0" u="none" strike="noStrike" cap="none">
               <a:solidFill>
                 <a:schemeClr val="dk1"/>
               </a:solidFill>
@@ -10570,12 +10729,12 @@
           </a:ln>
         </p:spPr>
         <p:txBody>
-          <a:bodyPr anchorCtr="0" anchor="t" bIns="45700" lIns="91425" spcFirstLastPara="1" rIns="91425" wrap="square" tIns="45700">
-            <a:noAutofit/>
-          </a:bodyPr>
-          <a:lstStyle/>
-          <a:p>
-            <a:pPr indent="0" lvl="0" marL="0" marR="0" rtl="0" algn="l">
+          <a:bodyPr spcFirstLastPara="1" wrap="square" lIns="91425" tIns="45700" rIns="91425" bIns="45700" anchor="t" anchorCtr="0">
+            <a:noAutofit/>
+          </a:bodyPr>
+          <a:lstStyle/>
+          <a:p>
+            <a:pPr marL="0" marR="0" lvl="0" indent="0" algn="l" rtl="0">
               <a:lnSpc>
                 <a:spcPct val="159942"/>
               </a:lnSpc>
@@ -10593,7 +10752,7 @@
               <a:buNone/>
             </a:pPr>
             <a:r>
-              <a:rPr b="0" i="0" lang="en-US" sz="1750" u="none" cap="none" strike="noStrike">
+              <a:rPr lang="en-US" sz="1750" b="0" i="0" u="none" strike="noStrike" cap="none">
                 <a:solidFill>
                   <a:srgbClr val="2C3249"/>
                 </a:solidFill>
@@ -10604,7 +10763,7 @@
               </a:rPr>
               <a:t>The ASPP module captures multi-scale context information to improve segmentation accuracy.</a:t>
             </a:r>
-            <a:endParaRPr b="0" i="0" sz="1750" u="none" cap="none" strike="noStrike">
+            <a:endParaRPr sz="1750" b="0" i="0" u="none" strike="noStrike" cap="none">
               <a:solidFill>
                 <a:schemeClr val="dk1"/>
               </a:solidFill>
@@ -10618,7 +10777,7 @@
       </p:sp>
       <p:pic>
         <p:nvPicPr>
-          <p:cNvPr descr="preencoded.png" id="140" name="Google Shape;140;p10"/>
+          <p:cNvPr id="140" name="Google Shape;140;p10" descr="preencoded.png"/>
           <p:cNvPicPr preferRelativeResize="0"/>
           <p:nvPr/>
         </p:nvPicPr>
@@ -10626,7 +10785,7 @@
           <a:blip r:embed="rId6">
             <a:alphaModFix/>
           </a:blip>
-          <a:srcRect b="0" l="0" r="0" t="0"/>
+          <a:srcRect/>
           <a:stretch/>
         </p:blipFill>
         <p:spPr>
@@ -10663,12 +10822,12 @@
           </a:ln>
         </p:spPr>
         <p:txBody>
-          <a:bodyPr anchorCtr="0" anchor="t" bIns="45700" lIns="91425" spcFirstLastPara="1" rIns="91425" wrap="square" tIns="45700">
-            <a:noAutofit/>
-          </a:bodyPr>
-          <a:lstStyle/>
-          <a:p>
-            <a:pPr indent="0" lvl="0" marL="0" marR="0" rtl="0" algn="l">
+          <a:bodyPr spcFirstLastPara="1" wrap="square" lIns="91425" tIns="45700" rIns="91425" bIns="45700" anchor="t" anchorCtr="0">
+            <a:noAutofit/>
+          </a:bodyPr>
+          <a:lstStyle/>
+          <a:p>
+            <a:pPr marL="0" marR="0" lvl="0" indent="0" algn="l" rtl="0">
               <a:lnSpc>
                 <a:spcPct val="125011"/>
               </a:lnSpc>
@@ -10686,7 +10845,7 @@
               <a:buNone/>
             </a:pPr>
             <a:r>
-              <a:rPr b="0" i="0" lang="en-US" sz="2187" u="none" cap="none" strike="noStrike">
+              <a:rPr lang="en-US" sz="2187" b="0" i="0" u="none" strike="noStrike" cap="none">
                 <a:solidFill>
                   <a:srgbClr val="2C3249"/>
                 </a:solidFill>
@@ -10697,7 +10856,7 @@
               </a:rPr>
               <a:t>Decoder and Output</a:t>
             </a:r>
-            <a:endParaRPr b="0" i="0" sz="2187" u="none" cap="none" strike="noStrike">
+            <a:endParaRPr sz="2187" b="0" i="0" u="none" strike="noStrike" cap="none">
               <a:solidFill>
                 <a:schemeClr val="dk1"/>
               </a:solidFill>
@@ -10729,12 +10888,12 @@
           </a:ln>
         </p:spPr>
         <p:txBody>
-          <a:bodyPr anchorCtr="0" anchor="t" bIns="45700" lIns="91425" spcFirstLastPara="1" rIns="91425" wrap="square" tIns="45700">
-            <a:noAutofit/>
-          </a:bodyPr>
-          <a:lstStyle/>
-          <a:p>
-            <a:pPr indent="0" lvl="0" marL="0" marR="0" rtl="0" algn="l">
+          <a:bodyPr spcFirstLastPara="1" wrap="square" lIns="91425" tIns="45700" rIns="91425" bIns="45700" anchor="t" anchorCtr="0">
+            <a:noAutofit/>
+          </a:bodyPr>
+          <a:lstStyle/>
+          <a:p>
+            <a:pPr marL="0" marR="0" lvl="0" indent="0" algn="l" rtl="0">
               <a:lnSpc>
                 <a:spcPct val="159942"/>
               </a:lnSpc>
@@ -10752,7 +10911,7 @@
               <a:buNone/>
             </a:pPr>
             <a:r>
-              <a:rPr b="0" i="0" lang="en-US" sz="1750" u="none" cap="none" strike="noStrike">
+              <a:rPr lang="en-US" sz="1750" b="0" i="0" u="none" strike="noStrike" cap="none">
                 <a:solidFill>
                   <a:srgbClr val="2C3249"/>
                 </a:solidFill>
@@ -10763,7 +10922,7 @@
               </a:rPr>
               <a:t>The decoder fuses the encoded features to generate the final pixel-wise classification map.</a:t>
             </a:r>
-            <a:endParaRPr b="0" i="0" sz="1750" u="none" cap="none" strike="noStrike">
+            <a:endParaRPr sz="1750" b="0" i="0" u="none" strike="noStrike" cap="none">
               <a:solidFill>
                 <a:schemeClr val="dk1"/>
               </a:solidFill>
@@ -10784,11 +10943,11 @@
 </file>
 
 <file path=ppt/slides/slide9.xml><?xml version="1.0" encoding="utf-8"?>
-<p:sld xmlns:a="http://schemas.openxmlformats.org/drawingml/2006/main" xmlns:r="http://schemas.openxmlformats.org/officeDocument/2006/relationships" xmlns:mc="http://schemas.openxmlformats.org/markup-compatibility/2006" xmlns:mv="urn:schemas-microsoft-com:mac:vml" xmlns:p="http://schemas.openxmlformats.org/presentationml/2006/main" xmlns:c="http://schemas.openxmlformats.org/drawingml/2006/chart" xmlns:dgm="http://schemas.openxmlformats.org/drawingml/2006/diagram" xmlns:o="urn:schemas-microsoft-com:office:office" xmlns:v="urn:schemas-microsoft-com:vml" xmlns:pvml="urn:schemas-microsoft-com:office:powerpoint" xmlns:com="http://schemas.openxmlformats.org/drawingml/2006/compatibility" xmlns:p14="http://schemas.microsoft.com/office/powerpoint/2010/main" xmlns:p15="http://schemas.microsoft.com/office/powerpoint/2012/main" xmlns:ahyp="http://schemas.microsoft.com/office/drawing/2018/hyperlinkcolor">
+<p:sld xmlns:a="http://schemas.openxmlformats.org/drawingml/2006/main" xmlns:r="http://schemas.openxmlformats.org/officeDocument/2006/relationships" xmlns:p="http://schemas.openxmlformats.org/presentationml/2006/main">
   <p:cSld>
     <p:spTree>
       <p:nvGrpSpPr>
-        <p:cNvPr id="147" name="Shape 147"/>
+        <p:cNvPr id="1" name="Shape 147"/>
         <p:cNvGrpSpPr/>
         <p:nvPr/>
       </p:nvGrpSpPr>
@@ -10822,23 +10981,20 @@
           </a:ln>
         </p:spPr>
         <p:txBody>
-          <a:bodyPr anchorCtr="0" anchor="ctr" bIns="91425" lIns="91425" spcFirstLastPara="1" rIns="91425" wrap="square" tIns="91425">
-            <a:noAutofit/>
-          </a:bodyPr>
-          <a:lstStyle/>
-          <a:p>
-            <a:pPr indent="0" lvl="0" marL="0" rtl="0" algn="l">
-              <a:spcBef>
-                <a:spcPts val="0"/>
-              </a:spcBef>
-              <a:spcAft>
-                <a:spcPts val="0"/>
-              </a:spcAft>
-              <a:buNone/>
-            </a:pPr>
-            <a:r>
-              <a:t/>
-            </a:r>
+          <a:bodyPr spcFirstLastPara="1" wrap="square" lIns="91425" tIns="91425" rIns="91425" bIns="91425" anchor="ctr" anchorCtr="0">
+            <a:noAutofit/>
+          </a:bodyPr>
+          <a:lstStyle/>
+          <a:p>
+            <a:pPr marL="0" lvl="0" indent="0" algn="l" rtl="0">
+              <a:spcBef>
+                <a:spcPts val="0"/>
+              </a:spcBef>
+              <a:spcAft>
+                <a:spcPts val="0"/>
+              </a:spcAft>
+              <a:buNone/>
+            </a:pPr>
             <a:endParaRPr/>
           </a:p>
         </p:txBody>
@@ -10865,23 +11021,20 @@
           </a:ln>
         </p:spPr>
         <p:txBody>
-          <a:bodyPr anchorCtr="0" anchor="ctr" bIns="91425" lIns="91425" spcFirstLastPara="1" rIns="91425" wrap="square" tIns="91425">
-            <a:noAutofit/>
-          </a:bodyPr>
-          <a:lstStyle/>
-          <a:p>
-            <a:pPr indent="0" lvl="0" marL="0" rtl="0" algn="l">
-              <a:spcBef>
-                <a:spcPts val="0"/>
-              </a:spcBef>
-              <a:spcAft>
-                <a:spcPts val="0"/>
-              </a:spcAft>
-              <a:buNone/>
-            </a:pPr>
-            <a:r>
-              <a:t/>
-            </a:r>
+          <a:bodyPr spcFirstLastPara="1" wrap="square" lIns="91425" tIns="91425" rIns="91425" bIns="91425" anchor="ctr" anchorCtr="0">
+            <a:noAutofit/>
+          </a:bodyPr>
+          <a:lstStyle/>
+          <a:p>
+            <a:pPr marL="0" lvl="0" indent="0" algn="l" rtl="0">
+              <a:spcBef>
+                <a:spcPts val="0"/>
+              </a:spcBef>
+              <a:spcAft>
+                <a:spcPts val="0"/>
+              </a:spcAft>
+              <a:buNone/>
+            </a:pPr>
             <a:endParaRPr/>
           </a:p>
         </p:txBody>
@@ -10906,12 +11059,12 @@
           </a:ln>
         </p:spPr>
         <p:txBody>
-          <a:bodyPr anchorCtr="0" anchor="t" bIns="45700" lIns="91425" spcFirstLastPara="1" rIns="91425" wrap="square" tIns="45700">
-            <a:noAutofit/>
-          </a:bodyPr>
-          <a:lstStyle/>
-          <a:p>
-            <a:pPr indent="0" lvl="0" marL="0" marR="0" rtl="0" algn="l">
+          <a:bodyPr spcFirstLastPara="1" wrap="square" lIns="91425" tIns="45700" rIns="91425" bIns="45700" anchor="t" anchorCtr="0">
+            <a:noAutofit/>
+          </a:bodyPr>
+          <a:lstStyle/>
+          <a:p>
+            <a:pPr marL="0" marR="0" lvl="0" indent="0" algn="l" rtl="0">
               <a:lnSpc>
                 <a:spcPct val="125011"/>
               </a:lnSpc>
@@ -10929,7 +11082,7 @@
               <a:buNone/>
             </a:pPr>
             <a:r>
-              <a:rPr b="0" i="0" lang="en-US" sz="4374" u="none" cap="none" strike="noStrike">
+              <a:rPr lang="en-US" sz="4374" b="0" i="0" u="none" strike="noStrike" cap="none">
                 <a:solidFill>
                   <a:srgbClr val="272D45"/>
                 </a:solidFill>
@@ -10940,7 +11093,7 @@
               </a:rPr>
               <a:t>Modelling</a:t>
             </a:r>
-            <a:endParaRPr b="0" i="0" sz="4374" u="none" cap="none" strike="noStrike">
+            <a:endParaRPr sz="4374" b="0" i="0" u="none" strike="noStrike" cap="none">
               <a:solidFill>
                 <a:schemeClr val="dk1"/>
               </a:solidFill>
@@ -10989,7 +11142,7 @@
 </file>
 
 <file path=ppt/theme/theme1.xml><?xml version="1.0" encoding="utf-8"?>
-<a:theme xmlns:a="http://schemas.openxmlformats.org/drawingml/2006/main" xmlns:r="http://schemas.openxmlformats.org/officeDocument/2006/relationships" name="Office Theme">
+<a:theme xmlns:a="http://schemas.openxmlformats.org/drawingml/2006/main" name="Office Theme">
   <a:themeElements>
     <a:clrScheme name="Office">
       <a:dk1>
@@ -11264,11 +11417,13 @@
       </a:bgFillStyleLst>
     </a:fmtScheme>
   </a:themeElements>
+  <a:objectDefaults/>
+  <a:extraClrSchemeLst/>
 </a:theme>
 </file>
 
 <file path=ppt/theme/theme2.xml><?xml version="1.0" encoding="utf-8"?>
-<a:theme xmlns:a="http://schemas.openxmlformats.org/drawingml/2006/main" xmlns:r="http://schemas.openxmlformats.org/officeDocument/2006/relationships" name="Office Theme">
+<a:theme xmlns:a="http://schemas.openxmlformats.org/drawingml/2006/main" name="Office Theme">
   <a:themeElements>
     <a:clrScheme name="Office">
       <a:dk1>
@@ -11543,5 +11698,7 @@
       </a:bgFillStyleLst>
     </a:fmtScheme>
   </a:themeElements>
+  <a:objectDefaults/>
+  <a:extraClrSchemeLst/>
 </a:theme>
 </file>
--- a/Image_segmentation_NM.pptx
+++ b/Image_segmentation_NM.pptx
@@ -7611,23 +7611,20 @@
           </a:bodyPr>
           <a:lstStyle/>
           <a:p>
-            <a:pPr marL="0" lvl="0" indent="457200" algn="just" rtl="0">
+            <a:pPr>
               <a:lnSpc>
                 <a:spcPct val="150000"/>
               </a:lnSpc>
-              <a:spcBef>
-                <a:spcPts val="0"/>
-              </a:spcBef>
-              <a:spcAft>
-                <a:spcPts val="0"/>
-              </a:spcAft>
-              <a:buNone/>
             </a:pPr>
             <a:r>
-              <a:rPr lang="en-US" sz="2300"/>
-              <a:t>Accurately classifying various object classes within complex urban environments presents a formidable challenge. This task demands precision in distinguishing between entities like people and vehicles amidst bustling city scenes. Moreover, for applications such as autonomous driving and video surveillance to be effective, real-time performance is imperative. Any solution must swiftly process information to make split-second decisions. Additionally, the model must exhibit robustness, capable of adapting to variations in object size, orientation, occlusion, and environmental conditions. Only with such adaptability can it reliably operate across diverse scenarios, ensuring its utility and effectiveness in practical settings.</a:t>
+              <a:rPr lang="en-US" sz="2400" smtClean="0"/>
+              <a:t>	The </a:t>
             </a:r>
-            <a:endParaRPr sz="2300"/>
+            <a:r>
+              <a:rPr lang="en-US" sz="2400" dirty="0" smtClean="0"/>
+              <a:t>task of accurately identifying and delineating people and vehicles in images presents several challenges. Variations in lighting conditions, occlusions, and background clutter complicate the segmentation process. Traditional image classification methods often fail to provide the level of detail required for precise object delineation. Consequently, inaccurate segmentation results may lead to misclassifications and erroneous decisions, impacting the reliability and effectiveness of systems relying on image analysis.</a:t>
+            </a:r>
+            <a:endParaRPr lang="en-US" sz="2400" dirty="0"/>
           </a:p>
         </p:txBody>
       </p:sp>
